--- a/documentation/ML_Project.pptx
+++ b/documentation/ML_Project.pptx
@@ -5,21 +5,28 @@
     <p:sldMasterId id="2147483648" r:id="rId1"/>
   </p:sldMasterIdLst>
   <p:notesMasterIdLst>
-    <p:notesMasterId r:id="rId14"/>
+    <p:notesMasterId r:id="rId21"/>
   </p:notesMasterIdLst>
   <p:sldIdLst>
     <p:sldId id="256" r:id="rId2"/>
-    <p:sldId id="260" r:id="rId3"/>
-    <p:sldId id="259" r:id="rId4"/>
-    <p:sldId id="266" r:id="rId5"/>
-    <p:sldId id="261" r:id="rId6"/>
-    <p:sldId id="267" r:id="rId7"/>
-    <p:sldId id="273" r:id="rId8"/>
-    <p:sldId id="272" r:id="rId9"/>
-    <p:sldId id="269" r:id="rId10"/>
-    <p:sldId id="274" r:id="rId11"/>
-    <p:sldId id="275" r:id="rId12"/>
-    <p:sldId id="276" r:id="rId13"/>
+    <p:sldId id="277" r:id="rId3"/>
+    <p:sldId id="278" r:id="rId4"/>
+    <p:sldId id="260" r:id="rId5"/>
+    <p:sldId id="259" r:id="rId6"/>
+    <p:sldId id="279" r:id="rId7"/>
+    <p:sldId id="280" r:id="rId8"/>
+    <p:sldId id="266" r:id="rId9"/>
+    <p:sldId id="261" r:id="rId10"/>
+    <p:sldId id="267" r:id="rId11"/>
+    <p:sldId id="273" r:id="rId12"/>
+    <p:sldId id="272" r:id="rId13"/>
+    <p:sldId id="269" r:id="rId14"/>
+    <p:sldId id="274" r:id="rId15"/>
+    <p:sldId id="282" r:id="rId16"/>
+    <p:sldId id="281" r:id="rId17"/>
+    <p:sldId id="275" r:id="rId18"/>
+    <p:sldId id="276" r:id="rId19"/>
+    <p:sldId id="283" r:id="rId20"/>
   </p:sldIdLst>
   <p:sldSz cx="12192000" cy="6858000"/>
   <p:notesSz cx="6858000" cy="9144000"/>
@@ -2335,7 +2342,7 @@
   <dgm:whole/>
   <dgm:extLst>
     <a:ext uri="http://schemas.microsoft.com/office/drawing/2008/diagram">
-      <dsp:dataModelExt xmlns:dsp="http://schemas.microsoft.com/office/drawing/2008/diagram" relId="rId6" minVer="http://schemas.openxmlformats.org/drawingml/2006/diagram"/>
+      <dsp:dataModelExt xmlns:dsp="http://schemas.microsoft.com/office/drawing/2008/diagram" relId="rId7" minVer="http://schemas.openxmlformats.org/drawingml/2006/diagram"/>
     </a:ext>
   </dgm:extLst>
 </dgm:dataModel>
@@ -6706,7 +6713,7 @@
           <a:p>
             <a:fld id="{086D58AC-F0ED-8D4E-A1FB-4B6CBDAB4F21}" type="datetimeFigureOut">
               <a:rPr lang="en-US" smtClean="0"/>
-              <a:t>5/14/24</a:t>
+              <a:t>5/16/24</a:t>
             </a:fld>
             <a:endParaRPr lang="en-US"/>
           </a:p>
@@ -7018,7 +7025,7 @@
           <a:bodyPr/>
           <a:lstStyle/>
           <a:p>
-            <a:endParaRPr lang="en-US" dirty="0"/>
+            <a:endParaRPr lang="en-DE" dirty="0"/>
           </a:p>
         </p:txBody>
       </p:sp>
@@ -7039,7 +7046,7 @@
           <a:p>
             <a:fld id="{A35993ED-6964-0141-AD02-C33670BEA198}" type="slidenum">
               <a:rPr lang="en-US" smtClean="0"/>
-              <a:t>6</a:t>
+              <a:t>4</a:t>
             </a:fld>
             <a:endParaRPr lang="en-US"/>
           </a:p>
@@ -7048,7 +7055,7 @@
     </p:spTree>
     <p:extLst>
       <p:ext uri="{BB962C8B-B14F-4D97-AF65-F5344CB8AC3E}">
-        <p14:creationId xmlns:p14="http://schemas.microsoft.com/office/powerpoint/2010/main" val="2888672114"/>
+        <p14:creationId xmlns:p14="http://schemas.microsoft.com/office/powerpoint/2010/main" val="3383811617"/>
       </p:ext>
     </p:extLst>
   </p:cSld>
@@ -7123,7 +7130,7 @@
           <a:p>
             <a:fld id="{A35993ED-6964-0141-AD02-C33670BEA198}" type="slidenum">
               <a:rPr lang="en-US" smtClean="0"/>
-              <a:t>7</a:t>
+              <a:t>10</a:t>
             </a:fld>
             <a:endParaRPr lang="en-US"/>
           </a:p>
@@ -7132,7 +7139,7 @@
     </p:spTree>
     <p:extLst>
       <p:ext uri="{BB962C8B-B14F-4D97-AF65-F5344CB8AC3E}">
-        <p14:creationId xmlns:p14="http://schemas.microsoft.com/office/powerpoint/2010/main" val="206443811"/>
+        <p14:creationId xmlns:p14="http://schemas.microsoft.com/office/powerpoint/2010/main" val="2888672114"/>
       </p:ext>
     </p:extLst>
   </p:cSld>
@@ -7207,7 +7214,7 @@
           <a:p>
             <a:fld id="{A35993ED-6964-0141-AD02-C33670BEA198}" type="slidenum">
               <a:rPr lang="en-US" smtClean="0"/>
-              <a:t>8</a:t>
+              <a:t>11</a:t>
             </a:fld>
             <a:endParaRPr lang="en-US"/>
           </a:p>
@@ -7216,7 +7223,7 @@
     </p:spTree>
     <p:extLst>
       <p:ext uri="{BB962C8B-B14F-4D97-AF65-F5344CB8AC3E}">
-        <p14:creationId xmlns:p14="http://schemas.microsoft.com/office/powerpoint/2010/main" val="2777216774"/>
+        <p14:creationId xmlns:p14="http://schemas.microsoft.com/office/powerpoint/2010/main" val="206443811"/>
       </p:ext>
     </p:extLst>
   </p:cSld>
@@ -7291,7 +7298,7 @@
           <a:p>
             <a:fld id="{A35993ED-6964-0141-AD02-C33670BEA198}" type="slidenum">
               <a:rPr lang="en-US" smtClean="0"/>
-              <a:t>9</a:t>
+              <a:t>12</a:t>
             </a:fld>
             <a:endParaRPr lang="en-US"/>
           </a:p>
@@ -7300,7 +7307,7 @@
     </p:spTree>
     <p:extLst>
       <p:ext uri="{BB962C8B-B14F-4D97-AF65-F5344CB8AC3E}">
-        <p14:creationId xmlns:p14="http://schemas.microsoft.com/office/powerpoint/2010/main" val="3500284789"/>
+        <p14:creationId xmlns:p14="http://schemas.microsoft.com/office/powerpoint/2010/main" val="2777216774"/>
       </p:ext>
     </p:extLst>
   </p:cSld>
@@ -7375,7 +7382,7 @@
           <a:p>
             <a:fld id="{A35993ED-6964-0141-AD02-C33670BEA198}" type="slidenum">
               <a:rPr lang="en-US" smtClean="0"/>
-              <a:t>10</a:t>
+              <a:t>13</a:t>
             </a:fld>
             <a:endParaRPr lang="en-US"/>
           </a:p>
@@ -7384,7 +7391,7 @@
     </p:spTree>
     <p:extLst>
       <p:ext uri="{BB962C8B-B14F-4D97-AF65-F5344CB8AC3E}">
-        <p14:creationId xmlns:p14="http://schemas.microsoft.com/office/powerpoint/2010/main" val="281989311"/>
+        <p14:creationId xmlns:p14="http://schemas.microsoft.com/office/powerpoint/2010/main" val="3500284789"/>
       </p:ext>
     </p:extLst>
   </p:cSld>
@@ -7459,7 +7466,7 @@
           <a:p>
             <a:fld id="{A35993ED-6964-0141-AD02-C33670BEA198}" type="slidenum">
               <a:rPr lang="en-US" smtClean="0"/>
-              <a:t>11</a:t>
+              <a:t>14</a:t>
             </a:fld>
             <a:endParaRPr lang="en-US"/>
           </a:p>
@@ -7468,7 +7475,7 @@
     </p:spTree>
     <p:extLst>
       <p:ext uri="{BB962C8B-B14F-4D97-AF65-F5344CB8AC3E}">
-        <p14:creationId xmlns:p14="http://schemas.microsoft.com/office/powerpoint/2010/main" val="856043786"/>
+        <p14:creationId xmlns:p14="http://schemas.microsoft.com/office/powerpoint/2010/main" val="281989311"/>
       </p:ext>
     </p:extLst>
   </p:cSld>
@@ -7543,7 +7550,91 @@
           <a:p>
             <a:fld id="{A35993ED-6964-0141-AD02-C33670BEA198}" type="slidenum">
               <a:rPr lang="en-US" smtClean="0"/>
-              <a:t>12</a:t>
+              <a:t>17</a:t>
+            </a:fld>
+            <a:endParaRPr lang="en-US"/>
+          </a:p>
+        </p:txBody>
+      </p:sp>
+    </p:spTree>
+    <p:extLst>
+      <p:ext uri="{BB962C8B-B14F-4D97-AF65-F5344CB8AC3E}">
+        <p14:creationId xmlns:p14="http://schemas.microsoft.com/office/powerpoint/2010/main" val="856043786"/>
+      </p:ext>
+    </p:extLst>
+  </p:cSld>
+  <p:clrMapOvr>
+    <a:masterClrMapping/>
+  </p:clrMapOvr>
+</p:notes>
+</file>
+
+<file path=ppt/notesSlides/notesSlide8.xml><?xml version="1.0" encoding="utf-8"?>
+<p:notes xmlns:a="http://schemas.openxmlformats.org/drawingml/2006/main" xmlns:r="http://schemas.openxmlformats.org/officeDocument/2006/relationships" xmlns:p="http://schemas.openxmlformats.org/presentationml/2006/main">
+  <p:cSld>
+    <p:spTree>
+      <p:nvGrpSpPr>
+        <p:cNvPr id="1" name=""/>
+        <p:cNvGrpSpPr/>
+        <p:nvPr/>
+      </p:nvGrpSpPr>
+      <p:grpSpPr>
+        <a:xfrm>
+          <a:off x="0" y="0"/>
+          <a:ext cx="0" cy="0"/>
+          <a:chOff x="0" y="0"/>
+          <a:chExt cx="0" cy="0"/>
+        </a:xfrm>
+      </p:grpSpPr>
+      <p:sp>
+        <p:nvSpPr>
+          <p:cNvPr id="2" name="Slide Image Placeholder 1"/>
+          <p:cNvSpPr>
+            <a:spLocks noGrp="1" noRot="1" noChangeAspect="1"/>
+          </p:cNvSpPr>
+          <p:nvPr>
+            <p:ph type="sldImg"/>
+          </p:nvPr>
+        </p:nvSpPr>
+        <p:spPr/>
+      </p:sp>
+      <p:sp>
+        <p:nvSpPr>
+          <p:cNvPr id="3" name="Notes Placeholder 2"/>
+          <p:cNvSpPr>
+            <a:spLocks noGrp="1"/>
+          </p:cNvSpPr>
+          <p:nvPr>
+            <p:ph type="body" idx="1"/>
+          </p:nvPr>
+        </p:nvSpPr>
+        <p:spPr/>
+        <p:txBody>
+          <a:bodyPr/>
+          <a:lstStyle/>
+          <a:p>
+            <a:endParaRPr lang="en-US" dirty="0"/>
+          </a:p>
+        </p:txBody>
+      </p:sp>
+      <p:sp>
+        <p:nvSpPr>
+          <p:cNvPr id="4" name="Slide Number Placeholder 3"/>
+          <p:cNvSpPr>
+            <a:spLocks noGrp="1"/>
+          </p:cNvSpPr>
+          <p:nvPr>
+            <p:ph type="sldNum" sz="quarter" idx="5"/>
+          </p:nvPr>
+        </p:nvSpPr>
+        <p:spPr/>
+        <p:txBody>
+          <a:bodyPr/>
+          <a:lstStyle/>
+          <a:p>
+            <a:fld id="{A35993ED-6964-0141-AD02-C33670BEA198}" type="slidenum">
+              <a:rPr lang="en-US" smtClean="0"/>
+              <a:t>18</a:t>
             </a:fld>
             <a:endParaRPr lang="en-US"/>
           </a:p>
@@ -7711,7 +7802,7 @@
           <a:p>
             <a:fld id="{A1368BEB-7B4F-3B4C-9C80-C5E0D90F89D2}" type="datetimeFigureOut">
               <a:rPr lang="en-US" smtClean="0"/>
-              <a:t>5/14/24</a:t>
+              <a:t>5/16/24</a:t>
             </a:fld>
             <a:endParaRPr lang="en-US"/>
           </a:p>
@@ -7911,7 +8002,7 @@
           <a:p>
             <a:fld id="{A1368BEB-7B4F-3B4C-9C80-C5E0D90F89D2}" type="datetimeFigureOut">
               <a:rPr lang="en-US" smtClean="0"/>
-              <a:t>5/14/24</a:t>
+              <a:t>5/16/24</a:t>
             </a:fld>
             <a:endParaRPr lang="en-US"/>
           </a:p>
@@ -8121,7 +8212,7 @@
           <a:p>
             <a:fld id="{A1368BEB-7B4F-3B4C-9C80-C5E0D90F89D2}" type="datetimeFigureOut">
               <a:rPr lang="en-US" smtClean="0"/>
-              <a:t>5/14/24</a:t>
+              <a:t>5/16/24</a:t>
             </a:fld>
             <a:endParaRPr lang="en-US"/>
           </a:p>
@@ -8321,7 +8412,7 @@
           <a:p>
             <a:fld id="{A1368BEB-7B4F-3B4C-9C80-C5E0D90F89D2}" type="datetimeFigureOut">
               <a:rPr lang="en-US" smtClean="0"/>
-              <a:t>5/14/24</a:t>
+              <a:t>5/16/24</a:t>
             </a:fld>
             <a:endParaRPr lang="en-US"/>
           </a:p>
@@ -8597,7 +8688,7 @@
           <a:p>
             <a:fld id="{A1368BEB-7B4F-3B4C-9C80-C5E0D90F89D2}" type="datetimeFigureOut">
               <a:rPr lang="en-US" smtClean="0"/>
-              <a:t>5/14/24</a:t>
+              <a:t>5/16/24</a:t>
             </a:fld>
             <a:endParaRPr lang="en-US"/>
           </a:p>
@@ -8865,7 +8956,7 @@
           <a:p>
             <a:fld id="{A1368BEB-7B4F-3B4C-9C80-C5E0D90F89D2}" type="datetimeFigureOut">
               <a:rPr lang="en-US" smtClean="0"/>
-              <a:t>5/14/24</a:t>
+              <a:t>5/16/24</a:t>
             </a:fld>
             <a:endParaRPr lang="en-US"/>
           </a:p>
@@ -9280,7 +9371,7 @@
           <a:p>
             <a:fld id="{A1368BEB-7B4F-3B4C-9C80-C5E0D90F89D2}" type="datetimeFigureOut">
               <a:rPr lang="en-US" smtClean="0"/>
-              <a:t>5/14/24</a:t>
+              <a:t>5/16/24</a:t>
             </a:fld>
             <a:endParaRPr lang="en-US"/>
           </a:p>
@@ -9422,7 +9513,7 @@
           <a:p>
             <a:fld id="{A1368BEB-7B4F-3B4C-9C80-C5E0D90F89D2}" type="datetimeFigureOut">
               <a:rPr lang="en-US" smtClean="0"/>
-              <a:t>5/14/24</a:t>
+              <a:t>5/16/24</a:t>
             </a:fld>
             <a:endParaRPr lang="en-US"/>
           </a:p>
@@ -9535,7 +9626,7 @@
           <a:p>
             <a:fld id="{A1368BEB-7B4F-3B4C-9C80-C5E0D90F89D2}" type="datetimeFigureOut">
               <a:rPr lang="en-US" smtClean="0"/>
-              <a:t>5/14/24</a:t>
+              <a:t>5/16/24</a:t>
             </a:fld>
             <a:endParaRPr lang="en-US"/>
           </a:p>
@@ -9848,7 +9939,7 @@
           <a:p>
             <a:fld id="{A1368BEB-7B4F-3B4C-9C80-C5E0D90F89D2}" type="datetimeFigureOut">
               <a:rPr lang="en-US" smtClean="0"/>
-              <a:t>5/14/24</a:t>
+              <a:t>5/16/24</a:t>
             </a:fld>
             <a:endParaRPr lang="en-US"/>
           </a:p>
@@ -10137,7 +10228,7 @@
           <a:p>
             <a:fld id="{A1368BEB-7B4F-3B4C-9C80-C5E0D90F89D2}" type="datetimeFigureOut">
               <a:rPr lang="en-US" smtClean="0"/>
-              <a:t>5/14/24</a:t>
+              <a:t>5/16/24</a:t>
             </a:fld>
             <a:endParaRPr lang="en-US"/>
           </a:p>
@@ -10380,7 +10471,7 @@
           <a:p>
             <a:fld id="{A1368BEB-7B4F-3B4C-9C80-C5E0D90F89D2}" type="datetimeFigureOut">
               <a:rPr lang="en-US" smtClean="0"/>
-              <a:t>5/14/24</a:t>
+              <a:t>5/16/24</a:t>
             </a:fld>
             <a:endParaRPr lang="en-US"/>
           </a:p>
@@ -11217,7 +11308,7 @@
       </p:grpSpPr>
       <p:sp useBgFill="1">
         <p:nvSpPr>
-          <p:cNvPr id="12" name="Rectangle 11">
+          <p:cNvPr id="23" name="Rectangle 22">
             <a:extLst>
               <a:ext uri="{FF2B5EF4-FFF2-40B4-BE49-F238E27FC236}">
                 <a16:creationId xmlns:a16="http://schemas.microsoft.com/office/drawing/2014/main" id="{2550BE34-C2B8-49B8-8519-67A8CAD51AE9}"/>
@@ -11277,7 +11368,7 @@
       </p:sp>
       <p:sp useBgFill="1">
         <p:nvSpPr>
-          <p:cNvPr id="14" name="Rectangle 13">
+          <p:cNvPr id="25" name="Rectangle 24">
             <a:extLst>
               <a:ext uri="{FF2B5EF4-FFF2-40B4-BE49-F238E27FC236}">
                 <a16:creationId xmlns:a16="http://schemas.microsoft.com/office/drawing/2014/main" id="{A7457DD9-5A45-400A-AB4B-4B4EDECA25F1}"/>
@@ -11393,25 +11484,32 @@
         <p:spPr>
           <a:xfrm>
             <a:off x="1046746" y="586822"/>
-            <a:ext cx="3827730" cy="1645920"/>
+            <a:ext cx="3560252" cy="1645920"/>
           </a:xfrm>
         </p:spPr>
         <p:txBody>
-          <a:bodyPr>
+          <a:bodyPr vert="horz" lIns="91440" tIns="45720" rIns="91440" bIns="45720" rtlCol="0" anchor="ctr">
             <a:normAutofit/>
           </a:bodyPr>
           <a:lstStyle/>
           <a:p>
             <a:r>
-              <a:rPr lang="en-US" sz="3200" dirty="0"/>
-              <a:t>Build pipeline</a:t>
+              <a:rPr lang="en-US" sz="3200" kern="1200">
+                <a:solidFill>
+                  <a:schemeClr val="tx1"/>
+                </a:solidFill>
+                <a:latin typeface="+mj-lt"/>
+                <a:ea typeface="+mj-ea"/>
+                <a:cs typeface="+mj-cs"/>
+              </a:rPr>
+              <a:t>Train delay Prediction</a:t>
             </a:r>
           </a:p>
         </p:txBody>
       </p:sp>
       <p:sp>
         <p:nvSpPr>
-          <p:cNvPr id="16" name="Rectangle 15">
+          <p:cNvPr id="27" name="Rectangle 26">
             <a:extLst>
               <a:ext uri="{FF2B5EF4-FFF2-40B4-BE49-F238E27FC236}">
                 <a16:creationId xmlns:a16="http://schemas.microsoft.com/office/drawing/2014/main" id="{441CF7D6-A660-431A-B0BB-140A0D5556B6}"/>
@@ -11479,7 +11577,7 @@
       </p:sp>
       <p:sp>
         <p:nvSpPr>
-          <p:cNvPr id="18" name="Rectangle 17">
+          <p:cNvPr id="29" name="Rectangle 28">
             <a:extLst>
               <a:ext uri="{FF2B5EF4-FFF2-40B4-BE49-F238E27FC236}">
                 <a16:creationId xmlns:a16="http://schemas.microsoft.com/office/drawing/2014/main" id="{0570A85B-3810-4F95-97B0-CBF4CCDB381C}"/>
@@ -11548,10 +11646,10 @@
       </p:sp>
       <p:sp>
         <p:nvSpPr>
-          <p:cNvPr id="3" name="TextBox 2">
+          <p:cNvPr id="6" name="TextBox 5">
             <a:extLst>
               <a:ext uri="{FF2B5EF4-FFF2-40B4-BE49-F238E27FC236}">
-                <a16:creationId xmlns:a16="http://schemas.microsoft.com/office/drawing/2014/main" id="{7F1CD93A-8E86-94BB-9F28-B13744EB7CAB}"/>
+                <a16:creationId xmlns:a16="http://schemas.microsoft.com/office/drawing/2014/main" id="{82B02ED4-85B8-0188-240D-07101365BDCB}"/>
               </a:ext>
             </a:extLst>
           </p:cNvPr>
@@ -11560,69 +11658,117 @@
         </p:nvSpPr>
         <p:spPr>
           <a:xfrm>
-            <a:off x="5108429" y="586822"/>
-            <a:ext cx="6510867" cy="1477328"/>
+            <a:off x="5351164" y="586822"/>
+            <a:ext cx="6002636" cy="1645920"/>
           </a:xfrm>
           <a:prstGeom prst="rect">
             <a:avLst/>
           </a:prstGeom>
-          <a:noFill/>
         </p:spPr>
         <p:txBody>
-          <a:bodyPr wrap="square" rtlCol="0">
-            <a:spAutoFit/>
+          <a:bodyPr vert="horz" lIns="91440" tIns="45720" rIns="91440" bIns="45720" rtlCol="0" anchor="ctr">
+            <a:noAutofit/>
           </a:bodyPr>
           <a:lstStyle/>
           <a:p>
-            <a:pPr marL="285750" indent="-285750">
+            <a:pPr marL="285750" indent="-228600">
+              <a:lnSpc>
+                <a:spcPct val="90000"/>
+              </a:lnSpc>
+              <a:spcAft>
+                <a:spcPts val="600"/>
+              </a:spcAft>
               <a:buFont typeface="Arial" panose="020B0604020202020204" pitchFamily="34" charset="0"/>
               <a:buChar char="•"/>
             </a:pPr>
             <a:r>
-              <a:rPr lang="en-US" sz="1800" dirty="0">
+              <a:rPr lang="en-US" sz="1400" b="1" i="0" dirty="0">
                 <a:effectLst/>
-                <a:latin typeface="Aptos" panose="020B0004020202020204" pitchFamily="34" charset="0"/>
-                <a:ea typeface="Aptos" panose="020B0004020202020204" pitchFamily="34" charset="0"/>
-                <a:cs typeface="Times New Roman" panose="02020603050405020304" pitchFamily="18" charset="0"/>
+                <a:highlight>
+                  <a:srgbClr val="FFFFFF"/>
+                </a:highlight>
               </a:rPr>
-              <a:t>To automate the build and deployment of data engineering and train delay prediction system, Jenkins tool was installed on local Docker. </a:t>
+              <a:t>Model Initialization and Server Configuration</a:t>
             </a:r>
-          </a:p>
-          <a:p>
-            <a:pPr marL="285750" indent="-285750">
+            <a:r>
+              <a:rPr lang="en-US" sz="1400" b="0" i="0" dirty="0">
+                <a:effectLst/>
+                <a:highlight>
+                  <a:srgbClr val="FFFFFF"/>
+                </a:highlight>
+              </a:rPr>
+              <a:t>: The Random Forest Classifier model is initialized from stored weights, accompanied by label encoders, within the architecture </a:t>
+            </a:r>
+          </a:p>
+          <a:p>
+            <a:pPr marL="285750" indent="-228600">
+              <a:lnSpc>
+                <a:spcPct val="90000"/>
+              </a:lnSpc>
+              <a:spcAft>
+                <a:spcPts val="600"/>
+              </a:spcAft>
               <a:buFont typeface="Arial" panose="020B0604020202020204" pitchFamily="34" charset="0"/>
               <a:buChar char="•"/>
             </a:pPr>
             <a:r>
-              <a:rPr lang="en-US" sz="1800" dirty="0">
+              <a:rPr lang="en-US" sz="1400" b="1" i="0" dirty="0">
                 <a:effectLst/>
-                <a:latin typeface="Aptos" panose="020B0004020202020204" pitchFamily="34" charset="0"/>
-                <a:ea typeface="Aptos" panose="020B0004020202020204" pitchFamily="34" charset="0"/>
-                <a:cs typeface="Times New Roman" panose="02020603050405020304" pitchFamily="18" charset="0"/>
+                <a:highlight>
+                  <a:srgbClr val="FFFFFF"/>
+                </a:highlight>
               </a:rPr>
-              <a:t>Unfortunately, the pipeline doesn’t work as expected and it wasn’t possible to fix the Docker related issue</a:t>
+              <a:t>API Documentation and User Interface</a:t>
             </a:r>
             <a:r>
-              <a:rPr lang="en-IN" dirty="0">
+              <a:rPr lang="en-US" sz="1400" b="0" i="0" dirty="0">
                 <a:effectLst/>
+                <a:highlight>
+                  <a:srgbClr val="FFFFFF"/>
+                </a:highlight>
               </a:rPr>
-              <a:t> </a:t>
+              <a:t>: Open API documentation, integrated with Swagger, aids in development and API management by listing available REST services and offering execution options via Swagger UI.</a:t>
             </a:r>
-            <a:endParaRPr lang="en-US" sz="1800" dirty="0">
-              <a:effectLst/>
-              <a:latin typeface="Aptos" panose="020B0004020202020204" pitchFamily="34" charset="0"/>
-              <a:ea typeface="Aptos" panose="020B0004020202020204" pitchFamily="34" charset="0"/>
-              <a:cs typeface="Times New Roman" panose="02020603050405020304" pitchFamily="18" charset="0"/>
-            </a:endParaRPr>
+          </a:p>
+          <a:p>
+            <a:pPr marL="285750" indent="-228600">
+              <a:lnSpc>
+                <a:spcPct val="90000"/>
+              </a:lnSpc>
+              <a:spcAft>
+                <a:spcPts val="600"/>
+              </a:spcAft>
+              <a:buFont typeface="Arial" panose="020B0604020202020204" pitchFamily="34" charset="0"/>
+              <a:buChar char="•"/>
+            </a:pPr>
+            <a:r>
+              <a:rPr lang="en-US" sz="1400" b="1" i="0" dirty="0">
+                <a:effectLst/>
+                <a:highlight>
+                  <a:srgbClr val="FFFFFF"/>
+                </a:highlight>
+              </a:rPr>
+              <a:t>Prediction Process and Response Handling</a:t>
+            </a:r>
+            <a:r>
+              <a:rPr lang="en-US" sz="1400" b="0" i="0" dirty="0">
+                <a:effectLst/>
+                <a:highlight>
+                  <a:srgbClr val="FFFFFF"/>
+                </a:highlight>
+              </a:rPr>
+              <a:t>: The frontend application interacts with the backend by retrieving a list of available train schedules and presenting them to users. </a:t>
+            </a:r>
+            <a:endParaRPr lang="en-US" sz="1400" dirty="0"/>
           </a:p>
         </p:txBody>
       </p:sp>
       <p:pic>
         <p:nvPicPr>
-          <p:cNvPr id="8" name="Picture 7" descr="A screenshot of a computer&#10;&#10;Description automatically generated">
+          <p:cNvPr id="5" name="Content Placeholder 4" descr="A diagram of a train delay classifier&#10;&#10;Description automatically generated">
             <a:extLst>
               <a:ext uri="{FF2B5EF4-FFF2-40B4-BE49-F238E27FC236}">
-                <a16:creationId xmlns:a16="http://schemas.microsoft.com/office/drawing/2014/main" id="{9FAE7D46-D958-B54B-437A-C191EB7CDA14}"/>
+                <a16:creationId xmlns:a16="http://schemas.microsoft.com/office/drawing/2014/main" id="{CF59C041-B3E5-4C6C-E836-CCED3DE97E67}"/>
               </a:ext>
             </a:extLst>
           </p:cNvPr>
@@ -11639,32 +11785,18 @@
         </p:blipFill>
         <p:spPr>
           <a:xfrm>
-            <a:off x="1998921" y="2752998"/>
-            <a:ext cx="8455307" cy="3009849"/>
+            <a:off x="1586125" y="2734056"/>
+            <a:ext cx="9108142" cy="3483864"/>
           </a:xfrm>
           <a:prstGeom prst="rect">
             <a:avLst/>
           </a:prstGeom>
-          <a:ln w="12700" cap="sq">
-            <a:solidFill>
-              <a:srgbClr val="000000"/>
-            </a:solidFill>
-            <a:prstDash val="solid"/>
-            <a:miter lim="800000"/>
-          </a:ln>
-          <a:effectLst>
-            <a:outerShdw blurRad="50800" dist="38100" dir="2700000" algn="tl" rotWithShape="0">
-              <a:srgbClr val="000000">
-                <a:alpha val="43000"/>
-              </a:srgbClr>
-            </a:outerShdw>
-          </a:effectLst>
         </p:spPr>
       </p:pic>
     </p:spTree>
     <p:extLst>
       <p:ext uri="{BB962C8B-B14F-4D97-AF65-F5344CB8AC3E}">
-        <p14:creationId xmlns:p14="http://schemas.microsoft.com/office/powerpoint/2010/main" val="1332831130"/>
+        <p14:creationId xmlns:p14="http://schemas.microsoft.com/office/powerpoint/2010/main" val="4173489091"/>
       </p:ext>
     </p:extLst>
   </p:cSld>
@@ -11701,7 +11833,7 @@
       </p:grpSpPr>
       <p:sp useBgFill="1">
         <p:nvSpPr>
-          <p:cNvPr id="12" name="Rectangle 11">
+          <p:cNvPr id="23" name="Rectangle 22">
             <a:extLst>
               <a:ext uri="{FF2B5EF4-FFF2-40B4-BE49-F238E27FC236}">
                 <a16:creationId xmlns:a16="http://schemas.microsoft.com/office/drawing/2014/main" id="{2550BE34-C2B8-49B8-8519-67A8CAD51AE9}"/>
@@ -11761,7 +11893,7 @@
       </p:sp>
       <p:sp useBgFill="1">
         <p:nvSpPr>
-          <p:cNvPr id="14" name="Rectangle 13">
+          <p:cNvPr id="25" name="Rectangle 24">
             <a:extLst>
               <a:ext uri="{FF2B5EF4-FFF2-40B4-BE49-F238E27FC236}">
                 <a16:creationId xmlns:a16="http://schemas.microsoft.com/office/drawing/2014/main" id="{A7457DD9-5A45-400A-AB4B-4B4EDECA25F1}"/>
@@ -11877,6 +12009,1077 @@
         <p:spPr>
           <a:xfrm>
             <a:off x="1046746" y="586822"/>
+            <a:ext cx="3560252" cy="1645920"/>
+          </a:xfrm>
+        </p:spPr>
+        <p:txBody>
+          <a:bodyPr vert="horz" lIns="91440" tIns="45720" rIns="91440" bIns="45720" rtlCol="0" anchor="ctr">
+            <a:normAutofit/>
+          </a:bodyPr>
+          <a:lstStyle/>
+          <a:p>
+            <a:r>
+              <a:rPr lang="en-US" sz="3200" kern="1200" dirty="0">
+                <a:solidFill>
+                  <a:schemeClr val="tx1"/>
+                </a:solidFill>
+                <a:latin typeface="+mj-lt"/>
+                <a:ea typeface="+mj-ea"/>
+                <a:cs typeface="+mj-cs"/>
+              </a:rPr>
+              <a:t>Sample feature set</a:t>
+            </a:r>
+          </a:p>
+        </p:txBody>
+      </p:sp>
+      <p:sp>
+        <p:nvSpPr>
+          <p:cNvPr id="27" name="Rectangle 26">
+            <a:extLst>
+              <a:ext uri="{FF2B5EF4-FFF2-40B4-BE49-F238E27FC236}">
+                <a16:creationId xmlns:a16="http://schemas.microsoft.com/office/drawing/2014/main" id="{441CF7D6-A660-431A-B0BB-140A0D5556B6}"/>
+              </a:ext>
+              <a:ext uri="{C183D7F6-B498-43B3-948B-1728B52AA6E4}">
+                <adec:decorative xmlns:adec="http://schemas.microsoft.com/office/drawing/2017/decorative" val="1"/>
+              </a:ext>
+            </a:extLst>
+          </p:cNvPr>
+          <p:cNvSpPr>
+            <a:spLocks noGrp="1" noRot="1" noChangeAspect="1" noMove="1" noResize="1" noEditPoints="1" noAdjustHandles="1" noChangeArrowheads="1" noChangeShapeType="1" noTextEdit="1"/>
+          </p:cNvSpPr>
+          <p:nvPr>
+            <p:extLst>
+              <p:ext uri="{386F3935-93C4-4BCD-93E2-E3B085C9AB24}">
+                <p16:designElem xmlns:p16="http://schemas.microsoft.com/office/powerpoint/2015/main" val="1"/>
+              </p:ext>
+            </p:extLst>
+          </p:nvPr>
+        </p:nvSpPr>
+        <p:spPr>
+          <a:xfrm>
+            <a:off x="490408" y="1057739"/>
+            <a:ext cx="128016" cy="704088"/>
+          </a:xfrm>
+          <a:prstGeom prst="rect">
+            <a:avLst/>
+          </a:prstGeom>
+          <a:solidFill>
+            <a:schemeClr val="accent2"/>
+          </a:solidFill>
+          <a:ln>
+            <a:noFill/>
+          </a:ln>
+        </p:spPr>
+        <p:style>
+          <a:lnRef idx="2">
+            <a:schemeClr val="accent1">
+              <a:shade val="50000"/>
+            </a:schemeClr>
+          </a:lnRef>
+          <a:fillRef idx="1">
+            <a:schemeClr val="accent1"/>
+          </a:fillRef>
+          <a:effectRef idx="0">
+            <a:schemeClr val="accent1"/>
+          </a:effectRef>
+          <a:fontRef idx="minor">
+            <a:schemeClr val="lt1"/>
+          </a:fontRef>
+        </p:style>
+        <p:txBody>
+          <a:bodyPr rtlCol="0" anchor="ctr"/>
+          <a:lstStyle/>
+          <a:p>
+            <a:pPr algn="ctr"/>
+            <a:endParaRPr lang="en-US" dirty="0">
+              <a:solidFill>
+                <a:prstClr val="white"/>
+              </a:solidFill>
+              <a:latin typeface="Calibri" panose="020F0502020204030204"/>
+            </a:endParaRPr>
+          </a:p>
+        </p:txBody>
+      </p:sp>
+      <p:sp>
+        <p:nvSpPr>
+          <p:cNvPr id="29" name="Rectangle 28">
+            <a:extLst>
+              <a:ext uri="{FF2B5EF4-FFF2-40B4-BE49-F238E27FC236}">
+                <a16:creationId xmlns:a16="http://schemas.microsoft.com/office/drawing/2014/main" id="{0570A85B-3810-4F95-97B0-CBF4CCDB381C}"/>
+              </a:ext>
+              <a:ext uri="{C183D7F6-B498-43B3-948B-1728B52AA6E4}">
+                <adec:decorative xmlns:adec="http://schemas.microsoft.com/office/drawing/2017/decorative" val="1"/>
+              </a:ext>
+            </a:extLst>
+          </p:cNvPr>
+          <p:cNvSpPr>
+            <a:spLocks noGrp="1" noRot="1" noChangeAspect="1" noMove="1" noResize="1" noEditPoints="1" noAdjustHandles="1" noChangeArrowheads="1" noChangeShapeType="1" noTextEdit="1"/>
+          </p:cNvSpPr>
+          <p:nvPr>
+            <p:extLst>
+              <p:ext uri="{386F3935-93C4-4BCD-93E2-E3B085C9AB24}">
+                <p16:designElem xmlns:p16="http://schemas.microsoft.com/office/powerpoint/2015/main" val="1"/>
+              </p:ext>
+            </p:extLst>
+          </p:nvPr>
+        </p:nvSpPr>
+        <p:spPr>
+          <a:xfrm rot="5400000">
+            <a:off x="4243541" y="1400638"/>
+            <a:ext cx="1463040" cy="18288"/>
+          </a:xfrm>
+          <a:prstGeom prst="rect">
+            <a:avLst/>
+          </a:prstGeom>
+          <a:solidFill>
+            <a:srgbClr val="D5D5D5"/>
+          </a:solidFill>
+          <a:ln w="3175">
+            <a:noFill/>
+          </a:ln>
+          <a:effectLst/>
+        </p:spPr>
+        <p:style>
+          <a:lnRef idx="2">
+            <a:schemeClr val="accent1">
+              <a:shade val="50000"/>
+            </a:schemeClr>
+          </a:lnRef>
+          <a:fillRef idx="1">
+            <a:schemeClr val="accent1"/>
+          </a:fillRef>
+          <a:effectRef idx="0">
+            <a:schemeClr val="accent1"/>
+          </a:effectRef>
+          <a:fontRef idx="minor">
+            <a:schemeClr val="lt1"/>
+          </a:fontRef>
+        </p:style>
+        <p:txBody>
+          <a:bodyPr rtlCol="0" anchor="ctr"/>
+          <a:lstStyle/>
+          <a:p>
+            <a:pPr algn="ctr"/>
+            <a:endParaRPr lang="en-US">
+              <a:solidFill>
+                <a:prstClr val="white"/>
+              </a:solidFill>
+              <a:latin typeface="Calibri" panose="020F0502020204030204"/>
+            </a:endParaRPr>
+          </a:p>
+        </p:txBody>
+      </p:sp>
+      <p:sp>
+        <p:nvSpPr>
+          <p:cNvPr id="6" name="TextBox 5">
+            <a:extLst>
+              <a:ext uri="{FF2B5EF4-FFF2-40B4-BE49-F238E27FC236}">
+                <a16:creationId xmlns:a16="http://schemas.microsoft.com/office/drawing/2014/main" id="{82B02ED4-85B8-0188-240D-07101365BDCB}"/>
+              </a:ext>
+            </a:extLst>
+          </p:cNvPr>
+          <p:cNvSpPr txBox="1"/>
+          <p:nvPr/>
+        </p:nvSpPr>
+        <p:spPr>
+          <a:xfrm>
+            <a:off x="5351164" y="586822"/>
+            <a:ext cx="6002636" cy="1645920"/>
+          </a:xfrm>
+          <a:prstGeom prst="rect">
+            <a:avLst/>
+          </a:prstGeom>
+        </p:spPr>
+        <p:txBody>
+          <a:bodyPr vert="horz" lIns="91440" tIns="45720" rIns="91440" bIns="45720" rtlCol="0" anchor="ctr">
+            <a:normAutofit/>
+          </a:bodyPr>
+          <a:lstStyle/>
+          <a:p>
+            <a:pPr marL="285750" indent="-228600">
+              <a:lnSpc>
+                <a:spcPct val="90000"/>
+              </a:lnSpc>
+              <a:spcAft>
+                <a:spcPts val="600"/>
+              </a:spcAft>
+              <a:buFont typeface="Arial" panose="020B0604020202020204" pitchFamily="34" charset="0"/>
+              <a:buChar char="•"/>
+            </a:pPr>
+            <a:r>
+              <a:rPr lang="en-US" sz="1400" dirty="0">
+                <a:effectLst/>
+                <a:ea typeface="Aptos" panose="020B0004020202020204" pitchFamily="34" charset="0"/>
+                <a:cs typeface="Times New Roman" panose="02020603050405020304" pitchFamily="18" charset="0"/>
+              </a:rPr>
+              <a:t>Data model of train announcement contains many attributes in JSON format</a:t>
+            </a:r>
+          </a:p>
+          <a:p>
+            <a:pPr marL="285750" indent="-228600">
+              <a:lnSpc>
+                <a:spcPct val="90000"/>
+              </a:lnSpc>
+              <a:spcAft>
+                <a:spcPts val="600"/>
+              </a:spcAft>
+              <a:buFont typeface="Arial" panose="020B0604020202020204" pitchFamily="34" charset="0"/>
+              <a:buChar char="•"/>
+            </a:pPr>
+            <a:r>
+              <a:rPr lang="en-US" sz="1400" dirty="0">
+                <a:effectLst/>
+                <a:ea typeface="Aptos" panose="020B0004020202020204" pitchFamily="34" charset="0"/>
+                <a:cs typeface="Times New Roman" panose="02020603050405020304" pitchFamily="18" charset="0"/>
+              </a:rPr>
+              <a:t>JSON data is converted to Pandas </a:t>
+            </a:r>
+            <a:r>
+              <a:rPr lang="en-US" sz="1400" dirty="0" err="1">
+                <a:effectLst/>
+                <a:ea typeface="Aptos" panose="020B0004020202020204" pitchFamily="34" charset="0"/>
+                <a:cs typeface="Times New Roman" panose="02020603050405020304" pitchFamily="18" charset="0"/>
+              </a:rPr>
+              <a:t>DataFrame</a:t>
+            </a:r>
+            <a:r>
+              <a:rPr lang="en-US" sz="1400" dirty="0">
+                <a:effectLst/>
+                <a:ea typeface="Aptos" panose="020B0004020202020204" pitchFamily="34" charset="0"/>
+                <a:cs typeface="Times New Roman" panose="02020603050405020304" pitchFamily="18" charset="0"/>
+              </a:rPr>
+              <a:t> and the nested JSON structure is normalized into columns.</a:t>
+            </a:r>
+            <a:r>
+              <a:rPr lang="en-IN" sz="1400" dirty="0">
+                <a:effectLst/>
+              </a:rPr>
+              <a:t> </a:t>
+            </a:r>
+            <a:endParaRPr lang="en-US" sz="1400" dirty="0">
+              <a:cs typeface="Times New Roman" panose="02020603050405020304" pitchFamily="18" charset="0"/>
+            </a:endParaRPr>
+          </a:p>
+          <a:p>
+            <a:pPr marL="285750" indent="-228600">
+              <a:lnSpc>
+                <a:spcPct val="90000"/>
+              </a:lnSpc>
+              <a:spcAft>
+                <a:spcPts val="600"/>
+              </a:spcAft>
+              <a:buFont typeface="Arial" panose="020B0604020202020204" pitchFamily="34" charset="0"/>
+              <a:buChar char="•"/>
+            </a:pPr>
+            <a:r>
+              <a:rPr lang="en-US" sz="1400" dirty="0">
+                <a:effectLst/>
+                <a:ea typeface="Aptos" panose="020B0004020202020204" pitchFamily="34" charset="0"/>
+                <a:cs typeface="Times New Roman" panose="02020603050405020304" pitchFamily="18" charset="0"/>
+              </a:rPr>
+              <a:t>Below is the final subset of columns chosen</a:t>
+            </a:r>
+          </a:p>
+          <a:p>
+            <a:pPr marL="285750" indent="-228600">
+              <a:lnSpc>
+                <a:spcPct val="90000"/>
+              </a:lnSpc>
+              <a:spcAft>
+                <a:spcPts val="600"/>
+              </a:spcAft>
+              <a:buFont typeface="Arial" panose="020B0604020202020204" pitchFamily="34" charset="0"/>
+              <a:buChar char="•"/>
+            </a:pPr>
+            <a:endParaRPr lang="en-US" sz="1400" dirty="0"/>
+          </a:p>
+        </p:txBody>
+      </p:sp>
+      <p:pic>
+        <p:nvPicPr>
+          <p:cNvPr id="4" name="Picture 3">
+            <a:extLst>
+              <a:ext uri="{FF2B5EF4-FFF2-40B4-BE49-F238E27FC236}">
+                <a16:creationId xmlns:a16="http://schemas.microsoft.com/office/drawing/2014/main" id="{CE56E623-8ACD-4567-A5DE-1CFC97C9F282}"/>
+              </a:ext>
+            </a:extLst>
+          </p:cNvPr>
+          <p:cNvPicPr>
+            <a:picLocks noChangeAspect="1"/>
+          </p:cNvPicPr>
+          <p:nvPr/>
+        </p:nvPicPr>
+        <p:blipFill>
+          <a:blip r:embed="rId3"/>
+          <a:stretch>
+            <a:fillRect/>
+          </a:stretch>
+        </p:blipFill>
+        <p:spPr>
+          <a:xfrm>
+            <a:off x="712672" y="3147056"/>
+            <a:ext cx="10764215" cy="2722115"/>
+          </a:xfrm>
+          <a:prstGeom prst="rect">
+            <a:avLst/>
+          </a:prstGeom>
+          <a:ln w="12700" cap="sq">
+            <a:solidFill>
+              <a:srgbClr val="000000"/>
+            </a:solidFill>
+            <a:prstDash val="solid"/>
+            <a:miter lim="800000"/>
+          </a:ln>
+          <a:effectLst>
+            <a:outerShdw blurRad="50800" dist="38100" dir="2700000" algn="tl" rotWithShape="0">
+              <a:srgbClr val="000000">
+                <a:alpha val="43000"/>
+              </a:srgbClr>
+            </a:outerShdw>
+          </a:effectLst>
+        </p:spPr>
+      </p:pic>
+    </p:spTree>
+    <p:extLst>
+      <p:ext uri="{BB962C8B-B14F-4D97-AF65-F5344CB8AC3E}">
+        <p14:creationId xmlns:p14="http://schemas.microsoft.com/office/powerpoint/2010/main" val="975878750"/>
+      </p:ext>
+    </p:extLst>
+  </p:cSld>
+  <p:clrMapOvr>
+    <a:masterClrMapping/>
+  </p:clrMapOvr>
+</p:sld>
+</file>
+
+<file path=ppt/slides/slide12.xml><?xml version="1.0" encoding="utf-8"?>
+<p:sld xmlns:a="http://schemas.openxmlformats.org/drawingml/2006/main" xmlns:r="http://schemas.openxmlformats.org/officeDocument/2006/relationships" xmlns:p="http://schemas.openxmlformats.org/presentationml/2006/main">
+  <p:cSld>
+    <p:bg>
+      <p:bgPr>
+        <a:solidFill>
+          <a:schemeClr val="bg1"/>
+        </a:solidFill>
+        <a:effectLst/>
+      </p:bgPr>
+    </p:bg>
+    <p:spTree>
+      <p:nvGrpSpPr>
+        <p:cNvPr id="1" name=""/>
+        <p:cNvGrpSpPr/>
+        <p:nvPr/>
+      </p:nvGrpSpPr>
+      <p:grpSpPr>
+        <a:xfrm>
+          <a:off x="0" y="0"/>
+          <a:ext cx="0" cy="0"/>
+          <a:chOff x="0" y="0"/>
+          <a:chExt cx="0" cy="0"/>
+        </a:xfrm>
+      </p:grpSpPr>
+      <p:sp useBgFill="1">
+        <p:nvSpPr>
+          <p:cNvPr id="23" name="Rectangle 22">
+            <a:extLst>
+              <a:ext uri="{FF2B5EF4-FFF2-40B4-BE49-F238E27FC236}">
+                <a16:creationId xmlns:a16="http://schemas.microsoft.com/office/drawing/2014/main" id="{2550BE34-C2B8-49B8-8519-67A8CAD51AE9}"/>
+              </a:ext>
+              <a:ext uri="{C183D7F6-B498-43B3-948B-1728B52AA6E4}">
+                <adec:decorative xmlns:adec="http://schemas.microsoft.com/office/drawing/2017/decorative" val="1"/>
+              </a:ext>
+            </a:extLst>
+          </p:cNvPr>
+          <p:cNvSpPr>
+            <a:spLocks noGrp="1" noRot="1" noChangeAspect="1" noMove="1" noResize="1" noEditPoints="1" noAdjustHandles="1" noChangeArrowheads="1" noChangeShapeType="1" noTextEdit="1"/>
+          </p:cNvSpPr>
+          <p:nvPr>
+            <p:extLst>
+              <p:ext uri="{386F3935-93C4-4BCD-93E2-E3B085C9AB24}">
+                <p16:designElem xmlns:p16="http://schemas.microsoft.com/office/powerpoint/2015/main" val="1"/>
+              </p:ext>
+            </p:extLst>
+          </p:nvPr>
+        </p:nvSpPr>
+        <p:spPr>
+          <a:xfrm>
+            <a:off x="0" y="0"/>
+            <a:ext cx="12192000" cy="6858000"/>
+          </a:xfrm>
+          <a:prstGeom prst="rect">
+            <a:avLst/>
+          </a:prstGeom>
+          <a:ln>
+            <a:noFill/>
+          </a:ln>
+        </p:spPr>
+        <p:style>
+          <a:lnRef idx="2">
+            <a:schemeClr val="accent1">
+              <a:shade val="50000"/>
+            </a:schemeClr>
+          </a:lnRef>
+          <a:fillRef idx="1">
+            <a:schemeClr val="accent1"/>
+          </a:fillRef>
+          <a:effectRef idx="0">
+            <a:schemeClr val="accent1"/>
+          </a:effectRef>
+          <a:fontRef idx="minor">
+            <a:schemeClr val="lt1"/>
+          </a:fontRef>
+        </p:style>
+        <p:txBody>
+          <a:bodyPr rtlCol="0" anchor="ctr"/>
+          <a:lstStyle/>
+          <a:p>
+            <a:pPr algn="ctr"/>
+            <a:endParaRPr lang="en-US"/>
+          </a:p>
+        </p:txBody>
+      </p:sp>
+      <p:sp useBgFill="1">
+        <p:nvSpPr>
+          <p:cNvPr id="25" name="Rectangle 24">
+            <a:extLst>
+              <a:ext uri="{FF2B5EF4-FFF2-40B4-BE49-F238E27FC236}">
+                <a16:creationId xmlns:a16="http://schemas.microsoft.com/office/drawing/2014/main" id="{A7457DD9-5A45-400A-AB4B-4B4EDECA25F1}"/>
+              </a:ext>
+              <a:ext uri="{C183D7F6-B498-43B3-948B-1728B52AA6E4}">
+                <adec:decorative xmlns:adec="http://schemas.microsoft.com/office/drawing/2017/decorative" val="1"/>
+              </a:ext>
+            </a:extLst>
+          </p:cNvPr>
+          <p:cNvSpPr>
+            <a:spLocks noGrp="1" noRot="1" noChangeAspect="1" noMove="1" noResize="1" noEditPoints="1" noAdjustHandles="1" noChangeArrowheads="1" noChangeShapeType="1" noTextEdit="1"/>
+          </p:cNvSpPr>
+          <p:nvPr>
+            <p:extLst>
+              <p:ext uri="{386F3935-93C4-4BCD-93E2-E3B085C9AB24}">
+                <p16:designElem xmlns:p16="http://schemas.microsoft.com/office/powerpoint/2015/main" val="1"/>
+              </p:ext>
+            </p:extLst>
+          </p:nvPr>
+        </p:nvSpPr>
+        <p:spPr>
+          <a:xfrm>
+            <a:off x="554416" y="365125"/>
+            <a:ext cx="11167447" cy="2089317"/>
+          </a:xfrm>
+          <a:prstGeom prst="rect">
+            <a:avLst/>
+          </a:prstGeom>
+          <a:ln w="12700">
+            <a:solidFill>
+              <a:srgbClr val="DEDEDE"/>
+            </a:solidFill>
+          </a:ln>
+          <a:effectLst>
+            <a:outerShdw blurRad="50800" dist="38100" dir="2700000" algn="tl" rotWithShape="0">
+              <a:schemeClr val="bg2">
+                <a:lumMod val="85000"/>
+                <a:alpha val="50000"/>
+              </a:schemeClr>
+            </a:outerShdw>
+          </a:effectLst>
+        </p:spPr>
+        <p:style>
+          <a:lnRef idx="2">
+            <a:schemeClr val="accent1">
+              <a:shade val="50000"/>
+            </a:schemeClr>
+          </a:lnRef>
+          <a:fillRef idx="1">
+            <a:schemeClr val="accent1"/>
+          </a:fillRef>
+          <a:effectRef idx="0">
+            <a:schemeClr val="accent1"/>
+          </a:effectRef>
+          <a:fontRef idx="minor">
+            <a:schemeClr val="lt1"/>
+          </a:fontRef>
+        </p:style>
+        <p:txBody>
+          <a:bodyPr rtlCol="0" anchor="ctr"/>
+          <a:lstStyle/>
+          <a:p>
+            <a:pPr marL="0" marR="0" lvl="0" indent="0" algn="ctr" defTabSz="914400" rtl="0" eaLnBrk="1" fontAlgn="auto" latinLnBrk="0" hangingPunct="1">
+              <a:lnSpc>
+                <a:spcPct val="100000"/>
+              </a:lnSpc>
+              <a:spcBef>
+                <a:spcPts val="0"/>
+              </a:spcBef>
+              <a:spcAft>
+                <a:spcPts val="0"/>
+              </a:spcAft>
+              <a:buClrTx/>
+              <a:buSzTx/>
+              <a:buFontTx/>
+              <a:buNone/>
+              <a:tabLst/>
+              <a:defRPr/>
+            </a:pPr>
+            <a:endParaRPr kumimoji="0" lang="en-US" sz="1800" b="0" i="0" u="none" strike="noStrike" kern="1200" cap="none" spc="0" normalizeH="0" baseline="0" noProof="0">
+              <a:ln>
+                <a:noFill/>
+              </a:ln>
+              <a:solidFill>
+                <a:prstClr val="white"/>
+              </a:solidFill>
+              <a:effectLst/>
+              <a:uLnTx/>
+              <a:uFillTx/>
+              <a:latin typeface="Calibri" panose="020F0502020204030204"/>
+              <a:ea typeface="+mn-ea"/>
+              <a:cs typeface="+mn-cs"/>
+            </a:endParaRPr>
+          </a:p>
+        </p:txBody>
+      </p:sp>
+      <p:sp>
+        <p:nvSpPr>
+          <p:cNvPr id="2" name="Title 1">
+            <a:extLst>
+              <a:ext uri="{FF2B5EF4-FFF2-40B4-BE49-F238E27FC236}">
+                <a16:creationId xmlns:a16="http://schemas.microsoft.com/office/drawing/2014/main" id="{55A31A47-4CE7-968A-2D67-A37818CDBD4C}"/>
+              </a:ext>
+            </a:extLst>
+          </p:cNvPr>
+          <p:cNvSpPr>
+            <a:spLocks noGrp="1"/>
+          </p:cNvSpPr>
+          <p:nvPr>
+            <p:ph type="title"/>
+          </p:nvPr>
+        </p:nvSpPr>
+        <p:spPr>
+          <a:xfrm>
+            <a:off x="1046746" y="586822"/>
+            <a:ext cx="3560252" cy="1645920"/>
+          </a:xfrm>
+        </p:spPr>
+        <p:txBody>
+          <a:bodyPr vert="horz" lIns="91440" tIns="45720" rIns="91440" bIns="45720" rtlCol="0" anchor="ctr">
+            <a:normAutofit/>
+          </a:bodyPr>
+          <a:lstStyle/>
+          <a:p>
+            <a:r>
+              <a:rPr lang="en-US" sz="3200" kern="1200" dirty="0">
+                <a:solidFill>
+                  <a:schemeClr val="tx1"/>
+                </a:solidFill>
+                <a:latin typeface="+mj-lt"/>
+                <a:ea typeface="+mj-ea"/>
+                <a:cs typeface="+mj-cs"/>
+              </a:rPr>
+              <a:t>Frontend App</a:t>
+            </a:r>
+          </a:p>
+        </p:txBody>
+      </p:sp>
+      <p:sp>
+        <p:nvSpPr>
+          <p:cNvPr id="27" name="Rectangle 26">
+            <a:extLst>
+              <a:ext uri="{FF2B5EF4-FFF2-40B4-BE49-F238E27FC236}">
+                <a16:creationId xmlns:a16="http://schemas.microsoft.com/office/drawing/2014/main" id="{441CF7D6-A660-431A-B0BB-140A0D5556B6}"/>
+              </a:ext>
+              <a:ext uri="{C183D7F6-B498-43B3-948B-1728B52AA6E4}">
+                <adec:decorative xmlns:adec="http://schemas.microsoft.com/office/drawing/2017/decorative" val="1"/>
+              </a:ext>
+            </a:extLst>
+          </p:cNvPr>
+          <p:cNvSpPr>
+            <a:spLocks noGrp="1" noRot="1" noChangeAspect="1" noMove="1" noResize="1" noEditPoints="1" noAdjustHandles="1" noChangeArrowheads="1" noChangeShapeType="1" noTextEdit="1"/>
+          </p:cNvSpPr>
+          <p:nvPr>
+            <p:extLst>
+              <p:ext uri="{386F3935-93C4-4BCD-93E2-E3B085C9AB24}">
+                <p16:designElem xmlns:p16="http://schemas.microsoft.com/office/powerpoint/2015/main" val="1"/>
+              </p:ext>
+            </p:extLst>
+          </p:nvPr>
+        </p:nvSpPr>
+        <p:spPr>
+          <a:xfrm>
+            <a:off x="490408" y="1057739"/>
+            <a:ext cx="128016" cy="704088"/>
+          </a:xfrm>
+          <a:prstGeom prst="rect">
+            <a:avLst/>
+          </a:prstGeom>
+          <a:solidFill>
+            <a:schemeClr val="accent2"/>
+          </a:solidFill>
+          <a:ln>
+            <a:noFill/>
+          </a:ln>
+        </p:spPr>
+        <p:style>
+          <a:lnRef idx="2">
+            <a:schemeClr val="accent1">
+              <a:shade val="50000"/>
+            </a:schemeClr>
+          </a:lnRef>
+          <a:fillRef idx="1">
+            <a:schemeClr val="accent1"/>
+          </a:fillRef>
+          <a:effectRef idx="0">
+            <a:schemeClr val="accent1"/>
+          </a:effectRef>
+          <a:fontRef idx="minor">
+            <a:schemeClr val="lt1"/>
+          </a:fontRef>
+        </p:style>
+        <p:txBody>
+          <a:bodyPr rtlCol="0" anchor="ctr"/>
+          <a:lstStyle/>
+          <a:p>
+            <a:pPr algn="ctr"/>
+            <a:endParaRPr lang="en-US" dirty="0">
+              <a:solidFill>
+                <a:prstClr val="white"/>
+              </a:solidFill>
+              <a:latin typeface="Calibri" panose="020F0502020204030204"/>
+            </a:endParaRPr>
+          </a:p>
+        </p:txBody>
+      </p:sp>
+      <p:sp>
+        <p:nvSpPr>
+          <p:cNvPr id="29" name="Rectangle 28">
+            <a:extLst>
+              <a:ext uri="{FF2B5EF4-FFF2-40B4-BE49-F238E27FC236}">
+                <a16:creationId xmlns:a16="http://schemas.microsoft.com/office/drawing/2014/main" id="{0570A85B-3810-4F95-97B0-CBF4CCDB381C}"/>
+              </a:ext>
+              <a:ext uri="{C183D7F6-B498-43B3-948B-1728B52AA6E4}">
+                <adec:decorative xmlns:adec="http://schemas.microsoft.com/office/drawing/2017/decorative" val="1"/>
+              </a:ext>
+            </a:extLst>
+          </p:cNvPr>
+          <p:cNvSpPr>
+            <a:spLocks noGrp="1" noRot="1" noChangeAspect="1" noMove="1" noResize="1" noEditPoints="1" noAdjustHandles="1" noChangeArrowheads="1" noChangeShapeType="1" noTextEdit="1"/>
+          </p:cNvSpPr>
+          <p:nvPr>
+            <p:extLst>
+              <p:ext uri="{386F3935-93C4-4BCD-93E2-E3B085C9AB24}">
+                <p16:designElem xmlns:p16="http://schemas.microsoft.com/office/powerpoint/2015/main" val="1"/>
+              </p:ext>
+            </p:extLst>
+          </p:nvPr>
+        </p:nvSpPr>
+        <p:spPr>
+          <a:xfrm rot="5400000">
+            <a:off x="4243541" y="1400638"/>
+            <a:ext cx="1463040" cy="18288"/>
+          </a:xfrm>
+          <a:prstGeom prst="rect">
+            <a:avLst/>
+          </a:prstGeom>
+          <a:solidFill>
+            <a:srgbClr val="D5D5D5"/>
+          </a:solidFill>
+          <a:ln w="3175">
+            <a:noFill/>
+          </a:ln>
+          <a:effectLst/>
+        </p:spPr>
+        <p:style>
+          <a:lnRef idx="2">
+            <a:schemeClr val="accent1">
+              <a:shade val="50000"/>
+            </a:schemeClr>
+          </a:lnRef>
+          <a:fillRef idx="1">
+            <a:schemeClr val="accent1"/>
+          </a:fillRef>
+          <a:effectRef idx="0">
+            <a:schemeClr val="accent1"/>
+          </a:effectRef>
+          <a:fontRef idx="minor">
+            <a:schemeClr val="lt1"/>
+          </a:fontRef>
+        </p:style>
+        <p:txBody>
+          <a:bodyPr rtlCol="0" anchor="ctr"/>
+          <a:lstStyle/>
+          <a:p>
+            <a:pPr algn="ctr"/>
+            <a:endParaRPr lang="en-US">
+              <a:solidFill>
+                <a:prstClr val="white"/>
+              </a:solidFill>
+              <a:latin typeface="Calibri" panose="020F0502020204030204"/>
+            </a:endParaRPr>
+          </a:p>
+        </p:txBody>
+      </p:sp>
+      <p:pic>
+        <p:nvPicPr>
+          <p:cNvPr id="3" name="Picture 2">
+            <a:extLst>
+              <a:ext uri="{FF2B5EF4-FFF2-40B4-BE49-F238E27FC236}">
+                <a16:creationId xmlns:a16="http://schemas.microsoft.com/office/drawing/2014/main" id="{5E49BA5E-5BD4-E7A0-A9E6-635F75E217AF}"/>
+              </a:ext>
+            </a:extLst>
+          </p:cNvPr>
+          <p:cNvPicPr>
+            <a:picLocks noChangeAspect="1"/>
+          </p:cNvPicPr>
+          <p:nvPr/>
+        </p:nvPicPr>
+        <p:blipFill>
+          <a:blip r:embed="rId3"/>
+          <a:stretch>
+            <a:fillRect/>
+          </a:stretch>
+        </p:blipFill>
+        <p:spPr>
+          <a:xfrm>
+            <a:off x="557783" y="2840580"/>
+            <a:ext cx="5481509" cy="3261497"/>
+          </a:xfrm>
+          <a:prstGeom prst="rect">
+            <a:avLst/>
+          </a:prstGeom>
+          <a:ln w="12700" cap="sq">
+            <a:solidFill>
+              <a:srgbClr val="000000"/>
+            </a:solidFill>
+            <a:prstDash val="solid"/>
+            <a:miter lim="800000"/>
+          </a:ln>
+          <a:effectLst>
+            <a:outerShdw blurRad="50800" dist="38100" dir="2700000" algn="tl" rotWithShape="0">
+              <a:srgbClr val="000000">
+                <a:alpha val="43000"/>
+              </a:srgbClr>
+            </a:outerShdw>
+          </a:effectLst>
+        </p:spPr>
+      </p:pic>
+      <p:pic>
+        <p:nvPicPr>
+          <p:cNvPr id="4" name="Picture 3" descr="A screenshot of a phone&#10;&#10;Description automatically generated">
+            <a:extLst>
+              <a:ext uri="{FF2B5EF4-FFF2-40B4-BE49-F238E27FC236}">
+                <a16:creationId xmlns:a16="http://schemas.microsoft.com/office/drawing/2014/main" id="{D76CAEB1-FA93-0922-C1A1-2A39B970E761}"/>
+              </a:ext>
+            </a:extLst>
+          </p:cNvPr>
+          <p:cNvPicPr>
+            <a:picLocks noChangeAspect="1"/>
+          </p:cNvPicPr>
+          <p:nvPr/>
+        </p:nvPicPr>
+        <p:blipFill>
+          <a:blip r:embed="rId4"/>
+          <a:stretch>
+            <a:fillRect/>
+          </a:stretch>
+        </p:blipFill>
+        <p:spPr>
+          <a:xfrm>
+            <a:off x="6198781" y="3056039"/>
+            <a:ext cx="5523082" cy="2830579"/>
+          </a:xfrm>
+          <a:prstGeom prst="rect">
+            <a:avLst/>
+          </a:prstGeom>
+        </p:spPr>
+      </p:pic>
+      <p:sp>
+        <p:nvSpPr>
+          <p:cNvPr id="8" name="TextBox 7">
+            <a:extLst>
+              <a:ext uri="{FF2B5EF4-FFF2-40B4-BE49-F238E27FC236}">
+                <a16:creationId xmlns:a16="http://schemas.microsoft.com/office/drawing/2014/main" id="{6EE4D902-8A5C-93F8-90CF-E83D5B76D59C}"/>
+              </a:ext>
+            </a:extLst>
+          </p:cNvPr>
+          <p:cNvSpPr txBox="1"/>
+          <p:nvPr/>
+        </p:nvSpPr>
+        <p:spPr>
+          <a:xfrm>
+            <a:off x="5237256" y="446917"/>
+            <a:ext cx="6231556" cy="1815882"/>
+          </a:xfrm>
+          <a:prstGeom prst="rect">
+            <a:avLst/>
+          </a:prstGeom>
+          <a:noFill/>
+        </p:spPr>
+        <p:txBody>
+          <a:bodyPr wrap="square">
+            <a:spAutoFit/>
+          </a:bodyPr>
+          <a:lstStyle/>
+          <a:p>
+            <a:pPr marL="171450" indent="-171450">
+              <a:buFont typeface="Arial" panose="020B0604020202020204" pitchFamily="34" charset="0"/>
+              <a:buChar char="•"/>
+            </a:pPr>
+            <a:r>
+              <a:rPr lang="en-IN" sz="1400" dirty="0"/>
+              <a:t>Allow the user to choose a train departure with SJ and predict if it will arrive on time.</a:t>
+            </a:r>
+          </a:p>
+          <a:p>
+            <a:pPr marL="171450" indent="-171450">
+              <a:buFont typeface="Arial" panose="020B0604020202020204" pitchFamily="34" charset="0"/>
+              <a:buChar char="•"/>
+            </a:pPr>
+            <a:r>
+              <a:rPr lang="en-IN" sz="1400" dirty="0"/>
+              <a:t>A future passenger with a ticket for a specific train departure would like to know if the train is likely to arrive on time.</a:t>
+            </a:r>
+          </a:p>
+          <a:p>
+            <a:pPr marL="171450" indent="-171450">
+              <a:buFont typeface="Arial" panose="020B0604020202020204" pitchFamily="34" charset="0"/>
+              <a:buChar char="•"/>
+            </a:pPr>
+            <a:r>
+              <a:rPr lang="en-IN" sz="1400" dirty="0"/>
+              <a:t>A</a:t>
+            </a:r>
+            <a:r>
+              <a:rPr lang="en-IN" sz="1400" dirty="0">
+                <a:effectLst/>
+              </a:rPr>
+              <a:t> potential ticket buyer finds information before purchasing a ticket whether the train will arrive on time.</a:t>
+            </a:r>
+          </a:p>
+          <a:p>
+            <a:pPr marL="171450" indent="-171450">
+              <a:buFont typeface="Arial" panose="020B0604020202020204" pitchFamily="34" charset="0"/>
+              <a:buChar char="•"/>
+            </a:pPr>
+            <a:r>
+              <a:rPr lang="en-IN" sz="1400" dirty="0"/>
+              <a:t>The first version of the user interface was coded in Python and then it was improved to HTML to enhance the usability.</a:t>
+            </a:r>
+          </a:p>
+        </p:txBody>
+      </p:sp>
+    </p:spTree>
+    <p:extLst>
+      <p:ext uri="{BB962C8B-B14F-4D97-AF65-F5344CB8AC3E}">
+        <p14:creationId xmlns:p14="http://schemas.microsoft.com/office/powerpoint/2010/main" val="1755893248"/>
+      </p:ext>
+    </p:extLst>
+  </p:cSld>
+  <p:clrMapOvr>
+    <a:masterClrMapping/>
+  </p:clrMapOvr>
+</p:sld>
+</file>
+
+<file path=ppt/slides/slide13.xml><?xml version="1.0" encoding="utf-8"?>
+<p:sld xmlns:a="http://schemas.openxmlformats.org/drawingml/2006/main" xmlns:r="http://schemas.openxmlformats.org/officeDocument/2006/relationships" xmlns:p="http://schemas.openxmlformats.org/presentationml/2006/main">
+  <p:cSld>
+    <p:bg>
+      <p:bgPr>
+        <a:solidFill>
+          <a:schemeClr val="bg1"/>
+        </a:solidFill>
+        <a:effectLst/>
+      </p:bgPr>
+    </p:bg>
+    <p:spTree>
+      <p:nvGrpSpPr>
+        <p:cNvPr id="1" name=""/>
+        <p:cNvGrpSpPr/>
+        <p:nvPr/>
+      </p:nvGrpSpPr>
+      <p:grpSpPr>
+        <a:xfrm>
+          <a:off x="0" y="0"/>
+          <a:ext cx="0" cy="0"/>
+          <a:chOff x="0" y="0"/>
+          <a:chExt cx="0" cy="0"/>
+        </a:xfrm>
+      </p:grpSpPr>
+      <p:sp useBgFill="1">
+        <p:nvSpPr>
+          <p:cNvPr id="12" name="Rectangle 11">
+            <a:extLst>
+              <a:ext uri="{FF2B5EF4-FFF2-40B4-BE49-F238E27FC236}">
+                <a16:creationId xmlns:a16="http://schemas.microsoft.com/office/drawing/2014/main" id="{2550BE34-C2B8-49B8-8519-67A8CAD51AE9}"/>
+              </a:ext>
+              <a:ext uri="{C183D7F6-B498-43B3-948B-1728B52AA6E4}">
+                <adec:decorative xmlns:adec="http://schemas.microsoft.com/office/drawing/2017/decorative" val="1"/>
+              </a:ext>
+            </a:extLst>
+          </p:cNvPr>
+          <p:cNvSpPr>
+            <a:spLocks noGrp="1" noRot="1" noChangeAspect="1" noMove="1" noResize="1" noEditPoints="1" noAdjustHandles="1" noChangeArrowheads="1" noChangeShapeType="1" noTextEdit="1"/>
+          </p:cNvSpPr>
+          <p:nvPr>
+            <p:extLst>
+              <p:ext uri="{386F3935-93C4-4BCD-93E2-E3B085C9AB24}">
+                <p16:designElem xmlns:p16="http://schemas.microsoft.com/office/powerpoint/2015/main" val="1"/>
+              </p:ext>
+            </p:extLst>
+          </p:nvPr>
+        </p:nvSpPr>
+        <p:spPr>
+          <a:xfrm>
+            <a:off x="0" y="0"/>
+            <a:ext cx="12192000" cy="6858000"/>
+          </a:xfrm>
+          <a:prstGeom prst="rect">
+            <a:avLst/>
+          </a:prstGeom>
+          <a:ln>
+            <a:noFill/>
+          </a:ln>
+        </p:spPr>
+        <p:style>
+          <a:lnRef idx="2">
+            <a:schemeClr val="accent1">
+              <a:shade val="50000"/>
+            </a:schemeClr>
+          </a:lnRef>
+          <a:fillRef idx="1">
+            <a:schemeClr val="accent1"/>
+          </a:fillRef>
+          <a:effectRef idx="0">
+            <a:schemeClr val="accent1"/>
+          </a:effectRef>
+          <a:fontRef idx="minor">
+            <a:schemeClr val="lt1"/>
+          </a:fontRef>
+        </p:style>
+        <p:txBody>
+          <a:bodyPr rtlCol="0" anchor="ctr"/>
+          <a:lstStyle/>
+          <a:p>
+            <a:pPr algn="ctr"/>
+            <a:endParaRPr lang="en-US"/>
+          </a:p>
+        </p:txBody>
+      </p:sp>
+      <p:sp useBgFill="1">
+        <p:nvSpPr>
+          <p:cNvPr id="14" name="Rectangle 13">
+            <a:extLst>
+              <a:ext uri="{FF2B5EF4-FFF2-40B4-BE49-F238E27FC236}">
+                <a16:creationId xmlns:a16="http://schemas.microsoft.com/office/drawing/2014/main" id="{A7457DD9-5A45-400A-AB4B-4B4EDECA25F1}"/>
+              </a:ext>
+              <a:ext uri="{C183D7F6-B498-43B3-948B-1728B52AA6E4}">
+                <adec:decorative xmlns:adec="http://schemas.microsoft.com/office/drawing/2017/decorative" val="1"/>
+              </a:ext>
+            </a:extLst>
+          </p:cNvPr>
+          <p:cNvSpPr>
+            <a:spLocks noGrp="1" noRot="1" noChangeAspect="1" noMove="1" noResize="1" noEditPoints="1" noAdjustHandles="1" noChangeArrowheads="1" noChangeShapeType="1" noTextEdit="1"/>
+          </p:cNvSpPr>
+          <p:nvPr>
+            <p:extLst>
+              <p:ext uri="{386F3935-93C4-4BCD-93E2-E3B085C9AB24}">
+                <p16:designElem xmlns:p16="http://schemas.microsoft.com/office/powerpoint/2015/main" val="1"/>
+              </p:ext>
+            </p:extLst>
+          </p:nvPr>
+        </p:nvSpPr>
+        <p:spPr>
+          <a:xfrm>
+            <a:off x="554416" y="365125"/>
+            <a:ext cx="11167447" cy="2089317"/>
+          </a:xfrm>
+          <a:prstGeom prst="rect">
+            <a:avLst/>
+          </a:prstGeom>
+          <a:ln w="12700">
+            <a:solidFill>
+              <a:srgbClr val="DEDEDE"/>
+            </a:solidFill>
+          </a:ln>
+          <a:effectLst>
+            <a:outerShdw blurRad="50800" dist="38100" dir="2700000" algn="tl" rotWithShape="0">
+              <a:schemeClr val="bg2">
+                <a:lumMod val="85000"/>
+                <a:alpha val="50000"/>
+              </a:schemeClr>
+            </a:outerShdw>
+          </a:effectLst>
+        </p:spPr>
+        <p:style>
+          <a:lnRef idx="2">
+            <a:schemeClr val="accent1">
+              <a:shade val="50000"/>
+            </a:schemeClr>
+          </a:lnRef>
+          <a:fillRef idx="1">
+            <a:schemeClr val="accent1"/>
+          </a:fillRef>
+          <a:effectRef idx="0">
+            <a:schemeClr val="accent1"/>
+          </a:effectRef>
+          <a:fontRef idx="minor">
+            <a:schemeClr val="lt1"/>
+          </a:fontRef>
+        </p:style>
+        <p:txBody>
+          <a:bodyPr rtlCol="0" anchor="ctr"/>
+          <a:lstStyle/>
+          <a:p>
+            <a:pPr marL="0" marR="0" lvl="0" indent="0" algn="ctr" defTabSz="914400" rtl="0" eaLnBrk="1" fontAlgn="auto" latinLnBrk="0" hangingPunct="1">
+              <a:lnSpc>
+                <a:spcPct val="100000"/>
+              </a:lnSpc>
+              <a:spcBef>
+                <a:spcPts val="0"/>
+              </a:spcBef>
+              <a:spcAft>
+                <a:spcPts val="0"/>
+              </a:spcAft>
+              <a:buClrTx/>
+              <a:buSzTx/>
+              <a:buFontTx/>
+              <a:buNone/>
+              <a:tabLst/>
+              <a:defRPr/>
+            </a:pPr>
+            <a:endParaRPr kumimoji="0" lang="en-US" sz="1800" b="0" i="0" u="none" strike="noStrike" kern="1200" cap="none" spc="0" normalizeH="0" baseline="0" noProof="0">
+              <a:ln>
+                <a:noFill/>
+              </a:ln>
+              <a:solidFill>
+                <a:prstClr val="white"/>
+              </a:solidFill>
+              <a:effectLst/>
+              <a:uLnTx/>
+              <a:uFillTx/>
+              <a:latin typeface="Calibri" panose="020F0502020204030204"/>
+              <a:ea typeface="+mn-ea"/>
+              <a:cs typeface="+mn-cs"/>
+            </a:endParaRPr>
+          </a:p>
+        </p:txBody>
+      </p:sp>
+      <p:sp>
+        <p:nvSpPr>
+          <p:cNvPr id="2" name="Title 1">
+            <a:extLst>
+              <a:ext uri="{FF2B5EF4-FFF2-40B4-BE49-F238E27FC236}">
+                <a16:creationId xmlns:a16="http://schemas.microsoft.com/office/drawing/2014/main" id="{55A31A47-4CE7-968A-2D67-A37818CDBD4C}"/>
+              </a:ext>
+            </a:extLst>
+          </p:cNvPr>
+          <p:cNvSpPr>
+            <a:spLocks noGrp="1"/>
+          </p:cNvSpPr>
+          <p:nvPr>
+            <p:ph type="title"/>
+          </p:nvPr>
+        </p:nvSpPr>
+        <p:spPr>
+          <a:xfrm>
+            <a:off x="1046746" y="586822"/>
             <a:ext cx="3827730" cy="1645920"/>
           </a:xfrm>
         </p:spPr>
@@ -11888,7 +13091,1158 @@
           <a:p>
             <a:r>
               <a:rPr lang="en-US" sz="3200" dirty="0"/>
-              <a:t>Implications</a:t>
+              <a:t>Backend service – Train schedules</a:t>
+            </a:r>
+          </a:p>
+        </p:txBody>
+      </p:sp>
+      <p:sp>
+        <p:nvSpPr>
+          <p:cNvPr id="16" name="Rectangle 15">
+            <a:extLst>
+              <a:ext uri="{FF2B5EF4-FFF2-40B4-BE49-F238E27FC236}">
+                <a16:creationId xmlns:a16="http://schemas.microsoft.com/office/drawing/2014/main" id="{441CF7D6-A660-431A-B0BB-140A0D5556B6}"/>
+              </a:ext>
+              <a:ext uri="{C183D7F6-B498-43B3-948B-1728B52AA6E4}">
+                <adec:decorative xmlns:adec="http://schemas.microsoft.com/office/drawing/2017/decorative" val="1"/>
+              </a:ext>
+            </a:extLst>
+          </p:cNvPr>
+          <p:cNvSpPr>
+            <a:spLocks noGrp="1" noRot="1" noChangeAspect="1" noMove="1" noResize="1" noEditPoints="1" noAdjustHandles="1" noChangeArrowheads="1" noChangeShapeType="1" noTextEdit="1"/>
+          </p:cNvSpPr>
+          <p:nvPr>
+            <p:extLst>
+              <p:ext uri="{386F3935-93C4-4BCD-93E2-E3B085C9AB24}">
+                <p16:designElem xmlns:p16="http://schemas.microsoft.com/office/powerpoint/2015/main" val="1"/>
+              </p:ext>
+            </p:extLst>
+          </p:nvPr>
+        </p:nvSpPr>
+        <p:spPr>
+          <a:xfrm>
+            <a:off x="490408" y="1057739"/>
+            <a:ext cx="128016" cy="704088"/>
+          </a:xfrm>
+          <a:prstGeom prst="rect">
+            <a:avLst/>
+          </a:prstGeom>
+          <a:solidFill>
+            <a:schemeClr val="accent2"/>
+          </a:solidFill>
+          <a:ln>
+            <a:noFill/>
+          </a:ln>
+        </p:spPr>
+        <p:style>
+          <a:lnRef idx="2">
+            <a:schemeClr val="accent1">
+              <a:shade val="50000"/>
+            </a:schemeClr>
+          </a:lnRef>
+          <a:fillRef idx="1">
+            <a:schemeClr val="accent1"/>
+          </a:fillRef>
+          <a:effectRef idx="0">
+            <a:schemeClr val="accent1"/>
+          </a:effectRef>
+          <a:fontRef idx="minor">
+            <a:schemeClr val="lt1"/>
+          </a:fontRef>
+        </p:style>
+        <p:txBody>
+          <a:bodyPr rtlCol="0" anchor="ctr"/>
+          <a:lstStyle/>
+          <a:p>
+            <a:pPr algn="ctr"/>
+            <a:endParaRPr lang="en-US" dirty="0">
+              <a:solidFill>
+                <a:prstClr val="white"/>
+              </a:solidFill>
+              <a:latin typeface="Calibri" panose="020F0502020204030204"/>
+            </a:endParaRPr>
+          </a:p>
+        </p:txBody>
+      </p:sp>
+      <p:sp>
+        <p:nvSpPr>
+          <p:cNvPr id="18" name="Rectangle 17">
+            <a:extLst>
+              <a:ext uri="{FF2B5EF4-FFF2-40B4-BE49-F238E27FC236}">
+                <a16:creationId xmlns:a16="http://schemas.microsoft.com/office/drawing/2014/main" id="{0570A85B-3810-4F95-97B0-CBF4CCDB381C}"/>
+              </a:ext>
+              <a:ext uri="{C183D7F6-B498-43B3-948B-1728B52AA6E4}">
+                <adec:decorative xmlns:adec="http://schemas.microsoft.com/office/drawing/2017/decorative" val="1"/>
+              </a:ext>
+            </a:extLst>
+          </p:cNvPr>
+          <p:cNvSpPr>
+            <a:spLocks noGrp="1" noRot="1" noChangeAspect="1" noMove="1" noResize="1" noEditPoints="1" noAdjustHandles="1" noChangeArrowheads="1" noChangeShapeType="1" noTextEdit="1"/>
+          </p:cNvSpPr>
+          <p:nvPr>
+            <p:extLst>
+              <p:ext uri="{386F3935-93C4-4BCD-93E2-E3B085C9AB24}">
+                <p16:designElem xmlns:p16="http://schemas.microsoft.com/office/powerpoint/2015/main" val="1"/>
+              </p:ext>
+            </p:extLst>
+          </p:nvPr>
+        </p:nvSpPr>
+        <p:spPr>
+          <a:xfrm rot="5400000">
+            <a:off x="4243541" y="1400638"/>
+            <a:ext cx="1463040" cy="18288"/>
+          </a:xfrm>
+          <a:prstGeom prst="rect">
+            <a:avLst/>
+          </a:prstGeom>
+          <a:solidFill>
+            <a:srgbClr val="D5D5D5"/>
+          </a:solidFill>
+          <a:ln w="3175">
+            <a:noFill/>
+          </a:ln>
+          <a:effectLst/>
+        </p:spPr>
+        <p:style>
+          <a:lnRef idx="2">
+            <a:schemeClr val="accent1">
+              <a:shade val="50000"/>
+            </a:schemeClr>
+          </a:lnRef>
+          <a:fillRef idx="1">
+            <a:schemeClr val="accent1"/>
+          </a:fillRef>
+          <a:effectRef idx="0">
+            <a:schemeClr val="accent1"/>
+          </a:effectRef>
+          <a:fontRef idx="minor">
+            <a:schemeClr val="lt1"/>
+          </a:fontRef>
+        </p:style>
+        <p:txBody>
+          <a:bodyPr rtlCol="0" anchor="ctr"/>
+          <a:lstStyle/>
+          <a:p>
+            <a:pPr algn="ctr"/>
+            <a:endParaRPr lang="en-US">
+              <a:solidFill>
+                <a:prstClr val="white"/>
+              </a:solidFill>
+              <a:latin typeface="Calibri" panose="020F0502020204030204"/>
+            </a:endParaRPr>
+          </a:p>
+        </p:txBody>
+      </p:sp>
+      <p:sp>
+        <p:nvSpPr>
+          <p:cNvPr id="3" name="TextBox 2">
+            <a:extLst>
+              <a:ext uri="{FF2B5EF4-FFF2-40B4-BE49-F238E27FC236}">
+                <a16:creationId xmlns:a16="http://schemas.microsoft.com/office/drawing/2014/main" id="{7F1CD93A-8E86-94BB-9F28-B13744EB7CAB}"/>
+              </a:ext>
+            </a:extLst>
+          </p:cNvPr>
+          <p:cNvSpPr txBox="1"/>
+          <p:nvPr/>
+        </p:nvSpPr>
+        <p:spPr>
+          <a:xfrm>
+            <a:off x="5126717" y="948117"/>
+            <a:ext cx="6510867" cy="923330"/>
+          </a:xfrm>
+          <a:prstGeom prst="rect">
+            <a:avLst/>
+          </a:prstGeom>
+          <a:noFill/>
+        </p:spPr>
+        <p:txBody>
+          <a:bodyPr wrap="square" rtlCol="0">
+            <a:spAutoFit/>
+          </a:bodyPr>
+          <a:lstStyle/>
+          <a:p>
+            <a:pPr marL="285750" indent="-285750">
+              <a:buFont typeface="Arial" panose="020B0604020202020204" pitchFamily="34" charset="0"/>
+              <a:buChar char="•"/>
+            </a:pPr>
+            <a:r>
+              <a:rPr lang="en-US" dirty="0"/>
+              <a:t>A flask-based web application running at </a:t>
+            </a:r>
+            <a:r>
+              <a:rPr lang="en-US" dirty="0">
+                <a:hlinkClick r:id="rId3"/>
+              </a:rPr>
+              <a:t>http://localhost:4999</a:t>
+            </a:r>
+            <a:endParaRPr lang="en-US" dirty="0"/>
+          </a:p>
+          <a:p>
+            <a:pPr marL="285750" indent="-285750">
+              <a:buFont typeface="Arial" panose="020B0604020202020204" pitchFamily="34" charset="0"/>
+              <a:buChar char="•"/>
+            </a:pPr>
+            <a:r>
+              <a:rPr lang="en-US" dirty="0"/>
+              <a:t>Requires a source station and returns a list of possible destinations</a:t>
+            </a:r>
+          </a:p>
+        </p:txBody>
+      </p:sp>
+      <p:pic>
+        <p:nvPicPr>
+          <p:cNvPr id="4" name="Content Placeholder 3">
+            <a:extLst>
+              <a:ext uri="{FF2B5EF4-FFF2-40B4-BE49-F238E27FC236}">
+                <a16:creationId xmlns:a16="http://schemas.microsoft.com/office/drawing/2014/main" id="{7C5B680E-1A8F-A15F-905F-F9249C142BA8}"/>
+              </a:ext>
+            </a:extLst>
+          </p:cNvPr>
+          <p:cNvPicPr>
+            <a:picLocks noGrp="1" noChangeAspect="1"/>
+          </p:cNvPicPr>
+          <p:nvPr>
+            <p:ph idx="1"/>
+          </p:nvPr>
+        </p:nvPicPr>
+        <p:blipFill>
+          <a:blip r:embed="rId4"/>
+          <a:stretch>
+            <a:fillRect/>
+          </a:stretch>
+        </p:blipFill>
+        <p:spPr>
+          <a:xfrm>
+            <a:off x="4874476" y="3166042"/>
+            <a:ext cx="6691769" cy="3013696"/>
+          </a:xfrm>
+          <a:prstGeom prst="rect">
+            <a:avLst/>
+          </a:prstGeom>
+          <a:ln w="12700" cap="sq">
+            <a:solidFill>
+              <a:srgbClr val="000000"/>
+            </a:solidFill>
+            <a:prstDash val="solid"/>
+            <a:miter lim="800000"/>
+          </a:ln>
+          <a:effectLst>
+            <a:outerShdw blurRad="50800" dist="38100" dir="2700000" algn="tl" rotWithShape="0">
+              <a:srgbClr val="000000">
+                <a:alpha val="43000"/>
+              </a:srgbClr>
+            </a:outerShdw>
+          </a:effectLst>
+        </p:spPr>
+      </p:pic>
+      <p:pic>
+        <p:nvPicPr>
+          <p:cNvPr id="6" name="Picture 5" descr="A screenshot of a phone&#10;&#10;Description automatically generated">
+            <a:extLst>
+              <a:ext uri="{FF2B5EF4-FFF2-40B4-BE49-F238E27FC236}">
+                <a16:creationId xmlns:a16="http://schemas.microsoft.com/office/drawing/2014/main" id="{82B38481-1C38-EA7E-7D6B-D2E2B2449EFF}"/>
+              </a:ext>
+            </a:extLst>
+          </p:cNvPr>
+          <p:cNvPicPr>
+            <a:picLocks noChangeAspect="1"/>
+          </p:cNvPicPr>
+          <p:nvPr/>
+        </p:nvPicPr>
+        <p:blipFill>
+          <a:blip r:embed="rId5"/>
+          <a:stretch>
+            <a:fillRect/>
+          </a:stretch>
+        </p:blipFill>
+        <p:spPr>
+          <a:xfrm>
+            <a:off x="892666" y="2715592"/>
+            <a:ext cx="2671799" cy="3847391"/>
+          </a:xfrm>
+          <a:prstGeom prst="rect">
+            <a:avLst/>
+          </a:prstGeom>
+        </p:spPr>
+      </p:pic>
+    </p:spTree>
+    <p:extLst>
+      <p:ext uri="{BB962C8B-B14F-4D97-AF65-F5344CB8AC3E}">
+        <p14:creationId xmlns:p14="http://schemas.microsoft.com/office/powerpoint/2010/main" val="92593509"/>
+      </p:ext>
+    </p:extLst>
+  </p:cSld>
+  <p:clrMapOvr>
+    <a:masterClrMapping/>
+  </p:clrMapOvr>
+</p:sld>
+</file>
+
+<file path=ppt/slides/slide14.xml><?xml version="1.0" encoding="utf-8"?>
+<p:sld xmlns:a="http://schemas.openxmlformats.org/drawingml/2006/main" xmlns:r="http://schemas.openxmlformats.org/officeDocument/2006/relationships" xmlns:p="http://schemas.openxmlformats.org/presentationml/2006/main">
+  <p:cSld>
+    <p:bg>
+      <p:bgPr>
+        <a:solidFill>
+          <a:schemeClr val="bg1"/>
+        </a:solidFill>
+        <a:effectLst/>
+      </p:bgPr>
+    </p:bg>
+    <p:spTree>
+      <p:nvGrpSpPr>
+        <p:cNvPr id="1" name=""/>
+        <p:cNvGrpSpPr/>
+        <p:nvPr/>
+      </p:nvGrpSpPr>
+      <p:grpSpPr>
+        <a:xfrm>
+          <a:off x="0" y="0"/>
+          <a:ext cx="0" cy="0"/>
+          <a:chOff x="0" y="0"/>
+          <a:chExt cx="0" cy="0"/>
+        </a:xfrm>
+      </p:grpSpPr>
+      <p:sp useBgFill="1">
+        <p:nvSpPr>
+          <p:cNvPr id="12" name="Rectangle 11">
+            <a:extLst>
+              <a:ext uri="{FF2B5EF4-FFF2-40B4-BE49-F238E27FC236}">
+                <a16:creationId xmlns:a16="http://schemas.microsoft.com/office/drawing/2014/main" id="{2550BE34-C2B8-49B8-8519-67A8CAD51AE9}"/>
+              </a:ext>
+              <a:ext uri="{C183D7F6-B498-43B3-948B-1728B52AA6E4}">
+                <adec:decorative xmlns:adec="http://schemas.microsoft.com/office/drawing/2017/decorative" val="1"/>
+              </a:ext>
+            </a:extLst>
+          </p:cNvPr>
+          <p:cNvSpPr>
+            <a:spLocks noGrp="1" noRot="1" noChangeAspect="1" noMove="1" noResize="1" noEditPoints="1" noAdjustHandles="1" noChangeArrowheads="1" noChangeShapeType="1" noTextEdit="1"/>
+          </p:cNvSpPr>
+          <p:nvPr>
+            <p:extLst>
+              <p:ext uri="{386F3935-93C4-4BCD-93E2-E3B085C9AB24}">
+                <p16:designElem xmlns:p16="http://schemas.microsoft.com/office/powerpoint/2015/main" val="1"/>
+              </p:ext>
+            </p:extLst>
+          </p:nvPr>
+        </p:nvSpPr>
+        <p:spPr>
+          <a:xfrm>
+            <a:off x="0" y="0"/>
+            <a:ext cx="12192000" cy="6858000"/>
+          </a:xfrm>
+          <a:prstGeom prst="rect">
+            <a:avLst/>
+          </a:prstGeom>
+          <a:ln>
+            <a:noFill/>
+          </a:ln>
+        </p:spPr>
+        <p:style>
+          <a:lnRef idx="2">
+            <a:schemeClr val="accent1">
+              <a:shade val="50000"/>
+            </a:schemeClr>
+          </a:lnRef>
+          <a:fillRef idx="1">
+            <a:schemeClr val="accent1"/>
+          </a:fillRef>
+          <a:effectRef idx="0">
+            <a:schemeClr val="accent1"/>
+          </a:effectRef>
+          <a:fontRef idx="minor">
+            <a:schemeClr val="lt1"/>
+          </a:fontRef>
+        </p:style>
+        <p:txBody>
+          <a:bodyPr rtlCol="0" anchor="ctr"/>
+          <a:lstStyle/>
+          <a:p>
+            <a:pPr algn="ctr"/>
+            <a:endParaRPr lang="en-US"/>
+          </a:p>
+        </p:txBody>
+      </p:sp>
+      <p:sp useBgFill="1">
+        <p:nvSpPr>
+          <p:cNvPr id="14" name="Rectangle 13">
+            <a:extLst>
+              <a:ext uri="{FF2B5EF4-FFF2-40B4-BE49-F238E27FC236}">
+                <a16:creationId xmlns:a16="http://schemas.microsoft.com/office/drawing/2014/main" id="{A7457DD9-5A45-400A-AB4B-4B4EDECA25F1}"/>
+              </a:ext>
+              <a:ext uri="{C183D7F6-B498-43B3-948B-1728B52AA6E4}">
+                <adec:decorative xmlns:adec="http://schemas.microsoft.com/office/drawing/2017/decorative" val="1"/>
+              </a:ext>
+            </a:extLst>
+          </p:cNvPr>
+          <p:cNvSpPr>
+            <a:spLocks noGrp="1" noRot="1" noChangeAspect="1" noMove="1" noResize="1" noEditPoints="1" noAdjustHandles="1" noChangeArrowheads="1" noChangeShapeType="1" noTextEdit="1"/>
+          </p:cNvSpPr>
+          <p:nvPr>
+            <p:extLst>
+              <p:ext uri="{386F3935-93C4-4BCD-93E2-E3B085C9AB24}">
+                <p16:designElem xmlns:p16="http://schemas.microsoft.com/office/powerpoint/2015/main" val="1"/>
+              </p:ext>
+            </p:extLst>
+          </p:nvPr>
+        </p:nvSpPr>
+        <p:spPr>
+          <a:xfrm>
+            <a:off x="554416" y="365125"/>
+            <a:ext cx="11167447" cy="2089317"/>
+          </a:xfrm>
+          <a:prstGeom prst="rect">
+            <a:avLst/>
+          </a:prstGeom>
+          <a:ln w="12700">
+            <a:solidFill>
+              <a:srgbClr val="DEDEDE"/>
+            </a:solidFill>
+          </a:ln>
+          <a:effectLst>
+            <a:outerShdw blurRad="50800" dist="38100" dir="2700000" algn="tl" rotWithShape="0">
+              <a:schemeClr val="bg2">
+                <a:lumMod val="85000"/>
+                <a:alpha val="50000"/>
+              </a:schemeClr>
+            </a:outerShdw>
+          </a:effectLst>
+        </p:spPr>
+        <p:style>
+          <a:lnRef idx="2">
+            <a:schemeClr val="accent1">
+              <a:shade val="50000"/>
+            </a:schemeClr>
+          </a:lnRef>
+          <a:fillRef idx="1">
+            <a:schemeClr val="accent1"/>
+          </a:fillRef>
+          <a:effectRef idx="0">
+            <a:schemeClr val="accent1"/>
+          </a:effectRef>
+          <a:fontRef idx="minor">
+            <a:schemeClr val="lt1"/>
+          </a:fontRef>
+        </p:style>
+        <p:txBody>
+          <a:bodyPr rtlCol="0" anchor="ctr"/>
+          <a:lstStyle/>
+          <a:p>
+            <a:pPr marL="0" marR="0" lvl="0" indent="0" algn="ctr" defTabSz="914400" rtl="0" eaLnBrk="1" fontAlgn="auto" latinLnBrk="0" hangingPunct="1">
+              <a:lnSpc>
+                <a:spcPct val="100000"/>
+              </a:lnSpc>
+              <a:spcBef>
+                <a:spcPts val="0"/>
+              </a:spcBef>
+              <a:spcAft>
+                <a:spcPts val="0"/>
+              </a:spcAft>
+              <a:buClrTx/>
+              <a:buSzTx/>
+              <a:buFontTx/>
+              <a:buNone/>
+              <a:tabLst/>
+              <a:defRPr/>
+            </a:pPr>
+            <a:endParaRPr kumimoji="0" lang="en-US" sz="1800" b="0" i="0" u="none" strike="noStrike" kern="1200" cap="none" spc="0" normalizeH="0" baseline="0" noProof="0">
+              <a:ln>
+                <a:noFill/>
+              </a:ln>
+              <a:solidFill>
+                <a:prstClr val="white"/>
+              </a:solidFill>
+              <a:effectLst/>
+              <a:uLnTx/>
+              <a:uFillTx/>
+              <a:latin typeface="Calibri" panose="020F0502020204030204"/>
+              <a:ea typeface="+mn-ea"/>
+              <a:cs typeface="+mn-cs"/>
+            </a:endParaRPr>
+          </a:p>
+        </p:txBody>
+      </p:sp>
+      <p:sp>
+        <p:nvSpPr>
+          <p:cNvPr id="2" name="Title 1">
+            <a:extLst>
+              <a:ext uri="{FF2B5EF4-FFF2-40B4-BE49-F238E27FC236}">
+                <a16:creationId xmlns:a16="http://schemas.microsoft.com/office/drawing/2014/main" id="{55A31A47-4CE7-968A-2D67-A37818CDBD4C}"/>
+              </a:ext>
+            </a:extLst>
+          </p:cNvPr>
+          <p:cNvSpPr>
+            <a:spLocks noGrp="1"/>
+          </p:cNvSpPr>
+          <p:nvPr>
+            <p:ph type="title"/>
+          </p:nvPr>
+        </p:nvSpPr>
+        <p:spPr>
+          <a:xfrm>
+            <a:off x="1046746" y="586822"/>
+            <a:ext cx="3827730" cy="1645920"/>
+          </a:xfrm>
+        </p:spPr>
+        <p:txBody>
+          <a:bodyPr>
+            <a:normAutofit/>
+          </a:bodyPr>
+          <a:lstStyle/>
+          <a:p>
+            <a:r>
+              <a:rPr lang="en-US" sz="3200" dirty="0"/>
+              <a:t>Build pipeline</a:t>
+            </a:r>
+          </a:p>
+        </p:txBody>
+      </p:sp>
+      <p:sp>
+        <p:nvSpPr>
+          <p:cNvPr id="16" name="Rectangle 15">
+            <a:extLst>
+              <a:ext uri="{FF2B5EF4-FFF2-40B4-BE49-F238E27FC236}">
+                <a16:creationId xmlns:a16="http://schemas.microsoft.com/office/drawing/2014/main" id="{441CF7D6-A660-431A-B0BB-140A0D5556B6}"/>
+              </a:ext>
+              <a:ext uri="{C183D7F6-B498-43B3-948B-1728B52AA6E4}">
+                <adec:decorative xmlns:adec="http://schemas.microsoft.com/office/drawing/2017/decorative" val="1"/>
+              </a:ext>
+            </a:extLst>
+          </p:cNvPr>
+          <p:cNvSpPr>
+            <a:spLocks noGrp="1" noRot="1" noChangeAspect="1" noMove="1" noResize="1" noEditPoints="1" noAdjustHandles="1" noChangeArrowheads="1" noChangeShapeType="1" noTextEdit="1"/>
+          </p:cNvSpPr>
+          <p:nvPr>
+            <p:extLst>
+              <p:ext uri="{386F3935-93C4-4BCD-93E2-E3B085C9AB24}">
+                <p16:designElem xmlns:p16="http://schemas.microsoft.com/office/powerpoint/2015/main" val="1"/>
+              </p:ext>
+            </p:extLst>
+          </p:nvPr>
+        </p:nvSpPr>
+        <p:spPr>
+          <a:xfrm>
+            <a:off x="490408" y="1057739"/>
+            <a:ext cx="128016" cy="704088"/>
+          </a:xfrm>
+          <a:prstGeom prst="rect">
+            <a:avLst/>
+          </a:prstGeom>
+          <a:solidFill>
+            <a:schemeClr val="accent2"/>
+          </a:solidFill>
+          <a:ln>
+            <a:noFill/>
+          </a:ln>
+        </p:spPr>
+        <p:style>
+          <a:lnRef idx="2">
+            <a:schemeClr val="accent1">
+              <a:shade val="50000"/>
+            </a:schemeClr>
+          </a:lnRef>
+          <a:fillRef idx="1">
+            <a:schemeClr val="accent1"/>
+          </a:fillRef>
+          <a:effectRef idx="0">
+            <a:schemeClr val="accent1"/>
+          </a:effectRef>
+          <a:fontRef idx="minor">
+            <a:schemeClr val="lt1"/>
+          </a:fontRef>
+        </p:style>
+        <p:txBody>
+          <a:bodyPr rtlCol="0" anchor="ctr"/>
+          <a:lstStyle/>
+          <a:p>
+            <a:pPr algn="ctr"/>
+            <a:endParaRPr lang="en-US" dirty="0">
+              <a:solidFill>
+                <a:prstClr val="white"/>
+              </a:solidFill>
+              <a:latin typeface="Calibri" panose="020F0502020204030204"/>
+            </a:endParaRPr>
+          </a:p>
+        </p:txBody>
+      </p:sp>
+      <p:sp>
+        <p:nvSpPr>
+          <p:cNvPr id="18" name="Rectangle 17">
+            <a:extLst>
+              <a:ext uri="{FF2B5EF4-FFF2-40B4-BE49-F238E27FC236}">
+                <a16:creationId xmlns:a16="http://schemas.microsoft.com/office/drawing/2014/main" id="{0570A85B-3810-4F95-97B0-CBF4CCDB381C}"/>
+              </a:ext>
+              <a:ext uri="{C183D7F6-B498-43B3-948B-1728B52AA6E4}">
+                <adec:decorative xmlns:adec="http://schemas.microsoft.com/office/drawing/2017/decorative" val="1"/>
+              </a:ext>
+            </a:extLst>
+          </p:cNvPr>
+          <p:cNvSpPr>
+            <a:spLocks noGrp="1" noRot="1" noChangeAspect="1" noMove="1" noResize="1" noEditPoints="1" noAdjustHandles="1" noChangeArrowheads="1" noChangeShapeType="1" noTextEdit="1"/>
+          </p:cNvSpPr>
+          <p:nvPr>
+            <p:extLst>
+              <p:ext uri="{386F3935-93C4-4BCD-93E2-E3B085C9AB24}">
+                <p16:designElem xmlns:p16="http://schemas.microsoft.com/office/powerpoint/2015/main" val="1"/>
+              </p:ext>
+            </p:extLst>
+          </p:nvPr>
+        </p:nvSpPr>
+        <p:spPr>
+          <a:xfrm rot="5400000">
+            <a:off x="4243541" y="1400638"/>
+            <a:ext cx="1463040" cy="18288"/>
+          </a:xfrm>
+          <a:prstGeom prst="rect">
+            <a:avLst/>
+          </a:prstGeom>
+          <a:solidFill>
+            <a:srgbClr val="D5D5D5"/>
+          </a:solidFill>
+          <a:ln w="3175">
+            <a:noFill/>
+          </a:ln>
+          <a:effectLst/>
+        </p:spPr>
+        <p:style>
+          <a:lnRef idx="2">
+            <a:schemeClr val="accent1">
+              <a:shade val="50000"/>
+            </a:schemeClr>
+          </a:lnRef>
+          <a:fillRef idx="1">
+            <a:schemeClr val="accent1"/>
+          </a:fillRef>
+          <a:effectRef idx="0">
+            <a:schemeClr val="accent1"/>
+          </a:effectRef>
+          <a:fontRef idx="minor">
+            <a:schemeClr val="lt1"/>
+          </a:fontRef>
+        </p:style>
+        <p:txBody>
+          <a:bodyPr rtlCol="0" anchor="ctr"/>
+          <a:lstStyle/>
+          <a:p>
+            <a:pPr algn="ctr"/>
+            <a:endParaRPr lang="en-US">
+              <a:solidFill>
+                <a:prstClr val="white"/>
+              </a:solidFill>
+              <a:latin typeface="Calibri" panose="020F0502020204030204"/>
+            </a:endParaRPr>
+          </a:p>
+        </p:txBody>
+      </p:sp>
+      <p:sp>
+        <p:nvSpPr>
+          <p:cNvPr id="3" name="TextBox 2">
+            <a:extLst>
+              <a:ext uri="{FF2B5EF4-FFF2-40B4-BE49-F238E27FC236}">
+                <a16:creationId xmlns:a16="http://schemas.microsoft.com/office/drawing/2014/main" id="{7F1CD93A-8E86-94BB-9F28-B13744EB7CAB}"/>
+              </a:ext>
+            </a:extLst>
+          </p:cNvPr>
+          <p:cNvSpPr txBox="1"/>
+          <p:nvPr/>
+        </p:nvSpPr>
+        <p:spPr>
+          <a:xfrm>
+            <a:off x="5108429" y="586822"/>
+            <a:ext cx="6510867" cy="1477328"/>
+          </a:xfrm>
+          <a:prstGeom prst="rect">
+            <a:avLst/>
+          </a:prstGeom>
+          <a:noFill/>
+        </p:spPr>
+        <p:txBody>
+          <a:bodyPr wrap="square" rtlCol="0">
+            <a:spAutoFit/>
+          </a:bodyPr>
+          <a:lstStyle/>
+          <a:p>
+            <a:pPr marL="285750" indent="-285750">
+              <a:buFont typeface="Arial" panose="020B0604020202020204" pitchFamily="34" charset="0"/>
+              <a:buChar char="•"/>
+            </a:pPr>
+            <a:r>
+              <a:rPr lang="en-US" sz="1800" dirty="0">
+                <a:effectLst/>
+                <a:latin typeface="Aptos" panose="020B0004020202020204" pitchFamily="34" charset="0"/>
+                <a:ea typeface="Aptos" panose="020B0004020202020204" pitchFamily="34" charset="0"/>
+                <a:cs typeface="Times New Roman" panose="02020603050405020304" pitchFamily="18" charset="0"/>
+              </a:rPr>
+              <a:t>To automate the build and deployment of data engineering and train delay prediction system, Jenkins tool was installed on local Docker. </a:t>
+            </a:r>
+          </a:p>
+          <a:p>
+            <a:pPr marL="285750" indent="-285750">
+              <a:buFont typeface="Arial" panose="020B0604020202020204" pitchFamily="34" charset="0"/>
+              <a:buChar char="•"/>
+            </a:pPr>
+            <a:r>
+              <a:rPr lang="en-US" sz="1800" dirty="0">
+                <a:effectLst/>
+                <a:latin typeface="Aptos" panose="020B0004020202020204" pitchFamily="34" charset="0"/>
+                <a:ea typeface="Aptos" panose="020B0004020202020204" pitchFamily="34" charset="0"/>
+                <a:cs typeface="Times New Roman" panose="02020603050405020304" pitchFamily="18" charset="0"/>
+              </a:rPr>
+              <a:t>Unfortunately, the pipeline doesn’t work as expected and it wasn’t possible to fix the Docker related issue</a:t>
+            </a:r>
+            <a:r>
+              <a:rPr lang="en-IN" dirty="0">
+                <a:effectLst/>
+              </a:rPr>
+              <a:t> </a:t>
+            </a:r>
+            <a:endParaRPr lang="en-US" sz="1800" dirty="0">
+              <a:effectLst/>
+              <a:latin typeface="Aptos" panose="020B0004020202020204" pitchFamily="34" charset="0"/>
+              <a:ea typeface="Aptos" panose="020B0004020202020204" pitchFamily="34" charset="0"/>
+              <a:cs typeface="Times New Roman" panose="02020603050405020304" pitchFamily="18" charset="0"/>
+            </a:endParaRPr>
+          </a:p>
+        </p:txBody>
+      </p:sp>
+      <p:pic>
+        <p:nvPicPr>
+          <p:cNvPr id="8" name="Picture 7" descr="A screenshot of a computer&#10;&#10;Description automatically generated">
+            <a:extLst>
+              <a:ext uri="{FF2B5EF4-FFF2-40B4-BE49-F238E27FC236}">
+                <a16:creationId xmlns:a16="http://schemas.microsoft.com/office/drawing/2014/main" id="{9FAE7D46-D958-B54B-437A-C191EB7CDA14}"/>
+              </a:ext>
+            </a:extLst>
+          </p:cNvPr>
+          <p:cNvPicPr>
+            <a:picLocks noChangeAspect="1"/>
+          </p:cNvPicPr>
+          <p:nvPr/>
+        </p:nvPicPr>
+        <p:blipFill>
+          <a:blip r:embed="rId3"/>
+          <a:stretch>
+            <a:fillRect/>
+          </a:stretch>
+        </p:blipFill>
+        <p:spPr>
+          <a:xfrm>
+            <a:off x="1998921" y="2752998"/>
+            <a:ext cx="8455307" cy="3009849"/>
+          </a:xfrm>
+          <a:prstGeom prst="rect">
+            <a:avLst/>
+          </a:prstGeom>
+          <a:ln w="12700" cap="sq">
+            <a:solidFill>
+              <a:srgbClr val="000000"/>
+            </a:solidFill>
+            <a:prstDash val="solid"/>
+            <a:miter lim="800000"/>
+          </a:ln>
+          <a:effectLst>
+            <a:outerShdw blurRad="50800" dist="38100" dir="2700000" algn="tl" rotWithShape="0">
+              <a:srgbClr val="000000">
+                <a:alpha val="43000"/>
+              </a:srgbClr>
+            </a:outerShdw>
+          </a:effectLst>
+        </p:spPr>
+      </p:pic>
+    </p:spTree>
+    <p:extLst>
+      <p:ext uri="{BB962C8B-B14F-4D97-AF65-F5344CB8AC3E}">
+        <p14:creationId xmlns:p14="http://schemas.microsoft.com/office/powerpoint/2010/main" val="1332831130"/>
+      </p:ext>
+    </p:extLst>
+  </p:cSld>
+  <p:clrMapOvr>
+    <a:masterClrMapping/>
+  </p:clrMapOvr>
+</p:sld>
+</file>
+
+<file path=ppt/slides/slide15.xml><?xml version="1.0" encoding="utf-8"?>
+<p:sld xmlns:a="http://schemas.openxmlformats.org/drawingml/2006/main" xmlns:r="http://schemas.openxmlformats.org/officeDocument/2006/relationships" xmlns:p="http://schemas.openxmlformats.org/presentationml/2006/main">
+  <p:cSld>
+    <p:spTree>
+      <p:nvGrpSpPr>
+        <p:cNvPr id="1" name=""/>
+        <p:cNvGrpSpPr/>
+        <p:nvPr/>
+      </p:nvGrpSpPr>
+      <p:grpSpPr>
+        <a:xfrm>
+          <a:off x="0" y="0"/>
+          <a:ext cx="0" cy="0"/>
+          <a:chOff x="0" y="0"/>
+          <a:chExt cx="0" cy="0"/>
+        </a:xfrm>
+      </p:grpSpPr>
+      <p:sp>
+        <p:nvSpPr>
+          <p:cNvPr id="2" name="Title 1">
+            <a:extLst>
+              <a:ext uri="{FF2B5EF4-FFF2-40B4-BE49-F238E27FC236}">
+                <a16:creationId xmlns:a16="http://schemas.microsoft.com/office/drawing/2014/main" id="{59538C1B-FEAD-6127-B068-F4EF51A44548}"/>
+              </a:ext>
+            </a:extLst>
+          </p:cNvPr>
+          <p:cNvSpPr>
+            <a:spLocks noGrp="1"/>
+          </p:cNvSpPr>
+          <p:nvPr>
+            <p:ph type="title"/>
+          </p:nvPr>
+        </p:nvSpPr>
+        <p:spPr/>
+        <p:txBody>
+          <a:bodyPr/>
+          <a:lstStyle/>
+          <a:p>
+            <a:r>
+              <a:rPr lang="en-DE" dirty="0"/>
+              <a:t>Testing</a:t>
+            </a:r>
+          </a:p>
+        </p:txBody>
+      </p:sp>
+      <p:sp>
+        <p:nvSpPr>
+          <p:cNvPr id="3" name="Content Placeholder 2">
+            <a:extLst>
+              <a:ext uri="{FF2B5EF4-FFF2-40B4-BE49-F238E27FC236}">
+                <a16:creationId xmlns:a16="http://schemas.microsoft.com/office/drawing/2014/main" id="{DE1F39E0-C7DF-ED2C-7ABD-C8105FE5A51E}"/>
+              </a:ext>
+            </a:extLst>
+          </p:cNvPr>
+          <p:cNvSpPr>
+            <a:spLocks noGrp="1"/>
+          </p:cNvSpPr>
+          <p:nvPr>
+            <p:ph idx="1"/>
+          </p:nvPr>
+        </p:nvSpPr>
+        <p:spPr/>
+        <p:txBody>
+          <a:bodyPr/>
+          <a:lstStyle/>
+          <a:p>
+            <a:endParaRPr lang="en-DE"/>
+          </a:p>
+        </p:txBody>
+      </p:sp>
+    </p:spTree>
+    <p:extLst>
+      <p:ext uri="{BB962C8B-B14F-4D97-AF65-F5344CB8AC3E}">
+        <p14:creationId xmlns:p14="http://schemas.microsoft.com/office/powerpoint/2010/main" val="191519252"/>
+      </p:ext>
+    </p:extLst>
+  </p:cSld>
+  <p:clrMapOvr>
+    <a:masterClrMapping/>
+  </p:clrMapOvr>
+</p:sld>
+</file>
+
+<file path=ppt/slides/slide16.xml><?xml version="1.0" encoding="utf-8"?>
+<p:sld xmlns:a="http://schemas.openxmlformats.org/drawingml/2006/main" xmlns:r="http://schemas.openxmlformats.org/officeDocument/2006/relationships" xmlns:p="http://schemas.openxmlformats.org/presentationml/2006/main">
+  <p:cSld>
+    <p:spTree>
+      <p:nvGrpSpPr>
+        <p:cNvPr id="1" name=""/>
+        <p:cNvGrpSpPr/>
+        <p:nvPr/>
+      </p:nvGrpSpPr>
+      <p:grpSpPr>
+        <a:xfrm>
+          <a:off x="0" y="0"/>
+          <a:ext cx="0" cy="0"/>
+          <a:chOff x="0" y="0"/>
+          <a:chExt cx="0" cy="0"/>
+        </a:xfrm>
+      </p:grpSpPr>
+      <p:sp>
+        <p:nvSpPr>
+          <p:cNvPr id="2" name="Title 1">
+            <a:extLst>
+              <a:ext uri="{FF2B5EF4-FFF2-40B4-BE49-F238E27FC236}">
+                <a16:creationId xmlns:a16="http://schemas.microsoft.com/office/drawing/2014/main" id="{D40277B2-7989-A609-82A9-91CF5FA883AC}"/>
+              </a:ext>
+            </a:extLst>
+          </p:cNvPr>
+          <p:cNvSpPr>
+            <a:spLocks noGrp="1"/>
+          </p:cNvSpPr>
+          <p:nvPr>
+            <p:ph type="title"/>
+          </p:nvPr>
+        </p:nvSpPr>
+        <p:spPr/>
+        <p:txBody>
+          <a:bodyPr/>
+          <a:lstStyle/>
+          <a:p>
+            <a:r>
+              <a:rPr lang="en-DE" dirty="0"/>
+              <a:t>Results</a:t>
+            </a:r>
+          </a:p>
+        </p:txBody>
+      </p:sp>
+      <p:sp>
+        <p:nvSpPr>
+          <p:cNvPr id="3" name="Content Placeholder 2">
+            <a:extLst>
+              <a:ext uri="{FF2B5EF4-FFF2-40B4-BE49-F238E27FC236}">
+                <a16:creationId xmlns:a16="http://schemas.microsoft.com/office/drawing/2014/main" id="{D513F196-0D3E-1259-7E03-6289D0CBF799}"/>
+              </a:ext>
+            </a:extLst>
+          </p:cNvPr>
+          <p:cNvSpPr>
+            <a:spLocks noGrp="1"/>
+          </p:cNvSpPr>
+          <p:nvPr>
+            <p:ph idx="1"/>
+          </p:nvPr>
+        </p:nvSpPr>
+        <p:spPr/>
+        <p:txBody>
+          <a:bodyPr/>
+          <a:lstStyle/>
+          <a:p>
+            <a:endParaRPr lang="en-DE"/>
+          </a:p>
+        </p:txBody>
+      </p:sp>
+    </p:spTree>
+    <p:extLst>
+      <p:ext uri="{BB962C8B-B14F-4D97-AF65-F5344CB8AC3E}">
+        <p14:creationId xmlns:p14="http://schemas.microsoft.com/office/powerpoint/2010/main" val="3624815090"/>
+      </p:ext>
+    </p:extLst>
+  </p:cSld>
+  <p:clrMapOvr>
+    <a:masterClrMapping/>
+  </p:clrMapOvr>
+</p:sld>
+</file>
+
+<file path=ppt/slides/slide17.xml><?xml version="1.0" encoding="utf-8"?>
+<p:sld xmlns:a="http://schemas.openxmlformats.org/drawingml/2006/main" xmlns:r="http://schemas.openxmlformats.org/officeDocument/2006/relationships" xmlns:p="http://schemas.openxmlformats.org/presentationml/2006/main">
+  <p:cSld>
+    <p:bg>
+      <p:bgPr>
+        <a:solidFill>
+          <a:schemeClr val="bg1"/>
+        </a:solidFill>
+        <a:effectLst/>
+      </p:bgPr>
+    </p:bg>
+    <p:spTree>
+      <p:nvGrpSpPr>
+        <p:cNvPr id="1" name=""/>
+        <p:cNvGrpSpPr/>
+        <p:nvPr/>
+      </p:nvGrpSpPr>
+      <p:grpSpPr>
+        <a:xfrm>
+          <a:off x="0" y="0"/>
+          <a:ext cx="0" cy="0"/>
+          <a:chOff x="0" y="0"/>
+          <a:chExt cx="0" cy="0"/>
+        </a:xfrm>
+      </p:grpSpPr>
+      <p:sp useBgFill="1">
+        <p:nvSpPr>
+          <p:cNvPr id="12" name="Rectangle 11">
+            <a:extLst>
+              <a:ext uri="{FF2B5EF4-FFF2-40B4-BE49-F238E27FC236}">
+                <a16:creationId xmlns:a16="http://schemas.microsoft.com/office/drawing/2014/main" id="{2550BE34-C2B8-49B8-8519-67A8CAD51AE9}"/>
+              </a:ext>
+              <a:ext uri="{C183D7F6-B498-43B3-948B-1728B52AA6E4}">
+                <adec:decorative xmlns:adec="http://schemas.microsoft.com/office/drawing/2017/decorative" val="1"/>
+              </a:ext>
+            </a:extLst>
+          </p:cNvPr>
+          <p:cNvSpPr>
+            <a:spLocks noGrp="1" noRot="1" noChangeAspect="1" noMove="1" noResize="1" noEditPoints="1" noAdjustHandles="1" noChangeArrowheads="1" noChangeShapeType="1" noTextEdit="1"/>
+          </p:cNvSpPr>
+          <p:nvPr>
+            <p:extLst>
+              <p:ext uri="{386F3935-93C4-4BCD-93E2-E3B085C9AB24}">
+                <p16:designElem xmlns:p16="http://schemas.microsoft.com/office/powerpoint/2015/main" val="1"/>
+              </p:ext>
+            </p:extLst>
+          </p:nvPr>
+        </p:nvSpPr>
+        <p:spPr>
+          <a:xfrm>
+            <a:off x="0" y="0"/>
+            <a:ext cx="12192000" cy="6858000"/>
+          </a:xfrm>
+          <a:prstGeom prst="rect">
+            <a:avLst/>
+          </a:prstGeom>
+          <a:ln>
+            <a:noFill/>
+          </a:ln>
+        </p:spPr>
+        <p:style>
+          <a:lnRef idx="2">
+            <a:schemeClr val="accent1">
+              <a:shade val="50000"/>
+            </a:schemeClr>
+          </a:lnRef>
+          <a:fillRef idx="1">
+            <a:schemeClr val="accent1"/>
+          </a:fillRef>
+          <a:effectRef idx="0">
+            <a:schemeClr val="accent1"/>
+          </a:effectRef>
+          <a:fontRef idx="minor">
+            <a:schemeClr val="lt1"/>
+          </a:fontRef>
+        </p:style>
+        <p:txBody>
+          <a:bodyPr rtlCol="0" anchor="ctr"/>
+          <a:lstStyle/>
+          <a:p>
+            <a:pPr algn="ctr"/>
+            <a:endParaRPr lang="en-US"/>
+          </a:p>
+        </p:txBody>
+      </p:sp>
+      <p:sp useBgFill="1">
+        <p:nvSpPr>
+          <p:cNvPr id="14" name="Rectangle 13">
+            <a:extLst>
+              <a:ext uri="{FF2B5EF4-FFF2-40B4-BE49-F238E27FC236}">
+                <a16:creationId xmlns:a16="http://schemas.microsoft.com/office/drawing/2014/main" id="{A7457DD9-5A45-400A-AB4B-4B4EDECA25F1}"/>
+              </a:ext>
+              <a:ext uri="{C183D7F6-B498-43B3-948B-1728B52AA6E4}">
+                <adec:decorative xmlns:adec="http://schemas.microsoft.com/office/drawing/2017/decorative" val="1"/>
+              </a:ext>
+            </a:extLst>
+          </p:cNvPr>
+          <p:cNvSpPr>
+            <a:spLocks noGrp="1" noRot="1" noChangeAspect="1" noMove="1" noResize="1" noEditPoints="1" noAdjustHandles="1" noChangeArrowheads="1" noChangeShapeType="1" noTextEdit="1"/>
+          </p:cNvSpPr>
+          <p:nvPr>
+            <p:extLst>
+              <p:ext uri="{386F3935-93C4-4BCD-93E2-E3B085C9AB24}">
+                <p16:designElem xmlns:p16="http://schemas.microsoft.com/office/powerpoint/2015/main" val="1"/>
+              </p:ext>
+            </p:extLst>
+          </p:nvPr>
+        </p:nvSpPr>
+        <p:spPr>
+          <a:xfrm>
+            <a:off x="554416" y="365125"/>
+            <a:ext cx="11167447" cy="2089317"/>
+          </a:xfrm>
+          <a:prstGeom prst="rect">
+            <a:avLst/>
+          </a:prstGeom>
+          <a:ln w="12700">
+            <a:solidFill>
+              <a:srgbClr val="DEDEDE"/>
+            </a:solidFill>
+          </a:ln>
+          <a:effectLst>
+            <a:outerShdw blurRad="50800" dist="38100" dir="2700000" algn="tl" rotWithShape="0">
+              <a:schemeClr val="bg2">
+                <a:lumMod val="85000"/>
+                <a:alpha val="50000"/>
+              </a:schemeClr>
+            </a:outerShdw>
+          </a:effectLst>
+        </p:spPr>
+        <p:style>
+          <a:lnRef idx="2">
+            <a:schemeClr val="accent1">
+              <a:shade val="50000"/>
+            </a:schemeClr>
+          </a:lnRef>
+          <a:fillRef idx="1">
+            <a:schemeClr val="accent1"/>
+          </a:fillRef>
+          <a:effectRef idx="0">
+            <a:schemeClr val="accent1"/>
+          </a:effectRef>
+          <a:fontRef idx="minor">
+            <a:schemeClr val="lt1"/>
+          </a:fontRef>
+        </p:style>
+        <p:txBody>
+          <a:bodyPr rtlCol="0" anchor="ctr"/>
+          <a:lstStyle/>
+          <a:p>
+            <a:pPr marL="0" marR="0" lvl="0" indent="0" algn="ctr" defTabSz="914400" rtl="0" eaLnBrk="1" fontAlgn="auto" latinLnBrk="0" hangingPunct="1">
+              <a:lnSpc>
+                <a:spcPct val="100000"/>
+              </a:lnSpc>
+              <a:spcBef>
+                <a:spcPts val="0"/>
+              </a:spcBef>
+              <a:spcAft>
+                <a:spcPts val="0"/>
+              </a:spcAft>
+              <a:buClrTx/>
+              <a:buSzTx/>
+              <a:buFontTx/>
+              <a:buNone/>
+              <a:tabLst/>
+              <a:defRPr/>
+            </a:pPr>
+            <a:endParaRPr kumimoji="0" lang="en-US" sz="1800" b="0" i="0" u="none" strike="noStrike" kern="1200" cap="none" spc="0" normalizeH="0" baseline="0" noProof="0">
+              <a:ln>
+                <a:noFill/>
+              </a:ln>
+              <a:solidFill>
+                <a:prstClr val="white"/>
+              </a:solidFill>
+              <a:effectLst/>
+              <a:uLnTx/>
+              <a:uFillTx/>
+              <a:latin typeface="Calibri" panose="020F0502020204030204"/>
+              <a:ea typeface="+mn-ea"/>
+              <a:cs typeface="+mn-cs"/>
+            </a:endParaRPr>
+          </a:p>
+        </p:txBody>
+      </p:sp>
+      <p:sp>
+        <p:nvSpPr>
+          <p:cNvPr id="2" name="Title 1">
+            <a:extLst>
+              <a:ext uri="{FF2B5EF4-FFF2-40B4-BE49-F238E27FC236}">
+                <a16:creationId xmlns:a16="http://schemas.microsoft.com/office/drawing/2014/main" id="{55A31A47-4CE7-968A-2D67-A37818CDBD4C}"/>
+              </a:ext>
+            </a:extLst>
+          </p:cNvPr>
+          <p:cNvSpPr>
+            <a:spLocks noGrp="1"/>
+          </p:cNvSpPr>
+          <p:nvPr>
+            <p:ph type="title"/>
+          </p:nvPr>
+        </p:nvSpPr>
+        <p:spPr>
+          <a:xfrm>
+            <a:off x="1046746" y="586822"/>
+            <a:ext cx="3827730" cy="1645920"/>
+          </a:xfrm>
+        </p:spPr>
+        <p:txBody>
+          <a:bodyPr>
+            <a:normAutofit/>
+          </a:bodyPr>
+          <a:lstStyle/>
+          <a:p>
+            <a:r>
+              <a:rPr lang="en-US" sz="3200" dirty="0"/>
+              <a:t>Advantages</a:t>
             </a:r>
           </a:p>
         </p:txBody>
@@ -12258,7 +14612,7 @@
 </p:sld>
 </file>
 
-<file path=ppt/slides/slide12.xml><?xml version="1.0" encoding="utf-8"?>
+<file path=ppt/slides/slide18.xml><?xml version="1.0" encoding="utf-8"?>
 <p:sld xmlns:a="http://schemas.openxmlformats.org/drawingml/2006/main" xmlns:r="http://schemas.openxmlformats.org/officeDocument/2006/relationships" xmlns:p="http://schemas.openxmlformats.org/presentationml/2006/main">
   <p:cSld>
     <p:bg>
@@ -12472,7 +14826,7 @@
           <a:p>
             <a:r>
               <a:rPr lang="en-US" sz="3200" dirty="0"/>
-              <a:t>Challenges</a:t>
+              <a:t>Future Work</a:t>
             </a:r>
           </a:p>
         </p:txBody>
@@ -12779,7 +15133,256 @@
 </p:sld>
 </file>
 
+<file path=ppt/slides/slide19.xml><?xml version="1.0" encoding="utf-8"?>
+<p:sld xmlns:a="http://schemas.openxmlformats.org/drawingml/2006/main" xmlns:r="http://schemas.openxmlformats.org/officeDocument/2006/relationships" xmlns:p="http://schemas.openxmlformats.org/presentationml/2006/main">
+  <p:cSld>
+    <p:spTree>
+      <p:nvGrpSpPr>
+        <p:cNvPr id="1" name=""/>
+        <p:cNvGrpSpPr/>
+        <p:nvPr/>
+      </p:nvGrpSpPr>
+      <p:grpSpPr>
+        <a:xfrm>
+          <a:off x="0" y="0"/>
+          <a:ext cx="0" cy="0"/>
+          <a:chOff x="0" y="0"/>
+          <a:chExt cx="0" cy="0"/>
+        </a:xfrm>
+      </p:grpSpPr>
+      <p:sp>
+        <p:nvSpPr>
+          <p:cNvPr id="2" name="Title 1">
+            <a:extLst>
+              <a:ext uri="{FF2B5EF4-FFF2-40B4-BE49-F238E27FC236}">
+                <a16:creationId xmlns:a16="http://schemas.microsoft.com/office/drawing/2014/main" id="{FB7FD99D-8714-3857-4179-C44B609FC744}"/>
+              </a:ext>
+            </a:extLst>
+          </p:cNvPr>
+          <p:cNvSpPr>
+            <a:spLocks noGrp="1"/>
+          </p:cNvSpPr>
+          <p:nvPr>
+            <p:ph type="title"/>
+          </p:nvPr>
+        </p:nvSpPr>
+        <p:spPr/>
+        <p:txBody>
+          <a:bodyPr/>
+          <a:lstStyle/>
+          <a:p>
+            <a:endParaRPr lang="en-DE"/>
+          </a:p>
+        </p:txBody>
+      </p:sp>
+      <p:sp>
+        <p:nvSpPr>
+          <p:cNvPr id="3" name="Content Placeholder 2">
+            <a:extLst>
+              <a:ext uri="{FF2B5EF4-FFF2-40B4-BE49-F238E27FC236}">
+                <a16:creationId xmlns:a16="http://schemas.microsoft.com/office/drawing/2014/main" id="{ADA2CE2D-A5A1-A740-F8F0-AE8C81E39C40}"/>
+              </a:ext>
+            </a:extLst>
+          </p:cNvPr>
+          <p:cNvSpPr>
+            <a:spLocks noGrp="1"/>
+          </p:cNvSpPr>
+          <p:nvPr>
+            <p:ph idx="1"/>
+          </p:nvPr>
+        </p:nvSpPr>
+        <p:spPr/>
+        <p:txBody>
+          <a:bodyPr/>
+          <a:lstStyle/>
+          <a:p>
+            <a:r>
+              <a:rPr lang="en-DE" dirty="0"/>
+              <a:t>Thank you</a:t>
+            </a:r>
+          </a:p>
+        </p:txBody>
+      </p:sp>
+    </p:spTree>
+    <p:extLst>
+      <p:ext uri="{BB962C8B-B14F-4D97-AF65-F5344CB8AC3E}">
+        <p14:creationId xmlns:p14="http://schemas.microsoft.com/office/powerpoint/2010/main" val="619056743"/>
+      </p:ext>
+    </p:extLst>
+  </p:cSld>
+  <p:clrMapOvr>
+    <a:masterClrMapping/>
+  </p:clrMapOvr>
+</p:sld>
+</file>
+
 <file path=ppt/slides/slide2.xml><?xml version="1.0" encoding="utf-8"?>
+<p:sld xmlns:a="http://schemas.openxmlformats.org/drawingml/2006/main" xmlns:r="http://schemas.openxmlformats.org/officeDocument/2006/relationships" xmlns:p="http://schemas.openxmlformats.org/presentationml/2006/main">
+  <p:cSld>
+    <p:spTree>
+      <p:nvGrpSpPr>
+        <p:cNvPr id="1" name=""/>
+        <p:cNvGrpSpPr/>
+        <p:nvPr/>
+      </p:nvGrpSpPr>
+      <p:grpSpPr>
+        <a:xfrm>
+          <a:off x="0" y="0"/>
+          <a:ext cx="0" cy="0"/>
+          <a:chOff x="0" y="0"/>
+          <a:chExt cx="0" cy="0"/>
+        </a:xfrm>
+      </p:grpSpPr>
+      <p:sp>
+        <p:nvSpPr>
+          <p:cNvPr id="2" name="Title 1">
+            <a:extLst>
+              <a:ext uri="{FF2B5EF4-FFF2-40B4-BE49-F238E27FC236}">
+                <a16:creationId xmlns:a16="http://schemas.microsoft.com/office/drawing/2014/main" id="{B9785593-0D83-9A89-D8D8-10FD60619CD7}"/>
+              </a:ext>
+            </a:extLst>
+          </p:cNvPr>
+          <p:cNvSpPr>
+            <a:spLocks noGrp="1"/>
+          </p:cNvSpPr>
+          <p:nvPr>
+            <p:ph type="title"/>
+          </p:nvPr>
+        </p:nvSpPr>
+        <p:spPr/>
+        <p:txBody>
+          <a:bodyPr/>
+          <a:lstStyle/>
+          <a:p>
+            <a:r>
+              <a:rPr lang="en-DE" dirty="0"/>
+              <a:t>Team</a:t>
+            </a:r>
+          </a:p>
+        </p:txBody>
+      </p:sp>
+      <p:sp>
+        <p:nvSpPr>
+          <p:cNvPr id="3" name="Content Placeholder 2">
+            <a:extLst>
+              <a:ext uri="{FF2B5EF4-FFF2-40B4-BE49-F238E27FC236}">
+                <a16:creationId xmlns:a16="http://schemas.microsoft.com/office/drawing/2014/main" id="{FA895818-25FE-006D-15C0-2907237ED1C9}"/>
+              </a:ext>
+            </a:extLst>
+          </p:cNvPr>
+          <p:cNvSpPr>
+            <a:spLocks noGrp="1"/>
+          </p:cNvSpPr>
+          <p:nvPr>
+            <p:ph idx="1"/>
+          </p:nvPr>
+        </p:nvSpPr>
+        <p:spPr/>
+        <p:txBody>
+          <a:bodyPr/>
+          <a:lstStyle/>
+          <a:p>
+            <a:endParaRPr lang="en-DE"/>
+          </a:p>
+        </p:txBody>
+      </p:sp>
+    </p:spTree>
+    <p:extLst>
+      <p:ext uri="{BB962C8B-B14F-4D97-AF65-F5344CB8AC3E}">
+        <p14:creationId xmlns:p14="http://schemas.microsoft.com/office/powerpoint/2010/main" val="1835923915"/>
+      </p:ext>
+    </p:extLst>
+  </p:cSld>
+  <p:clrMapOvr>
+    <a:masterClrMapping/>
+  </p:clrMapOvr>
+</p:sld>
+</file>
+
+<file path=ppt/slides/slide3.xml><?xml version="1.0" encoding="utf-8"?>
+<p:sld xmlns:a="http://schemas.openxmlformats.org/drawingml/2006/main" xmlns:r="http://schemas.openxmlformats.org/officeDocument/2006/relationships" xmlns:p="http://schemas.openxmlformats.org/presentationml/2006/main">
+  <p:cSld>
+    <p:spTree>
+      <p:nvGrpSpPr>
+        <p:cNvPr id="1" name=""/>
+        <p:cNvGrpSpPr/>
+        <p:nvPr/>
+      </p:nvGrpSpPr>
+      <p:grpSpPr>
+        <a:xfrm>
+          <a:off x="0" y="0"/>
+          <a:ext cx="0" cy="0"/>
+          <a:chOff x="0" y="0"/>
+          <a:chExt cx="0" cy="0"/>
+        </a:xfrm>
+      </p:grpSpPr>
+      <p:sp>
+        <p:nvSpPr>
+          <p:cNvPr id="2" name="Title 1">
+            <a:extLst>
+              <a:ext uri="{FF2B5EF4-FFF2-40B4-BE49-F238E27FC236}">
+                <a16:creationId xmlns:a16="http://schemas.microsoft.com/office/drawing/2014/main" id="{37DE8A77-EC09-C9D6-4770-325F426FFA1D}"/>
+              </a:ext>
+            </a:extLst>
+          </p:cNvPr>
+          <p:cNvSpPr>
+            <a:spLocks noGrp="1"/>
+          </p:cNvSpPr>
+          <p:nvPr>
+            <p:ph type="title"/>
+          </p:nvPr>
+        </p:nvSpPr>
+        <p:spPr/>
+        <p:txBody>
+          <a:bodyPr/>
+          <a:lstStyle/>
+          <a:p>
+            <a:r>
+              <a:rPr lang="en-DE" dirty="0"/>
+              <a:t>Background</a:t>
+            </a:r>
+          </a:p>
+        </p:txBody>
+      </p:sp>
+      <p:sp>
+        <p:nvSpPr>
+          <p:cNvPr id="3" name="Content Placeholder 2">
+            <a:extLst>
+              <a:ext uri="{FF2B5EF4-FFF2-40B4-BE49-F238E27FC236}">
+                <a16:creationId xmlns:a16="http://schemas.microsoft.com/office/drawing/2014/main" id="{1EDCD05D-05B7-C75E-E345-6D5C948460A4}"/>
+              </a:ext>
+            </a:extLst>
+          </p:cNvPr>
+          <p:cNvSpPr>
+            <a:spLocks noGrp="1"/>
+          </p:cNvSpPr>
+          <p:nvPr>
+            <p:ph idx="1"/>
+          </p:nvPr>
+        </p:nvSpPr>
+        <p:spPr/>
+        <p:txBody>
+          <a:bodyPr/>
+          <a:lstStyle/>
+          <a:p>
+            <a:endParaRPr lang="en-DE"/>
+          </a:p>
+        </p:txBody>
+      </p:sp>
+    </p:spTree>
+    <p:extLst>
+      <p:ext uri="{BB962C8B-B14F-4D97-AF65-F5344CB8AC3E}">
+        <p14:creationId xmlns:p14="http://schemas.microsoft.com/office/powerpoint/2010/main" val="3547292828"/>
+      </p:ext>
+    </p:extLst>
+  </p:cSld>
+  <p:clrMapOvr>
+    <a:masterClrMapping/>
+  </p:clrMapOvr>
+</p:sld>
+</file>
+
+<file path=ppt/slides/slide4.xml><?xml version="1.0" encoding="utf-8"?>
 <p:sld xmlns:a="http://schemas.openxmlformats.org/drawingml/2006/main" xmlns:r="http://schemas.openxmlformats.org/officeDocument/2006/relationships" xmlns:p="http://schemas.openxmlformats.org/presentationml/2006/main">
   <p:cSld>
     <p:bg>
@@ -13260,7 +15863,7 @@
         </p:xfrm>
         <a:graphic>
           <a:graphicData uri="http://schemas.openxmlformats.org/drawingml/2006/diagram">
-            <dgm:relIds xmlns:dgm="http://schemas.openxmlformats.org/drawingml/2006/diagram" xmlns:r="http://schemas.openxmlformats.org/officeDocument/2006/relationships" r:dm="rId2" r:lo="rId3" r:qs="rId4" r:cs="rId5"/>
+            <dgm:relIds xmlns:dgm="http://schemas.openxmlformats.org/drawingml/2006/diagram" xmlns:r="http://schemas.openxmlformats.org/officeDocument/2006/relationships" r:dm="rId3" r:lo="rId4" r:qs="rId5" r:cs="rId6"/>
           </a:graphicData>
         </a:graphic>
       </p:graphicFrame>
@@ -13277,7 +15880,7 @@
 </p:sld>
 </file>
 
-<file path=ppt/slides/slide3.xml><?xml version="1.0" encoding="utf-8"?>
+<file path=ppt/slides/slide5.xml><?xml version="1.0" encoding="utf-8"?>
 <p:sld xmlns:a="http://schemas.openxmlformats.org/drawingml/2006/main" xmlns:r="http://schemas.openxmlformats.org/officeDocument/2006/relationships" xmlns:p="http://schemas.openxmlformats.org/presentationml/2006/main">
   <p:cSld>
     <p:bg>
@@ -13608,7 +16211,173 @@
 </p:sld>
 </file>
 
-<file path=ppt/slides/slide4.xml><?xml version="1.0" encoding="utf-8"?>
+<file path=ppt/slides/slide6.xml><?xml version="1.0" encoding="utf-8"?>
+<p:sld xmlns:a="http://schemas.openxmlformats.org/drawingml/2006/main" xmlns:r="http://schemas.openxmlformats.org/officeDocument/2006/relationships" xmlns:p="http://schemas.openxmlformats.org/presentationml/2006/main">
+  <p:cSld>
+    <p:spTree>
+      <p:nvGrpSpPr>
+        <p:cNvPr id="1" name=""/>
+        <p:cNvGrpSpPr/>
+        <p:nvPr/>
+      </p:nvGrpSpPr>
+      <p:grpSpPr>
+        <a:xfrm>
+          <a:off x="0" y="0"/>
+          <a:ext cx="0" cy="0"/>
+          <a:chOff x="0" y="0"/>
+          <a:chExt cx="0" cy="0"/>
+        </a:xfrm>
+      </p:grpSpPr>
+      <p:sp>
+        <p:nvSpPr>
+          <p:cNvPr id="2" name="Title 1">
+            <a:extLst>
+              <a:ext uri="{FF2B5EF4-FFF2-40B4-BE49-F238E27FC236}">
+                <a16:creationId xmlns:a16="http://schemas.microsoft.com/office/drawing/2014/main" id="{8E8D5277-CBDB-A08B-74AC-F7AEAC9589CF}"/>
+              </a:ext>
+            </a:extLst>
+          </p:cNvPr>
+          <p:cNvSpPr>
+            <a:spLocks noGrp="1"/>
+          </p:cNvSpPr>
+          <p:nvPr>
+            <p:ph type="title"/>
+          </p:nvPr>
+        </p:nvSpPr>
+        <p:spPr/>
+        <p:txBody>
+          <a:bodyPr/>
+          <a:lstStyle/>
+          <a:p>
+            <a:r>
+              <a:rPr lang="en-DE" dirty="0"/>
+              <a:t>SDLC</a:t>
+            </a:r>
+          </a:p>
+        </p:txBody>
+      </p:sp>
+      <p:sp>
+        <p:nvSpPr>
+          <p:cNvPr id="3" name="Content Placeholder 2">
+            <a:extLst>
+              <a:ext uri="{FF2B5EF4-FFF2-40B4-BE49-F238E27FC236}">
+                <a16:creationId xmlns:a16="http://schemas.microsoft.com/office/drawing/2014/main" id="{C4DF9B66-3D14-AE31-42CC-42439B4B1C5C}"/>
+              </a:ext>
+            </a:extLst>
+          </p:cNvPr>
+          <p:cNvSpPr>
+            <a:spLocks noGrp="1"/>
+          </p:cNvSpPr>
+          <p:nvPr>
+            <p:ph idx="1"/>
+          </p:nvPr>
+        </p:nvSpPr>
+        <p:spPr/>
+        <p:txBody>
+          <a:bodyPr/>
+          <a:lstStyle/>
+          <a:p>
+            <a:endParaRPr lang="en-DE"/>
+          </a:p>
+        </p:txBody>
+      </p:sp>
+    </p:spTree>
+    <p:extLst>
+      <p:ext uri="{BB962C8B-B14F-4D97-AF65-F5344CB8AC3E}">
+        <p14:creationId xmlns:p14="http://schemas.microsoft.com/office/powerpoint/2010/main" val="2311586106"/>
+      </p:ext>
+    </p:extLst>
+  </p:cSld>
+  <p:clrMapOvr>
+    <a:masterClrMapping/>
+  </p:clrMapOvr>
+</p:sld>
+</file>
+
+<file path=ppt/slides/slide7.xml><?xml version="1.0" encoding="utf-8"?>
+<p:sld xmlns:a="http://schemas.openxmlformats.org/drawingml/2006/main" xmlns:r="http://schemas.openxmlformats.org/officeDocument/2006/relationships" xmlns:p="http://schemas.openxmlformats.org/presentationml/2006/main">
+  <p:cSld>
+    <p:spTree>
+      <p:nvGrpSpPr>
+        <p:cNvPr id="1" name=""/>
+        <p:cNvGrpSpPr/>
+        <p:nvPr/>
+      </p:nvGrpSpPr>
+      <p:grpSpPr>
+        <a:xfrm>
+          <a:off x="0" y="0"/>
+          <a:ext cx="0" cy="0"/>
+          <a:chOff x="0" y="0"/>
+          <a:chExt cx="0" cy="0"/>
+        </a:xfrm>
+      </p:grpSpPr>
+      <p:sp>
+        <p:nvSpPr>
+          <p:cNvPr id="2" name="Title 1">
+            <a:extLst>
+              <a:ext uri="{FF2B5EF4-FFF2-40B4-BE49-F238E27FC236}">
+                <a16:creationId xmlns:a16="http://schemas.microsoft.com/office/drawing/2014/main" id="{BBD79451-92D7-5CD7-321A-25FAF7B8A031}"/>
+              </a:ext>
+            </a:extLst>
+          </p:cNvPr>
+          <p:cNvSpPr>
+            <a:spLocks noGrp="1"/>
+          </p:cNvSpPr>
+          <p:nvPr>
+            <p:ph type="title"/>
+          </p:nvPr>
+        </p:nvSpPr>
+        <p:spPr/>
+        <p:txBody>
+          <a:bodyPr/>
+          <a:lstStyle/>
+          <a:p>
+            <a:r>
+              <a:rPr lang="en-DE" dirty="0"/>
+              <a:t>Requirements</a:t>
+            </a:r>
+          </a:p>
+        </p:txBody>
+      </p:sp>
+      <p:sp>
+        <p:nvSpPr>
+          <p:cNvPr id="3" name="Content Placeholder 2">
+            <a:extLst>
+              <a:ext uri="{FF2B5EF4-FFF2-40B4-BE49-F238E27FC236}">
+                <a16:creationId xmlns:a16="http://schemas.microsoft.com/office/drawing/2014/main" id="{FF8DE571-60A6-206A-EDA4-7A9E22866051}"/>
+              </a:ext>
+            </a:extLst>
+          </p:cNvPr>
+          <p:cNvSpPr>
+            <a:spLocks noGrp="1"/>
+          </p:cNvSpPr>
+          <p:nvPr>
+            <p:ph idx="1"/>
+          </p:nvPr>
+        </p:nvSpPr>
+        <p:spPr/>
+        <p:txBody>
+          <a:bodyPr/>
+          <a:lstStyle/>
+          <a:p>
+            <a:endParaRPr lang="en-DE"/>
+          </a:p>
+        </p:txBody>
+      </p:sp>
+    </p:spTree>
+    <p:extLst>
+      <p:ext uri="{BB962C8B-B14F-4D97-AF65-F5344CB8AC3E}">
+        <p14:creationId xmlns:p14="http://schemas.microsoft.com/office/powerpoint/2010/main" val="2060518697"/>
+      </p:ext>
+    </p:extLst>
+  </p:cSld>
+  <p:clrMapOvr>
+    <a:masterClrMapping/>
+  </p:clrMapOvr>
+</p:sld>
+</file>
+
+<file path=ppt/slides/slide8.xml><?xml version="1.0" encoding="utf-8"?>
 <p:sld xmlns:a="http://schemas.openxmlformats.org/drawingml/2006/main" xmlns:r="http://schemas.openxmlformats.org/officeDocument/2006/relationships" xmlns:p="http://schemas.openxmlformats.org/presentationml/2006/main">
   <p:cSld>
     <p:bg>
@@ -14155,7 +16924,7 @@
 </p:sld>
 </file>
 
-<file path=ppt/slides/slide5.xml><?xml version="1.0" encoding="utf-8"?>
+<file path=ppt/slides/slide9.xml><?xml version="1.0" encoding="utf-8"?>
 <p:sld xmlns:a="http://schemas.openxmlformats.org/drawingml/2006/main" xmlns:r="http://schemas.openxmlformats.org/officeDocument/2006/relationships" xmlns:p="http://schemas.openxmlformats.org/presentationml/2006/main">
   <p:cSld>
     <p:bg>
@@ -14681,2103 +17450,6 @@
     <p:extLst>
       <p:ext uri="{BB962C8B-B14F-4D97-AF65-F5344CB8AC3E}">
         <p14:creationId xmlns:p14="http://schemas.microsoft.com/office/powerpoint/2010/main" val="2532252996"/>
-      </p:ext>
-    </p:extLst>
-  </p:cSld>
-  <p:clrMapOvr>
-    <a:masterClrMapping/>
-  </p:clrMapOvr>
-</p:sld>
-</file>
-
-<file path=ppt/slides/slide6.xml><?xml version="1.0" encoding="utf-8"?>
-<p:sld xmlns:a="http://schemas.openxmlformats.org/drawingml/2006/main" xmlns:r="http://schemas.openxmlformats.org/officeDocument/2006/relationships" xmlns:p="http://schemas.openxmlformats.org/presentationml/2006/main">
-  <p:cSld>
-    <p:bg>
-      <p:bgPr>
-        <a:solidFill>
-          <a:schemeClr val="bg1"/>
-        </a:solidFill>
-        <a:effectLst/>
-      </p:bgPr>
-    </p:bg>
-    <p:spTree>
-      <p:nvGrpSpPr>
-        <p:cNvPr id="1" name=""/>
-        <p:cNvGrpSpPr/>
-        <p:nvPr/>
-      </p:nvGrpSpPr>
-      <p:grpSpPr>
-        <a:xfrm>
-          <a:off x="0" y="0"/>
-          <a:ext cx="0" cy="0"/>
-          <a:chOff x="0" y="0"/>
-          <a:chExt cx="0" cy="0"/>
-        </a:xfrm>
-      </p:grpSpPr>
-      <p:sp useBgFill="1">
-        <p:nvSpPr>
-          <p:cNvPr id="23" name="Rectangle 22">
-            <a:extLst>
-              <a:ext uri="{FF2B5EF4-FFF2-40B4-BE49-F238E27FC236}">
-                <a16:creationId xmlns:a16="http://schemas.microsoft.com/office/drawing/2014/main" id="{2550BE34-C2B8-49B8-8519-67A8CAD51AE9}"/>
-              </a:ext>
-              <a:ext uri="{C183D7F6-B498-43B3-948B-1728B52AA6E4}">
-                <adec:decorative xmlns:adec="http://schemas.microsoft.com/office/drawing/2017/decorative" val="1"/>
-              </a:ext>
-            </a:extLst>
-          </p:cNvPr>
-          <p:cNvSpPr>
-            <a:spLocks noGrp="1" noRot="1" noChangeAspect="1" noMove="1" noResize="1" noEditPoints="1" noAdjustHandles="1" noChangeArrowheads="1" noChangeShapeType="1" noTextEdit="1"/>
-          </p:cNvSpPr>
-          <p:nvPr>
-            <p:extLst>
-              <p:ext uri="{386F3935-93C4-4BCD-93E2-E3B085C9AB24}">
-                <p16:designElem xmlns:p16="http://schemas.microsoft.com/office/powerpoint/2015/main" val="1"/>
-              </p:ext>
-            </p:extLst>
-          </p:nvPr>
-        </p:nvSpPr>
-        <p:spPr>
-          <a:xfrm>
-            <a:off x="0" y="0"/>
-            <a:ext cx="12192000" cy="6858000"/>
-          </a:xfrm>
-          <a:prstGeom prst="rect">
-            <a:avLst/>
-          </a:prstGeom>
-          <a:ln>
-            <a:noFill/>
-          </a:ln>
-        </p:spPr>
-        <p:style>
-          <a:lnRef idx="2">
-            <a:schemeClr val="accent1">
-              <a:shade val="50000"/>
-            </a:schemeClr>
-          </a:lnRef>
-          <a:fillRef idx="1">
-            <a:schemeClr val="accent1"/>
-          </a:fillRef>
-          <a:effectRef idx="0">
-            <a:schemeClr val="accent1"/>
-          </a:effectRef>
-          <a:fontRef idx="minor">
-            <a:schemeClr val="lt1"/>
-          </a:fontRef>
-        </p:style>
-        <p:txBody>
-          <a:bodyPr rtlCol="0" anchor="ctr"/>
-          <a:lstStyle/>
-          <a:p>
-            <a:pPr algn="ctr"/>
-            <a:endParaRPr lang="en-US"/>
-          </a:p>
-        </p:txBody>
-      </p:sp>
-      <p:sp useBgFill="1">
-        <p:nvSpPr>
-          <p:cNvPr id="25" name="Rectangle 24">
-            <a:extLst>
-              <a:ext uri="{FF2B5EF4-FFF2-40B4-BE49-F238E27FC236}">
-                <a16:creationId xmlns:a16="http://schemas.microsoft.com/office/drawing/2014/main" id="{A7457DD9-5A45-400A-AB4B-4B4EDECA25F1}"/>
-              </a:ext>
-              <a:ext uri="{C183D7F6-B498-43B3-948B-1728B52AA6E4}">
-                <adec:decorative xmlns:adec="http://schemas.microsoft.com/office/drawing/2017/decorative" val="1"/>
-              </a:ext>
-            </a:extLst>
-          </p:cNvPr>
-          <p:cNvSpPr>
-            <a:spLocks noGrp="1" noRot="1" noChangeAspect="1" noMove="1" noResize="1" noEditPoints="1" noAdjustHandles="1" noChangeArrowheads="1" noChangeShapeType="1" noTextEdit="1"/>
-          </p:cNvSpPr>
-          <p:nvPr>
-            <p:extLst>
-              <p:ext uri="{386F3935-93C4-4BCD-93E2-E3B085C9AB24}">
-                <p16:designElem xmlns:p16="http://schemas.microsoft.com/office/powerpoint/2015/main" val="1"/>
-              </p:ext>
-            </p:extLst>
-          </p:nvPr>
-        </p:nvSpPr>
-        <p:spPr>
-          <a:xfrm>
-            <a:off x="554416" y="365125"/>
-            <a:ext cx="11167447" cy="2089317"/>
-          </a:xfrm>
-          <a:prstGeom prst="rect">
-            <a:avLst/>
-          </a:prstGeom>
-          <a:ln w="12700">
-            <a:solidFill>
-              <a:srgbClr val="DEDEDE"/>
-            </a:solidFill>
-          </a:ln>
-          <a:effectLst>
-            <a:outerShdw blurRad="50800" dist="38100" dir="2700000" algn="tl" rotWithShape="0">
-              <a:schemeClr val="bg2">
-                <a:lumMod val="85000"/>
-                <a:alpha val="50000"/>
-              </a:schemeClr>
-            </a:outerShdw>
-          </a:effectLst>
-        </p:spPr>
-        <p:style>
-          <a:lnRef idx="2">
-            <a:schemeClr val="accent1">
-              <a:shade val="50000"/>
-            </a:schemeClr>
-          </a:lnRef>
-          <a:fillRef idx="1">
-            <a:schemeClr val="accent1"/>
-          </a:fillRef>
-          <a:effectRef idx="0">
-            <a:schemeClr val="accent1"/>
-          </a:effectRef>
-          <a:fontRef idx="minor">
-            <a:schemeClr val="lt1"/>
-          </a:fontRef>
-        </p:style>
-        <p:txBody>
-          <a:bodyPr rtlCol="0" anchor="ctr"/>
-          <a:lstStyle/>
-          <a:p>
-            <a:pPr marL="0" marR="0" lvl="0" indent="0" algn="ctr" defTabSz="914400" rtl="0" eaLnBrk="1" fontAlgn="auto" latinLnBrk="0" hangingPunct="1">
-              <a:lnSpc>
-                <a:spcPct val="100000"/>
-              </a:lnSpc>
-              <a:spcBef>
-                <a:spcPts val="0"/>
-              </a:spcBef>
-              <a:spcAft>
-                <a:spcPts val="0"/>
-              </a:spcAft>
-              <a:buClrTx/>
-              <a:buSzTx/>
-              <a:buFontTx/>
-              <a:buNone/>
-              <a:tabLst/>
-              <a:defRPr/>
-            </a:pPr>
-            <a:endParaRPr kumimoji="0" lang="en-US" sz="1800" b="0" i="0" u="none" strike="noStrike" kern="1200" cap="none" spc="0" normalizeH="0" baseline="0" noProof="0">
-              <a:ln>
-                <a:noFill/>
-              </a:ln>
-              <a:solidFill>
-                <a:prstClr val="white"/>
-              </a:solidFill>
-              <a:effectLst/>
-              <a:uLnTx/>
-              <a:uFillTx/>
-              <a:latin typeface="Calibri" panose="020F0502020204030204"/>
-              <a:ea typeface="+mn-ea"/>
-              <a:cs typeface="+mn-cs"/>
-            </a:endParaRPr>
-          </a:p>
-        </p:txBody>
-      </p:sp>
-      <p:sp>
-        <p:nvSpPr>
-          <p:cNvPr id="2" name="Title 1">
-            <a:extLst>
-              <a:ext uri="{FF2B5EF4-FFF2-40B4-BE49-F238E27FC236}">
-                <a16:creationId xmlns:a16="http://schemas.microsoft.com/office/drawing/2014/main" id="{55A31A47-4CE7-968A-2D67-A37818CDBD4C}"/>
-              </a:ext>
-            </a:extLst>
-          </p:cNvPr>
-          <p:cNvSpPr>
-            <a:spLocks noGrp="1"/>
-          </p:cNvSpPr>
-          <p:nvPr>
-            <p:ph type="title"/>
-          </p:nvPr>
-        </p:nvSpPr>
-        <p:spPr>
-          <a:xfrm>
-            <a:off x="1046746" y="586822"/>
-            <a:ext cx="3560252" cy="1645920"/>
-          </a:xfrm>
-        </p:spPr>
-        <p:txBody>
-          <a:bodyPr vert="horz" lIns="91440" tIns="45720" rIns="91440" bIns="45720" rtlCol="0" anchor="ctr">
-            <a:normAutofit/>
-          </a:bodyPr>
-          <a:lstStyle/>
-          <a:p>
-            <a:r>
-              <a:rPr lang="en-US" sz="3200" kern="1200">
-                <a:solidFill>
-                  <a:schemeClr val="tx1"/>
-                </a:solidFill>
-                <a:latin typeface="+mj-lt"/>
-                <a:ea typeface="+mj-ea"/>
-                <a:cs typeface="+mj-cs"/>
-              </a:rPr>
-              <a:t>Train delay Prediction</a:t>
-            </a:r>
-          </a:p>
-        </p:txBody>
-      </p:sp>
-      <p:sp>
-        <p:nvSpPr>
-          <p:cNvPr id="27" name="Rectangle 26">
-            <a:extLst>
-              <a:ext uri="{FF2B5EF4-FFF2-40B4-BE49-F238E27FC236}">
-                <a16:creationId xmlns:a16="http://schemas.microsoft.com/office/drawing/2014/main" id="{441CF7D6-A660-431A-B0BB-140A0D5556B6}"/>
-              </a:ext>
-              <a:ext uri="{C183D7F6-B498-43B3-948B-1728B52AA6E4}">
-                <adec:decorative xmlns:adec="http://schemas.microsoft.com/office/drawing/2017/decorative" val="1"/>
-              </a:ext>
-            </a:extLst>
-          </p:cNvPr>
-          <p:cNvSpPr>
-            <a:spLocks noGrp="1" noRot="1" noChangeAspect="1" noMove="1" noResize="1" noEditPoints="1" noAdjustHandles="1" noChangeArrowheads="1" noChangeShapeType="1" noTextEdit="1"/>
-          </p:cNvSpPr>
-          <p:nvPr>
-            <p:extLst>
-              <p:ext uri="{386F3935-93C4-4BCD-93E2-E3B085C9AB24}">
-                <p16:designElem xmlns:p16="http://schemas.microsoft.com/office/powerpoint/2015/main" val="1"/>
-              </p:ext>
-            </p:extLst>
-          </p:nvPr>
-        </p:nvSpPr>
-        <p:spPr>
-          <a:xfrm>
-            <a:off x="490408" y="1057739"/>
-            <a:ext cx="128016" cy="704088"/>
-          </a:xfrm>
-          <a:prstGeom prst="rect">
-            <a:avLst/>
-          </a:prstGeom>
-          <a:solidFill>
-            <a:schemeClr val="accent2"/>
-          </a:solidFill>
-          <a:ln>
-            <a:noFill/>
-          </a:ln>
-        </p:spPr>
-        <p:style>
-          <a:lnRef idx="2">
-            <a:schemeClr val="accent1">
-              <a:shade val="50000"/>
-            </a:schemeClr>
-          </a:lnRef>
-          <a:fillRef idx="1">
-            <a:schemeClr val="accent1"/>
-          </a:fillRef>
-          <a:effectRef idx="0">
-            <a:schemeClr val="accent1"/>
-          </a:effectRef>
-          <a:fontRef idx="minor">
-            <a:schemeClr val="lt1"/>
-          </a:fontRef>
-        </p:style>
-        <p:txBody>
-          <a:bodyPr rtlCol="0" anchor="ctr"/>
-          <a:lstStyle/>
-          <a:p>
-            <a:pPr algn="ctr"/>
-            <a:endParaRPr lang="en-US" dirty="0">
-              <a:solidFill>
-                <a:prstClr val="white"/>
-              </a:solidFill>
-              <a:latin typeface="Calibri" panose="020F0502020204030204"/>
-            </a:endParaRPr>
-          </a:p>
-        </p:txBody>
-      </p:sp>
-      <p:sp>
-        <p:nvSpPr>
-          <p:cNvPr id="29" name="Rectangle 28">
-            <a:extLst>
-              <a:ext uri="{FF2B5EF4-FFF2-40B4-BE49-F238E27FC236}">
-                <a16:creationId xmlns:a16="http://schemas.microsoft.com/office/drawing/2014/main" id="{0570A85B-3810-4F95-97B0-CBF4CCDB381C}"/>
-              </a:ext>
-              <a:ext uri="{C183D7F6-B498-43B3-948B-1728B52AA6E4}">
-                <adec:decorative xmlns:adec="http://schemas.microsoft.com/office/drawing/2017/decorative" val="1"/>
-              </a:ext>
-            </a:extLst>
-          </p:cNvPr>
-          <p:cNvSpPr>
-            <a:spLocks noGrp="1" noRot="1" noChangeAspect="1" noMove="1" noResize="1" noEditPoints="1" noAdjustHandles="1" noChangeArrowheads="1" noChangeShapeType="1" noTextEdit="1"/>
-          </p:cNvSpPr>
-          <p:nvPr>
-            <p:extLst>
-              <p:ext uri="{386F3935-93C4-4BCD-93E2-E3B085C9AB24}">
-                <p16:designElem xmlns:p16="http://schemas.microsoft.com/office/powerpoint/2015/main" val="1"/>
-              </p:ext>
-            </p:extLst>
-          </p:nvPr>
-        </p:nvSpPr>
-        <p:spPr>
-          <a:xfrm rot="5400000">
-            <a:off x="4243541" y="1400638"/>
-            <a:ext cx="1463040" cy="18288"/>
-          </a:xfrm>
-          <a:prstGeom prst="rect">
-            <a:avLst/>
-          </a:prstGeom>
-          <a:solidFill>
-            <a:srgbClr val="D5D5D5"/>
-          </a:solidFill>
-          <a:ln w="3175">
-            <a:noFill/>
-          </a:ln>
-          <a:effectLst/>
-        </p:spPr>
-        <p:style>
-          <a:lnRef idx="2">
-            <a:schemeClr val="accent1">
-              <a:shade val="50000"/>
-            </a:schemeClr>
-          </a:lnRef>
-          <a:fillRef idx="1">
-            <a:schemeClr val="accent1"/>
-          </a:fillRef>
-          <a:effectRef idx="0">
-            <a:schemeClr val="accent1"/>
-          </a:effectRef>
-          <a:fontRef idx="minor">
-            <a:schemeClr val="lt1"/>
-          </a:fontRef>
-        </p:style>
-        <p:txBody>
-          <a:bodyPr rtlCol="0" anchor="ctr"/>
-          <a:lstStyle/>
-          <a:p>
-            <a:pPr algn="ctr"/>
-            <a:endParaRPr lang="en-US">
-              <a:solidFill>
-                <a:prstClr val="white"/>
-              </a:solidFill>
-              <a:latin typeface="Calibri" panose="020F0502020204030204"/>
-            </a:endParaRPr>
-          </a:p>
-        </p:txBody>
-      </p:sp>
-      <p:sp>
-        <p:nvSpPr>
-          <p:cNvPr id="6" name="TextBox 5">
-            <a:extLst>
-              <a:ext uri="{FF2B5EF4-FFF2-40B4-BE49-F238E27FC236}">
-                <a16:creationId xmlns:a16="http://schemas.microsoft.com/office/drawing/2014/main" id="{82B02ED4-85B8-0188-240D-07101365BDCB}"/>
-              </a:ext>
-            </a:extLst>
-          </p:cNvPr>
-          <p:cNvSpPr txBox="1"/>
-          <p:nvPr/>
-        </p:nvSpPr>
-        <p:spPr>
-          <a:xfrm>
-            <a:off x="5351164" y="586822"/>
-            <a:ext cx="6002636" cy="1645920"/>
-          </a:xfrm>
-          <a:prstGeom prst="rect">
-            <a:avLst/>
-          </a:prstGeom>
-        </p:spPr>
-        <p:txBody>
-          <a:bodyPr vert="horz" lIns="91440" tIns="45720" rIns="91440" bIns="45720" rtlCol="0" anchor="ctr">
-            <a:noAutofit/>
-          </a:bodyPr>
-          <a:lstStyle/>
-          <a:p>
-            <a:pPr marL="285750" indent="-228600">
-              <a:lnSpc>
-                <a:spcPct val="90000"/>
-              </a:lnSpc>
-              <a:spcAft>
-                <a:spcPts val="600"/>
-              </a:spcAft>
-              <a:buFont typeface="Arial" panose="020B0604020202020204" pitchFamily="34" charset="0"/>
-              <a:buChar char="•"/>
-            </a:pPr>
-            <a:r>
-              <a:rPr lang="en-US" sz="1400" b="1" i="0" dirty="0">
-                <a:effectLst/>
-                <a:highlight>
-                  <a:srgbClr val="FFFFFF"/>
-                </a:highlight>
-              </a:rPr>
-              <a:t>Model Initialization and Server Configuration</a:t>
-            </a:r>
-            <a:r>
-              <a:rPr lang="en-US" sz="1400" b="0" i="0" dirty="0">
-                <a:effectLst/>
-                <a:highlight>
-                  <a:srgbClr val="FFFFFF"/>
-                </a:highlight>
-              </a:rPr>
-              <a:t>: The Random Forest Classifier model is initialized from stored weights, accompanied by label encoders, within the architecture </a:t>
-            </a:r>
-          </a:p>
-          <a:p>
-            <a:pPr marL="285750" indent="-228600">
-              <a:lnSpc>
-                <a:spcPct val="90000"/>
-              </a:lnSpc>
-              <a:spcAft>
-                <a:spcPts val="600"/>
-              </a:spcAft>
-              <a:buFont typeface="Arial" panose="020B0604020202020204" pitchFamily="34" charset="0"/>
-              <a:buChar char="•"/>
-            </a:pPr>
-            <a:r>
-              <a:rPr lang="en-US" sz="1400" b="1" i="0" dirty="0">
-                <a:effectLst/>
-                <a:highlight>
-                  <a:srgbClr val="FFFFFF"/>
-                </a:highlight>
-              </a:rPr>
-              <a:t>API Documentation and User Interface</a:t>
-            </a:r>
-            <a:r>
-              <a:rPr lang="en-US" sz="1400" b="0" i="0" dirty="0">
-                <a:effectLst/>
-                <a:highlight>
-                  <a:srgbClr val="FFFFFF"/>
-                </a:highlight>
-              </a:rPr>
-              <a:t>: Open API documentation, integrated with Swagger, aids in development and API management by listing available REST services and offering execution options via Swagger UI.</a:t>
-            </a:r>
-          </a:p>
-          <a:p>
-            <a:pPr marL="285750" indent="-228600">
-              <a:lnSpc>
-                <a:spcPct val="90000"/>
-              </a:lnSpc>
-              <a:spcAft>
-                <a:spcPts val="600"/>
-              </a:spcAft>
-              <a:buFont typeface="Arial" panose="020B0604020202020204" pitchFamily="34" charset="0"/>
-              <a:buChar char="•"/>
-            </a:pPr>
-            <a:r>
-              <a:rPr lang="en-US" sz="1400" b="1" i="0" dirty="0">
-                <a:effectLst/>
-                <a:highlight>
-                  <a:srgbClr val="FFFFFF"/>
-                </a:highlight>
-              </a:rPr>
-              <a:t>Prediction Process and Response Handling</a:t>
-            </a:r>
-            <a:r>
-              <a:rPr lang="en-US" sz="1400" b="0" i="0" dirty="0">
-                <a:effectLst/>
-                <a:highlight>
-                  <a:srgbClr val="FFFFFF"/>
-                </a:highlight>
-              </a:rPr>
-              <a:t>: The frontend application interacts with the backend by retrieving a list of available train schedules and presenting them to users. </a:t>
-            </a:r>
-            <a:endParaRPr lang="en-US" sz="1400" dirty="0"/>
-          </a:p>
-        </p:txBody>
-      </p:sp>
-      <p:pic>
-        <p:nvPicPr>
-          <p:cNvPr id="5" name="Content Placeholder 4" descr="A diagram of a train delay classifier&#10;&#10;Description automatically generated">
-            <a:extLst>
-              <a:ext uri="{FF2B5EF4-FFF2-40B4-BE49-F238E27FC236}">
-                <a16:creationId xmlns:a16="http://schemas.microsoft.com/office/drawing/2014/main" id="{CF59C041-B3E5-4C6C-E836-CCED3DE97E67}"/>
-              </a:ext>
-            </a:extLst>
-          </p:cNvPr>
-          <p:cNvPicPr>
-            <a:picLocks noChangeAspect="1"/>
-          </p:cNvPicPr>
-          <p:nvPr/>
-        </p:nvPicPr>
-        <p:blipFill>
-          <a:blip r:embed="rId3"/>
-          <a:stretch>
-            <a:fillRect/>
-          </a:stretch>
-        </p:blipFill>
-        <p:spPr>
-          <a:xfrm>
-            <a:off x="1586125" y="2734056"/>
-            <a:ext cx="9108142" cy="3483864"/>
-          </a:xfrm>
-          <a:prstGeom prst="rect">
-            <a:avLst/>
-          </a:prstGeom>
-        </p:spPr>
-      </p:pic>
-    </p:spTree>
-    <p:extLst>
-      <p:ext uri="{BB962C8B-B14F-4D97-AF65-F5344CB8AC3E}">
-        <p14:creationId xmlns:p14="http://schemas.microsoft.com/office/powerpoint/2010/main" val="4173489091"/>
-      </p:ext>
-    </p:extLst>
-  </p:cSld>
-  <p:clrMapOvr>
-    <a:masterClrMapping/>
-  </p:clrMapOvr>
-</p:sld>
-</file>
-
-<file path=ppt/slides/slide7.xml><?xml version="1.0" encoding="utf-8"?>
-<p:sld xmlns:a="http://schemas.openxmlformats.org/drawingml/2006/main" xmlns:r="http://schemas.openxmlformats.org/officeDocument/2006/relationships" xmlns:p="http://schemas.openxmlformats.org/presentationml/2006/main">
-  <p:cSld>
-    <p:bg>
-      <p:bgPr>
-        <a:solidFill>
-          <a:schemeClr val="bg1"/>
-        </a:solidFill>
-        <a:effectLst/>
-      </p:bgPr>
-    </p:bg>
-    <p:spTree>
-      <p:nvGrpSpPr>
-        <p:cNvPr id="1" name=""/>
-        <p:cNvGrpSpPr/>
-        <p:nvPr/>
-      </p:nvGrpSpPr>
-      <p:grpSpPr>
-        <a:xfrm>
-          <a:off x="0" y="0"/>
-          <a:ext cx="0" cy="0"/>
-          <a:chOff x="0" y="0"/>
-          <a:chExt cx="0" cy="0"/>
-        </a:xfrm>
-      </p:grpSpPr>
-      <p:sp useBgFill="1">
-        <p:nvSpPr>
-          <p:cNvPr id="23" name="Rectangle 22">
-            <a:extLst>
-              <a:ext uri="{FF2B5EF4-FFF2-40B4-BE49-F238E27FC236}">
-                <a16:creationId xmlns:a16="http://schemas.microsoft.com/office/drawing/2014/main" id="{2550BE34-C2B8-49B8-8519-67A8CAD51AE9}"/>
-              </a:ext>
-              <a:ext uri="{C183D7F6-B498-43B3-948B-1728B52AA6E4}">
-                <adec:decorative xmlns:adec="http://schemas.microsoft.com/office/drawing/2017/decorative" val="1"/>
-              </a:ext>
-            </a:extLst>
-          </p:cNvPr>
-          <p:cNvSpPr>
-            <a:spLocks noGrp="1" noRot="1" noChangeAspect="1" noMove="1" noResize="1" noEditPoints="1" noAdjustHandles="1" noChangeArrowheads="1" noChangeShapeType="1" noTextEdit="1"/>
-          </p:cNvSpPr>
-          <p:nvPr>
-            <p:extLst>
-              <p:ext uri="{386F3935-93C4-4BCD-93E2-E3B085C9AB24}">
-                <p16:designElem xmlns:p16="http://schemas.microsoft.com/office/powerpoint/2015/main" val="1"/>
-              </p:ext>
-            </p:extLst>
-          </p:nvPr>
-        </p:nvSpPr>
-        <p:spPr>
-          <a:xfrm>
-            <a:off x="0" y="0"/>
-            <a:ext cx="12192000" cy="6858000"/>
-          </a:xfrm>
-          <a:prstGeom prst="rect">
-            <a:avLst/>
-          </a:prstGeom>
-          <a:ln>
-            <a:noFill/>
-          </a:ln>
-        </p:spPr>
-        <p:style>
-          <a:lnRef idx="2">
-            <a:schemeClr val="accent1">
-              <a:shade val="50000"/>
-            </a:schemeClr>
-          </a:lnRef>
-          <a:fillRef idx="1">
-            <a:schemeClr val="accent1"/>
-          </a:fillRef>
-          <a:effectRef idx="0">
-            <a:schemeClr val="accent1"/>
-          </a:effectRef>
-          <a:fontRef idx="minor">
-            <a:schemeClr val="lt1"/>
-          </a:fontRef>
-        </p:style>
-        <p:txBody>
-          <a:bodyPr rtlCol="0" anchor="ctr"/>
-          <a:lstStyle/>
-          <a:p>
-            <a:pPr algn="ctr"/>
-            <a:endParaRPr lang="en-US"/>
-          </a:p>
-        </p:txBody>
-      </p:sp>
-      <p:sp useBgFill="1">
-        <p:nvSpPr>
-          <p:cNvPr id="25" name="Rectangle 24">
-            <a:extLst>
-              <a:ext uri="{FF2B5EF4-FFF2-40B4-BE49-F238E27FC236}">
-                <a16:creationId xmlns:a16="http://schemas.microsoft.com/office/drawing/2014/main" id="{A7457DD9-5A45-400A-AB4B-4B4EDECA25F1}"/>
-              </a:ext>
-              <a:ext uri="{C183D7F6-B498-43B3-948B-1728B52AA6E4}">
-                <adec:decorative xmlns:adec="http://schemas.microsoft.com/office/drawing/2017/decorative" val="1"/>
-              </a:ext>
-            </a:extLst>
-          </p:cNvPr>
-          <p:cNvSpPr>
-            <a:spLocks noGrp="1" noRot="1" noChangeAspect="1" noMove="1" noResize="1" noEditPoints="1" noAdjustHandles="1" noChangeArrowheads="1" noChangeShapeType="1" noTextEdit="1"/>
-          </p:cNvSpPr>
-          <p:nvPr>
-            <p:extLst>
-              <p:ext uri="{386F3935-93C4-4BCD-93E2-E3B085C9AB24}">
-                <p16:designElem xmlns:p16="http://schemas.microsoft.com/office/powerpoint/2015/main" val="1"/>
-              </p:ext>
-            </p:extLst>
-          </p:nvPr>
-        </p:nvSpPr>
-        <p:spPr>
-          <a:xfrm>
-            <a:off x="554416" y="365125"/>
-            <a:ext cx="11167447" cy="2089317"/>
-          </a:xfrm>
-          <a:prstGeom prst="rect">
-            <a:avLst/>
-          </a:prstGeom>
-          <a:ln w="12700">
-            <a:solidFill>
-              <a:srgbClr val="DEDEDE"/>
-            </a:solidFill>
-          </a:ln>
-          <a:effectLst>
-            <a:outerShdw blurRad="50800" dist="38100" dir="2700000" algn="tl" rotWithShape="0">
-              <a:schemeClr val="bg2">
-                <a:lumMod val="85000"/>
-                <a:alpha val="50000"/>
-              </a:schemeClr>
-            </a:outerShdw>
-          </a:effectLst>
-        </p:spPr>
-        <p:style>
-          <a:lnRef idx="2">
-            <a:schemeClr val="accent1">
-              <a:shade val="50000"/>
-            </a:schemeClr>
-          </a:lnRef>
-          <a:fillRef idx="1">
-            <a:schemeClr val="accent1"/>
-          </a:fillRef>
-          <a:effectRef idx="0">
-            <a:schemeClr val="accent1"/>
-          </a:effectRef>
-          <a:fontRef idx="minor">
-            <a:schemeClr val="lt1"/>
-          </a:fontRef>
-        </p:style>
-        <p:txBody>
-          <a:bodyPr rtlCol="0" anchor="ctr"/>
-          <a:lstStyle/>
-          <a:p>
-            <a:pPr marL="0" marR="0" lvl="0" indent="0" algn="ctr" defTabSz="914400" rtl="0" eaLnBrk="1" fontAlgn="auto" latinLnBrk="0" hangingPunct="1">
-              <a:lnSpc>
-                <a:spcPct val="100000"/>
-              </a:lnSpc>
-              <a:spcBef>
-                <a:spcPts val="0"/>
-              </a:spcBef>
-              <a:spcAft>
-                <a:spcPts val="0"/>
-              </a:spcAft>
-              <a:buClrTx/>
-              <a:buSzTx/>
-              <a:buFontTx/>
-              <a:buNone/>
-              <a:tabLst/>
-              <a:defRPr/>
-            </a:pPr>
-            <a:endParaRPr kumimoji="0" lang="en-US" sz="1800" b="0" i="0" u="none" strike="noStrike" kern="1200" cap="none" spc="0" normalizeH="0" baseline="0" noProof="0">
-              <a:ln>
-                <a:noFill/>
-              </a:ln>
-              <a:solidFill>
-                <a:prstClr val="white"/>
-              </a:solidFill>
-              <a:effectLst/>
-              <a:uLnTx/>
-              <a:uFillTx/>
-              <a:latin typeface="Calibri" panose="020F0502020204030204"/>
-              <a:ea typeface="+mn-ea"/>
-              <a:cs typeface="+mn-cs"/>
-            </a:endParaRPr>
-          </a:p>
-        </p:txBody>
-      </p:sp>
-      <p:sp>
-        <p:nvSpPr>
-          <p:cNvPr id="2" name="Title 1">
-            <a:extLst>
-              <a:ext uri="{FF2B5EF4-FFF2-40B4-BE49-F238E27FC236}">
-                <a16:creationId xmlns:a16="http://schemas.microsoft.com/office/drawing/2014/main" id="{55A31A47-4CE7-968A-2D67-A37818CDBD4C}"/>
-              </a:ext>
-            </a:extLst>
-          </p:cNvPr>
-          <p:cNvSpPr>
-            <a:spLocks noGrp="1"/>
-          </p:cNvSpPr>
-          <p:nvPr>
-            <p:ph type="title"/>
-          </p:nvPr>
-        </p:nvSpPr>
-        <p:spPr>
-          <a:xfrm>
-            <a:off x="1046746" y="586822"/>
-            <a:ext cx="3560252" cy="1645920"/>
-          </a:xfrm>
-        </p:spPr>
-        <p:txBody>
-          <a:bodyPr vert="horz" lIns="91440" tIns="45720" rIns="91440" bIns="45720" rtlCol="0" anchor="ctr">
-            <a:normAutofit/>
-          </a:bodyPr>
-          <a:lstStyle/>
-          <a:p>
-            <a:r>
-              <a:rPr lang="en-US" sz="3200" kern="1200" dirty="0">
-                <a:solidFill>
-                  <a:schemeClr val="tx1"/>
-                </a:solidFill>
-                <a:latin typeface="+mj-lt"/>
-                <a:ea typeface="+mj-ea"/>
-                <a:cs typeface="+mj-cs"/>
-              </a:rPr>
-              <a:t>Sample feature set</a:t>
-            </a:r>
-          </a:p>
-        </p:txBody>
-      </p:sp>
-      <p:sp>
-        <p:nvSpPr>
-          <p:cNvPr id="27" name="Rectangle 26">
-            <a:extLst>
-              <a:ext uri="{FF2B5EF4-FFF2-40B4-BE49-F238E27FC236}">
-                <a16:creationId xmlns:a16="http://schemas.microsoft.com/office/drawing/2014/main" id="{441CF7D6-A660-431A-B0BB-140A0D5556B6}"/>
-              </a:ext>
-              <a:ext uri="{C183D7F6-B498-43B3-948B-1728B52AA6E4}">
-                <adec:decorative xmlns:adec="http://schemas.microsoft.com/office/drawing/2017/decorative" val="1"/>
-              </a:ext>
-            </a:extLst>
-          </p:cNvPr>
-          <p:cNvSpPr>
-            <a:spLocks noGrp="1" noRot="1" noChangeAspect="1" noMove="1" noResize="1" noEditPoints="1" noAdjustHandles="1" noChangeArrowheads="1" noChangeShapeType="1" noTextEdit="1"/>
-          </p:cNvSpPr>
-          <p:nvPr>
-            <p:extLst>
-              <p:ext uri="{386F3935-93C4-4BCD-93E2-E3B085C9AB24}">
-                <p16:designElem xmlns:p16="http://schemas.microsoft.com/office/powerpoint/2015/main" val="1"/>
-              </p:ext>
-            </p:extLst>
-          </p:nvPr>
-        </p:nvSpPr>
-        <p:spPr>
-          <a:xfrm>
-            <a:off x="490408" y="1057739"/>
-            <a:ext cx="128016" cy="704088"/>
-          </a:xfrm>
-          <a:prstGeom prst="rect">
-            <a:avLst/>
-          </a:prstGeom>
-          <a:solidFill>
-            <a:schemeClr val="accent2"/>
-          </a:solidFill>
-          <a:ln>
-            <a:noFill/>
-          </a:ln>
-        </p:spPr>
-        <p:style>
-          <a:lnRef idx="2">
-            <a:schemeClr val="accent1">
-              <a:shade val="50000"/>
-            </a:schemeClr>
-          </a:lnRef>
-          <a:fillRef idx="1">
-            <a:schemeClr val="accent1"/>
-          </a:fillRef>
-          <a:effectRef idx="0">
-            <a:schemeClr val="accent1"/>
-          </a:effectRef>
-          <a:fontRef idx="minor">
-            <a:schemeClr val="lt1"/>
-          </a:fontRef>
-        </p:style>
-        <p:txBody>
-          <a:bodyPr rtlCol="0" anchor="ctr"/>
-          <a:lstStyle/>
-          <a:p>
-            <a:pPr algn="ctr"/>
-            <a:endParaRPr lang="en-US" dirty="0">
-              <a:solidFill>
-                <a:prstClr val="white"/>
-              </a:solidFill>
-              <a:latin typeface="Calibri" panose="020F0502020204030204"/>
-            </a:endParaRPr>
-          </a:p>
-        </p:txBody>
-      </p:sp>
-      <p:sp>
-        <p:nvSpPr>
-          <p:cNvPr id="29" name="Rectangle 28">
-            <a:extLst>
-              <a:ext uri="{FF2B5EF4-FFF2-40B4-BE49-F238E27FC236}">
-                <a16:creationId xmlns:a16="http://schemas.microsoft.com/office/drawing/2014/main" id="{0570A85B-3810-4F95-97B0-CBF4CCDB381C}"/>
-              </a:ext>
-              <a:ext uri="{C183D7F6-B498-43B3-948B-1728B52AA6E4}">
-                <adec:decorative xmlns:adec="http://schemas.microsoft.com/office/drawing/2017/decorative" val="1"/>
-              </a:ext>
-            </a:extLst>
-          </p:cNvPr>
-          <p:cNvSpPr>
-            <a:spLocks noGrp="1" noRot="1" noChangeAspect="1" noMove="1" noResize="1" noEditPoints="1" noAdjustHandles="1" noChangeArrowheads="1" noChangeShapeType="1" noTextEdit="1"/>
-          </p:cNvSpPr>
-          <p:nvPr>
-            <p:extLst>
-              <p:ext uri="{386F3935-93C4-4BCD-93E2-E3B085C9AB24}">
-                <p16:designElem xmlns:p16="http://schemas.microsoft.com/office/powerpoint/2015/main" val="1"/>
-              </p:ext>
-            </p:extLst>
-          </p:nvPr>
-        </p:nvSpPr>
-        <p:spPr>
-          <a:xfrm rot="5400000">
-            <a:off x="4243541" y="1400638"/>
-            <a:ext cx="1463040" cy="18288"/>
-          </a:xfrm>
-          <a:prstGeom prst="rect">
-            <a:avLst/>
-          </a:prstGeom>
-          <a:solidFill>
-            <a:srgbClr val="D5D5D5"/>
-          </a:solidFill>
-          <a:ln w="3175">
-            <a:noFill/>
-          </a:ln>
-          <a:effectLst/>
-        </p:spPr>
-        <p:style>
-          <a:lnRef idx="2">
-            <a:schemeClr val="accent1">
-              <a:shade val="50000"/>
-            </a:schemeClr>
-          </a:lnRef>
-          <a:fillRef idx="1">
-            <a:schemeClr val="accent1"/>
-          </a:fillRef>
-          <a:effectRef idx="0">
-            <a:schemeClr val="accent1"/>
-          </a:effectRef>
-          <a:fontRef idx="minor">
-            <a:schemeClr val="lt1"/>
-          </a:fontRef>
-        </p:style>
-        <p:txBody>
-          <a:bodyPr rtlCol="0" anchor="ctr"/>
-          <a:lstStyle/>
-          <a:p>
-            <a:pPr algn="ctr"/>
-            <a:endParaRPr lang="en-US">
-              <a:solidFill>
-                <a:prstClr val="white"/>
-              </a:solidFill>
-              <a:latin typeface="Calibri" panose="020F0502020204030204"/>
-            </a:endParaRPr>
-          </a:p>
-        </p:txBody>
-      </p:sp>
-      <p:sp>
-        <p:nvSpPr>
-          <p:cNvPr id="6" name="TextBox 5">
-            <a:extLst>
-              <a:ext uri="{FF2B5EF4-FFF2-40B4-BE49-F238E27FC236}">
-                <a16:creationId xmlns:a16="http://schemas.microsoft.com/office/drawing/2014/main" id="{82B02ED4-85B8-0188-240D-07101365BDCB}"/>
-              </a:ext>
-            </a:extLst>
-          </p:cNvPr>
-          <p:cNvSpPr txBox="1"/>
-          <p:nvPr/>
-        </p:nvSpPr>
-        <p:spPr>
-          <a:xfrm>
-            <a:off x="5351164" y="586822"/>
-            <a:ext cx="6002636" cy="1645920"/>
-          </a:xfrm>
-          <a:prstGeom prst="rect">
-            <a:avLst/>
-          </a:prstGeom>
-        </p:spPr>
-        <p:txBody>
-          <a:bodyPr vert="horz" lIns="91440" tIns="45720" rIns="91440" bIns="45720" rtlCol="0" anchor="ctr">
-            <a:normAutofit/>
-          </a:bodyPr>
-          <a:lstStyle/>
-          <a:p>
-            <a:pPr marL="285750" indent="-228600">
-              <a:lnSpc>
-                <a:spcPct val="90000"/>
-              </a:lnSpc>
-              <a:spcAft>
-                <a:spcPts val="600"/>
-              </a:spcAft>
-              <a:buFont typeface="Arial" panose="020B0604020202020204" pitchFamily="34" charset="0"/>
-              <a:buChar char="•"/>
-            </a:pPr>
-            <a:r>
-              <a:rPr lang="en-US" sz="1400" dirty="0">
-                <a:effectLst/>
-                <a:ea typeface="Aptos" panose="020B0004020202020204" pitchFamily="34" charset="0"/>
-                <a:cs typeface="Times New Roman" panose="02020603050405020304" pitchFamily="18" charset="0"/>
-              </a:rPr>
-              <a:t>Data model of train announcement contains many attributes in JSON format</a:t>
-            </a:r>
-          </a:p>
-          <a:p>
-            <a:pPr marL="285750" indent="-228600">
-              <a:lnSpc>
-                <a:spcPct val="90000"/>
-              </a:lnSpc>
-              <a:spcAft>
-                <a:spcPts val="600"/>
-              </a:spcAft>
-              <a:buFont typeface="Arial" panose="020B0604020202020204" pitchFamily="34" charset="0"/>
-              <a:buChar char="•"/>
-            </a:pPr>
-            <a:r>
-              <a:rPr lang="en-US" sz="1400" dirty="0">
-                <a:effectLst/>
-                <a:ea typeface="Aptos" panose="020B0004020202020204" pitchFamily="34" charset="0"/>
-                <a:cs typeface="Times New Roman" panose="02020603050405020304" pitchFamily="18" charset="0"/>
-              </a:rPr>
-              <a:t>JSON data is converted to Pandas </a:t>
-            </a:r>
-            <a:r>
-              <a:rPr lang="en-US" sz="1400" dirty="0" err="1">
-                <a:effectLst/>
-                <a:ea typeface="Aptos" panose="020B0004020202020204" pitchFamily="34" charset="0"/>
-                <a:cs typeface="Times New Roman" panose="02020603050405020304" pitchFamily="18" charset="0"/>
-              </a:rPr>
-              <a:t>DataFrame</a:t>
-            </a:r>
-            <a:r>
-              <a:rPr lang="en-US" sz="1400" dirty="0">
-                <a:effectLst/>
-                <a:ea typeface="Aptos" panose="020B0004020202020204" pitchFamily="34" charset="0"/>
-                <a:cs typeface="Times New Roman" panose="02020603050405020304" pitchFamily="18" charset="0"/>
-              </a:rPr>
-              <a:t> and the nested JSON structure is normalized into columns.</a:t>
-            </a:r>
-            <a:r>
-              <a:rPr lang="en-IN" sz="1400" dirty="0">
-                <a:effectLst/>
-              </a:rPr>
-              <a:t> </a:t>
-            </a:r>
-            <a:endParaRPr lang="en-US" sz="1400" dirty="0">
-              <a:cs typeface="Times New Roman" panose="02020603050405020304" pitchFamily="18" charset="0"/>
-            </a:endParaRPr>
-          </a:p>
-          <a:p>
-            <a:pPr marL="285750" indent="-228600">
-              <a:lnSpc>
-                <a:spcPct val="90000"/>
-              </a:lnSpc>
-              <a:spcAft>
-                <a:spcPts val="600"/>
-              </a:spcAft>
-              <a:buFont typeface="Arial" panose="020B0604020202020204" pitchFamily="34" charset="0"/>
-              <a:buChar char="•"/>
-            </a:pPr>
-            <a:r>
-              <a:rPr lang="en-US" sz="1400" dirty="0">
-                <a:effectLst/>
-                <a:ea typeface="Aptos" panose="020B0004020202020204" pitchFamily="34" charset="0"/>
-                <a:cs typeface="Times New Roman" panose="02020603050405020304" pitchFamily="18" charset="0"/>
-              </a:rPr>
-              <a:t>Below is the final subset of columns chosen</a:t>
-            </a:r>
-          </a:p>
-          <a:p>
-            <a:pPr marL="285750" indent="-228600">
-              <a:lnSpc>
-                <a:spcPct val="90000"/>
-              </a:lnSpc>
-              <a:spcAft>
-                <a:spcPts val="600"/>
-              </a:spcAft>
-              <a:buFont typeface="Arial" panose="020B0604020202020204" pitchFamily="34" charset="0"/>
-              <a:buChar char="•"/>
-            </a:pPr>
-            <a:endParaRPr lang="en-US" sz="1400" dirty="0"/>
-          </a:p>
-        </p:txBody>
-      </p:sp>
-      <p:pic>
-        <p:nvPicPr>
-          <p:cNvPr id="4" name="Picture 3">
-            <a:extLst>
-              <a:ext uri="{FF2B5EF4-FFF2-40B4-BE49-F238E27FC236}">
-                <a16:creationId xmlns:a16="http://schemas.microsoft.com/office/drawing/2014/main" id="{CE56E623-8ACD-4567-A5DE-1CFC97C9F282}"/>
-              </a:ext>
-            </a:extLst>
-          </p:cNvPr>
-          <p:cNvPicPr>
-            <a:picLocks noChangeAspect="1"/>
-          </p:cNvPicPr>
-          <p:nvPr/>
-        </p:nvPicPr>
-        <p:blipFill>
-          <a:blip r:embed="rId3"/>
-          <a:stretch>
-            <a:fillRect/>
-          </a:stretch>
-        </p:blipFill>
-        <p:spPr>
-          <a:xfrm>
-            <a:off x="712672" y="3147056"/>
-            <a:ext cx="10764215" cy="2722115"/>
-          </a:xfrm>
-          <a:prstGeom prst="rect">
-            <a:avLst/>
-          </a:prstGeom>
-          <a:ln w="12700" cap="sq">
-            <a:solidFill>
-              <a:srgbClr val="000000"/>
-            </a:solidFill>
-            <a:prstDash val="solid"/>
-            <a:miter lim="800000"/>
-          </a:ln>
-          <a:effectLst>
-            <a:outerShdw blurRad="50800" dist="38100" dir="2700000" algn="tl" rotWithShape="0">
-              <a:srgbClr val="000000">
-                <a:alpha val="43000"/>
-              </a:srgbClr>
-            </a:outerShdw>
-          </a:effectLst>
-        </p:spPr>
-      </p:pic>
-    </p:spTree>
-    <p:extLst>
-      <p:ext uri="{BB962C8B-B14F-4D97-AF65-F5344CB8AC3E}">
-        <p14:creationId xmlns:p14="http://schemas.microsoft.com/office/powerpoint/2010/main" val="975878750"/>
-      </p:ext>
-    </p:extLst>
-  </p:cSld>
-  <p:clrMapOvr>
-    <a:masterClrMapping/>
-  </p:clrMapOvr>
-</p:sld>
-</file>
-
-<file path=ppt/slides/slide8.xml><?xml version="1.0" encoding="utf-8"?>
-<p:sld xmlns:a="http://schemas.openxmlformats.org/drawingml/2006/main" xmlns:r="http://schemas.openxmlformats.org/officeDocument/2006/relationships" xmlns:p="http://schemas.openxmlformats.org/presentationml/2006/main">
-  <p:cSld>
-    <p:bg>
-      <p:bgPr>
-        <a:solidFill>
-          <a:schemeClr val="bg1"/>
-        </a:solidFill>
-        <a:effectLst/>
-      </p:bgPr>
-    </p:bg>
-    <p:spTree>
-      <p:nvGrpSpPr>
-        <p:cNvPr id="1" name=""/>
-        <p:cNvGrpSpPr/>
-        <p:nvPr/>
-      </p:nvGrpSpPr>
-      <p:grpSpPr>
-        <a:xfrm>
-          <a:off x="0" y="0"/>
-          <a:ext cx="0" cy="0"/>
-          <a:chOff x="0" y="0"/>
-          <a:chExt cx="0" cy="0"/>
-        </a:xfrm>
-      </p:grpSpPr>
-      <p:sp useBgFill="1">
-        <p:nvSpPr>
-          <p:cNvPr id="23" name="Rectangle 22">
-            <a:extLst>
-              <a:ext uri="{FF2B5EF4-FFF2-40B4-BE49-F238E27FC236}">
-                <a16:creationId xmlns:a16="http://schemas.microsoft.com/office/drawing/2014/main" id="{2550BE34-C2B8-49B8-8519-67A8CAD51AE9}"/>
-              </a:ext>
-              <a:ext uri="{C183D7F6-B498-43B3-948B-1728B52AA6E4}">
-                <adec:decorative xmlns:adec="http://schemas.microsoft.com/office/drawing/2017/decorative" val="1"/>
-              </a:ext>
-            </a:extLst>
-          </p:cNvPr>
-          <p:cNvSpPr>
-            <a:spLocks noGrp="1" noRot="1" noChangeAspect="1" noMove="1" noResize="1" noEditPoints="1" noAdjustHandles="1" noChangeArrowheads="1" noChangeShapeType="1" noTextEdit="1"/>
-          </p:cNvSpPr>
-          <p:nvPr>
-            <p:extLst>
-              <p:ext uri="{386F3935-93C4-4BCD-93E2-E3B085C9AB24}">
-                <p16:designElem xmlns:p16="http://schemas.microsoft.com/office/powerpoint/2015/main" val="1"/>
-              </p:ext>
-            </p:extLst>
-          </p:nvPr>
-        </p:nvSpPr>
-        <p:spPr>
-          <a:xfrm>
-            <a:off x="0" y="0"/>
-            <a:ext cx="12192000" cy="6858000"/>
-          </a:xfrm>
-          <a:prstGeom prst="rect">
-            <a:avLst/>
-          </a:prstGeom>
-          <a:ln>
-            <a:noFill/>
-          </a:ln>
-        </p:spPr>
-        <p:style>
-          <a:lnRef idx="2">
-            <a:schemeClr val="accent1">
-              <a:shade val="50000"/>
-            </a:schemeClr>
-          </a:lnRef>
-          <a:fillRef idx="1">
-            <a:schemeClr val="accent1"/>
-          </a:fillRef>
-          <a:effectRef idx="0">
-            <a:schemeClr val="accent1"/>
-          </a:effectRef>
-          <a:fontRef idx="minor">
-            <a:schemeClr val="lt1"/>
-          </a:fontRef>
-        </p:style>
-        <p:txBody>
-          <a:bodyPr rtlCol="0" anchor="ctr"/>
-          <a:lstStyle/>
-          <a:p>
-            <a:pPr algn="ctr"/>
-            <a:endParaRPr lang="en-US"/>
-          </a:p>
-        </p:txBody>
-      </p:sp>
-      <p:sp useBgFill="1">
-        <p:nvSpPr>
-          <p:cNvPr id="25" name="Rectangle 24">
-            <a:extLst>
-              <a:ext uri="{FF2B5EF4-FFF2-40B4-BE49-F238E27FC236}">
-                <a16:creationId xmlns:a16="http://schemas.microsoft.com/office/drawing/2014/main" id="{A7457DD9-5A45-400A-AB4B-4B4EDECA25F1}"/>
-              </a:ext>
-              <a:ext uri="{C183D7F6-B498-43B3-948B-1728B52AA6E4}">
-                <adec:decorative xmlns:adec="http://schemas.microsoft.com/office/drawing/2017/decorative" val="1"/>
-              </a:ext>
-            </a:extLst>
-          </p:cNvPr>
-          <p:cNvSpPr>
-            <a:spLocks noGrp="1" noRot="1" noChangeAspect="1" noMove="1" noResize="1" noEditPoints="1" noAdjustHandles="1" noChangeArrowheads="1" noChangeShapeType="1" noTextEdit="1"/>
-          </p:cNvSpPr>
-          <p:nvPr>
-            <p:extLst>
-              <p:ext uri="{386F3935-93C4-4BCD-93E2-E3B085C9AB24}">
-                <p16:designElem xmlns:p16="http://schemas.microsoft.com/office/powerpoint/2015/main" val="1"/>
-              </p:ext>
-            </p:extLst>
-          </p:nvPr>
-        </p:nvSpPr>
-        <p:spPr>
-          <a:xfrm>
-            <a:off x="554416" y="365125"/>
-            <a:ext cx="11167447" cy="2089317"/>
-          </a:xfrm>
-          <a:prstGeom prst="rect">
-            <a:avLst/>
-          </a:prstGeom>
-          <a:ln w="12700">
-            <a:solidFill>
-              <a:srgbClr val="DEDEDE"/>
-            </a:solidFill>
-          </a:ln>
-          <a:effectLst>
-            <a:outerShdw blurRad="50800" dist="38100" dir="2700000" algn="tl" rotWithShape="0">
-              <a:schemeClr val="bg2">
-                <a:lumMod val="85000"/>
-                <a:alpha val="50000"/>
-              </a:schemeClr>
-            </a:outerShdw>
-          </a:effectLst>
-        </p:spPr>
-        <p:style>
-          <a:lnRef idx="2">
-            <a:schemeClr val="accent1">
-              <a:shade val="50000"/>
-            </a:schemeClr>
-          </a:lnRef>
-          <a:fillRef idx="1">
-            <a:schemeClr val="accent1"/>
-          </a:fillRef>
-          <a:effectRef idx="0">
-            <a:schemeClr val="accent1"/>
-          </a:effectRef>
-          <a:fontRef idx="minor">
-            <a:schemeClr val="lt1"/>
-          </a:fontRef>
-        </p:style>
-        <p:txBody>
-          <a:bodyPr rtlCol="0" anchor="ctr"/>
-          <a:lstStyle/>
-          <a:p>
-            <a:pPr marL="0" marR="0" lvl="0" indent="0" algn="ctr" defTabSz="914400" rtl="0" eaLnBrk="1" fontAlgn="auto" latinLnBrk="0" hangingPunct="1">
-              <a:lnSpc>
-                <a:spcPct val="100000"/>
-              </a:lnSpc>
-              <a:spcBef>
-                <a:spcPts val="0"/>
-              </a:spcBef>
-              <a:spcAft>
-                <a:spcPts val="0"/>
-              </a:spcAft>
-              <a:buClrTx/>
-              <a:buSzTx/>
-              <a:buFontTx/>
-              <a:buNone/>
-              <a:tabLst/>
-              <a:defRPr/>
-            </a:pPr>
-            <a:endParaRPr kumimoji="0" lang="en-US" sz="1800" b="0" i="0" u="none" strike="noStrike" kern="1200" cap="none" spc="0" normalizeH="0" baseline="0" noProof="0">
-              <a:ln>
-                <a:noFill/>
-              </a:ln>
-              <a:solidFill>
-                <a:prstClr val="white"/>
-              </a:solidFill>
-              <a:effectLst/>
-              <a:uLnTx/>
-              <a:uFillTx/>
-              <a:latin typeface="Calibri" panose="020F0502020204030204"/>
-              <a:ea typeface="+mn-ea"/>
-              <a:cs typeface="+mn-cs"/>
-            </a:endParaRPr>
-          </a:p>
-        </p:txBody>
-      </p:sp>
-      <p:sp>
-        <p:nvSpPr>
-          <p:cNvPr id="2" name="Title 1">
-            <a:extLst>
-              <a:ext uri="{FF2B5EF4-FFF2-40B4-BE49-F238E27FC236}">
-                <a16:creationId xmlns:a16="http://schemas.microsoft.com/office/drawing/2014/main" id="{55A31A47-4CE7-968A-2D67-A37818CDBD4C}"/>
-              </a:ext>
-            </a:extLst>
-          </p:cNvPr>
-          <p:cNvSpPr>
-            <a:spLocks noGrp="1"/>
-          </p:cNvSpPr>
-          <p:nvPr>
-            <p:ph type="title"/>
-          </p:nvPr>
-        </p:nvSpPr>
-        <p:spPr>
-          <a:xfrm>
-            <a:off x="1046746" y="586822"/>
-            <a:ext cx="3560252" cy="1645920"/>
-          </a:xfrm>
-        </p:spPr>
-        <p:txBody>
-          <a:bodyPr vert="horz" lIns="91440" tIns="45720" rIns="91440" bIns="45720" rtlCol="0" anchor="ctr">
-            <a:normAutofit/>
-          </a:bodyPr>
-          <a:lstStyle/>
-          <a:p>
-            <a:r>
-              <a:rPr lang="en-US" sz="3200" kern="1200" dirty="0">
-                <a:solidFill>
-                  <a:schemeClr val="tx1"/>
-                </a:solidFill>
-                <a:latin typeface="+mj-lt"/>
-                <a:ea typeface="+mj-ea"/>
-                <a:cs typeface="+mj-cs"/>
-              </a:rPr>
-              <a:t>Frontend App</a:t>
-            </a:r>
-          </a:p>
-        </p:txBody>
-      </p:sp>
-      <p:sp>
-        <p:nvSpPr>
-          <p:cNvPr id="27" name="Rectangle 26">
-            <a:extLst>
-              <a:ext uri="{FF2B5EF4-FFF2-40B4-BE49-F238E27FC236}">
-                <a16:creationId xmlns:a16="http://schemas.microsoft.com/office/drawing/2014/main" id="{441CF7D6-A660-431A-B0BB-140A0D5556B6}"/>
-              </a:ext>
-              <a:ext uri="{C183D7F6-B498-43B3-948B-1728B52AA6E4}">
-                <adec:decorative xmlns:adec="http://schemas.microsoft.com/office/drawing/2017/decorative" val="1"/>
-              </a:ext>
-            </a:extLst>
-          </p:cNvPr>
-          <p:cNvSpPr>
-            <a:spLocks noGrp="1" noRot="1" noChangeAspect="1" noMove="1" noResize="1" noEditPoints="1" noAdjustHandles="1" noChangeArrowheads="1" noChangeShapeType="1" noTextEdit="1"/>
-          </p:cNvSpPr>
-          <p:nvPr>
-            <p:extLst>
-              <p:ext uri="{386F3935-93C4-4BCD-93E2-E3B085C9AB24}">
-                <p16:designElem xmlns:p16="http://schemas.microsoft.com/office/powerpoint/2015/main" val="1"/>
-              </p:ext>
-            </p:extLst>
-          </p:nvPr>
-        </p:nvSpPr>
-        <p:spPr>
-          <a:xfrm>
-            <a:off x="490408" y="1057739"/>
-            <a:ext cx="128016" cy="704088"/>
-          </a:xfrm>
-          <a:prstGeom prst="rect">
-            <a:avLst/>
-          </a:prstGeom>
-          <a:solidFill>
-            <a:schemeClr val="accent2"/>
-          </a:solidFill>
-          <a:ln>
-            <a:noFill/>
-          </a:ln>
-        </p:spPr>
-        <p:style>
-          <a:lnRef idx="2">
-            <a:schemeClr val="accent1">
-              <a:shade val="50000"/>
-            </a:schemeClr>
-          </a:lnRef>
-          <a:fillRef idx="1">
-            <a:schemeClr val="accent1"/>
-          </a:fillRef>
-          <a:effectRef idx="0">
-            <a:schemeClr val="accent1"/>
-          </a:effectRef>
-          <a:fontRef idx="minor">
-            <a:schemeClr val="lt1"/>
-          </a:fontRef>
-        </p:style>
-        <p:txBody>
-          <a:bodyPr rtlCol="0" anchor="ctr"/>
-          <a:lstStyle/>
-          <a:p>
-            <a:pPr algn="ctr"/>
-            <a:endParaRPr lang="en-US" dirty="0">
-              <a:solidFill>
-                <a:prstClr val="white"/>
-              </a:solidFill>
-              <a:latin typeface="Calibri" panose="020F0502020204030204"/>
-            </a:endParaRPr>
-          </a:p>
-        </p:txBody>
-      </p:sp>
-      <p:sp>
-        <p:nvSpPr>
-          <p:cNvPr id="29" name="Rectangle 28">
-            <a:extLst>
-              <a:ext uri="{FF2B5EF4-FFF2-40B4-BE49-F238E27FC236}">
-                <a16:creationId xmlns:a16="http://schemas.microsoft.com/office/drawing/2014/main" id="{0570A85B-3810-4F95-97B0-CBF4CCDB381C}"/>
-              </a:ext>
-              <a:ext uri="{C183D7F6-B498-43B3-948B-1728B52AA6E4}">
-                <adec:decorative xmlns:adec="http://schemas.microsoft.com/office/drawing/2017/decorative" val="1"/>
-              </a:ext>
-            </a:extLst>
-          </p:cNvPr>
-          <p:cNvSpPr>
-            <a:spLocks noGrp="1" noRot="1" noChangeAspect="1" noMove="1" noResize="1" noEditPoints="1" noAdjustHandles="1" noChangeArrowheads="1" noChangeShapeType="1" noTextEdit="1"/>
-          </p:cNvSpPr>
-          <p:nvPr>
-            <p:extLst>
-              <p:ext uri="{386F3935-93C4-4BCD-93E2-E3B085C9AB24}">
-                <p16:designElem xmlns:p16="http://schemas.microsoft.com/office/powerpoint/2015/main" val="1"/>
-              </p:ext>
-            </p:extLst>
-          </p:nvPr>
-        </p:nvSpPr>
-        <p:spPr>
-          <a:xfrm rot="5400000">
-            <a:off x="4243541" y="1400638"/>
-            <a:ext cx="1463040" cy="18288"/>
-          </a:xfrm>
-          <a:prstGeom prst="rect">
-            <a:avLst/>
-          </a:prstGeom>
-          <a:solidFill>
-            <a:srgbClr val="D5D5D5"/>
-          </a:solidFill>
-          <a:ln w="3175">
-            <a:noFill/>
-          </a:ln>
-          <a:effectLst/>
-        </p:spPr>
-        <p:style>
-          <a:lnRef idx="2">
-            <a:schemeClr val="accent1">
-              <a:shade val="50000"/>
-            </a:schemeClr>
-          </a:lnRef>
-          <a:fillRef idx="1">
-            <a:schemeClr val="accent1"/>
-          </a:fillRef>
-          <a:effectRef idx="0">
-            <a:schemeClr val="accent1"/>
-          </a:effectRef>
-          <a:fontRef idx="minor">
-            <a:schemeClr val="lt1"/>
-          </a:fontRef>
-        </p:style>
-        <p:txBody>
-          <a:bodyPr rtlCol="0" anchor="ctr"/>
-          <a:lstStyle/>
-          <a:p>
-            <a:pPr algn="ctr"/>
-            <a:endParaRPr lang="en-US">
-              <a:solidFill>
-                <a:prstClr val="white"/>
-              </a:solidFill>
-              <a:latin typeface="Calibri" panose="020F0502020204030204"/>
-            </a:endParaRPr>
-          </a:p>
-        </p:txBody>
-      </p:sp>
-      <p:pic>
-        <p:nvPicPr>
-          <p:cNvPr id="3" name="Picture 2">
-            <a:extLst>
-              <a:ext uri="{FF2B5EF4-FFF2-40B4-BE49-F238E27FC236}">
-                <a16:creationId xmlns:a16="http://schemas.microsoft.com/office/drawing/2014/main" id="{5E49BA5E-5BD4-E7A0-A9E6-635F75E217AF}"/>
-              </a:ext>
-            </a:extLst>
-          </p:cNvPr>
-          <p:cNvPicPr>
-            <a:picLocks noChangeAspect="1"/>
-          </p:cNvPicPr>
-          <p:nvPr/>
-        </p:nvPicPr>
-        <p:blipFill>
-          <a:blip r:embed="rId3"/>
-          <a:stretch>
-            <a:fillRect/>
-          </a:stretch>
-        </p:blipFill>
-        <p:spPr>
-          <a:xfrm>
-            <a:off x="557783" y="2840580"/>
-            <a:ext cx="5481509" cy="3261497"/>
-          </a:xfrm>
-          <a:prstGeom prst="rect">
-            <a:avLst/>
-          </a:prstGeom>
-          <a:ln w="12700" cap="sq">
-            <a:solidFill>
-              <a:srgbClr val="000000"/>
-            </a:solidFill>
-            <a:prstDash val="solid"/>
-            <a:miter lim="800000"/>
-          </a:ln>
-          <a:effectLst>
-            <a:outerShdw blurRad="50800" dist="38100" dir="2700000" algn="tl" rotWithShape="0">
-              <a:srgbClr val="000000">
-                <a:alpha val="43000"/>
-              </a:srgbClr>
-            </a:outerShdw>
-          </a:effectLst>
-        </p:spPr>
-      </p:pic>
-      <p:pic>
-        <p:nvPicPr>
-          <p:cNvPr id="4" name="Picture 3" descr="A screenshot of a phone&#10;&#10;Description automatically generated">
-            <a:extLst>
-              <a:ext uri="{FF2B5EF4-FFF2-40B4-BE49-F238E27FC236}">
-                <a16:creationId xmlns:a16="http://schemas.microsoft.com/office/drawing/2014/main" id="{D76CAEB1-FA93-0922-C1A1-2A39B970E761}"/>
-              </a:ext>
-            </a:extLst>
-          </p:cNvPr>
-          <p:cNvPicPr>
-            <a:picLocks noChangeAspect="1"/>
-          </p:cNvPicPr>
-          <p:nvPr/>
-        </p:nvPicPr>
-        <p:blipFill>
-          <a:blip r:embed="rId4"/>
-          <a:stretch>
-            <a:fillRect/>
-          </a:stretch>
-        </p:blipFill>
-        <p:spPr>
-          <a:xfrm>
-            <a:off x="6198781" y="3056039"/>
-            <a:ext cx="5523082" cy="2830579"/>
-          </a:xfrm>
-          <a:prstGeom prst="rect">
-            <a:avLst/>
-          </a:prstGeom>
-        </p:spPr>
-      </p:pic>
-      <p:sp>
-        <p:nvSpPr>
-          <p:cNvPr id="8" name="TextBox 7">
-            <a:extLst>
-              <a:ext uri="{FF2B5EF4-FFF2-40B4-BE49-F238E27FC236}">
-                <a16:creationId xmlns:a16="http://schemas.microsoft.com/office/drawing/2014/main" id="{6EE4D902-8A5C-93F8-90CF-E83D5B76D59C}"/>
-              </a:ext>
-            </a:extLst>
-          </p:cNvPr>
-          <p:cNvSpPr txBox="1"/>
-          <p:nvPr/>
-        </p:nvSpPr>
-        <p:spPr>
-          <a:xfrm>
-            <a:off x="5237256" y="446917"/>
-            <a:ext cx="6231556" cy="1815882"/>
-          </a:xfrm>
-          <a:prstGeom prst="rect">
-            <a:avLst/>
-          </a:prstGeom>
-          <a:noFill/>
-        </p:spPr>
-        <p:txBody>
-          <a:bodyPr wrap="square">
-            <a:spAutoFit/>
-          </a:bodyPr>
-          <a:lstStyle/>
-          <a:p>
-            <a:pPr marL="171450" indent="-171450">
-              <a:buFont typeface="Arial" panose="020B0604020202020204" pitchFamily="34" charset="0"/>
-              <a:buChar char="•"/>
-            </a:pPr>
-            <a:r>
-              <a:rPr lang="en-IN" sz="1400" dirty="0"/>
-              <a:t>Allow the user to choose a train departure with SJ and predict if it will arrive on time.</a:t>
-            </a:r>
-          </a:p>
-          <a:p>
-            <a:pPr marL="171450" indent="-171450">
-              <a:buFont typeface="Arial" panose="020B0604020202020204" pitchFamily="34" charset="0"/>
-              <a:buChar char="•"/>
-            </a:pPr>
-            <a:r>
-              <a:rPr lang="en-IN" sz="1400" dirty="0"/>
-              <a:t>A future passenger with a ticket for a specific train departure would like to know if the train is likely to arrive on time.</a:t>
-            </a:r>
-          </a:p>
-          <a:p>
-            <a:pPr marL="171450" indent="-171450">
-              <a:buFont typeface="Arial" panose="020B0604020202020204" pitchFamily="34" charset="0"/>
-              <a:buChar char="•"/>
-            </a:pPr>
-            <a:r>
-              <a:rPr lang="en-IN" sz="1400" dirty="0"/>
-              <a:t>A</a:t>
-            </a:r>
-            <a:r>
-              <a:rPr lang="en-IN" sz="1400" dirty="0">
-                <a:effectLst/>
-              </a:rPr>
-              <a:t> potential ticket buyer finds information before purchasing a ticket whether the train will arrive on time.</a:t>
-            </a:r>
-          </a:p>
-          <a:p>
-            <a:pPr marL="171450" indent="-171450">
-              <a:buFont typeface="Arial" panose="020B0604020202020204" pitchFamily="34" charset="0"/>
-              <a:buChar char="•"/>
-            </a:pPr>
-            <a:r>
-              <a:rPr lang="en-IN" sz="1400" dirty="0"/>
-              <a:t>The first version of the user interface was coded in Python and then it was improved to HTML to enhance the usability.</a:t>
-            </a:r>
-          </a:p>
-        </p:txBody>
-      </p:sp>
-    </p:spTree>
-    <p:extLst>
-      <p:ext uri="{BB962C8B-B14F-4D97-AF65-F5344CB8AC3E}">
-        <p14:creationId xmlns:p14="http://schemas.microsoft.com/office/powerpoint/2010/main" val="1755893248"/>
-      </p:ext>
-    </p:extLst>
-  </p:cSld>
-  <p:clrMapOvr>
-    <a:masterClrMapping/>
-  </p:clrMapOvr>
-</p:sld>
-</file>
-
-<file path=ppt/slides/slide9.xml><?xml version="1.0" encoding="utf-8"?>
-<p:sld xmlns:a="http://schemas.openxmlformats.org/drawingml/2006/main" xmlns:r="http://schemas.openxmlformats.org/officeDocument/2006/relationships" xmlns:p="http://schemas.openxmlformats.org/presentationml/2006/main">
-  <p:cSld>
-    <p:bg>
-      <p:bgPr>
-        <a:solidFill>
-          <a:schemeClr val="bg1"/>
-        </a:solidFill>
-        <a:effectLst/>
-      </p:bgPr>
-    </p:bg>
-    <p:spTree>
-      <p:nvGrpSpPr>
-        <p:cNvPr id="1" name=""/>
-        <p:cNvGrpSpPr/>
-        <p:nvPr/>
-      </p:nvGrpSpPr>
-      <p:grpSpPr>
-        <a:xfrm>
-          <a:off x="0" y="0"/>
-          <a:ext cx="0" cy="0"/>
-          <a:chOff x="0" y="0"/>
-          <a:chExt cx="0" cy="0"/>
-        </a:xfrm>
-      </p:grpSpPr>
-      <p:sp useBgFill="1">
-        <p:nvSpPr>
-          <p:cNvPr id="12" name="Rectangle 11">
-            <a:extLst>
-              <a:ext uri="{FF2B5EF4-FFF2-40B4-BE49-F238E27FC236}">
-                <a16:creationId xmlns:a16="http://schemas.microsoft.com/office/drawing/2014/main" id="{2550BE34-C2B8-49B8-8519-67A8CAD51AE9}"/>
-              </a:ext>
-              <a:ext uri="{C183D7F6-B498-43B3-948B-1728B52AA6E4}">
-                <adec:decorative xmlns:adec="http://schemas.microsoft.com/office/drawing/2017/decorative" val="1"/>
-              </a:ext>
-            </a:extLst>
-          </p:cNvPr>
-          <p:cNvSpPr>
-            <a:spLocks noGrp="1" noRot="1" noChangeAspect="1" noMove="1" noResize="1" noEditPoints="1" noAdjustHandles="1" noChangeArrowheads="1" noChangeShapeType="1" noTextEdit="1"/>
-          </p:cNvSpPr>
-          <p:nvPr>
-            <p:extLst>
-              <p:ext uri="{386F3935-93C4-4BCD-93E2-E3B085C9AB24}">
-                <p16:designElem xmlns:p16="http://schemas.microsoft.com/office/powerpoint/2015/main" val="1"/>
-              </p:ext>
-            </p:extLst>
-          </p:nvPr>
-        </p:nvSpPr>
-        <p:spPr>
-          <a:xfrm>
-            <a:off x="0" y="0"/>
-            <a:ext cx="12192000" cy="6858000"/>
-          </a:xfrm>
-          <a:prstGeom prst="rect">
-            <a:avLst/>
-          </a:prstGeom>
-          <a:ln>
-            <a:noFill/>
-          </a:ln>
-        </p:spPr>
-        <p:style>
-          <a:lnRef idx="2">
-            <a:schemeClr val="accent1">
-              <a:shade val="50000"/>
-            </a:schemeClr>
-          </a:lnRef>
-          <a:fillRef idx="1">
-            <a:schemeClr val="accent1"/>
-          </a:fillRef>
-          <a:effectRef idx="0">
-            <a:schemeClr val="accent1"/>
-          </a:effectRef>
-          <a:fontRef idx="minor">
-            <a:schemeClr val="lt1"/>
-          </a:fontRef>
-        </p:style>
-        <p:txBody>
-          <a:bodyPr rtlCol="0" anchor="ctr"/>
-          <a:lstStyle/>
-          <a:p>
-            <a:pPr algn="ctr"/>
-            <a:endParaRPr lang="en-US"/>
-          </a:p>
-        </p:txBody>
-      </p:sp>
-      <p:sp useBgFill="1">
-        <p:nvSpPr>
-          <p:cNvPr id="14" name="Rectangle 13">
-            <a:extLst>
-              <a:ext uri="{FF2B5EF4-FFF2-40B4-BE49-F238E27FC236}">
-                <a16:creationId xmlns:a16="http://schemas.microsoft.com/office/drawing/2014/main" id="{A7457DD9-5A45-400A-AB4B-4B4EDECA25F1}"/>
-              </a:ext>
-              <a:ext uri="{C183D7F6-B498-43B3-948B-1728B52AA6E4}">
-                <adec:decorative xmlns:adec="http://schemas.microsoft.com/office/drawing/2017/decorative" val="1"/>
-              </a:ext>
-            </a:extLst>
-          </p:cNvPr>
-          <p:cNvSpPr>
-            <a:spLocks noGrp="1" noRot="1" noChangeAspect="1" noMove="1" noResize="1" noEditPoints="1" noAdjustHandles="1" noChangeArrowheads="1" noChangeShapeType="1" noTextEdit="1"/>
-          </p:cNvSpPr>
-          <p:nvPr>
-            <p:extLst>
-              <p:ext uri="{386F3935-93C4-4BCD-93E2-E3B085C9AB24}">
-                <p16:designElem xmlns:p16="http://schemas.microsoft.com/office/powerpoint/2015/main" val="1"/>
-              </p:ext>
-            </p:extLst>
-          </p:nvPr>
-        </p:nvSpPr>
-        <p:spPr>
-          <a:xfrm>
-            <a:off x="554416" y="365125"/>
-            <a:ext cx="11167447" cy="2089317"/>
-          </a:xfrm>
-          <a:prstGeom prst="rect">
-            <a:avLst/>
-          </a:prstGeom>
-          <a:ln w="12700">
-            <a:solidFill>
-              <a:srgbClr val="DEDEDE"/>
-            </a:solidFill>
-          </a:ln>
-          <a:effectLst>
-            <a:outerShdw blurRad="50800" dist="38100" dir="2700000" algn="tl" rotWithShape="0">
-              <a:schemeClr val="bg2">
-                <a:lumMod val="85000"/>
-                <a:alpha val="50000"/>
-              </a:schemeClr>
-            </a:outerShdw>
-          </a:effectLst>
-        </p:spPr>
-        <p:style>
-          <a:lnRef idx="2">
-            <a:schemeClr val="accent1">
-              <a:shade val="50000"/>
-            </a:schemeClr>
-          </a:lnRef>
-          <a:fillRef idx="1">
-            <a:schemeClr val="accent1"/>
-          </a:fillRef>
-          <a:effectRef idx="0">
-            <a:schemeClr val="accent1"/>
-          </a:effectRef>
-          <a:fontRef idx="minor">
-            <a:schemeClr val="lt1"/>
-          </a:fontRef>
-        </p:style>
-        <p:txBody>
-          <a:bodyPr rtlCol="0" anchor="ctr"/>
-          <a:lstStyle/>
-          <a:p>
-            <a:pPr marL="0" marR="0" lvl="0" indent="0" algn="ctr" defTabSz="914400" rtl="0" eaLnBrk="1" fontAlgn="auto" latinLnBrk="0" hangingPunct="1">
-              <a:lnSpc>
-                <a:spcPct val="100000"/>
-              </a:lnSpc>
-              <a:spcBef>
-                <a:spcPts val="0"/>
-              </a:spcBef>
-              <a:spcAft>
-                <a:spcPts val="0"/>
-              </a:spcAft>
-              <a:buClrTx/>
-              <a:buSzTx/>
-              <a:buFontTx/>
-              <a:buNone/>
-              <a:tabLst/>
-              <a:defRPr/>
-            </a:pPr>
-            <a:endParaRPr kumimoji="0" lang="en-US" sz="1800" b="0" i="0" u="none" strike="noStrike" kern="1200" cap="none" spc="0" normalizeH="0" baseline="0" noProof="0">
-              <a:ln>
-                <a:noFill/>
-              </a:ln>
-              <a:solidFill>
-                <a:prstClr val="white"/>
-              </a:solidFill>
-              <a:effectLst/>
-              <a:uLnTx/>
-              <a:uFillTx/>
-              <a:latin typeface="Calibri" panose="020F0502020204030204"/>
-              <a:ea typeface="+mn-ea"/>
-              <a:cs typeface="+mn-cs"/>
-            </a:endParaRPr>
-          </a:p>
-        </p:txBody>
-      </p:sp>
-      <p:sp>
-        <p:nvSpPr>
-          <p:cNvPr id="2" name="Title 1">
-            <a:extLst>
-              <a:ext uri="{FF2B5EF4-FFF2-40B4-BE49-F238E27FC236}">
-                <a16:creationId xmlns:a16="http://schemas.microsoft.com/office/drawing/2014/main" id="{55A31A47-4CE7-968A-2D67-A37818CDBD4C}"/>
-              </a:ext>
-            </a:extLst>
-          </p:cNvPr>
-          <p:cNvSpPr>
-            <a:spLocks noGrp="1"/>
-          </p:cNvSpPr>
-          <p:nvPr>
-            <p:ph type="title"/>
-          </p:nvPr>
-        </p:nvSpPr>
-        <p:spPr>
-          <a:xfrm>
-            <a:off x="1046746" y="586822"/>
-            <a:ext cx="3827730" cy="1645920"/>
-          </a:xfrm>
-        </p:spPr>
-        <p:txBody>
-          <a:bodyPr>
-            <a:normAutofit/>
-          </a:bodyPr>
-          <a:lstStyle/>
-          <a:p>
-            <a:r>
-              <a:rPr lang="en-US" sz="3200" dirty="0"/>
-              <a:t>Backend service – Train schedules</a:t>
-            </a:r>
-          </a:p>
-        </p:txBody>
-      </p:sp>
-      <p:sp>
-        <p:nvSpPr>
-          <p:cNvPr id="16" name="Rectangle 15">
-            <a:extLst>
-              <a:ext uri="{FF2B5EF4-FFF2-40B4-BE49-F238E27FC236}">
-                <a16:creationId xmlns:a16="http://schemas.microsoft.com/office/drawing/2014/main" id="{441CF7D6-A660-431A-B0BB-140A0D5556B6}"/>
-              </a:ext>
-              <a:ext uri="{C183D7F6-B498-43B3-948B-1728B52AA6E4}">
-                <adec:decorative xmlns:adec="http://schemas.microsoft.com/office/drawing/2017/decorative" val="1"/>
-              </a:ext>
-            </a:extLst>
-          </p:cNvPr>
-          <p:cNvSpPr>
-            <a:spLocks noGrp="1" noRot="1" noChangeAspect="1" noMove="1" noResize="1" noEditPoints="1" noAdjustHandles="1" noChangeArrowheads="1" noChangeShapeType="1" noTextEdit="1"/>
-          </p:cNvSpPr>
-          <p:nvPr>
-            <p:extLst>
-              <p:ext uri="{386F3935-93C4-4BCD-93E2-E3B085C9AB24}">
-                <p16:designElem xmlns:p16="http://schemas.microsoft.com/office/powerpoint/2015/main" val="1"/>
-              </p:ext>
-            </p:extLst>
-          </p:nvPr>
-        </p:nvSpPr>
-        <p:spPr>
-          <a:xfrm>
-            <a:off x="490408" y="1057739"/>
-            <a:ext cx="128016" cy="704088"/>
-          </a:xfrm>
-          <a:prstGeom prst="rect">
-            <a:avLst/>
-          </a:prstGeom>
-          <a:solidFill>
-            <a:schemeClr val="accent2"/>
-          </a:solidFill>
-          <a:ln>
-            <a:noFill/>
-          </a:ln>
-        </p:spPr>
-        <p:style>
-          <a:lnRef idx="2">
-            <a:schemeClr val="accent1">
-              <a:shade val="50000"/>
-            </a:schemeClr>
-          </a:lnRef>
-          <a:fillRef idx="1">
-            <a:schemeClr val="accent1"/>
-          </a:fillRef>
-          <a:effectRef idx="0">
-            <a:schemeClr val="accent1"/>
-          </a:effectRef>
-          <a:fontRef idx="minor">
-            <a:schemeClr val="lt1"/>
-          </a:fontRef>
-        </p:style>
-        <p:txBody>
-          <a:bodyPr rtlCol="0" anchor="ctr"/>
-          <a:lstStyle/>
-          <a:p>
-            <a:pPr algn="ctr"/>
-            <a:endParaRPr lang="en-US" dirty="0">
-              <a:solidFill>
-                <a:prstClr val="white"/>
-              </a:solidFill>
-              <a:latin typeface="Calibri" panose="020F0502020204030204"/>
-            </a:endParaRPr>
-          </a:p>
-        </p:txBody>
-      </p:sp>
-      <p:sp>
-        <p:nvSpPr>
-          <p:cNvPr id="18" name="Rectangle 17">
-            <a:extLst>
-              <a:ext uri="{FF2B5EF4-FFF2-40B4-BE49-F238E27FC236}">
-                <a16:creationId xmlns:a16="http://schemas.microsoft.com/office/drawing/2014/main" id="{0570A85B-3810-4F95-97B0-CBF4CCDB381C}"/>
-              </a:ext>
-              <a:ext uri="{C183D7F6-B498-43B3-948B-1728B52AA6E4}">
-                <adec:decorative xmlns:adec="http://schemas.microsoft.com/office/drawing/2017/decorative" val="1"/>
-              </a:ext>
-            </a:extLst>
-          </p:cNvPr>
-          <p:cNvSpPr>
-            <a:spLocks noGrp="1" noRot="1" noChangeAspect="1" noMove="1" noResize="1" noEditPoints="1" noAdjustHandles="1" noChangeArrowheads="1" noChangeShapeType="1" noTextEdit="1"/>
-          </p:cNvSpPr>
-          <p:nvPr>
-            <p:extLst>
-              <p:ext uri="{386F3935-93C4-4BCD-93E2-E3B085C9AB24}">
-                <p16:designElem xmlns:p16="http://schemas.microsoft.com/office/powerpoint/2015/main" val="1"/>
-              </p:ext>
-            </p:extLst>
-          </p:nvPr>
-        </p:nvSpPr>
-        <p:spPr>
-          <a:xfrm rot="5400000">
-            <a:off x="4243541" y="1400638"/>
-            <a:ext cx="1463040" cy="18288"/>
-          </a:xfrm>
-          <a:prstGeom prst="rect">
-            <a:avLst/>
-          </a:prstGeom>
-          <a:solidFill>
-            <a:srgbClr val="D5D5D5"/>
-          </a:solidFill>
-          <a:ln w="3175">
-            <a:noFill/>
-          </a:ln>
-          <a:effectLst/>
-        </p:spPr>
-        <p:style>
-          <a:lnRef idx="2">
-            <a:schemeClr val="accent1">
-              <a:shade val="50000"/>
-            </a:schemeClr>
-          </a:lnRef>
-          <a:fillRef idx="1">
-            <a:schemeClr val="accent1"/>
-          </a:fillRef>
-          <a:effectRef idx="0">
-            <a:schemeClr val="accent1"/>
-          </a:effectRef>
-          <a:fontRef idx="minor">
-            <a:schemeClr val="lt1"/>
-          </a:fontRef>
-        </p:style>
-        <p:txBody>
-          <a:bodyPr rtlCol="0" anchor="ctr"/>
-          <a:lstStyle/>
-          <a:p>
-            <a:pPr algn="ctr"/>
-            <a:endParaRPr lang="en-US">
-              <a:solidFill>
-                <a:prstClr val="white"/>
-              </a:solidFill>
-              <a:latin typeface="Calibri" panose="020F0502020204030204"/>
-            </a:endParaRPr>
-          </a:p>
-        </p:txBody>
-      </p:sp>
-      <p:sp>
-        <p:nvSpPr>
-          <p:cNvPr id="3" name="TextBox 2">
-            <a:extLst>
-              <a:ext uri="{FF2B5EF4-FFF2-40B4-BE49-F238E27FC236}">
-                <a16:creationId xmlns:a16="http://schemas.microsoft.com/office/drawing/2014/main" id="{7F1CD93A-8E86-94BB-9F28-B13744EB7CAB}"/>
-              </a:ext>
-            </a:extLst>
-          </p:cNvPr>
-          <p:cNvSpPr txBox="1"/>
-          <p:nvPr/>
-        </p:nvSpPr>
-        <p:spPr>
-          <a:xfrm>
-            <a:off x="5126717" y="948117"/>
-            <a:ext cx="6510867" cy="923330"/>
-          </a:xfrm>
-          <a:prstGeom prst="rect">
-            <a:avLst/>
-          </a:prstGeom>
-          <a:noFill/>
-        </p:spPr>
-        <p:txBody>
-          <a:bodyPr wrap="square" rtlCol="0">
-            <a:spAutoFit/>
-          </a:bodyPr>
-          <a:lstStyle/>
-          <a:p>
-            <a:pPr marL="285750" indent="-285750">
-              <a:buFont typeface="Arial" panose="020B0604020202020204" pitchFamily="34" charset="0"/>
-              <a:buChar char="•"/>
-            </a:pPr>
-            <a:r>
-              <a:rPr lang="en-US" dirty="0"/>
-              <a:t>A flask-based web application running at </a:t>
-            </a:r>
-            <a:r>
-              <a:rPr lang="en-US" dirty="0">
-                <a:hlinkClick r:id="rId3"/>
-              </a:rPr>
-              <a:t>http://localhost:4999</a:t>
-            </a:r>
-            <a:endParaRPr lang="en-US" dirty="0"/>
-          </a:p>
-          <a:p>
-            <a:pPr marL="285750" indent="-285750">
-              <a:buFont typeface="Arial" panose="020B0604020202020204" pitchFamily="34" charset="0"/>
-              <a:buChar char="•"/>
-            </a:pPr>
-            <a:r>
-              <a:rPr lang="en-US" dirty="0"/>
-              <a:t>Requires a source station and returns a list of possible destinations</a:t>
-            </a:r>
-          </a:p>
-        </p:txBody>
-      </p:sp>
-      <p:pic>
-        <p:nvPicPr>
-          <p:cNvPr id="4" name="Content Placeholder 3">
-            <a:extLst>
-              <a:ext uri="{FF2B5EF4-FFF2-40B4-BE49-F238E27FC236}">
-                <a16:creationId xmlns:a16="http://schemas.microsoft.com/office/drawing/2014/main" id="{7C5B680E-1A8F-A15F-905F-F9249C142BA8}"/>
-              </a:ext>
-            </a:extLst>
-          </p:cNvPr>
-          <p:cNvPicPr>
-            <a:picLocks noGrp="1" noChangeAspect="1"/>
-          </p:cNvPicPr>
-          <p:nvPr>
-            <p:ph idx="1"/>
-          </p:nvPr>
-        </p:nvPicPr>
-        <p:blipFill>
-          <a:blip r:embed="rId4"/>
-          <a:stretch>
-            <a:fillRect/>
-          </a:stretch>
-        </p:blipFill>
-        <p:spPr>
-          <a:xfrm>
-            <a:off x="4874476" y="3166042"/>
-            <a:ext cx="6691769" cy="3013696"/>
-          </a:xfrm>
-          <a:prstGeom prst="rect">
-            <a:avLst/>
-          </a:prstGeom>
-          <a:ln w="12700" cap="sq">
-            <a:solidFill>
-              <a:srgbClr val="000000"/>
-            </a:solidFill>
-            <a:prstDash val="solid"/>
-            <a:miter lim="800000"/>
-          </a:ln>
-          <a:effectLst>
-            <a:outerShdw blurRad="50800" dist="38100" dir="2700000" algn="tl" rotWithShape="0">
-              <a:srgbClr val="000000">
-                <a:alpha val="43000"/>
-              </a:srgbClr>
-            </a:outerShdw>
-          </a:effectLst>
-        </p:spPr>
-      </p:pic>
-      <p:pic>
-        <p:nvPicPr>
-          <p:cNvPr id="6" name="Picture 5" descr="A screenshot of a phone&#10;&#10;Description automatically generated">
-            <a:extLst>
-              <a:ext uri="{FF2B5EF4-FFF2-40B4-BE49-F238E27FC236}">
-                <a16:creationId xmlns:a16="http://schemas.microsoft.com/office/drawing/2014/main" id="{82B38481-1C38-EA7E-7D6B-D2E2B2449EFF}"/>
-              </a:ext>
-            </a:extLst>
-          </p:cNvPr>
-          <p:cNvPicPr>
-            <a:picLocks noChangeAspect="1"/>
-          </p:cNvPicPr>
-          <p:nvPr/>
-        </p:nvPicPr>
-        <p:blipFill>
-          <a:blip r:embed="rId5"/>
-          <a:stretch>
-            <a:fillRect/>
-          </a:stretch>
-        </p:blipFill>
-        <p:spPr>
-          <a:xfrm>
-            <a:off x="892666" y="2715592"/>
-            <a:ext cx="2671799" cy="3847391"/>
-          </a:xfrm>
-          <a:prstGeom prst="rect">
-            <a:avLst/>
-          </a:prstGeom>
-        </p:spPr>
-      </p:pic>
-    </p:spTree>
-    <p:extLst>
-      <p:ext uri="{BB962C8B-B14F-4D97-AF65-F5344CB8AC3E}">
-        <p14:creationId xmlns:p14="http://schemas.microsoft.com/office/powerpoint/2010/main" val="92593509"/>
       </p:ext>
     </p:extLst>
   </p:cSld>

--- a/documentation/ML_Project.pptx
+++ b/documentation/ML_Project.pptx
@@ -9,15 +9,15 @@
   </p:notesMasterIdLst>
   <p:sldIdLst>
     <p:sldId id="256" r:id="rId2"/>
-    <p:sldId id="277" r:id="rId3"/>
+    <p:sldId id="286" r:id="rId3"/>
     <p:sldId id="278" r:id="rId4"/>
     <p:sldId id="260" r:id="rId5"/>
     <p:sldId id="259" r:id="rId6"/>
     <p:sldId id="279" r:id="rId7"/>
     <p:sldId id="280" r:id="rId8"/>
-    <p:sldId id="266" r:id="rId9"/>
-    <p:sldId id="261" r:id="rId10"/>
-    <p:sldId id="267" r:id="rId11"/>
+    <p:sldId id="288" r:id="rId9"/>
+    <p:sldId id="289" r:id="rId10"/>
+    <p:sldId id="287" r:id="rId11"/>
     <p:sldId id="273" r:id="rId12"/>
     <p:sldId id="272" r:id="rId13"/>
     <p:sldId id="269" r:id="rId14"/>
@@ -1053,6 +1053,927 @@
 </file>
 
 <file path=ppt/diagrams/colors2.xml><?xml version="1.0" encoding="utf-8"?>
+<dgm:colorsDef xmlns:dgm="http://schemas.openxmlformats.org/drawingml/2006/diagram" xmlns:a="http://schemas.openxmlformats.org/drawingml/2006/main" uniqueId="urn:microsoft.com/office/officeart/2018/5/colors/Iconchunking_neutralicon_colorful1">
+  <dgm:title val=""/>
+  <dgm:desc val=""/>
+  <dgm:catLst>
+    <dgm:cat type="colorful" pri="10100"/>
+  </dgm:catLst>
+  <dgm:styleLbl name="node0">
+    <dgm:fillClrLst meth="repeat">
+      <a:schemeClr val="accent1"/>
+    </dgm:fillClrLst>
+    <dgm:linClrLst meth="repeat">
+      <a:schemeClr val="lt1"/>
+    </dgm:linClrLst>
+    <dgm:effectClrLst/>
+    <dgm:txLinClrLst/>
+    <dgm:txFillClrLst/>
+    <dgm:txEffectClrLst/>
+  </dgm:styleLbl>
+  <dgm:styleLbl name="node1">
+    <dgm:fillClrLst meth="repeat">
+      <a:schemeClr val="bg1"/>
+    </dgm:fillClrLst>
+    <dgm:linClrLst meth="repeat">
+      <a:schemeClr val="lt1">
+        <a:alpha val="0"/>
+      </a:schemeClr>
+    </dgm:linClrLst>
+    <dgm:effectClrLst/>
+    <dgm:txLinClrLst/>
+    <dgm:txFillClrLst meth="repeat">
+      <a:schemeClr val="dk1"/>
+    </dgm:txFillClrLst>
+    <dgm:txEffectClrLst/>
+  </dgm:styleLbl>
+  <dgm:styleLbl name="alignNode1">
+    <dgm:fillClrLst meth="repeat">
+      <a:schemeClr val="accent2"/>
+      <a:schemeClr val="accent3"/>
+      <a:schemeClr val="accent4"/>
+      <a:schemeClr val="accent5"/>
+      <a:schemeClr val="accent6"/>
+    </dgm:fillClrLst>
+    <dgm:linClrLst meth="repeat">
+      <a:schemeClr val="accent2"/>
+      <a:schemeClr val="accent3"/>
+      <a:schemeClr val="accent4"/>
+      <a:schemeClr val="accent5"/>
+      <a:schemeClr val="accent6"/>
+    </dgm:linClrLst>
+    <dgm:effectClrLst/>
+    <dgm:txLinClrLst/>
+    <dgm:txFillClrLst/>
+    <dgm:txEffectClrLst/>
+  </dgm:styleLbl>
+  <dgm:styleLbl name="lnNode1">
+    <dgm:fillClrLst meth="repeat">
+      <a:schemeClr val="accent2"/>
+      <a:schemeClr val="accent3"/>
+      <a:schemeClr val="accent4"/>
+      <a:schemeClr val="accent5"/>
+      <a:schemeClr val="accent6"/>
+    </dgm:fillClrLst>
+    <dgm:linClrLst meth="repeat">
+      <a:schemeClr val="lt1"/>
+    </dgm:linClrLst>
+    <dgm:effectClrLst/>
+    <dgm:txLinClrLst/>
+    <dgm:txFillClrLst/>
+    <dgm:txEffectClrLst/>
+  </dgm:styleLbl>
+  <dgm:styleLbl name="vennNode1">
+    <dgm:fillClrLst meth="repeat">
+      <a:schemeClr val="accent2">
+        <a:alpha val="50000"/>
+      </a:schemeClr>
+      <a:schemeClr val="accent3">
+        <a:alpha val="50000"/>
+      </a:schemeClr>
+      <a:schemeClr val="accent4">
+        <a:alpha val="50000"/>
+      </a:schemeClr>
+      <a:schemeClr val="accent5">
+        <a:alpha val="50000"/>
+      </a:schemeClr>
+      <a:schemeClr val="accent6">
+        <a:alpha val="50000"/>
+      </a:schemeClr>
+    </dgm:fillClrLst>
+    <dgm:linClrLst meth="repeat">
+      <a:schemeClr val="lt1"/>
+    </dgm:linClrLst>
+    <dgm:effectClrLst/>
+    <dgm:txLinClrLst/>
+    <dgm:txFillClrLst/>
+    <dgm:txEffectClrLst/>
+  </dgm:styleLbl>
+  <dgm:styleLbl name="node2">
+    <dgm:fillClrLst>
+      <a:schemeClr val="accent2"/>
+    </dgm:fillClrLst>
+    <dgm:linClrLst meth="repeat">
+      <a:schemeClr val="lt1"/>
+    </dgm:linClrLst>
+    <dgm:effectClrLst/>
+    <dgm:txLinClrLst/>
+    <dgm:txFillClrLst/>
+    <dgm:txEffectClrLst/>
+  </dgm:styleLbl>
+  <dgm:styleLbl name="node3">
+    <dgm:fillClrLst>
+      <a:schemeClr val="accent3"/>
+    </dgm:fillClrLst>
+    <dgm:linClrLst meth="repeat">
+      <a:schemeClr val="lt1"/>
+    </dgm:linClrLst>
+    <dgm:effectClrLst/>
+    <dgm:txLinClrLst/>
+    <dgm:txFillClrLst/>
+    <dgm:txEffectClrLst/>
+  </dgm:styleLbl>
+  <dgm:styleLbl name="node4">
+    <dgm:fillClrLst>
+      <a:schemeClr val="accent4"/>
+    </dgm:fillClrLst>
+    <dgm:linClrLst meth="repeat">
+      <a:schemeClr val="lt1"/>
+    </dgm:linClrLst>
+    <dgm:effectClrLst/>
+    <dgm:txLinClrLst/>
+    <dgm:txFillClrLst/>
+    <dgm:txEffectClrLst/>
+  </dgm:styleLbl>
+  <dgm:styleLbl name="fgImgPlace1">
+    <dgm:fillClrLst meth="repeat">
+      <a:schemeClr val="accent2">
+        <a:tint val="50000"/>
+      </a:schemeClr>
+      <a:schemeClr val="accent3">
+        <a:tint val="50000"/>
+      </a:schemeClr>
+      <a:schemeClr val="accent4">
+        <a:tint val="50000"/>
+      </a:schemeClr>
+      <a:schemeClr val="accent5">
+        <a:tint val="50000"/>
+      </a:schemeClr>
+      <a:schemeClr val="accent6">
+        <a:tint val="50000"/>
+      </a:schemeClr>
+    </dgm:fillClrLst>
+    <dgm:linClrLst meth="repeat">
+      <a:schemeClr val="lt1"/>
+    </dgm:linClrLst>
+    <dgm:effectClrLst/>
+    <dgm:txLinClrLst/>
+    <dgm:txFillClrLst meth="repeat">
+      <a:schemeClr val="lt1"/>
+    </dgm:txFillClrLst>
+    <dgm:txEffectClrLst/>
+  </dgm:styleLbl>
+  <dgm:styleLbl name="alignImgPlace1">
+    <dgm:fillClrLst>
+      <a:schemeClr val="accent1">
+        <a:tint val="50000"/>
+      </a:schemeClr>
+      <a:schemeClr val="accent2">
+        <a:tint val="20000"/>
+      </a:schemeClr>
+    </dgm:fillClrLst>
+    <dgm:linClrLst meth="repeat">
+      <a:schemeClr val="lt1"/>
+    </dgm:linClrLst>
+    <dgm:effectClrLst/>
+    <dgm:txLinClrLst/>
+    <dgm:txFillClrLst meth="repeat">
+      <a:schemeClr val="lt1"/>
+    </dgm:txFillClrLst>
+    <dgm:txEffectClrLst/>
+  </dgm:styleLbl>
+  <dgm:styleLbl name="bgImgPlace1">
+    <dgm:fillClrLst>
+      <a:schemeClr val="accent1">
+        <a:tint val="50000"/>
+      </a:schemeClr>
+      <a:schemeClr val="accent2">
+        <a:tint val="20000"/>
+      </a:schemeClr>
+    </dgm:fillClrLst>
+    <dgm:linClrLst meth="repeat">
+      <a:schemeClr val="lt1"/>
+    </dgm:linClrLst>
+    <dgm:effectClrLst/>
+    <dgm:txLinClrLst/>
+    <dgm:txFillClrLst meth="repeat">
+      <a:schemeClr val="lt1"/>
+    </dgm:txFillClrLst>
+    <dgm:txEffectClrLst/>
+  </dgm:styleLbl>
+  <dgm:styleLbl name="sibTrans2D1">
+    <dgm:fillClrLst meth="repeat">
+      <a:schemeClr val="accent2"/>
+      <a:schemeClr val="accent3"/>
+      <a:schemeClr val="accent4"/>
+      <a:schemeClr val="accent5"/>
+      <a:schemeClr val="accent6"/>
+    </dgm:fillClrLst>
+    <dgm:linClrLst meth="cycle">
+      <a:schemeClr val="lt1"/>
+    </dgm:linClrLst>
+    <dgm:effectClrLst/>
+    <dgm:txLinClrLst/>
+    <dgm:txFillClrLst/>
+    <dgm:txEffectClrLst/>
+  </dgm:styleLbl>
+  <dgm:styleLbl name="fgSibTrans2D1">
+    <dgm:fillClrLst meth="repeat">
+      <a:schemeClr val="accent2"/>
+      <a:schemeClr val="accent3"/>
+      <a:schemeClr val="accent4"/>
+      <a:schemeClr val="accent5"/>
+      <a:schemeClr val="accent6"/>
+    </dgm:fillClrLst>
+    <dgm:linClrLst meth="cycle">
+      <a:schemeClr val="lt1"/>
+    </dgm:linClrLst>
+    <dgm:effectClrLst/>
+    <dgm:txLinClrLst/>
+    <dgm:txFillClrLst meth="repeat">
+      <a:schemeClr val="lt1"/>
+    </dgm:txFillClrLst>
+    <dgm:txEffectClrLst/>
+  </dgm:styleLbl>
+  <dgm:styleLbl name="bgSibTrans2D1">
+    <dgm:fillClrLst meth="repeat">
+      <a:schemeClr val="accent2"/>
+      <a:schemeClr val="accent3"/>
+      <a:schemeClr val="accent4"/>
+      <a:schemeClr val="accent5"/>
+      <a:schemeClr val="accent6"/>
+    </dgm:fillClrLst>
+    <dgm:linClrLst meth="cycle">
+      <a:schemeClr val="lt1"/>
+    </dgm:linClrLst>
+    <dgm:effectClrLst/>
+    <dgm:txLinClrLst/>
+    <dgm:txFillClrLst meth="repeat">
+      <a:schemeClr val="lt1"/>
+    </dgm:txFillClrLst>
+    <dgm:txEffectClrLst/>
+  </dgm:styleLbl>
+  <dgm:styleLbl name="sibTrans1D1">
+    <dgm:fillClrLst meth="repeat">
+      <a:schemeClr val="accent2"/>
+      <a:schemeClr val="accent3"/>
+      <a:schemeClr val="accent4"/>
+      <a:schemeClr val="accent5"/>
+      <a:schemeClr val="accent6"/>
+    </dgm:fillClrLst>
+    <dgm:linClrLst meth="repeat">
+      <a:schemeClr val="accent2"/>
+      <a:schemeClr val="accent3"/>
+      <a:schemeClr val="accent4"/>
+      <a:schemeClr val="accent5"/>
+      <a:schemeClr val="accent6"/>
+    </dgm:linClrLst>
+    <dgm:effectClrLst/>
+    <dgm:txLinClrLst/>
+    <dgm:txFillClrLst meth="repeat">
+      <a:schemeClr val="tx1"/>
+    </dgm:txFillClrLst>
+    <dgm:txEffectClrLst/>
+  </dgm:styleLbl>
+  <dgm:styleLbl name="callout">
+    <dgm:fillClrLst meth="repeat">
+      <a:schemeClr val="accent2"/>
+    </dgm:fillClrLst>
+    <dgm:linClrLst meth="repeat">
+      <a:schemeClr val="accent2">
+        <a:tint val="50000"/>
+      </a:schemeClr>
+    </dgm:linClrLst>
+    <dgm:effectClrLst/>
+    <dgm:txLinClrLst/>
+    <dgm:txFillClrLst meth="repeat">
+      <a:schemeClr val="tx1"/>
+    </dgm:txFillClrLst>
+    <dgm:txEffectClrLst/>
+  </dgm:styleLbl>
+  <dgm:styleLbl name="asst0">
+    <dgm:fillClrLst meth="repeat">
+      <a:schemeClr val="accent1"/>
+    </dgm:fillClrLst>
+    <dgm:linClrLst meth="repeat">
+      <a:schemeClr val="lt1"/>
+    </dgm:linClrLst>
+    <dgm:effectClrLst/>
+    <dgm:txLinClrLst/>
+    <dgm:txFillClrLst/>
+    <dgm:txEffectClrLst/>
+  </dgm:styleLbl>
+  <dgm:styleLbl name="asst1">
+    <dgm:fillClrLst meth="repeat">
+      <a:schemeClr val="accent2"/>
+    </dgm:fillClrLst>
+    <dgm:linClrLst meth="repeat">
+      <a:schemeClr val="lt1"/>
+    </dgm:linClrLst>
+    <dgm:effectClrLst/>
+    <dgm:txLinClrLst/>
+    <dgm:txFillClrLst/>
+    <dgm:txEffectClrLst/>
+  </dgm:styleLbl>
+  <dgm:styleLbl name="asst2">
+    <dgm:fillClrLst>
+      <a:schemeClr val="accent3"/>
+    </dgm:fillClrLst>
+    <dgm:linClrLst meth="repeat">
+      <a:schemeClr val="lt1"/>
+    </dgm:linClrLst>
+    <dgm:effectClrLst/>
+    <dgm:txLinClrLst/>
+    <dgm:txFillClrLst/>
+    <dgm:txEffectClrLst/>
+  </dgm:styleLbl>
+  <dgm:styleLbl name="asst3">
+    <dgm:fillClrLst>
+      <a:schemeClr val="accent4"/>
+    </dgm:fillClrLst>
+    <dgm:linClrLst meth="repeat">
+      <a:schemeClr val="lt1"/>
+    </dgm:linClrLst>
+    <dgm:effectClrLst/>
+    <dgm:txLinClrLst/>
+    <dgm:txFillClrLst/>
+    <dgm:txEffectClrLst/>
+  </dgm:styleLbl>
+  <dgm:styleLbl name="asst4">
+    <dgm:fillClrLst>
+      <a:schemeClr val="accent5"/>
+    </dgm:fillClrLst>
+    <dgm:linClrLst meth="repeat">
+      <a:schemeClr val="lt1"/>
+    </dgm:linClrLst>
+    <dgm:effectClrLst/>
+    <dgm:txLinClrLst/>
+    <dgm:txFillClrLst/>
+    <dgm:txEffectClrLst/>
+  </dgm:styleLbl>
+  <dgm:styleLbl name="parChTrans2D1">
+    <dgm:fillClrLst meth="repeat">
+      <a:schemeClr val="accent2"/>
+    </dgm:fillClrLst>
+    <dgm:linClrLst meth="repeat">
+      <a:schemeClr val="lt1"/>
+    </dgm:linClrLst>
+    <dgm:effectClrLst/>
+    <dgm:txLinClrLst/>
+    <dgm:txFillClrLst meth="repeat">
+      <a:schemeClr val="lt1"/>
+    </dgm:txFillClrLst>
+    <dgm:txEffectClrLst/>
+  </dgm:styleLbl>
+  <dgm:styleLbl name="parChTrans2D2">
+    <dgm:fillClrLst meth="repeat">
+      <a:schemeClr val="accent3"/>
+    </dgm:fillClrLst>
+    <dgm:linClrLst meth="repeat">
+      <a:schemeClr val="lt1"/>
+    </dgm:linClrLst>
+    <dgm:effectClrLst/>
+    <dgm:txLinClrLst/>
+    <dgm:txFillClrLst/>
+    <dgm:txEffectClrLst/>
+  </dgm:styleLbl>
+  <dgm:styleLbl name="parChTrans2D3">
+    <dgm:fillClrLst meth="repeat">
+      <a:schemeClr val="accent4"/>
+    </dgm:fillClrLst>
+    <dgm:linClrLst meth="repeat">
+      <a:schemeClr val="lt1"/>
+    </dgm:linClrLst>
+    <dgm:effectClrLst/>
+    <dgm:txLinClrLst/>
+    <dgm:txFillClrLst/>
+    <dgm:txEffectClrLst/>
+  </dgm:styleLbl>
+  <dgm:styleLbl name="parChTrans2D4">
+    <dgm:fillClrLst meth="repeat">
+      <a:schemeClr val="accent5"/>
+    </dgm:fillClrLst>
+    <dgm:linClrLst meth="repeat">
+      <a:schemeClr val="lt1"/>
+    </dgm:linClrLst>
+    <dgm:effectClrLst/>
+    <dgm:txLinClrLst/>
+    <dgm:txFillClrLst meth="repeat">
+      <a:schemeClr val="lt1"/>
+    </dgm:txFillClrLst>
+    <dgm:txEffectClrLst/>
+  </dgm:styleLbl>
+  <dgm:styleLbl name="parChTrans1D1">
+    <dgm:fillClrLst meth="repeat">
+      <a:schemeClr val="accent2"/>
+    </dgm:fillClrLst>
+    <dgm:linClrLst meth="repeat">
+      <a:schemeClr val="accent1"/>
+    </dgm:linClrLst>
+    <dgm:effectClrLst/>
+    <dgm:txLinClrLst/>
+    <dgm:txFillClrLst meth="repeat">
+      <a:schemeClr val="tx1"/>
+    </dgm:txFillClrLst>
+    <dgm:txEffectClrLst/>
+  </dgm:styleLbl>
+  <dgm:styleLbl name="parChTrans1D2">
+    <dgm:fillClrLst meth="repeat">
+      <a:schemeClr val="accent3">
+        <a:tint val="90000"/>
+      </a:schemeClr>
+    </dgm:fillClrLst>
+    <dgm:linClrLst meth="repeat">
+      <a:schemeClr val="accent2"/>
+    </dgm:linClrLst>
+    <dgm:effectClrLst/>
+    <dgm:txLinClrLst/>
+    <dgm:txFillClrLst meth="repeat">
+      <a:schemeClr val="tx1"/>
+    </dgm:txFillClrLst>
+    <dgm:txEffectClrLst/>
+  </dgm:styleLbl>
+  <dgm:styleLbl name="parChTrans1D3">
+    <dgm:fillClrLst meth="repeat">
+      <a:schemeClr val="accent4">
+        <a:tint val="70000"/>
+      </a:schemeClr>
+    </dgm:fillClrLst>
+    <dgm:linClrLst meth="repeat">
+      <a:schemeClr val="accent3"/>
+    </dgm:linClrLst>
+    <dgm:effectClrLst/>
+    <dgm:txLinClrLst/>
+    <dgm:txFillClrLst meth="repeat">
+      <a:schemeClr val="tx1"/>
+    </dgm:txFillClrLst>
+    <dgm:txEffectClrLst/>
+  </dgm:styleLbl>
+  <dgm:styleLbl name="parChTrans1D4">
+    <dgm:fillClrLst meth="repeat">
+      <a:schemeClr val="accent5">
+        <a:tint val="50000"/>
+      </a:schemeClr>
+    </dgm:fillClrLst>
+    <dgm:linClrLst meth="repeat">
+      <a:schemeClr val="accent4"/>
+    </dgm:linClrLst>
+    <dgm:effectClrLst/>
+    <dgm:txLinClrLst/>
+    <dgm:txFillClrLst meth="repeat">
+      <a:schemeClr val="tx1"/>
+    </dgm:txFillClrLst>
+    <dgm:txEffectClrLst/>
+  </dgm:styleLbl>
+  <dgm:styleLbl name="fgAcc1">
+    <dgm:fillClrLst meth="repeat">
+      <a:schemeClr val="lt1">
+        <a:alpha val="90000"/>
+      </a:schemeClr>
+    </dgm:fillClrLst>
+    <dgm:linClrLst meth="repeat">
+      <a:schemeClr val="accent2"/>
+      <a:schemeClr val="accent3"/>
+      <a:schemeClr val="accent4"/>
+      <a:schemeClr val="accent5"/>
+      <a:schemeClr val="accent6"/>
+    </dgm:linClrLst>
+    <dgm:effectClrLst/>
+    <dgm:txLinClrLst/>
+    <dgm:txFillClrLst meth="repeat">
+      <a:schemeClr val="dk1"/>
+    </dgm:txFillClrLst>
+    <dgm:txEffectClrLst/>
+  </dgm:styleLbl>
+  <dgm:styleLbl name="conFgAcc1">
+    <dgm:fillClrLst meth="repeat">
+      <a:schemeClr val="lt1">
+        <a:alpha val="90000"/>
+      </a:schemeClr>
+    </dgm:fillClrLst>
+    <dgm:linClrLst meth="repeat">
+      <a:schemeClr val="accent2"/>
+      <a:schemeClr val="accent3"/>
+      <a:schemeClr val="accent4"/>
+      <a:schemeClr val="accent5"/>
+      <a:schemeClr val="accent6"/>
+    </dgm:linClrLst>
+    <dgm:effectClrLst/>
+    <dgm:txLinClrLst/>
+    <dgm:txFillClrLst meth="repeat">
+      <a:schemeClr val="dk1"/>
+    </dgm:txFillClrLst>
+    <dgm:txEffectClrLst/>
+  </dgm:styleLbl>
+  <dgm:styleLbl name="alignAcc1">
+    <dgm:fillClrLst meth="repeat">
+      <a:schemeClr val="lt1">
+        <a:alpha val="90000"/>
+      </a:schemeClr>
+    </dgm:fillClrLst>
+    <dgm:linClrLst meth="repeat">
+      <a:schemeClr val="accent2"/>
+      <a:schemeClr val="accent3"/>
+      <a:schemeClr val="accent4"/>
+      <a:schemeClr val="accent5"/>
+      <a:schemeClr val="accent6"/>
+    </dgm:linClrLst>
+    <dgm:effectClrLst/>
+    <dgm:txLinClrLst/>
+    <dgm:txFillClrLst meth="repeat">
+      <a:schemeClr val="dk1"/>
+    </dgm:txFillClrLst>
+    <dgm:txEffectClrLst/>
+  </dgm:styleLbl>
+  <dgm:styleLbl name="trAlignAcc1">
+    <dgm:fillClrLst meth="repeat">
+      <a:schemeClr val="lt1">
+        <a:alpha val="40000"/>
+      </a:schemeClr>
+    </dgm:fillClrLst>
+    <dgm:linClrLst meth="repeat">
+      <a:schemeClr val="accent1"/>
+    </dgm:linClrLst>
+    <dgm:effectClrLst/>
+    <dgm:txLinClrLst/>
+    <dgm:txFillClrLst meth="repeat">
+      <a:schemeClr val="dk1"/>
+    </dgm:txFillClrLst>
+    <dgm:txEffectClrLst/>
+  </dgm:styleLbl>
+  <dgm:styleLbl name="bgAcc1">
+    <dgm:fillClrLst meth="repeat">
+      <a:schemeClr val="lt1">
+        <a:alpha val="90000"/>
+      </a:schemeClr>
+    </dgm:fillClrLst>
+    <dgm:linClrLst meth="repeat">
+      <a:schemeClr val="accent2"/>
+      <a:schemeClr val="accent3"/>
+      <a:schemeClr val="accent4"/>
+      <a:schemeClr val="accent5"/>
+      <a:schemeClr val="accent6"/>
+    </dgm:linClrLst>
+    <dgm:effectClrLst/>
+    <dgm:txLinClrLst/>
+    <dgm:txFillClrLst meth="repeat">
+      <a:schemeClr val="dk1"/>
+    </dgm:txFillClrLst>
+    <dgm:txEffectClrLst/>
+  </dgm:styleLbl>
+  <dgm:styleLbl name="solidFgAcc1">
+    <dgm:fillClrLst meth="repeat">
+      <a:schemeClr val="lt1"/>
+    </dgm:fillClrLst>
+    <dgm:linClrLst meth="repeat">
+      <a:schemeClr val="accent2"/>
+      <a:schemeClr val="accent3"/>
+      <a:schemeClr val="accent4"/>
+      <a:schemeClr val="accent5"/>
+      <a:schemeClr val="accent6"/>
+    </dgm:linClrLst>
+    <dgm:effectClrLst/>
+    <dgm:txLinClrLst/>
+    <dgm:txFillClrLst meth="repeat">
+      <a:schemeClr val="dk1"/>
+    </dgm:txFillClrLst>
+    <dgm:txEffectClrLst/>
+  </dgm:styleLbl>
+  <dgm:styleLbl name="solidAlignAcc1">
+    <dgm:fillClrLst meth="repeat">
+      <a:schemeClr val="lt1"/>
+    </dgm:fillClrLst>
+    <dgm:linClrLst meth="repeat">
+      <a:schemeClr val="accent2"/>
+      <a:schemeClr val="accent3"/>
+      <a:schemeClr val="accent4"/>
+      <a:schemeClr val="accent5"/>
+      <a:schemeClr val="accent6"/>
+    </dgm:linClrLst>
+    <dgm:effectClrLst/>
+    <dgm:txLinClrLst/>
+    <dgm:txFillClrLst meth="repeat">
+      <a:schemeClr val="dk1"/>
+    </dgm:txFillClrLst>
+    <dgm:txEffectClrLst/>
+  </dgm:styleLbl>
+  <dgm:styleLbl name="solidBgAcc1">
+    <dgm:fillClrLst meth="repeat">
+      <a:schemeClr val="lt1"/>
+    </dgm:fillClrLst>
+    <dgm:linClrLst meth="repeat">
+      <a:schemeClr val="accent2"/>
+      <a:schemeClr val="accent3"/>
+      <a:schemeClr val="accent4"/>
+      <a:schemeClr val="accent5"/>
+      <a:schemeClr val="accent6"/>
+    </dgm:linClrLst>
+    <dgm:effectClrLst/>
+    <dgm:txLinClrLst/>
+    <dgm:txFillClrLst meth="repeat">
+      <a:schemeClr val="dk1"/>
+    </dgm:txFillClrLst>
+    <dgm:txEffectClrLst/>
+  </dgm:styleLbl>
+  <dgm:styleLbl name="fgAccFollowNode1">
+    <dgm:fillClrLst meth="repeat">
+      <a:schemeClr val="accent2">
+        <a:tint val="40000"/>
+        <a:alpha val="90000"/>
+      </a:schemeClr>
+      <a:schemeClr val="accent3">
+        <a:tint val="40000"/>
+        <a:alpha val="90000"/>
+      </a:schemeClr>
+      <a:schemeClr val="accent4">
+        <a:tint val="40000"/>
+        <a:alpha val="90000"/>
+      </a:schemeClr>
+      <a:schemeClr val="accent5">
+        <a:tint val="40000"/>
+        <a:alpha val="90000"/>
+      </a:schemeClr>
+      <a:schemeClr val="accent6">
+        <a:tint val="40000"/>
+        <a:alpha val="90000"/>
+      </a:schemeClr>
+    </dgm:fillClrLst>
+    <dgm:linClrLst meth="repeat">
+      <a:schemeClr val="accent2">
+        <a:tint val="40000"/>
+        <a:alpha val="90000"/>
+      </a:schemeClr>
+      <a:schemeClr val="accent3">
+        <a:tint val="40000"/>
+        <a:alpha val="90000"/>
+      </a:schemeClr>
+      <a:schemeClr val="accent4">
+        <a:tint val="40000"/>
+        <a:alpha val="90000"/>
+      </a:schemeClr>
+      <a:schemeClr val="accent5">
+        <a:tint val="40000"/>
+        <a:alpha val="90000"/>
+      </a:schemeClr>
+      <a:schemeClr val="accent6">
+        <a:tint val="40000"/>
+        <a:alpha val="90000"/>
+      </a:schemeClr>
+    </dgm:linClrLst>
+    <dgm:effectClrLst/>
+    <dgm:txLinClrLst/>
+    <dgm:txFillClrLst meth="repeat">
+      <a:schemeClr val="dk1"/>
+    </dgm:txFillClrLst>
+    <dgm:txEffectClrLst/>
+  </dgm:styleLbl>
+  <dgm:styleLbl name="alignAccFollowNode1">
+    <dgm:fillClrLst meth="repeat">
+      <a:schemeClr val="accent2">
+        <a:tint val="40000"/>
+        <a:alpha val="90000"/>
+      </a:schemeClr>
+      <a:schemeClr val="accent3">
+        <a:tint val="40000"/>
+        <a:alpha val="90000"/>
+      </a:schemeClr>
+      <a:schemeClr val="accent4">
+        <a:tint val="40000"/>
+        <a:alpha val="90000"/>
+      </a:schemeClr>
+      <a:schemeClr val="accent5">
+        <a:tint val="40000"/>
+        <a:alpha val="90000"/>
+      </a:schemeClr>
+      <a:schemeClr val="accent6">
+        <a:tint val="40000"/>
+        <a:alpha val="90000"/>
+      </a:schemeClr>
+    </dgm:fillClrLst>
+    <dgm:linClrLst meth="repeat">
+      <a:schemeClr val="accent2">
+        <a:tint val="40000"/>
+        <a:alpha val="90000"/>
+      </a:schemeClr>
+      <a:schemeClr val="accent3">
+        <a:tint val="40000"/>
+        <a:alpha val="90000"/>
+      </a:schemeClr>
+      <a:schemeClr val="accent4">
+        <a:tint val="40000"/>
+        <a:alpha val="90000"/>
+      </a:schemeClr>
+      <a:schemeClr val="accent5">
+        <a:tint val="40000"/>
+        <a:alpha val="90000"/>
+      </a:schemeClr>
+      <a:schemeClr val="accent6">
+        <a:tint val="40000"/>
+        <a:alpha val="90000"/>
+      </a:schemeClr>
+    </dgm:linClrLst>
+    <dgm:effectClrLst/>
+    <dgm:txLinClrLst/>
+    <dgm:txFillClrLst meth="repeat">
+      <a:schemeClr val="dk1"/>
+    </dgm:txFillClrLst>
+    <dgm:txEffectClrLst/>
+  </dgm:styleLbl>
+  <dgm:styleLbl name="bgAccFollowNode1">
+    <dgm:fillClrLst meth="repeat">
+      <a:schemeClr val="accent2">
+        <a:tint val="40000"/>
+        <a:alpha val="90000"/>
+      </a:schemeClr>
+      <a:schemeClr val="accent3">
+        <a:tint val="40000"/>
+        <a:alpha val="90000"/>
+      </a:schemeClr>
+      <a:schemeClr val="accent4">
+        <a:tint val="40000"/>
+        <a:alpha val="90000"/>
+      </a:schemeClr>
+      <a:schemeClr val="accent5">
+        <a:tint val="40000"/>
+        <a:alpha val="90000"/>
+      </a:schemeClr>
+      <a:schemeClr val="accent6">
+        <a:tint val="40000"/>
+        <a:alpha val="90000"/>
+      </a:schemeClr>
+    </dgm:fillClrLst>
+    <dgm:linClrLst meth="repeat">
+      <a:schemeClr val="accent2">
+        <a:tint val="40000"/>
+        <a:alpha val="90000"/>
+      </a:schemeClr>
+      <a:schemeClr val="accent3">
+        <a:tint val="40000"/>
+        <a:alpha val="90000"/>
+      </a:schemeClr>
+      <a:schemeClr val="accent4">
+        <a:tint val="40000"/>
+        <a:alpha val="90000"/>
+      </a:schemeClr>
+      <a:schemeClr val="accent5">
+        <a:tint val="40000"/>
+        <a:alpha val="90000"/>
+      </a:schemeClr>
+      <a:schemeClr val="accent6">
+        <a:tint val="40000"/>
+        <a:alpha val="90000"/>
+      </a:schemeClr>
+    </dgm:linClrLst>
+    <dgm:effectClrLst/>
+    <dgm:txLinClrLst/>
+    <dgm:txFillClrLst meth="repeat">
+      <a:schemeClr val="dk1"/>
+    </dgm:txFillClrLst>
+    <dgm:txEffectClrLst/>
+  </dgm:styleLbl>
+  <dgm:styleLbl name="fgAcc0">
+    <dgm:fillClrLst meth="repeat">
+      <a:schemeClr val="lt1">
+        <a:alpha val="90000"/>
+      </a:schemeClr>
+    </dgm:fillClrLst>
+    <dgm:linClrLst>
+      <a:schemeClr val="accent1"/>
+    </dgm:linClrLst>
+    <dgm:effectClrLst/>
+    <dgm:txLinClrLst/>
+    <dgm:txFillClrLst meth="repeat">
+      <a:schemeClr val="dk1"/>
+    </dgm:txFillClrLst>
+    <dgm:txEffectClrLst/>
+  </dgm:styleLbl>
+  <dgm:styleLbl name="fgAcc2">
+    <dgm:fillClrLst meth="repeat">
+      <a:schemeClr val="lt1">
+        <a:alpha val="90000"/>
+      </a:schemeClr>
+    </dgm:fillClrLst>
+    <dgm:linClrLst>
+      <a:schemeClr val="accent2"/>
+    </dgm:linClrLst>
+    <dgm:effectClrLst/>
+    <dgm:txLinClrLst/>
+    <dgm:txFillClrLst meth="repeat">
+      <a:schemeClr val="dk1"/>
+    </dgm:txFillClrLst>
+    <dgm:txEffectClrLst/>
+  </dgm:styleLbl>
+  <dgm:styleLbl name="fgAcc3">
+    <dgm:fillClrLst meth="repeat">
+      <a:schemeClr val="lt1">
+        <a:alpha val="90000"/>
+      </a:schemeClr>
+    </dgm:fillClrLst>
+    <dgm:linClrLst>
+      <a:schemeClr val="accent3"/>
+    </dgm:linClrLst>
+    <dgm:effectClrLst/>
+    <dgm:txLinClrLst/>
+    <dgm:txFillClrLst meth="repeat">
+      <a:schemeClr val="dk1"/>
+    </dgm:txFillClrLst>
+    <dgm:txEffectClrLst/>
+  </dgm:styleLbl>
+  <dgm:styleLbl name="fgAcc4">
+    <dgm:fillClrLst meth="repeat">
+      <a:schemeClr val="lt1">
+        <a:alpha val="90000"/>
+      </a:schemeClr>
+    </dgm:fillClrLst>
+    <dgm:linClrLst>
+      <a:schemeClr val="accent4"/>
+    </dgm:linClrLst>
+    <dgm:effectClrLst/>
+    <dgm:txLinClrLst/>
+    <dgm:txFillClrLst meth="repeat">
+      <a:schemeClr val="dk1"/>
+    </dgm:txFillClrLst>
+    <dgm:txEffectClrLst/>
+  </dgm:styleLbl>
+  <dgm:styleLbl name="bgShp">
+    <dgm:fillClrLst meth="repeat">
+      <a:schemeClr val="accent2"/>
+      <a:schemeClr val="accent3"/>
+      <a:schemeClr val="accent4"/>
+      <a:schemeClr val="accent5"/>
+      <a:schemeClr val="accent6"/>
+    </dgm:fillClrLst>
+    <dgm:linClrLst meth="repeat">
+      <a:schemeClr val="lt1">
+        <a:alpha val="0"/>
+      </a:schemeClr>
+    </dgm:linClrLst>
+    <dgm:effectClrLst/>
+    <dgm:txLinClrLst/>
+    <dgm:txFillClrLst/>
+    <dgm:txEffectClrLst/>
+  </dgm:styleLbl>
+  <dgm:styleLbl name="dkBgShp">
+    <dgm:fillClrLst meth="repeat">
+      <a:schemeClr val="accent2">
+        <a:shade val="90000"/>
+      </a:schemeClr>
+    </dgm:fillClrLst>
+    <dgm:linClrLst meth="repeat">
+      <a:schemeClr val="dk1"/>
+    </dgm:linClrLst>
+    <dgm:effectClrLst/>
+    <dgm:txLinClrLst/>
+    <dgm:txFillClrLst meth="repeat">
+      <a:schemeClr val="lt1"/>
+    </dgm:txFillClrLst>
+    <dgm:txEffectClrLst/>
+  </dgm:styleLbl>
+  <dgm:styleLbl name="trBgShp">
+    <dgm:fillClrLst meth="repeat">
+      <a:schemeClr val="accent1">
+        <a:tint val="50000"/>
+        <a:alpha val="40000"/>
+      </a:schemeClr>
+    </dgm:fillClrLst>
+    <dgm:linClrLst meth="repeat">
+      <a:schemeClr val="accent2"/>
+    </dgm:linClrLst>
+    <dgm:effectClrLst/>
+    <dgm:txLinClrLst/>
+    <dgm:txFillClrLst meth="repeat">
+      <a:schemeClr val="lt1"/>
+    </dgm:txFillClrLst>
+    <dgm:txEffectClrLst/>
+  </dgm:styleLbl>
+  <dgm:styleLbl name="fgShp">
+    <dgm:fillClrLst meth="repeat">
+      <a:schemeClr val="accent2">
+        <a:tint val="40000"/>
+      </a:schemeClr>
+    </dgm:fillClrLst>
+    <dgm:linClrLst meth="repeat">
+      <a:schemeClr val="lt1"/>
+    </dgm:linClrLst>
+    <dgm:effectClrLst/>
+    <dgm:txLinClrLst/>
+    <dgm:txFillClrLst meth="repeat">
+      <a:schemeClr val="dk1"/>
+    </dgm:txFillClrLst>
+    <dgm:txEffectClrLst/>
+  </dgm:styleLbl>
+  <dgm:styleLbl name="revTx">
+    <dgm:fillClrLst meth="repeat">
+      <a:schemeClr val="lt1">
+        <a:alpha val="0"/>
+      </a:schemeClr>
+    </dgm:fillClrLst>
+    <dgm:linClrLst meth="repeat">
+      <a:schemeClr val="dk1">
+        <a:alpha val="0"/>
+      </a:schemeClr>
+    </dgm:linClrLst>
+    <dgm:effectClrLst/>
+    <dgm:txLinClrLst/>
+    <dgm:txFillClrLst meth="repeat">
+      <a:schemeClr val="tx1"/>
+    </dgm:txFillClrLst>
+    <dgm:txEffectClrLst/>
+  </dgm:styleLbl>
+</dgm:colorsDef>
+</file>
+
+<file path=ppt/diagrams/colors3.xml><?xml version="1.0" encoding="utf-8"?>
 <dgm:colorsDef xmlns:dgm="http://schemas.openxmlformats.org/drawingml/2006/diagram" xmlns:a="http://schemas.openxmlformats.org/drawingml/2006/main" uniqueId="urn:microsoft.com/office/officeart/2018/5/colors/Iconchunking_neutralicon_colorful1">
   <dgm:title val=""/>
   <dgm:desc val=""/>
@@ -2812,6 +3733,454 @@
     <dgm:cxn modelId="{944541AC-49D1-6647-9662-0E6EC163B0C0}" type="presParOf" srcId="{30647718-FC2B-49FF-A8DA-5BB9B228629B}" destId="{8FC2CA42-D1FD-4D26-A8A3-12ABAABC9FBF}" srcOrd="1" destOrd="0" presId="urn:microsoft.com/office/officeart/2018/2/layout/IconCircleList"/>
     <dgm:cxn modelId="{69A2C3A8-F0C9-2C42-9471-12156C7CA5EA}" type="presParOf" srcId="{30647718-FC2B-49FF-A8DA-5BB9B228629B}" destId="{BC8BD804-DC41-474B-A4B5-979B72AAA387}" srcOrd="2" destOrd="0" presId="urn:microsoft.com/office/officeart/2018/2/layout/IconCircleList"/>
     <dgm:cxn modelId="{9382EAEE-0B53-8447-B898-F542666E5E61}" type="presParOf" srcId="{30647718-FC2B-49FF-A8DA-5BB9B228629B}" destId="{905827DA-D1C3-4870-846B-AA8F0D2B2870}" srcOrd="3" destOrd="0" presId="urn:microsoft.com/office/officeart/2018/2/layout/IconCircleList"/>
+  </dgm:cxnLst>
+  <dgm:bg/>
+  <dgm:whole/>
+  <dgm:extLst>
+    <a:ext uri="http://schemas.microsoft.com/office/drawing/2008/diagram">
+      <dsp:dataModelExt xmlns:dsp="http://schemas.microsoft.com/office/drawing/2008/diagram" relId="rId6" minVer="http://schemas.openxmlformats.org/drawingml/2006/diagram"/>
+    </a:ext>
+  </dgm:extLst>
+</dgm:dataModel>
+</file>
+
+<file path=ppt/diagrams/data3.xml><?xml version="1.0" encoding="utf-8"?>
+<dgm:dataModel xmlns:dgm="http://schemas.openxmlformats.org/drawingml/2006/diagram" xmlns:a="http://schemas.openxmlformats.org/drawingml/2006/main">
+  <dgm:ptLst>
+    <dgm:pt modelId="{E9E368B8-A6DE-4D04-97DD-F274B61AD33A}" type="doc">
+      <dgm:prSet loTypeId="urn:microsoft.com/office/officeart/2018/5/layout/IconCircleLabelList" loCatId="icon" qsTypeId="urn:microsoft.com/office/officeart/2005/8/quickstyle/simple1" qsCatId="simple" csTypeId="urn:microsoft.com/office/officeart/2018/5/colors/Iconchunking_neutralicon_colorful1" csCatId="colorful" phldr="1"/>
+      <dgm:spPr/>
+      <dgm:t>
+        <a:bodyPr/>
+        <a:lstStyle/>
+        <a:p>
+          <a:endParaRPr lang="en-US"/>
+        </a:p>
+      </dgm:t>
+    </dgm:pt>
+    <dgm:pt modelId="{2D2B641F-EAD0-4971-88D4-2364D3F61E6E}">
+      <dgm:prSet/>
+      <dgm:spPr/>
+      <dgm:t>
+        <a:bodyPr/>
+        <a:lstStyle/>
+        <a:p>
+          <a:pPr>
+            <a:lnSpc>
+              <a:spcPct val="100000"/>
+            </a:lnSpc>
+            <a:defRPr cap="all"/>
+          </a:pPr>
+          <a:r>
+            <a:rPr lang="en-DE"/>
+            <a:t>Unit Testing</a:t>
+          </a:r>
+          <a:endParaRPr lang="en-US"/>
+        </a:p>
+      </dgm:t>
+    </dgm:pt>
+    <dgm:pt modelId="{8C9A31FD-571A-433E-B079-D95934276C58}" type="parTrans" cxnId="{FF0C5E8C-451C-4502-9D2C-8F02F368138F}">
+      <dgm:prSet/>
+      <dgm:spPr/>
+      <dgm:t>
+        <a:bodyPr/>
+        <a:lstStyle/>
+        <a:p>
+          <a:endParaRPr lang="en-US"/>
+        </a:p>
+      </dgm:t>
+    </dgm:pt>
+    <dgm:pt modelId="{5612152F-333C-40D4-BDD4-F0ED40F33DCA}" type="sibTrans" cxnId="{FF0C5E8C-451C-4502-9D2C-8F02F368138F}">
+      <dgm:prSet/>
+      <dgm:spPr/>
+      <dgm:t>
+        <a:bodyPr/>
+        <a:lstStyle/>
+        <a:p>
+          <a:endParaRPr lang="en-US"/>
+        </a:p>
+      </dgm:t>
+    </dgm:pt>
+    <dgm:pt modelId="{07EFF51C-D9FA-4725-9E70-FF81EDA87269}">
+      <dgm:prSet/>
+      <dgm:spPr/>
+      <dgm:t>
+        <a:bodyPr/>
+        <a:lstStyle/>
+        <a:p>
+          <a:pPr>
+            <a:lnSpc>
+              <a:spcPct val="100000"/>
+            </a:lnSpc>
+            <a:defRPr cap="all"/>
+          </a:pPr>
+          <a:r>
+            <a:rPr lang="en-DE"/>
+            <a:t>REST API Testing with Postman</a:t>
+          </a:r>
+          <a:endParaRPr lang="en-US"/>
+        </a:p>
+      </dgm:t>
+    </dgm:pt>
+    <dgm:pt modelId="{AC34CC82-1367-4164-8697-F761B33E6F54}" type="parTrans" cxnId="{CAE78882-4496-459D-B0C8-C00677994EA2}">
+      <dgm:prSet/>
+      <dgm:spPr/>
+      <dgm:t>
+        <a:bodyPr/>
+        <a:lstStyle/>
+        <a:p>
+          <a:endParaRPr lang="en-US"/>
+        </a:p>
+      </dgm:t>
+    </dgm:pt>
+    <dgm:pt modelId="{647A01CC-1E94-4128-8406-2037CC4A8C20}" type="sibTrans" cxnId="{CAE78882-4496-459D-B0C8-C00677994EA2}">
+      <dgm:prSet/>
+      <dgm:spPr/>
+      <dgm:t>
+        <a:bodyPr/>
+        <a:lstStyle/>
+        <a:p>
+          <a:endParaRPr lang="en-US"/>
+        </a:p>
+      </dgm:t>
+    </dgm:pt>
+    <dgm:pt modelId="{BCA50F32-5768-47C4-B879-912B2F577661}">
+      <dgm:prSet/>
+      <dgm:spPr/>
+      <dgm:t>
+        <a:bodyPr/>
+        <a:lstStyle/>
+        <a:p>
+          <a:pPr>
+            <a:lnSpc>
+              <a:spcPct val="100000"/>
+            </a:lnSpc>
+            <a:defRPr cap="all"/>
+          </a:pPr>
+          <a:r>
+            <a:rPr lang="en-DE"/>
+            <a:t>Functionality Testing</a:t>
+          </a:r>
+          <a:endParaRPr lang="en-US"/>
+        </a:p>
+      </dgm:t>
+    </dgm:pt>
+    <dgm:pt modelId="{90D24026-B7C8-4BF7-892C-33B2ECB16A3C}" type="parTrans" cxnId="{754A9F14-DF99-4B5B-B1BA-0061616B80B1}">
+      <dgm:prSet/>
+      <dgm:spPr/>
+      <dgm:t>
+        <a:bodyPr/>
+        <a:lstStyle/>
+        <a:p>
+          <a:endParaRPr lang="en-US"/>
+        </a:p>
+      </dgm:t>
+    </dgm:pt>
+    <dgm:pt modelId="{B2C4A3FB-4098-4DBE-86D9-18DFF391176B}" type="sibTrans" cxnId="{754A9F14-DF99-4B5B-B1BA-0061616B80B1}">
+      <dgm:prSet/>
+      <dgm:spPr/>
+      <dgm:t>
+        <a:bodyPr/>
+        <a:lstStyle/>
+        <a:p>
+          <a:endParaRPr lang="en-US"/>
+        </a:p>
+      </dgm:t>
+    </dgm:pt>
+    <dgm:pt modelId="{42755033-D1D5-448A-BFFC-DA6C7B86B99E}">
+      <dgm:prSet/>
+      <dgm:spPr/>
+      <dgm:t>
+        <a:bodyPr/>
+        <a:lstStyle/>
+        <a:p>
+          <a:pPr>
+            <a:lnSpc>
+              <a:spcPct val="100000"/>
+            </a:lnSpc>
+            <a:defRPr cap="all"/>
+          </a:pPr>
+          <a:r>
+            <a:rPr lang="en-DE"/>
+            <a:t>Integration testing</a:t>
+          </a:r>
+          <a:endParaRPr lang="en-US"/>
+        </a:p>
+      </dgm:t>
+    </dgm:pt>
+    <dgm:pt modelId="{001695E6-0C85-47A3-AF4D-0B01B227C1AE}" type="parTrans" cxnId="{40B83934-2395-492B-BD62-73526BA4C022}">
+      <dgm:prSet/>
+      <dgm:spPr/>
+      <dgm:t>
+        <a:bodyPr/>
+        <a:lstStyle/>
+        <a:p>
+          <a:endParaRPr lang="en-US"/>
+        </a:p>
+      </dgm:t>
+    </dgm:pt>
+    <dgm:pt modelId="{637BECFA-B074-4D96-AD9D-E37D805304F4}" type="sibTrans" cxnId="{40B83934-2395-492B-BD62-73526BA4C022}">
+      <dgm:prSet/>
+      <dgm:spPr/>
+      <dgm:t>
+        <a:bodyPr/>
+        <a:lstStyle/>
+        <a:p>
+          <a:endParaRPr lang="en-US"/>
+        </a:p>
+      </dgm:t>
+    </dgm:pt>
+    <dgm:pt modelId="{69637A69-688B-45FB-A331-2A0E8DC2EC72}" type="pres">
+      <dgm:prSet presAssocID="{E9E368B8-A6DE-4D04-97DD-F274B61AD33A}" presName="root" presStyleCnt="0">
+        <dgm:presLayoutVars>
+          <dgm:dir/>
+          <dgm:resizeHandles val="exact"/>
+        </dgm:presLayoutVars>
+      </dgm:prSet>
+      <dgm:spPr/>
+    </dgm:pt>
+    <dgm:pt modelId="{B31D7A4B-46B7-4E1E-A662-A2D38172ADCA}" type="pres">
+      <dgm:prSet presAssocID="{2D2B641F-EAD0-4971-88D4-2364D3F61E6E}" presName="compNode" presStyleCnt="0"/>
+      <dgm:spPr/>
+    </dgm:pt>
+    <dgm:pt modelId="{ABC9F100-F73C-4E0E-94BB-1B4586AB07B6}" type="pres">
+      <dgm:prSet presAssocID="{2D2B641F-EAD0-4971-88D4-2364D3F61E6E}" presName="iconBgRect" presStyleLbl="bgShp" presStyleIdx="0" presStyleCnt="4"/>
+      <dgm:spPr/>
+    </dgm:pt>
+    <dgm:pt modelId="{A51D1613-964F-4DDC-87AE-998B7A48CAD0}" type="pres">
+      <dgm:prSet presAssocID="{2D2B641F-EAD0-4971-88D4-2364D3F61E6E}" presName="iconRect" presStyleLbl="node1" presStyleIdx="0" presStyleCnt="4"/>
+      <dgm:spPr>
+        <a:blipFill>
+          <a:blip xmlns:r="http://schemas.openxmlformats.org/officeDocument/2006/relationships" r:embed="rId1">
+            <a:extLst>
+              <a:ext uri="{28A0092B-C50C-407E-A947-70E740481C1C}">
+                <a14:useLocalDpi xmlns:a14="http://schemas.microsoft.com/office/drawing/2010/main" val="0"/>
+              </a:ext>
+              <a:ext uri="{96DAC541-7B7A-43D3-8B79-37D633B846F1}">
+                <asvg:svgBlip xmlns:asvg="http://schemas.microsoft.com/office/drawing/2016/SVG/main" r:embed="rId2"/>
+              </a:ext>
+            </a:extLst>
+          </a:blip>
+          <a:stretch>
+            <a:fillRect/>
+          </a:stretch>
+        </a:blipFill>
+        <a:ln>
+          <a:noFill/>
+        </a:ln>
+      </dgm:spPr>
+      <dgm:extLst>
+        <a:ext uri="{E40237B7-FDA0-4F09-8148-C483321AD2D9}">
+          <dgm14:cNvPr xmlns:dgm14="http://schemas.microsoft.com/office/drawing/2010/diagram" id="0" name="" descr="Tick"/>
+        </a:ext>
+      </dgm:extLst>
+    </dgm:pt>
+    <dgm:pt modelId="{D0BC5798-4A6F-47E9-8691-C2819684FB71}" type="pres">
+      <dgm:prSet presAssocID="{2D2B641F-EAD0-4971-88D4-2364D3F61E6E}" presName="spaceRect" presStyleCnt="0"/>
+      <dgm:spPr/>
+    </dgm:pt>
+    <dgm:pt modelId="{AB599F81-82C9-4CBA-931C-4C7957648E21}" type="pres">
+      <dgm:prSet presAssocID="{2D2B641F-EAD0-4971-88D4-2364D3F61E6E}" presName="textRect" presStyleLbl="revTx" presStyleIdx="0" presStyleCnt="4">
+        <dgm:presLayoutVars>
+          <dgm:chMax val="1"/>
+          <dgm:chPref val="1"/>
+        </dgm:presLayoutVars>
+      </dgm:prSet>
+      <dgm:spPr/>
+    </dgm:pt>
+    <dgm:pt modelId="{6C5B4860-39D9-4727-A3B2-A31FABFDC2AA}" type="pres">
+      <dgm:prSet presAssocID="{5612152F-333C-40D4-BDD4-F0ED40F33DCA}" presName="sibTrans" presStyleCnt="0"/>
+      <dgm:spPr/>
+    </dgm:pt>
+    <dgm:pt modelId="{49DD7D58-2FCA-4881-B596-47D227D8A01E}" type="pres">
+      <dgm:prSet presAssocID="{07EFF51C-D9FA-4725-9E70-FF81EDA87269}" presName="compNode" presStyleCnt="0"/>
+      <dgm:spPr/>
+    </dgm:pt>
+    <dgm:pt modelId="{30862569-E37D-4AD7-8F4B-0E8C95E7C272}" type="pres">
+      <dgm:prSet presAssocID="{07EFF51C-D9FA-4725-9E70-FF81EDA87269}" presName="iconBgRect" presStyleLbl="bgShp" presStyleIdx="1" presStyleCnt="4"/>
+      <dgm:spPr/>
+    </dgm:pt>
+    <dgm:pt modelId="{62E4CFE9-33CB-4E33-A34A-06CA65E4A40D}" type="pres">
+      <dgm:prSet presAssocID="{07EFF51C-D9FA-4725-9E70-FF81EDA87269}" presName="iconRect" presStyleLbl="node1" presStyleIdx="1" presStyleCnt="4"/>
+      <dgm:spPr>
+        <a:blipFill>
+          <a:blip xmlns:r="http://schemas.openxmlformats.org/officeDocument/2006/relationships" r:embed="rId3">
+            <a:extLst>
+              <a:ext uri="{28A0092B-C50C-407E-A947-70E740481C1C}">
+                <a14:useLocalDpi xmlns:a14="http://schemas.microsoft.com/office/drawing/2010/main" val="0"/>
+              </a:ext>
+              <a:ext uri="{96DAC541-7B7A-43D3-8B79-37D633B846F1}">
+                <asvg:svgBlip xmlns:asvg="http://schemas.microsoft.com/office/drawing/2016/SVG/main" r:embed="rId4"/>
+              </a:ext>
+            </a:extLst>
+          </a:blip>
+          <a:stretch>
+            <a:fillRect/>
+          </a:stretch>
+        </a:blipFill>
+        <a:ln>
+          <a:noFill/>
+        </a:ln>
+      </dgm:spPr>
+      <dgm:extLst>
+        <a:ext uri="{E40237B7-FDA0-4F09-8148-C483321AD2D9}">
+          <dgm14:cNvPr xmlns:dgm14="http://schemas.microsoft.com/office/drawing/2010/diagram" id="0" name="" descr="User"/>
+        </a:ext>
+      </dgm:extLst>
+    </dgm:pt>
+    <dgm:pt modelId="{7A805AF3-5E2E-43FA-A973-89213DD76599}" type="pres">
+      <dgm:prSet presAssocID="{07EFF51C-D9FA-4725-9E70-FF81EDA87269}" presName="spaceRect" presStyleCnt="0"/>
+      <dgm:spPr/>
+    </dgm:pt>
+    <dgm:pt modelId="{8075FC0A-FC95-440F-B8F8-A3C896AFDEED}" type="pres">
+      <dgm:prSet presAssocID="{07EFF51C-D9FA-4725-9E70-FF81EDA87269}" presName="textRect" presStyleLbl="revTx" presStyleIdx="1" presStyleCnt="4">
+        <dgm:presLayoutVars>
+          <dgm:chMax val="1"/>
+          <dgm:chPref val="1"/>
+        </dgm:presLayoutVars>
+      </dgm:prSet>
+      <dgm:spPr/>
+    </dgm:pt>
+    <dgm:pt modelId="{E8F040A4-9A1B-4616-8816-0CF98E90A1F0}" type="pres">
+      <dgm:prSet presAssocID="{647A01CC-1E94-4128-8406-2037CC4A8C20}" presName="sibTrans" presStyleCnt="0"/>
+      <dgm:spPr/>
+    </dgm:pt>
+    <dgm:pt modelId="{DA00B789-BCE8-46DF-A96E-C69958F2424E}" type="pres">
+      <dgm:prSet presAssocID="{BCA50F32-5768-47C4-B879-912B2F577661}" presName="compNode" presStyleCnt="0"/>
+      <dgm:spPr/>
+    </dgm:pt>
+    <dgm:pt modelId="{A7963AE9-639C-4FA0-93D9-D26E60C233DE}" type="pres">
+      <dgm:prSet presAssocID="{BCA50F32-5768-47C4-B879-912B2F577661}" presName="iconBgRect" presStyleLbl="bgShp" presStyleIdx="2" presStyleCnt="4"/>
+      <dgm:spPr/>
+    </dgm:pt>
+    <dgm:pt modelId="{09D190D3-2527-49E0-9282-1F2434F72C90}" type="pres">
+      <dgm:prSet presAssocID="{BCA50F32-5768-47C4-B879-912B2F577661}" presName="iconRect" presStyleLbl="node1" presStyleIdx="2" presStyleCnt="4"/>
+      <dgm:spPr>
+        <a:blipFill>
+          <a:blip xmlns:r="http://schemas.openxmlformats.org/officeDocument/2006/relationships" r:embed="rId5">
+            <a:extLst>
+              <a:ext uri="{28A0092B-C50C-407E-A947-70E740481C1C}">
+                <a14:useLocalDpi xmlns:a14="http://schemas.microsoft.com/office/drawing/2010/main" val="0"/>
+              </a:ext>
+              <a:ext uri="{96DAC541-7B7A-43D3-8B79-37D633B846F1}">
+                <asvg:svgBlip xmlns:asvg="http://schemas.microsoft.com/office/drawing/2016/SVG/main" r:embed="rId6"/>
+              </a:ext>
+            </a:extLst>
+          </a:blip>
+          <a:stretch>
+            <a:fillRect/>
+          </a:stretch>
+        </a:blipFill>
+        <a:ln>
+          <a:noFill/>
+        </a:ln>
+      </dgm:spPr>
+      <dgm:extLst>
+        <a:ext uri="{E40237B7-FDA0-4F09-8148-C483321AD2D9}">
+          <dgm14:cNvPr xmlns:dgm14="http://schemas.microsoft.com/office/drawing/2010/diagram" id="0" name="" descr="CheckList"/>
+        </a:ext>
+      </dgm:extLst>
+    </dgm:pt>
+    <dgm:pt modelId="{B0E34430-1356-49EC-987D-100E7853F940}" type="pres">
+      <dgm:prSet presAssocID="{BCA50F32-5768-47C4-B879-912B2F577661}" presName="spaceRect" presStyleCnt="0"/>
+      <dgm:spPr/>
+    </dgm:pt>
+    <dgm:pt modelId="{E1EAC4C4-5D33-4FEC-BDC2-9834FAB9A910}" type="pres">
+      <dgm:prSet presAssocID="{BCA50F32-5768-47C4-B879-912B2F577661}" presName="textRect" presStyleLbl="revTx" presStyleIdx="2" presStyleCnt="4">
+        <dgm:presLayoutVars>
+          <dgm:chMax val="1"/>
+          <dgm:chPref val="1"/>
+        </dgm:presLayoutVars>
+      </dgm:prSet>
+      <dgm:spPr/>
+    </dgm:pt>
+    <dgm:pt modelId="{FD03B150-3546-4AB5-9DAB-D19873B1DAA3}" type="pres">
+      <dgm:prSet presAssocID="{B2C4A3FB-4098-4DBE-86D9-18DFF391176B}" presName="sibTrans" presStyleCnt="0"/>
+      <dgm:spPr/>
+    </dgm:pt>
+    <dgm:pt modelId="{3565E65C-226D-4650-A1DD-38C17E811C25}" type="pres">
+      <dgm:prSet presAssocID="{42755033-D1D5-448A-BFFC-DA6C7B86B99E}" presName="compNode" presStyleCnt="0"/>
+      <dgm:spPr/>
+    </dgm:pt>
+    <dgm:pt modelId="{1D59AC2D-677D-44A5-BE02-1A3A5343B7E0}" type="pres">
+      <dgm:prSet presAssocID="{42755033-D1D5-448A-BFFC-DA6C7B86B99E}" presName="iconBgRect" presStyleLbl="bgShp" presStyleIdx="3" presStyleCnt="4"/>
+      <dgm:spPr/>
+    </dgm:pt>
+    <dgm:pt modelId="{5A010B34-8036-400C-9E18-0A4A7482D200}" type="pres">
+      <dgm:prSet presAssocID="{42755033-D1D5-448A-BFFC-DA6C7B86B99E}" presName="iconRect" presStyleLbl="node1" presStyleIdx="3" presStyleCnt="4"/>
+      <dgm:spPr>
+        <a:blipFill>
+          <a:blip xmlns:r="http://schemas.openxmlformats.org/officeDocument/2006/relationships" r:embed="rId7">
+            <a:extLst>
+              <a:ext uri="{28A0092B-C50C-407E-A947-70E740481C1C}">
+                <a14:useLocalDpi xmlns:a14="http://schemas.microsoft.com/office/drawing/2010/main" val="0"/>
+              </a:ext>
+              <a:ext uri="{96DAC541-7B7A-43D3-8B79-37D633B846F1}">
+                <asvg:svgBlip xmlns:asvg="http://schemas.microsoft.com/office/drawing/2016/SVG/main" r:embed="rId8"/>
+              </a:ext>
+            </a:extLst>
+          </a:blip>
+          <a:stretch>
+            <a:fillRect/>
+          </a:stretch>
+        </a:blipFill>
+        <a:ln>
+          <a:noFill/>
+        </a:ln>
+      </dgm:spPr>
+      <dgm:extLst>
+        <a:ext uri="{E40237B7-FDA0-4F09-8148-C483321AD2D9}">
+          <dgm14:cNvPr xmlns:dgm14="http://schemas.microsoft.com/office/drawing/2010/diagram" id="0" name="" descr="Gears"/>
+        </a:ext>
+      </dgm:extLst>
+    </dgm:pt>
+    <dgm:pt modelId="{96A62217-1273-409F-A3B0-D578D2EEEB5C}" type="pres">
+      <dgm:prSet presAssocID="{42755033-D1D5-448A-BFFC-DA6C7B86B99E}" presName="spaceRect" presStyleCnt="0"/>
+      <dgm:spPr/>
+    </dgm:pt>
+    <dgm:pt modelId="{852CA35F-7D61-4FAC-BE05-54571B80DD6A}" type="pres">
+      <dgm:prSet presAssocID="{42755033-D1D5-448A-BFFC-DA6C7B86B99E}" presName="textRect" presStyleLbl="revTx" presStyleIdx="3" presStyleCnt="4">
+        <dgm:presLayoutVars>
+          <dgm:chMax val="1"/>
+          <dgm:chPref val="1"/>
+        </dgm:presLayoutVars>
+      </dgm:prSet>
+      <dgm:spPr/>
+    </dgm:pt>
+  </dgm:ptLst>
+  <dgm:cxnLst>
+    <dgm:cxn modelId="{754A9F14-DF99-4B5B-B1BA-0061616B80B1}" srcId="{E9E368B8-A6DE-4D04-97DD-F274B61AD33A}" destId="{BCA50F32-5768-47C4-B879-912B2F577661}" srcOrd="2" destOrd="0" parTransId="{90D24026-B7C8-4BF7-892C-33B2ECB16A3C}" sibTransId="{B2C4A3FB-4098-4DBE-86D9-18DFF391176B}"/>
+    <dgm:cxn modelId="{40B83934-2395-492B-BD62-73526BA4C022}" srcId="{E9E368B8-A6DE-4D04-97DD-F274B61AD33A}" destId="{42755033-D1D5-448A-BFFC-DA6C7B86B99E}" srcOrd="3" destOrd="0" parTransId="{001695E6-0C85-47A3-AF4D-0B01B227C1AE}" sibTransId="{637BECFA-B074-4D96-AD9D-E37D805304F4}"/>
+    <dgm:cxn modelId="{E2574669-1C47-FC49-9DAC-52561C72BBB5}" type="presOf" srcId="{42755033-D1D5-448A-BFFC-DA6C7B86B99E}" destId="{852CA35F-7D61-4FAC-BE05-54571B80DD6A}" srcOrd="0" destOrd="0" presId="urn:microsoft.com/office/officeart/2018/5/layout/IconCircleLabelList"/>
+    <dgm:cxn modelId="{C058A875-10E4-4745-8BFD-B818039733F8}" type="presOf" srcId="{E9E368B8-A6DE-4D04-97DD-F274B61AD33A}" destId="{69637A69-688B-45FB-A331-2A0E8DC2EC72}" srcOrd="0" destOrd="0" presId="urn:microsoft.com/office/officeart/2018/5/layout/IconCircleLabelList"/>
+    <dgm:cxn modelId="{CAE78882-4496-459D-B0C8-C00677994EA2}" srcId="{E9E368B8-A6DE-4D04-97DD-F274B61AD33A}" destId="{07EFF51C-D9FA-4725-9E70-FF81EDA87269}" srcOrd="1" destOrd="0" parTransId="{AC34CC82-1367-4164-8697-F761B33E6F54}" sibTransId="{647A01CC-1E94-4128-8406-2037CC4A8C20}"/>
+    <dgm:cxn modelId="{FF0C5E8C-451C-4502-9D2C-8F02F368138F}" srcId="{E9E368B8-A6DE-4D04-97DD-F274B61AD33A}" destId="{2D2B641F-EAD0-4971-88D4-2364D3F61E6E}" srcOrd="0" destOrd="0" parTransId="{8C9A31FD-571A-433E-B079-D95934276C58}" sibTransId="{5612152F-333C-40D4-BDD4-F0ED40F33DCA}"/>
+    <dgm:cxn modelId="{6F8FE192-542D-2447-8D01-3010CD7646E5}" type="presOf" srcId="{07EFF51C-D9FA-4725-9E70-FF81EDA87269}" destId="{8075FC0A-FC95-440F-B8F8-A3C896AFDEED}" srcOrd="0" destOrd="0" presId="urn:microsoft.com/office/officeart/2018/5/layout/IconCircleLabelList"/>
+    <dgm:cxn modelId="{AF90DDA4-EE9B-5948-ABCB-414FCF8D24D9}" type="presOf" srcId="{2D2B641F-EAD0-4971-88D4-2364D3F61E6E}" destId="{AB599F81-82C9-4CBA-931C-4C7957648E21}" srcOrd="0" destOrd="0" presId="urn:microsoft.com/office/officeart/2018/5/layout/IconCircleLabelList"/>
+    <dgm:cxn modelId="{9053D8E9-20DC-454E-847C-EA89EFA6A112}" type="presOf" srcId="{BCA50F32-5768-47C4-B879-912B2F577661}" destId="{E1EAC4C4-5D33-4FEC-BDC2-9834FAB9A910}" srcOrd="0" destOrd="0" presId="urn:microsoft.com/office/officeart/2018/5/layout/IconCircleLabelList"/>
+    <dgm:cxn modelId="{FD4A11AA-783E-3F44-9F1F-15EFEB3C0B1D}" type="presParOf" srcId="{69637A69-688B-45FB-A331-2A0E8DC2EC72}" destId="{B31D7A4B-46B7-4E1E-A662-A2D38172ADCA}" srcOrd="0" destOrd="0" presId="urn:microsoft.com/office/officeart/2018/5/layout/IconCircleLabelList"/>
+    <dgm:cxn modelId="{30993565-596A-824E-B59D-7E0F25FAD2F1}" type="presParOf" srcId="{B31D7A4B-46B7-4E1E-A662-A2D38172ADCA}" destId="{ABC9F100-F73C-4E0E-94BB-1B4586AB07B6}" srcOrd="0" destOrd="0" presId="urn:microsoft.com/office/officeart/2018/5/layout/IconCircleLabelList"/>
+    <dgm:cxn modelId="{11B49E8C-7613-924B-BB3E-1AAE16092E1D}" type="presParOf" srcId="{B31D7A4B-46B7-4E1E-A662-A2D38172ADCA}" destId="{A51D1613-964F-4DDC-87AE-998B7A48CAD0}" srcOrd="1" destOrd="0" presId="urn:microsoft.com/office/officeart/2018/5/layout/IconCircleLabelList"/>
+    <dgm:cxn modelId="{49A7E2DA-FEF6-1C4D-9323-D2540720FB2E}" type="presParOf" srcId="{B31D7A4B-46B7-4E1E-A662-A2D38172ADCA}" destId="{D0BC5798-4A6F-47E9-8691-C2819684FB71}" srcOrd="2" destOrd="0" presId="urn:microsoft.com/office/officeart/2018/5/layout/IconCircleLabelList"/>
+    <dgm:cxn modelId="{DDF7E8CA-248A-A040-95B5-ED9CC32A9075}" type="presParOf" srcId="{B31D7A4B-46B7-4E1E-A662-A2D38172ADCA}" destId="{AB599F81-82C9-4CBA-931C-4C7957648E21}" srcOrd="3" destOrd="0" presId="urn:microsoft.com/office/officeart/2018/5/layout/IconCircleLabelList"/>
+    <dgm:cxn modelId="{ABEF7AD1-0D2C-E24A-8F57-B8D7E45C7A1B}" type="presParOf" srcId="{69637A69-688B-45FB-A331-2A0E8DC2EC72}" destId="{6C5B4860-39D9-4727-A3B2-A31FABFDC2AA}" srcOrd="1" destOrd="0" presId="urn:microsoft.com/office/officeart/2018/5/layout/IconCircleLabelList"/>
+    <dgm:cxn modelId="{D1966604-B321-E34E-B97B-EF42E0A2F552}" type="presParOf" srcId="{69637A69-688B-45FB-A331-2A0E8DC2EC72}" destId="{49DD7D58-2FCA-4881-B596-47D227D8A01E}" srcOrd="2" destOrd="0" presId="urn:microsoft.com/office/officeart/2018/5/layout/IconCircleLabelList"/>
+    <dgm:cxn modelId="{5AF1437E-07DF-3043-8847-234A1B6F962A}" type="presParOf" srcId="{49DD7D58-2FCA-4881-B596-47D227D8A01E}" destId="{30862569-E37D-4AD7-8F4B-0E8C95E7C272}" srcOrd="0" destOrd="0" presId="urn:microsoft.com/office/officeart/2018/5/layout/IconCircleLabelList"/>
+    <dgm:cxn modelId="{A3CCBA33-C4E0-2D4E-914D-1DF0CAD35816}" type="presParOf" srcId="{49DD7D58-2FCA-4881-B596-47D227D8A01E}" destId="{62E4CFE9-33CB-4E33-A34A-06CA65E4A40D}" srcOrd="1" destOrd="0" presId="urn:microsoft.com/office/officeart/2018/5/layout/IconCircleLabelList"/>
+    <dgm:cxn modelId="{F6D46A7B-6EFC-6844-993B-9110BA095FA6}" type="presParOf" srcId="{49DD7D58-2FCA-4881-B596-47D227D8A01E}" destId="{7A805AF3-5E2E-43FA-A973-89213DD76599}" srcOrd="2" destOrd="0" presId="urn:microsoft.com/office/officeart/2018/5/layout/IconCircleLabelList"/>
+    <dgm:cxn modelId="{A3FBA344-9F9C-C24E-A1FE-3DDECF18132F}" type="presParOf" srcId="{49DD7D58-2FCA-4881-B596-47D227D8A01E}" destId="{8075FC0A-FC95-440F-B8F8-A3C896AFDEED}" srcOrd="3" destOrd="0" presId="urn:microsoft.com/office/officeart/2018/5/layout/IconCircleLabelList"/>
+    <dgm:cxn modelId="{A08BEA70-5EF4-F841-8276-8A7154D17CD3}" type="presParOf" srcId="{69637A69-688B-45FB-A331-2A0E8DC2EC72}" destId="{E8F040A4-9A1B-4616-8816-0CF98E90A1F0}" srcOrd="3" destOrd="0" presId="urn:microsoft.com/office/officeart/2018/5/layout/IconCircleLabelList"/>
+    <dgm:cxn modelId="{5E1AE018-36E6-234D-89BC-1F7B74462F01}" type="presParOf" srcId="{69637A69-688B-45FB-A331-2A0E8DC2EC72}" destId="{DA00B789-BCE8-46DF-A96E-C69958F2424E}" srcOrd="4" destOrd="0" presId="urn:microsoft.com/office/officeart/2018/5/layout/IconCircleLabelList"/>
+    <dgm:cxn modelId="{B8475DA4-6390-F242-A3A3-7F8F9B5B10E6}" type="presParOf" srcId="{DA00B789-BCE8-46DF-A96E-C69958F2424E}" destId="{A7963AE9-639C-4FA0-93D9-D26E60C233DE}" srcOrd="0" destOrd="0" presId="urn:microsoft.com/office/officeart/2018/5/layout/IconCircleLabelList"/>
+    <dgm:cxn modelId="{1D13DD4D-C10B-7B4D-951D-BCE955D400CA}" type="presParOf" srcId="{DA00B789-BCE8-46DF-A96E-C69958F2424E}" destId="{09D190D3-2527-49E0-9282-1F2434F72C90}" srcOrd="1" destOrd="0" presId="urn:microsoft.com/office/officeart/2018/5/layout/IconCircleLabelList"/>
+    <dgm:cxn modelId="{C764A561-8723-B64E-A2FD-CE395704588F}" type="presParOf" srcId="{DA00B789-BCE8-46DF-A96E-C69958F2424E}" destId="{B0E34430-1356-49EC-987D-100E7853F940}" srcOrd="2" destOrd="0" presId="urn:microsoft.com/office/officeart/2018/5/layout/IconCircleLabelList"/>
+    <dgm:cxn modelId="{8444BFCE-0DCC-F44A-8465-AEA3154139AA}" type="presParOf" srcId="{DA00B789-BCE8-46DF-A96E-C69958F2424E}" destId="{E1EAC4C4-5D33-4FEC-BDC2-9834FAB9A910}" srcOrd="3" destOrd="0" presId="urn:microsoft.com/office/officeart/2018/5/layout/IconCircleLabelList"/>
+    <dgm:cxn modelId="{1BB582A0-7291-1342-97ED-75891081A14C}" type="presParOf" srcId="{69637A69-688B-45FB-A331-2A0E8DC2EC72}" destId="{FD03B150-3546-4AB5-9DAB-D19873B1DAA3}" srcOrd="5" destOrd="0" presId="urn:microsoft.com/office/officeart/2018/5/layout/IconCircleLabelList"/>
+    <dgm:cxn modelId="{F8375981-4E25-5948-9E2E-74E9160AB879}" type="presParOf" srcId="{69637A69-688B-45FB-A331-2A0E8DC2EC72}" destId="{3565E65C-226D-4650-A1DD-38C17E811C25}" srcOrd="6" destOrd="0" presId="urn:microsoft.com/office/officeart/2018/5/layout/IconCircleLabelList"/>
+    <dgm:cxn modelId="{3D3E1317-236A-C949-88FB-EE5A5FFB517B}" type="presParOf" srcId="{3565E65C-226D-4650-A1DD-38C17E811C25}" destId="{1D59AC2D-677D-44A5-BE02-1A3A5343B7E0}" srcOrd="0" destOrd="0" presId="urn:microsoft.com/office/officeart/2018/5/layout/IconCircleLabelList"/>
+    <dgm:cxn modelId="{A448E365-528F-D545-92A5-78D38AD255A6}" type="presParOf" srcId="{3565E65C-226D-4650-A1DD-38C17E811C25}" destId="{5A010B34-8036-400C-9E18-0A4A7482D200}" srcOrd="1" destOrd="0" presId="urn:microsoft.com/office/officeart/2018/5/layout/IconCircleLabelList"/>
+    <dgm:cxn modelId="{28C74EFD-DDC3-C64B-9121-23B5784DA7CE}" type="presParOf" srcId="{3565E65C-226D-4650-A1DD-38C17E811C25}" destId="{96A62217-1273-409F-A3B0-D578D2EEEB5C}" srcOrd="2" destOrd="0" presId="urn:microsoft.com/office/officeart/2018/5/layout/IconCircleLabelList"/>
+    <dgm:cxn modelId="{D7E01ACA-2D76-0440-8BFB-474D3C83CDB6}" type="presParOf" srcId="{3565E65C-226D-4650-A1DD-38C17E811C25}" destId="{852CA35F-7D61-4FAC-BE05-54571B80DD6A}" srcOrd="3" destOrd="0" presId="urn:microsoft.com/office/officeart/2018/5/layout/IconCircleLabelList"/>
   </dgm:cxnLst>
   <dgm:bg/>
   <dgm:whole/>
@@ -4085,6 +5454,622 @@
 </dsp:drawing>
 </file>
 
+<file path=ppt/diagrams/drawing3.xml><?xml version="1.0" encoding="utf-8"?>
+<dsp:drawing xmlns:dgm="http://schemas.openxmlformats.org/drawingml/2006/diagram" xmlns:dsp="http://schemas.microsoft.com/office/drawing/2008/diagram" xmlns:a="http://schemas.openxmlformats.org/drawingml/2006/main">
+  <dsp:spTree>
+    <dsp:nvGrpSpPr>
+      <dsp:cNvPr id="0" name=""/>
+      <dsp:cNvGrpSpPr/>
+    </dsp:nvGrpSpPr>
+    <dsp:grpSpPr/>
+    <dsp:sp modelId="{ABC9F100-F73C-4E0E-94BB-1B4586AB07B6}">
+      <dsp:nvSpPr>
+        <dsp:cNvPr id="0" name=""/>
+        <dsp:cNvSpPr/>
+      </dsp:nvSpPr>
+      <dsp:spPr>
+        <a:xfrm>
+          <a:off x="973190" y="986724"/>
+          <a:ext cx="1264141" cy="1264141"/>
+        </a:xfrm>
+        <a:prstGeom prst="ellipse">
+          <a:avLst/>
+        </a:prstGeom>
+        <a:solidFill>
+          <a:schemeClr val="accent2">
+            <a:hueOff val="0"/>
+            <a:satOff val="0"/>
+            <a:lumOff val="0"/>
+            <a:alphaOff val="0"/>
+          </a:schemeClr>
+        </a:solidFill>
+        <a:ln>
+          <a:noFill/>
+        </a:ln>
+        <a:effectLst/>
+      </dsp:spPr>
+      <dsp:style>
+        <a:lnRef idx="0">
+          <a:scrgbClr r="0" g="0" b="0"/>
+        </a:lnRef>
+        <a:fillRef idx="1">
+          <a:scrgbClr r="0" g="0" b="0"/>
+        </a:fillRef>
+        <a:effectRef idx="0">
+          <a:scrgbClr r="0" g="0" b="0"/>
+        </a:effectRef>
+        <a:fontRef idx="minor"/>
+      </dsp:style>
+    </dsp:sp>
+    <dsp:sp modelId="{A51D1613-964F-4DDC-87AE-998B7A48CAD0}">
+      <dsp:nvSpPr>
+        <dsp:cNvPr id="0" name=""/>
+        <dsp:cNvSpPr/>
+      </dsp:nvSpPr>
+      <dsp:spPr>
+        <a:xfrm>
+          <a:off x="1242597" y="1256131"/>
+          <a:ext cx="725326" cy="725326"/>
+        </a:xfrm>
+        <a:prstGeom prst="rect">
+          <a:avLst/>
+        </a:prstGeom>
+        <a:blipFill>
+          <a:blip xmlns:r="http://schemas.openxmlformats.org/officeDocument/2006/relationships" r:embed="rId1">
+            <a:extLst>
+              <a:ext uri="{28A0092B-C50C-407E-A947-70E740481C1C}">
+                <a14:useLocalDpi xmlns:a14="http://schemas.microsoft.com/office/drawing/2010/main" val="0"/>
+              </a:ext>
+              <a:ext uri="{96DAC541-7B7A-43D3-8B79-37D633B846F1}">
+                <asvg:svgBlip xmlns:asvg="http://schemas.microsoft.com/office/drawing/2016/SVG/main" r:embed="rId2"/>
+              </a:ext>
+            </a:extLst>
+          </a:blip>
+          <a:stretch>
+            <a:fillRect/>
+          </a:stretch>
+        </a:blipFill>
+        <a:ln w="12700" cap="flat" cmpd="sng" algn="ctr">
+          <a:noFill/>
+          <a:prstDash val="solid"/>
+          <a:miter lim="800000"/>
+        </a:ln>
+        <a:effectLst/>
+      </dsp:spPr>
+      <dsp:style>
+        <a:lnRef idx="2">
+          <a:scrgbClr r="0" g="0" b="0"/>
+        </a:lnRef>
+        <a:fillRef idx="1">
+          <a:scrgbClr r="0" g="0" b="0"/>
+        </a:fillRef>
+        <a:effectRef idx="0">
+          <a:scrgbClr r="0" g="0" b="0"/>
+        </a:effectRef>
+        <a:fontRef idx="minor">
+          <a:schemeClr val="lt1"/>
+        </a:fontRef>
+      </dsp:style>
+    </dsp:sp>
+    <dsp:sp modelId="{AB599F81-82C9-4CBA-931C-4C7957648E21}">
+      <dsp:nvSpPr>
+        <dsp:cNvPr id="0" name=""/>
+        <dsp:cNvSpPr/>
+      </dsp:nvSpPr>
+      <dsp:spPr>
+        <a:xfrm>
+          <a:off x="569079" y="2644614"/>
+          <a:ext cx="2072362" cy="720000"/>
+        </a:xfrm>
+        <a:prstGeom prst="rect">
+          <a:avLst/>
+        </a:prstGeom>
+        <a:noFill/>
+        <a:ln>
+          <a:noFill/>
+        </a:ln>
+        <a:effectLst/>
+      </dsp:spPr>
+      <dsp:style>
+        <a:lnRef idx="0">
+          <a:scrgbClr r="0" g="0" b="0"/>
+        </a:lnRef>
+        <a:fillRef idx="0">
+          <a:scrgbClr r="0" g="0" b="0"/>
+        </a:fillRef>
+        <a:effectRef idx="0">
+          <a:scrgbClr r="0" g="0" b="0"/>
+        </a:effectRef>
+        <a:fontRef idx="minor"/>
+      </dsp:style>
+      <dsp:txBody>
+        <a:bodyPr spcFirstLastPara="0" vert="horz" wrap="square" lIns="0" tIns="0" rIns="0" bIns="0" numCol="1" spcCol="1270" anchor="t" anchorCtr="0">
+          <a:noAutofit/>
+        </a:bodyPr>
+        <a:lstStyle/>
+        <a:p>
+          <a:pPr marL="0" lvl="0" indent="0" algn="ctr" defTabSz="977900">
+            <a:lnSpc>
+              <a:spcPct val="100000"/>
+            </a:lnSpc>
+            <a:spcBef>
+              <a:spcPct val="0"/>
+            </a:spcBef>
+            <a:spcAft>
+              <a:spcPct val="35000"/>
+            </a:spcAft>
+            <a:buNone/>
+            <a:defRPr cap="all"/>
+          </a:pPr>
+          <a:r>
+            <a:rPr lang="en-DE" sz="2200" kern="1200"/>
+            <a:t>Unit Testing</a:t>
+          </a:r>
+          <a:endParaRPr lang="en-US" sz="2200" kern="1200"/>
+        </a:p>
+      </dsp:txBody>
+      <dsp:txXfrm>
+        <a:off x="569079" y="2644614"/>
+        <a:ext cx="2072362" cy="720000"/>
+      </dsp:txXfrm>
+    </dsp:sp>
+    <dsp:sp modelId="{30862569-E37D-4AD7-8F4B-0E8C95E7C272}">
+      <dsp:nvSpPr>
+        <dsp:cNvPr id="0" name=""/>
+        <dsp:cNvSpPr/>
+      </dsp:nvSpPr>
+      <dsp:spPr>
+        <a:xfrm>
+          <a:off x="3408216" y="986724"/>
+          <a:ext cx="1264141" cy="1264141"/>
+        </a:xfrm>
+        <a:prstGeom prst="ellipse">
+          <a:avLst/>
+        </a:prstGeom>
+        <a:solidFill>
+          <a:schemeClr val="accent3">
+            <a:hueOff val="0"/>
+            <a:satOff val="0"/>
+            <a:lumOff val="0"/>
+            <a:alphaOff val="0"/>
+          </a:schemeClr>
+        </a:solidFill>
+        <a:ln>
+          <a:noFill/>
+        </a:ln>
+        <a:effectLst/>
+      </dsp:spPr>
+      <dsp:style>
+        <a:lnRef idx="0">
+          <a:scrgbClr r="0" g="0" b="0"/>
+        </a:lnRef>
+        <a:fillRef idx="1">
+          <a:scrgbClr r="0" g="0" b="0"/>
+        </a:fillRef>
+        <a:effectRef idx="0">
+          <a:scrgbClr r="0" g="0" b="0"/>
+        </a:effectRef>
+        <a:fontRef idx="minor"/>
+      </dsp:style>
+    </dsp:sp>
+    <dsp:sp modelId="{62E4CFE9-33CB-4E33-A34A-06CA65E4A40D}">
+      <dsp:nvSpPr>
+        <dsp:cNvPr id="0" name=""/>
+        <dsp:cNvSpPr/>
+      </dsp:nvSpPr>
+      <dsp:spPr>
+        <a:xfrm>
+          <a:off x="3677623" y="1256131"/>
+          <a:ext cx="725326" cy="725326"/>
+        </a:xfrm>
+        <a:prstGeom prst="rect">
+          <a:avLst/>
+        </a:prstGeom>
+        <a:blipFill>
+          <a:blip xmlns:r="http://schemas.openxmlformats.org/officeDocument/2006/relationships" r:embed="rId3">
+            <a:extLst>
+              <a:ext uri="{28A0092B-C50C-407E-A947-70E740481C1C}">
+                <a14:useLocalDpi xmlns:a14="http://schemas.microsoft.com/office/drawing/2010/main" val="0"/>
+              </a:ext>
+              <a:ext uri="{96DAC541-7B7A-43D3-8B79-37D633B846F1}">
+                <asvg:svgBlip xmlns:asvg="http://schemas.microsoft.com/office/drawing/2016/SVG/main" r:embed="rId4"/>
+              </a:ext>
+            </a:extLst>
+          </a:blip>
+          <a:stretch>
+            <a:fillRect/>
+          </a:stretch>
+        </a:blipFill>
+        <a:ln w="12700" cap="flat" cmpd="sng" algn="ctr">
+          <a:noFill/>
+          <a:prstDash val="solid"/>
+          <a:miter lim="800000"/>
+        </a:ln>
+        <a:effectLst/>
+      </dsp:spPr>
+      <dsp:style>
+        <a:lnRef idx="2">
+          <a:scrgbClr r="0" g="0" b="0"/>
+        </a:lnRef>
+        <a:fillRef idx="1">
+          <a:scrgbClr r="0" g="0" b="0"/>
+        </a:fillRef>
+        <a:effectRef idx="0">
+          <a:scrgbClr r="0" g="0" b="0"/>
+        </a:effectRef>
+        <a:fontRef idx="minor">
+          <a:schemeClr val="lt1"/>
+        </a:fontRef>
+      </dsp:style>
+    </dsp:sp>
+    <dsp:sp modelId="{8075FC0A-FC95-440F-B8F8-A3C896AFDEED}">
+      <dsp:nvSpPr>
+        <dsp:cNvPr id="0" name=""/>
+        <dsp:cNvSpPr/>
+      </dsp:nvSpPr>
+      <dsp:spPr>
+        <a:xfrm>
+          <a:off x="3004105" y="2644614"/>
+          <a:ext cx="2072362" cy="720000"/>
+        </a:xfrm>
+        <a:prstGeom prst="rect">
+          <a:avLst/>
+        </a:prstGeom>
+        <a:noFill/>
+        <a:ln>
+          <a:noFill/>
+        </a:ln>
+        <a:effectLst/>
+      </dsp:spPr>
+      <dsp:style>
+        <a:lnRef idx="0">
+          <a:scrgbClr r="0" g="0" b="0"/>
+        </a:lnRef>
+        <a:fillRef idx="0">
+          <a:scrgbClr r="0" g="0" b="0"/>
+        </a:fillRef>
+        <a:effectRef idx="0">
+          <a:scrgbClr r="0" g="0" b="0"/>
+        </a:effectRef>
+        <a:fontRef idx="minor"/>
+      </dsp:style>
+      <dsp:txBody>
+        <a:bodyPr spcFirstLastPara="0" vert="horz" wrap="square" lIns="0" tIns="0" rIns="0" bIns="0" numCol="1" spcCol="1270" anchor="t" anchorCtr="0">
+          <a:noAutofit/>
+        </a:bodyPr>
+        <a:lstStyle/>
+        <a:p>
+          <a:pPr marL="0" lvl="0" indent="0" algn="ctr" defTabSz="977900">
+            <a:lnSpc>
+              <a:spcPct val="100000"/>
+            </a:lnSpc>
+            <a:spcBef>
+              <a:spcPct val="0"/>
+            </a:spcBef>
+            <a:spcAft>
+              <a:spcPct val="35000"/>
+            </a:spcAft>
+            <a:buNone/>
+            <a:defRPr cap="all"/>
+          </a:pPr>
+          <a:r>
+            <a:rPr lang="en-DE" sz="2200" kern="1200"/>
+            <a:t>REST API Testing with Postman</a:t>
+          </a:r>
+          <a:endParaRPr lang="en-US" sz="2200" kern="1200"/>
+        </a:p>
+      </dsp:txBody>
+      <dsp:txXfrm>
+        <a:off x="3004105" y="2644614"/>
+        <a:ext cx="2072362" cy="720000"/>
+      </dsp:txXfrm>
+    </dsp:sp>
+    <dsp:sp modelId="{A7963AE9-639C-4FA0-93D9-D26E60C233DE}">
+      <dsp:nvSpPr>
+        <dsp:cNvPr id="0" name=""/>
+        <dsp:cNvSpPr/>
+      </dsp:nvSpPr>
+      <dsp:spPr>
+        <a:xfrm>
+          <a:off x="5843242" y="986724"/>
+          <a:ext cx="1264141" cy="1264141"/>
+        </a:xfrm>
+        <a:prstGeom prst="ellipse">
+          <a:avLst/>
+        </a:prstGeom>
+        <a:solidFill>
+          <a:schemeClr val="accent4">
+            <a:hueOff val="0"/>
+            <a:satOff val="0"/>
+            <a:lumOff val="0"/>
+            <a:alphaOff val="0"/>
+          </a:schemeClr>
+        </a:solidFill>
+        <a:ln>
+          <a:noFill/>
+        </a:ln>
+        <a:effectLst/>
+      </dsp:spPr>
+      <dsp:style>
+        <a:lnRef idx="0">
+          <a:scrgbClr r="0" g="0" b="0"/>
+        </a:lnRef>
+        <a:fillRef idx="1">
+          <a:scrgbClr r="0" g="0" b="0"/>
+        </a:fillRef>
+        <a:effectRef idx="0">
+          <a:scrgbClr r="0" g="0" b="0"/>
+        </a:effectRef>
+        <a:fontRef idx="minor"/>
+      </dsp:style>
+    </dsp:sp>
+    <dsp:sp modelId="{09D190D3-2527-49E0-9282-1F2434F72C90}">
+      <dsp:nvSpPr>
+        <dsp:cNvPr id="0" name=""/>
+        <dsp:cNvSpPr/>
+      </dsp:nvSpPr>
+      <dsp:spPr>
+        <a:xfrm>
+          <a:off x="6112649" y="1256131"/>
+          <a:ext cx="725326" cy="725326"/>
+        </a:xfrm>
+        <a:prstGeom prst="rect">
+          <a:avLst/>
+        </a:prstGeom>
+        <a:blipFill>
+          <a:blip xmlns:r="http://schemas.openxmlformats.org/officeDocument/2006/relationships" r:embed="rId5">
+            <a:extLst>
+              <a:ext uri="{28A0092B-C50C-407E-A947-70E740481C1C}">
+                <a14:useLocalDpi xmlns:a14="http://schemas.microsoft.com/office/drawing/2010/main" val="0"/>
+              </a:ext>
+              <a:ext uri="{96DAC541-7B7A-43D3-8B79-37D633B846F1}">
+                <asvg:svgBlip xmlns:asvg="http://schemas.microsoft.com/office/drawing/2016/SVG/main" r:embed="rId6"/>
+              </a:ext>
+            </a:extLst>
+          </a:blip>
+          <a:stretch>
+            <a:fillRect/>
+          </a:stretch>
+        </a:blipFill>
+        <a:ln w="12700" cap="flat" cmpd="sng" algn="ctr">
+          <a:noFill/>
+          <a:prstDash val="solid"/>
+          <a:miter lim="800000"/>
+        </a:ln>
+        <a:effectLst/>
+      </dsp:spPr>
+      <dsp:style>
+        <a:lnRef idx="2">
+          <a:scrgbClr r="0" g="0" b="0"/>
+        </a:lnRef>
+        <a:fillRef idx="1">
+          <a:scrgbClr r="0" g="0" b="0"/>
+        </a:fillRef>
+        <a:effectRef idx="0">
+          <a:scrgbClr r="0" g="0" b="0"/>
+        </a:effectRef>
+        <a:fontRef idx="minor">
+          <a:schemeClr val="lt1"/>
+        </a:fontRef>
+      </dsp:style>
+    </dsp:sp>
+    <dsp:sp modelId="{E1EAC4C4-5D33-4FEC-BDC2-9834FAB9A910}">
+      <dsp:nvSpPr>
+        <dsp:cNvPr id="0" name=""/>
+        <dsp:cNvSpPr/>
+      </dsp:nvSpPr>
+      <dsp:spPr>
+        <a:xfrm>
+          <a:off x="5439131" y="2644614"/>
+          <a:ext cx="2072362" cy="720000"/>
+        </a:xfrm>
+        <a:prstGeom prst="rect">
+          <a:avLst/>
+        </a:prstGeom>
+        <a:noFill/>
+        <a:ln>
+          <a:noFill/>
+        </a:ln>
+        <a:effectLst/>
+      </dsp:spPr>
+      <dsp:style>
+        <a:lnRef idx="0">
+          <a:scrgbClr r="0" g="0" b="0"/>
+        </a:lnRef>
+        <a:fillRef idx="0">
+          <a:scrgbClr r="0" g="0" b="0"/>
+        </a:fillRef>
+        <a:effectRef idx="0">
+          <a:scrgbClr r="0" g="0" b="0"/>
+        </a:effectRef>
+        <a:fontRef idx="minor"/>
+      </dsp:style>
+      <dsp:txBody>
+        <a:bodyPr spcFirstLastPara="0" vert="horz" wrap="square" lIns="0" tIns="0" rIns="0" bIns="0" numCol="1" spcCol="1270" anchor="t" anchorCtr="0">
+          <a:noAutofit/>
+        </a:bodyPr>
+        <a:lstStyle/>
+        <a:p>
+          <a:pPr marL="0" lvl="0" indent="0" algn="ctr" defTabSz="977900">
+            <a:lnSpc>
+              <a:spcPct val="100000"/>
+            </a:lnSpc>
+            <a:spcBef>
+              <a:spcPct val="0"/>
+            </a:spcBef>
+            <a:spcAft>
+              <a:spcPct val="35000"/>
+            </a:spcAft>
+            <a:buNone/>
+            <a:defRPr cap="all"/>
+          </a:pPr>
+          <a:r>
+            <a:rPr lang="en-DE" sz="2200" kern="1200"/>
+            <a:t>Functionality Testing</a:t>
+          </a:r>
+          <a:endParaRPr lang="en-US" sz="2200" kern="1200"/>
+        </a:p>
+      </dsp:txBody>
+      <dsp:txXfrm>
+        <a:off x="5439131" y="2644614"/>
+        <a:ext cx="2072362" cy="720000"/>
+      </dsp:txXfrm>
+    </dsp:sp>
+    <dsp:sp modelId="{1D59AC2D-677D-44A5-BE02-1A3A5343B7E0}">
+      <dsp:nvSpPr>
+        <dsp:cNvPr id="0" name=""/>
+        <dsp:cNvSpPr/>
+      </dsp:nvSpPr>
+      <dsp:spPr>
+        <a:xfrm>
+          <a:off x="8278268" y="986724"/>
+          <a:ext cx="1264141" cy="1264141"/>
+        </a:xfrm>
+        <a:prstGeom prst="ellipse">
+          <a:avLst/>
+        </a:prstGeom>
+        <a:solidFill>
+          <a:schemeClr val="accent5">
+            <a:hueOff val="0"/>
+            <a:satOff val="0"/>
+            <a:lumOff val="0"/>
+            <a:alphaOff val="0"/>
+          </a:schemeClr>
+        </a:solidFill>
+        <a:ln>
+          <a:noFill/>
+        </a:ln>
+        <a:effectLst/>
+      </dsp:spPr>
+      <dsp:style>
+        <a:lnRef idx="0">
+          <a:scrgbClr r="0" g="0" b="0"/>
+        </a:lnRef>
+        <a:fillRef idx="1">
+          <a:scrgbClr r="0" g="0" b="0"/>
+        </a:fillRef>
+        <a:effectRef idx="0">
+          <a:scrgbClr r="0" g="0" b="0"/>
+        </a:effectRef>
+        <a:fontRef idx="minor"/>
+      </dsp:style>
+    </dsp:sp>
+    <dsp:sp modelId="{5A010B34-8036-400C-9E18-0A4A7482D200}">
+      <dsp:nvSpPr>
+        <dsp:cNvPr id="0" name=""/>
+        <dsp:cNvSpPr/>
+      </dsp:nvSpPr>
+      <dsp:spPr>
+        <a:xfrm>
+          <a:off x="8547675" y="1256131"/>
+          <a:ext cx="725326" cy="725326"/>
+        </a:xfrm>
+        <a:prstGeom prst="rect">
+          <a:avLst/>
+        </a:prstGeom>
+        <a:blipFill>
+          <a:blip xmlns:r="http://schemas.openxmlformats.org/officeDocument/2006/relationships" r:embed="rId7">
+            <a:extLst>
+              <a:ext uri="{28A0092B-C50C-407E-A947-70E740481C1C}">
+                <a14:useLocalDpi xmlns:a14="http://schemas.microsoft.com/office/drawing/2010/main" val="0"/>
+              </a:ext>
+              <a:ext uri="{96DAC541-7B7A-43D3-8B79-37D633B846F1}">
+                <asvg:svgBlip xmlns:asvg="http://schemas.microsoft.com/office/drawing/2016/SVG/main" r:embed="rId8"/>
+              </a:ext>
+            </a:extLst>
+          </a:blip>
+          <a:stretch>
+            <a:fillRect/>
+          </a:stretch>
+        </a:blipFill>
+        <a:ln w="12700" cap="flat" cmpd="sng" algn="ctr">
+          <a:noFill/>
+          <a:prstDash val="solid"/>
+          <a:miter lim="800000"/>
+        </a:ln>
+        <a:effectLst/>
+      </dsp:spPr>
+      <dsp:style>
+        <a:lnRef idx="2">
+          <a:scrgbClr r="0" g="0" b="0"/>
+        </a:lnRef>
+        <a:fillRef idx="1">
+          <a:scrgbClr r="0" g="0" b="0"/>
+        </a:fillRef>
+        <a:effectRef idx="0">
+          <a:scrgbClr r="0" g="0" b="0"/>
+        </a:effectRef>
+        <a:fontRef idx="minor">
+          <a:schemeClr val="lt1"/>
+        </a:fontRef>
+      </dsp:style>
+    </dsp:sp>
+    <dsp:sp modelId="{852CA35F-7D61-4FAC-BE05-54571B80DD6A}">
+      <dsp:nvSpPr>
+        <dsp:cNvPr id="0" name=""/>
+        <dsp:cNvSpPr/>
+      </dsp:nvSpPr>
+      <dsp:spPr>
+        <a:xfrm>
+          <a:off x="7874157" y="2644614"/>
+          <a:ext cx="2072362" cy="720000"/>
+        </a:xfrm>
+        <a:prstGeom prst="rect">
+          <a:avLst/>
+        </a:prstGeom>
+        <a:noFill/>
+        <a:ln>
+          <a:noFill/>
+        </a:ln>
+        <a:effectLst/>
+      </dsp:spPr>
+      <dsp:style>
+        <a:lnRef idx="0">
+          <a:scrgbClr r="0" g="0" b="0"/>
+        </a:lnRef>
+        <a:fillRef idx="0">
+          <a:scrgbClr r="0" g="0" b="0"/>
+        </a:fillRef>
+        <a:effectRef idx="0">
+          <a:scrgbClr r="0" g="0" b="0"/>
+        </a:effectRef>
+        <a:fontRef idx="minor"/>
+      </dsp:style>
+      <dsp:txBody>
+        <a:bodyPr spcFirstLastPara="0" vert="horz" wrap="square" lIns="0" tIns="0" rIns="0" bIns="0" numCol="1" spcCol="1270" anchor="t" anchorCtr="0">
+          <a:noAutofit/>
+        </a:bodyPr>
+        <a:lstStyle/>
+        <a:p>
+          <a:pPr marL="0" lvl="0" indent="0" algn="ctr" defTabSz="977900">
+            <a:lnSpc>
+              <a:spcPct val="100000"/>
+            </a:lnSpc>
+            <a:spcBef>
+              <a:spcPct val="0"/>
+            </a:spcBef>
+            <a:spcAft>
+              <a:spcPct val="35000"/>
+            </a:spcAft>
+            <a:buNone/>
+            <a:defRPr cap="all"/>
+          </a:pPr>
+          <a:r>
+            <a:rPr lang="en-DE" sz="2200" kern="1200"/>
+            <a:t>Integration testing</a:t>
+          </a:r>
+          <a:endParaRPr lang="en-US" sz="2200" kern="1200"/>
+        </a:p>
+      </dsp:txBody>
+      <dsp:txXfrm>
+        <a:off x="7874157" y="2644614"/>
+        <a:ext cx="2072362" cy="720000"/>
+      </dsp:txXfrm>
+    </dsp:sp>
+  </dsp:spTree>
+</dsp:drawing>
+</file>
+
 <file path=ppt/diagrams/layout1.xml><?xml version="1.0" encoding="utf-8"?>
 <dgm:layoutDef xmlns:dgm="http://schemas.openxmlformats.org/drawingml/2006/diagram" xmlns:a="http://schemas.openxmlformats.org/drawingml/2006/main" uniqueId="urn:microsoft.com/office/officeart/2016/7/layout/LinearBlockProcessNumbered">
   <dgm:title val="Linear Block Process Numbered"/>
@@ -4563,6 +6548,221 @@
 </dgm:layoutDef>
 </file>
 
+<file path=ppt/diagrams/layout3.xml><?xml version="1.0" encoding="utf-8"?>
+<dgm:layoutDef xmlns:dgm="http://schemas.openxmlformats.org/drawingml/2006/diagram" xmlns:a="http://schemas.openxmlformats.org/drawingml/2006/main" uniqueId="urn:microsoft.com/office/officeart/2018/5/layout/IconCircleLabelList">
+  <dgm:title val="Icon Circle Label List"/>
+  <dgm:desc val="Use to show non-sequential or grouped chunks of information accompanied by a related visuals. Works best with icons or small pictures with short text captions."/>
+  <dgm:catLst>
+    <dgm:cat type="icon" pri="500"/>
+  </dgm:catLst>
+  <dgm:sampData useDef="1">
+    <dgm:dataModel>
+      <dgm:ptLst/>
+      <dgm:bg/>
+      <dgm:whole/>
+    </dgm:dataModel>
+  </dgm:sampData>
+  <dgm:styleData useDef="1">
+    <dgm:dataModel>
+      <dgm:ptLst/>
+      <dgm:bg/>
+      <dgm:whole/>
+    </dgm:dataModel>
+  </dgm:styleData>
+  <dgm:clrData useDef="1">
+    <dgm:dataModel>
+      <dgm:ptLst/>
+      <dgm:bg/>
+      <dgm:whole/>
+    </dgm:dataModel>
+  </dgm:clrData>
+  <dgm:layoutNode name="root">
+    <dgm:varLst>
+      <dgm:dir/>
+      <dgm:resizeHandles val="exact"/>
+    </dgm:varLst>
+    <dgm:choose name="Name0">
+      <dgm:if name="Name1" axis="self" func="var" arg="dir" op="equ" val="norm">
+        <dgm:alg type="snake">
+          <dgm:param type="grDir" val="tL"/>
+          <dgm:param type="flowDir" val="row"/>
+          <dgm:param type="contDir" val="sameDir"/>
+          <dgm:param type="off" val="ctr"/>
+          <dgm:param type="vertAlign" val="mid"/>
+          <dgm:param type="horzAlign" val="ctr"/>
+        </dgm:alg>
+      </dgm:if>
+      <dgm:else name="Name2">
+        <dgm:alg type="snake">
+          <dgm:param type="grDir" val="tR"/>
+          <dgm:param type="flowDir" val="row"/>
+          <dgm:param type="contDir" val="sameDir"/>
+          <dgm:param type="off" val="ctr"/>
+          <dgm:param type="vertAlign" val="mid"/>
+          <dgm:param type="horzAlign" val="ctr"/>
+        </dgm:alg>
+      </dgm:else>
+    </dgm:choose>
+    <dgm:shape xmlns:r="http://schemas.openxmlformats.org/officeDocument/2006/relationships" r:blip="">
+      <dgm:adjLst/>
+    </dgm:shape>
+    <dgm:presOf/>
+    <dgm:choose name="Name3">
+      <dgm:if name="Name4" axis="ch" ptType="node" func="cnt" op="lte" val="2">
+        <dgm:constrLst>
+          <dgm:constr type="h" for="ch" forName="compNode" refType="h" fact="0.4"/>
+          <dgm:constr type="w" for="ch" forName="compNode" val="100"/>
+          <dgm:constr type="w" for="ch" forName="sibTrans" refType="w" refFor="ch" refForName="compNode" fact="0.175"/>
+          <dgm:constr type="sp" refType="w" refFor="ch" refForName="compNode" op="equ" fact="0.25"/>
+          <dgm:constr type="primFontSz" for="des" ptType="node" op="equ" val="44"/>
+          <dgm:constr type="h" for="des" forName="compNode" op="equ"/>
+          <dgm:constr type="h" for="des" forName="textRect" op="equ"/>
+        </dgm:constrLst>
+      </dgm:if>
+      <dgm:if name="Name5" axis="ch" ptType="node" func="cnt" op="lte" val="3">
+        <dgm:constrLst>
+          <dgm:constr type="h" for="ch" forName="compNode" refType="h" fact="0.4"/>
+          <dgm:constr type="w" for="ch" forName="compNode" val="100"/>
+          <dgm:constr type="w" for="ch" forName="sibTrans" refType="w" refFor="ch" refForName="compNode" fact="0.175"/>
+          <dgm:constr type="sp" refType="w" refFor="ch" refForName="compNode" op="equ" fact="0.25"/>
+          <dgm:constr type="primFontSz" for="des" ptType="node" op="equ" val="40"/>
+          <dgm:constr type="h" for="des" forName="compNode" op="equ"/>
+          <dgm:constr type="h" for="des" forName="textRect" op="equ"/>
+        </dgm:constrLst>
+      </dgm:if>
+      <dgm:if name="Name6" axis="ch" ptType="node" func="cnt" op="lte" val="4">
+        <dgm:constrLst>
+          <dgm:constr type="h" for="ch" forName="compNode" refType="h" fact="0.4"/>
+          <dgm:constr type="w" for="ch" forName="compNode" refType="w"/>
+          <dgm:constr type="w" for="ch" forName="sibTrans" refType="w" refFor="ch" refForName="compNode" fact="0.175"/>
+          <dgm:constr type="sp" refType="w" refFor="ch" refForName="compNode" op="equ" fact="0.25"/>
+          <dgm:constr type="primFontSz" for="des" ptType="node" op="equ" val="32"/>
+          <dgm:constr type="h" for="des" forName="compNode" op="equ"/>
+          <dgm:constr type="h" for="des" forName="textRect" op="equ"/>
+        </dgm:constrLst>
+      </dgm:if>
+      <dgm:else name="Name7">
+        <dgm:constrLst>
+          <dgm:constr type="h" for="ch" forName="compNode" refType="h" fact="0.4"/>
+          <dgm:constr type="w" for="ch" forName="compNode" refType="w"/>
+          <dgm:constr type="w" for="ch" forName="sibTrans" refType="w" refFor="ch" refForName="compNode" fact="0.175"/>
+          <dgm:constr type="sp" refType="w" refFor="ch" refForName="compNode" op="equ" fact="0.25"/>
+          <dgm:constr type="primFontSz" for="des" ptType="node" op="equ" val="24"/>
+          <dgm:constr type="h" for="des" forName="compNode" op="equ"/>
+          <dgm:constr type="h" for="des" forName="textRect" op="equ"/>
+        </dgm:constrLst>
+      </dgm:else>
+    </dgm:choose>
+    <dgm:ruleLst>
+      <dgm:rule type="w" for="ch" forName="compNode" val="50" fact="NaN" max="NaN"/>
+    </dgm:ruleLst>
+    <dgm:forEach name="Name8" axis="ch" ptType="node">
+      <dgm:layoutNode name="compNode">
+        <dgm:alg type="composite"/>
+        <dgm:shape xmlns:r="http://schemas.openxmlformats.org/officeDocument/2006/relationships" r:blip="">
+          <dgm:adjLst/>
+        </dgm:shape>
+        <dgm:presOf axis="self"/>
+        <dgm:constrLst>
+          <dgm:constr type="w" for="ch" forName="iconBgRect" refType="w" fact="0.61"/>
+          <dgm:constr type="h" for="ch" forName="iconBgRect" refType="w" refFor="ch" refForName="iconBgRect"/>
+          <dgm:constr type="t" for="ch" forName="iconBgRect"/>
+          <dgm:constr type="ctrX" for="ch" forName="iconBgRect" refType="w" fact="0.5"/>
+          <dgm:constr type="w" for="ch" forName="iconRect" refType="w" fact="0.35"/>
+          <dgm:constr type="h" for="ch" forName="iconRect" refType="w" refFor="ch" refForName="iconRect"/>
+          <dgm:constr type="ctrX" for="ch" forName="iconRect" refType="ctrX" refFor="ch" refForName="iconBgRect"/>
+          <dgm:constr type="ctrY" for="ch" forName="iconRect" refType="ctrY" refFor="ch" refForName="iconBgRect"/>
+          <dgm:constr type="h" for="ch" forName="spaceRect" refType="w" fact="0.19"/>
+          <dgm:constr type="w" for="ch" forName="spaceRect" refType="w"/>
+          <dgm:constr type="l" for="ch" forName="spaceRect"/>
+          <dgm:constr type="t" for="ch" forName="spaceRect" refType="b" refFor="ch" refForName="iconBgRect"/>
+          <dgm:constr type="h" for="ch" forName="textRect" val="20"/>
+          <dgm:constr type="w" for="ch" forName="textRect" refType="w"/>
+          <dgm:constr type="l" for="ch" forName="textRect"/>
+          <dgm:constr type="t" for="ch" forName="textRect" refType="b" refFor="ch" refForName="spaceRect"/>
+        </dgm:constrLst>
+        <dgm:ruleLst>
+          <dgm:rule type="h" val="INF" fact="NaN" max="NaN"/>
+        </dgm:ruleLst>
+        <dgm:layoutNode name="iconBgRect" styleLbl="bgShp">
+          <dgm:alg type="sp"/>
+          <dgm:shape xmlns:r="http://schemas.openxmlformats.org/officeDocument/2006/relationships" type="ellipse" r:blip="">
+            <dgm:adjLst/>
+          </dgm:shape>
+          <dgm:presOf/>
+          <dgm:constrLst/>
+          <dgm:ruleLst/>
+        </dgm:layoutNode>
+        <dgm:layoutNode name="iconRect" styleLbl="node1">
+          <dgm:alg type="sp"/>
+          <dgm:shape xmlns:r="http://schemas.openxmlformats.org/officeDocument/2006/relationships" type="rect" r:blip="" blipPhldr="1">
+            <dgm:adjLst/>
+          </dgm:shape>
+          <dgm:presOf/>
+          <dgm:constrLst/>
+          <dgm:ruleLst/>
+        </dgm:layoutNode>
+        <dgm:layoutNode name="spaceRect">
+          <dgm:alg type="sp"/>
+          <dgm:shape xmlns:r="http://schemas.openxmlformats.org/officeDocument/2006/relationships" r:blip="">
+            <dgm:adjLst/>
+          </dgm:shape>
+          <dgm:presOf/>
+          <dgm:constrLst/>
+          <dgm:ruleLst/>
+        </dgm:layoutNode>
+        <dgm:layoutNode name="textRect" styleLbl="revTx">
+          <dgm:varLst>
+            <dgm:chMax val="1"/>
+            <dgm:chPref val="1"/>
+          </dgm:varLst>
+          <dgm:alg type="tx">
+            <dgm:param type="txAnchorVert" val="t"/>
+          </dgm:alg>
+          <dgm:shape xmlns:r="http://schemas.openxmlformats.org/officeDocument/2006/relationships" type="rect" r:blip="">
+            <dgm:adjLst/>
+          </dgm:shape>
+          <dgm:presOf axis="self" ptType="node"/>
+          <dgm:constrLst>
+            <dgm:constr type="lMarg"/>
+            <dgm:constr type="rMarg"/>
+            <dgm:constr type="tMarg"/>
+            <dgm:constr type="bMarg"/>
+          </dgm:constrLst>
+          <dgm:ruleLst>
+            <dgm:rule type="primFontSz" val="11" fact="NaN" max="NaN"/>
+            <dgm:rule type="h" val="INF" fact="NaN" max="NaN"/>
+          </dgm:ruleLst>
+        </dgm:layoutNode>
+      </dgm:layoutNode>
+      <dgm:forEach name="Name9" axis="followSib" ptType="sibTrans" cnt="1">
+        <dgm:layoutNode name="sibTrans">
+          <dgm:alg type="sp"/>
+          <dgm:shape xmlns:r="http://schemas.openxmlformats.org/officeDocument/2006/relationships" r:blip="">
+            <dgm:adjLst/>
+          </dgm:shape>
+          <dgm:presOf axis="self"/>
+          <dgm:constrLst/>
+          <dgm:ruleLst/>
+        </dgm:layoutNode>
+      </dgm:forEach>
+    </dgm:forEach>
+  </dgm:layoutNode>
+  <dgm:extLst>
+    <a:ext uri="{68A01E43-0DF5-4B5B-8FA6-DAF915123BFB}">
+      <dgm1612:lstStyle xmlns:dgm1612="http://schemas.microsoft.com/office/drawing/2016/12/diagram">
+        <a:lvl1pPr>
+          <a:lnSpc>
+            <a:spcPct val="100000"/>
+          </a:lnSpc>
+          <a:defRPr cap="all"/>
+        </a:lvl1pPr>
+      </dgm1612:lstStyle>
+    </a:ext>
+  </dgm:extLst>
+</dgm:layoutDef>
+</file>
+
 <file path=ppt/diagrams/quickStyle1.xml><?xml version="1.0" encoding="utf-8"?>
 <dgm:styleDef xmlns:dgm="http://schemas.openxmlformats.org/drawingml/2006/diagram" xmlns:a="http://schemas.openxmlformats.org/drawingml/2006/main" uniqueId="urn:microsoft.com/office/officeart/2005/8/quickstyle/simple1">
   <dgm:title val=""/>
@@ -5598,6 +7798,1040 @@
 </file>
 
 <file path=ppt/diagrams/quickStyle2.xml><?xml version="1.0" encoding="utf-8"?>
+<dgm:styleDef xmlns:dgm="http://schemas.openxmlformats.org/drawingml/2006/diagram" xmlns:a="http://schemas.openxmlformats.org/drawingml/2006/main" uniqueId="urn:microsoft.com/office/officeart/2005/8/quickstyle/simple1">
+  <dgm:title val=""/>
+  <dgm:desc val=""/>
+  <dgm:catLst>
+    <dgm:cat type="simple" pri="10100"/>
+  </dgm:catLst>
+  <dgm:scene3d>
+    <a:camera prst="orthographicFront"/>
+    <a:lightRig rig="threePt" dir="t"/>
+  </dgm:scene3d>
+  <dgm:styleLbl name="node0">
+    <dgm:scene3d>
+      <a:camera prst="orthographicFront"/>
+      <a:lightRig rig="threePt" dir="t"/>
+    </dgm:scene3d>
+    <dgm:sp3d/>
+    <dgm:txPr/>
+    <dgm:style>
+      <a:lnRef idx="2">
+        <a:scrgbClr r="0" g="0" b="0"/>
+      </a:lnRef>
+      <a:fillRef idx="1">
+        <a:scrgbClr r="0" g="0" b="0"/>
+      </a:fillRef>
+      <a:effectRef idx="0">
+        <a:scrgbClr r="0" g="0" b="0"/>
+      </a:effectRef>
+      <a:fontRef idx="minor">
+        <a:schemeClr val="lt1"/>
+      </a:fontRef>
+    </dgm:style>
+  </dgm:styleLbl>
+  <dgm:styleLbl name="lnNode1">
+    <dgm:scene3d>
+      <a:camera prst="orthographicFront"/>
+      <a:lightRig rig="threePt" dir="t"/>
+    </dgm:scene3d>
+    <dgm:sp3d/>
+    <dgm:txPr/>
+    <dgm:style>
+      <a:lnRef idx="2">
+        <a:scrgbClr r="0" g="0" b="0"/>
+      </a:lnRef>
+      <a:fillRef idx="1">
+        <a:scrgbClr r="0" g="0" b="0"/>
+      </a:fillRef>
+      <a:effectRef idx="0">
+        <a:scrgbClr r="0" g="0" b="0"/>
+      </a:effectRef>
+      <a:fontRef idx="minor">
+        <a:schemeClr val="lt1"/>
+      </a:fontRef>
+    </dgm:style>
+  </dgm:styleLbl>
+  <dgm:styleLbl name="vennNode1">
+    <dgm:scene3d>
+      <a:camera prst="orthographicFront"/>
+      <a:lightRig rig="threePt" dir="t"/>
+    </dgm:scene3d>
+    <dgm:sp3d/>
+    <dgm:txPr/>
+    <dgm:style>
+      <a:lnRef idx="2">
+        <a:scrgbClr r="0" g="0" b="0"/>
+      </a:lnRef>
+      <a:fillRef idx="1">
+        <a:scrgbClr r="0" g="0" b="0"/>
+      </a:fillRef>
+      <a:effectRef idx="0">
+        <a:scrgbClr r="0" g="0" b="0"/>
+      </a:effectRef>
+      <a:fontRef idx="minor">
+        <a:schemeClr val="tx1"/>
+      </a:fontRef>
+    </dgm:style>
+  </dgm:styleLbl>
+  <dgm:styleLbl name="alignNode1">
+    <dgm:scene3d>
+      <a:camera prst="orthographicFront"/>
+      <a:lightRig rig="threePt" dir="t"/>
+    </dgm:scene3d>
+    <dgm:sp3d/>
+    <dgm:txPr/>
+    <dgm:style>
+      <a:lnRef idx="2">
+        <a:scrgbClr r="0" g="0" b="0"/>
+      </a:lnRef>
+      <a:fillRef idx="1">
+        <a:scrgbClr r="0" g="0" b="0"/>
+      </a:fillRef>
+      <a:effectRef idx="0">
+        <a:scrgbClr r="0" g="0" b="0"/>
+      </a:effectRef>
+      <a:fontRef idx="minor">
+        <a:schemeClr val="lt1"/>
+      </a:fontRef>
+    </dgm:style>
+  </dgm:styleLbl>
+  <dgm:styleLbl name="node1">
+    <dgm:scene3d>
+      <a:camera prst="orthographicFront"/>
+      <a:lightRig rig="threePt" dir="t"/>
+    </dgm:scene3d>
+    <dgm:sp3d/>
+    <dgm:txPr/>
+    <dgm:style>
+      <a:lnRef idx="2">
+        <a:scrgbClr r="0" g="0" b="0"/>
+      </a:lnRef>
+      <a:fillRef idx="1">
+        <a:scrgbClr r="0" g="0" b="0"/>
+      </a:fillRef>
+      <a:effectRef idx="0">
+        <a:scrgbClr r="0" g="0" b="0"/>
+      </a:effectRef>
+      <a:fontRef idx="minor">
+        <a:schemeClr val="lt1"/>
+      </a:fontRef>
+    </dgm:style>
+  </dgm:styleLbl>
+  <dgm:styleLbl name="node2">
+    <dgm:scene3d>
+      <a:camera prst="orthographicFront"/>
+      <a:lightRig rig="threePt" dir="t"/>
+    </dgm:scene3d>
+    <dgm:sp3d/>
+    <dgm:txPr/>
+    <dgm:style>
+      <a:lnRef idx="2">
+        <a:scrgbClr r="0" g="0" b="0"/>
+      </a:lnRef>
+      <a:fillRef idx="1">
+        <a:scrgbClr r="0" g="0" b="0"/>
+      </a:fillRef>
+      <a:effectRef idx="0">
+        <a:scrgbClr r="0" g="0" b="0"/>
+      </a:effectRef>
+      <a:fontRef idx="minor">
+        <a:schemeClr val="lt1"/>
+      </a:fontRef>
+    </dgm:style>
+  </dgm:styleLbl>
+  <dgm:styleLbl name="node3">
+    <dgm:scene3d>
+      <a:camera prst="orthographicFront"/>
+      <a:lightRig rig="threePt" dir="t"/>
+    </dgm:scene3d>
+    <dgm:sp3d/>
+    <dgm:txPr/>
+    <dgm:style>
+      <a:lnRef idx="2">
+        <a:scrgbClr r="0" g="0" b="0"/>
+      </a:lnRef>
+      <a:fillRef idx="1">
+        <a:scrgbClr r="0" g="0" b="0"/>
+      </a:fillRef>
+      <a:effectRef idx="0">
+        <a:scrgbClr r="0" g="0" b="0"/>
+      </a:effectRef>
+      <a:fontRef idx="minor">
+        <a:schemeClr val="lt1"/>
+      </a:fontRef>
+    </dgm:style>
+  </dgm:styleLbl>
+  <dgm:styleLbl name="node4">
+    <dgm:scene3d>
+      <a:camera prst="orthographicFront"/>
+      <a:lightRig rig="threePt" dir="t"/>
+    </dgm:scene3d>
+    <dgm:sp3d/>
+    <dgm:txPr/>
+    <dgm:style>
+      <a:lnRef idx="2">
+        <a:scrgbClr r="0" g="0" b="0"/>
+      </a:lnRef>
+      <a:fillRef idx="1">
+        <a:scrgbClr r="0" g="0" b="0"/>
+      </a:fillRef>
+      <a:effectRef idx="0">
+        <a:scrgbClr r="0" g="0" b="0"/>
+      </a:effectRef>
+      <a:fontRef idx="minor">
+        <a:schemeClr val="lt1"/>
+      </a:fontRef>
+    </dgm:style>
+  </dgm:styleLbl>
+  <dgm:styleLbl name="fgImgPlace1">
+    <dgm:scene3d>
+      <a:camera prst="orthographicFront"/>
+      <a:lightRig rig="threePt" dir="t"/>
+    </dgm:scene3d>
+    <dgm:sp3d/>
+    <dgm:txPr/>
+    <dgm:style>
+      <a:lnRef idx="2">
+        <a:scrgbClr r="0" g="0" b="0"/>
+      </a:lnRef>
+      <a:fillRef idx="1">
+        <a:scrgbClr r="0" g="0" b="0"/>
+      </a:fillRef>
+      <a:effectRef idx="0">
+        <a:scrgbClr r="0" g="0" b="0"/>
+      </a:effectRef>
+      <a:fontRef idx="minor"/>
+    </dgm:style>
+  </dgm:styleLbl>
+  <dgm:styleLbl name="alignImgPlace1">
+    <dgm:scene3d>
+      <a:camera prst="orthographicFront"/>
+      <a:lightRig rig="threePt" dir="t"/>
+    </dgm:scene3d>
+    <dgm:sp3d/>
+    <dgm:txPr/>
+    <dgm:style>
+      <a:lnRef idx="2">
+        <a:scrgbClr r="0" g="0" b="0"/>
+      </a:lnRef>
+      <a:fillRef idx="1">
+        <a:scrgbClr r="0" g="0" b="0"/>
+      </a:fillRef>
+      <a:effectRef idx="0">
+        <a:scrgbClr r="0" g="0" b="0"/>
+      </a:effectRef>
+      <a:fontRef idx="minor"/>
+    </dgm:style>
+  </dgm:styleLbl>
+  <dgm:styleLbl name="bgImgPlace1">
+    <dgm:scene3d>
+      <a:camera prst="orthographicFront"/>
+      <a:lightRig rig="threePt" dir="t"/>
+    </dgm:scene3d>
+    <dgm:sp3d/>
+    <dgm:txPr/>
+    <dgm:style>
+      <a:lnRef idx="2">
+        <a:scrgbClr r="0" g="0" b="0"/>
+      </a:lnRef>
+      <a:fillRef idx="1">
+        <a:scrgbClr r="0" g="0" b="0"/>
+      </a:fillRef>
+      <a:effectRef idx="0">
+        <a:scrgbClr r="0" g="0" b="0"/>
+      </a:effectRef>
+      <a:fontRef idx="minor"/>
+    </dgm:style>
+  </dgm:styleLbl>
+  <dgm:styleLbl name="sibTrans2D1">
+    <dgm:scene3d>
+      <a:camera prst="orthographicFront"/>
+      <a:lightRig rig="threePt" dir="t"/>
+    </dgm:scene3d>
+    <dgm:sp3d/>
+    <dgm:txPr/>
+    <dgm:style>
+      <a:lnRef idx="0">
+        <a:scrgbClr r="0" g="0" b="0"/>
+      </a:lnRef>
+      <a:fillRef idx="1">
+        <a:scrgbClr r="0" g="0" b="0"/>
+      </a:fillRef>
+      <a:effectRef idx="0">
+        <a:scrgbClr r="0" g="0" b="0"/>
+      </a:effectRef>
+      <a:fontRef idx="minor">
+        <a:schemeClr val="lt1"/>
+      </a:fontRef>
+    </dgm:style>
+  </dgm:styleLbl>
+  <dgm:styleLbl name="fgSibTrans2D1">
+    <dgm:scene3d>
+      <a:camera prst="orthographicFront"/>
+      <a:lightRig rig="threePt" dir="t"/>
+    </dgm:scene3d>
+    <dgm:sp3d/>
+    <dgm:txPr/>
+    <dgm:style>
+      <a:lnRef idx="0">
+        <a:scrgbClr r="0" g="0" b="0"/>
+      </a:lnRef>
+      <a:fillRef idx="1">
+        <a:scrgbClr r="0" g="0" b="0"/>
+      </a:fillRef>
+      <a:effectRef idx="0">
+        <a:scrgbClr r="0" g="0" b="0"/>
+      </a:effectRef>
+      <a:fontRef idx="minor">
+        <a:schemeClr val="lt1"/>
+      </a:fontRef>
+    </dgm:style>
+  </dgm:styleLbl>
+  <dgm:styleLbl name="bgSibTrans2D1">
+    <dgm:scene3d>
+      <a:camera prst="orthographicFront"/>
+      <a:lightRig rig="threePt" dir="t"/>
+    </dgm:scene3d>
+    <dgm:sp3d/>
+    <dgm:txPr/>
+    <dgm:style>
+      <a:lnRef idx="0">
+        <a:scrgbClr r="0" g="0" b="0"/>
+      </a:lnRef>
+      <a:fillRef idx="1">
+        <a:scrgbClr r="0" g="0" b="0"/>
+      </a:fillRef>
+      <a:effectRef idx="0">
+        <a:scrgbClr r="0" g="0" b="0"/>
+      </a:effectRef>
+      <a:fontRef idx="minor">
+        <a:schemeClr val="lt1"/>
+      </a:fontRef>
+    </dgm:style>
+  </dgm:styleLbl>
+  <dgm:styleLbl name="sibTrans1D1">
+    <dgm:scene3d>
+      <a:camera prst="orthographicFront"/>
+      <a:lightRig rig="threePt" dir="t"/>
+    </dgm:scene3d>
+    <dgm:sp3d/>
+    <dgm:txPr/>
+    <dgm:style>
+      <a:lnRef idx="1">
+        <a:scrgbClr r="0" g="0" b="0"/>
+      </a:lnRef>
+      <a:fillRef idx="0">
+        <a:scrgbClr r="0" g="0" b="0"/>
+      </a:fillRef>
+      <a:effectRef idx="0">
+        <a:scrgbClr r="0" g="0" b="0"/>
+      </a:effectRef>
+      <a:fontRef idx="minor"/>
+    </dgm:style>
+  </dgm:styleLbl>
+  <dgm:styleLbl name="callout">
+    <dgm:scene3d>
+      <a:camera prst="orthographicFront"/>
+      <a:lightRig rig="threePt" dir="t"/>
+    </dgm:scene3d>
+    <dgm:sp3d/>
+    <dgm:txPr/>
+    <dgm:style>
+      <a:lnRef idx="2">
+        <a:scrgbClr r="0" g="0" b="0"/>
+      </a:lnRef>
+      <a:fillRef idx="1">
+        <a:scrgbClr r="0" g="0" b="0"/>
+      </a:fillRef>
+      <a:effectRef idx="0">
+        <a:scrgbClr r="0" g="0" b="0"/>
+      </a:effectRef>
+      <a:fontRef idx="minor"/>
+    </dgm:style>
+  </dgm:styleLbl>
+  <dgm:styleLbl name="asst0">
+    <dgm:scene3d>
+      <a:camera prst="orthographicFront"/>
+      <a:lightRig rig="threePt" dir="t"/>
+    </dgm:scene3d>
+    <dgm:sp3d/>
+    <dgm:txPr/>
+    <dgm:style>
+      <a:lnRef idx="2">
+        <a:scrgbClr r="0" g="0" b="0"/>
+      </a:lnRef>
+      <a:fillRef idx="1">
+        <a:scrgbClr r="0" g="0" b="0"/>
+      </a:fillRef>
+      <a:effectRef idx="0">
+        <a:scrgbClr r="0" g="0" b="0"/>
+      </a:effectRef>
+      <a:fontRef idx="minor">
+        <a:schemeClr val="lt1"/>
+      </a:fontRef>
+    </dgm:style>
+  </dgm:styleLbl>
+  <dgm:styleLbl name="asst1">
+    <dgm:scene3d>
+      <a:camera prst="orthographicFront"/>
+      <a:lightRig rig="threePt" dir="t"/>
+    </dgm:scene3d>
+    <dgm:sp3d/>
+    <dgm:txPr/>
+    <dgm:style>
+      <a:lnRef idx="2">
+        <a:scrgbClr r="0" g="0" b="0"/>
+      </a:lnRef>
+      <a:fillRef idx="1">
+        <a:scrgbClr r="0" g="0" b="0"/>
+      </a:fillRef>
+      <a:effectRef idx="0">
+        <a:scrgbClr r="0" g="0" b="0"/>
+      </a:effectRef>
+      <a:fontRef idx="minor">
+        <a:schemeClr val="lt1"/>
+      </a:fontRef>
+    </dgm:style>
+  </dgm:styleLbl>
+  <dgm:styleLbl name="asst2">
+    <dgm:scene3d>
+      <a:camera prst="orthographicFront"/>
+      <a:lightRig rig="threePt" dir="t"/>
+    </dgm:scene3d>
+    <dgm:sp3d/>
+    <dgm:txPr/>
+    <dgm:style>
+      <a:lnRef idx="2">
+        <a:scrgbClr r="0" g="0" b="0"/>
+      </a:lnRef>
+      <a:fillRef idx="1">
+        <a:scrgbClr r="0" g="0" b="0"/>
+      </a:fillRef>
+      <a:effectRef idx="0">
+        <a:scrgbClr r="0" g="0" b="0"/>
+      </a:effectRef>
+      <a:fontRef idx="minor">
+        <a:schemeClr val="lt1"/>
+      </a:fontRef>
+    </dgm:style>
+  </dgm:styleLbl>
+  <dgm:styleLbl name="asst3">
+    <dgm:scene3d>
+      <a:camera prst="orthographicFront"/>
+      <a:lightRig rig="threePt" dir="t"/>
+    </dgm:scene3d>
+    <dgm:sp3d/>
+    <dgm:txPr/>
+    <dgm:style>
+      <a:lnRef idx="2">
+        <a:scrgbClr r="0" g="0" b="0"/>
+      </a:lnRef>
+      <a:fillRef idx="1">
+        <a:scrgbClr r="0" g="0" b="0"/>
+      </a:fillRef>
+      <a:effectRef idx="0">
+        <a:scrgbClr r="0" g="0" b="0"/>
+      </a:effectRef>
+      <a:fontRef idx="minor">
+        <a:schemeClr val="lt1"/>
+      </a:fontRef>
+    </dgm:style>
+  </dgm:styleLbl>
+  <dgm:styleLbl name="asst4">
+    <dgm:scene3d>
+      <a:camera prst="orthographicFront"/>
+      <a:lightRig rig="threePt" dir="t"/>
+    </dgm:scene3d>
+    <dgm:sp3d/>
+    <dgm:txPr/>
+    <dgm:style>
+      <a:lnRef idx="2">
+        <a:scrgbClr r="0" g="0" b="0"/>
+      </a:lnRef>
+      <a:fillRef idx="1">
+        <a:scrgbClr r="0" g="0" b="0"/>
+      </a:fillRef>
+      <a:effectRef idx="0">
+        <a:scrgbClr r="0" g="0" b="0"/>
+      </a:effectRef>
+      <a:fontRef idx="minor">
+        <a:schemeClr val="lt1"/>
+      </a:fontRef>
+    </dgm:style>
+  </dgm:styleLbl>
+  <dgm:styleLbl name="parChTrans2D1">
+    <dgm:scene3d>
+      <a:camera prst="orthographicFront"/>
+      <a:lightRig rig="threePt" dir="t"/>
+    </dgm:scene3d>
+    <dgm:sp3d/>
+    <dgm:txPr/>
+    <dgm:style>
+      <a:lnRef idx="2">
+        <a:scrgbClr r="0" g="0" b="0"/>
+      </a:lnRef>
+      <a:fillRef idx="1">
+        <a:scrgbClr r="0" g="0" b="0"/>
+      </a:fillRef>
+      <a:effectRef idx="0">
+        <a:scrgbClr r="0" g="0" b="0"/>
+      </a:effectRef>
+      <a:fontRef idx="minor">
+        <a:schemeClr val="lt1"/>
+      </a:fontRef>
+    </dgm:style>
+  </dgm:styleLbl>
+  <dgm:styleLbl name="parChTrans2D2">
+    <dgm:scene3d>
+      <a:camera prst="orthographicFront"/>
+      <a:lightRig rig="threePt" dir="t"/>
+    </dgm:scene3d>
+    <dgm:sp3d/>
+    <dgm:txPr/>
+    <dgm:style>
+      <a:lnRef idx="2">
+        <a:scrgbClr r="0" g="0" b="0"/>
+      </a:lnRef>
+      <a:fillRef idx="1">
+        <a:scrgbClr r="0" g="0" b="0"/>
+      </a:fillRef>
+      <a:effectRef idx="0">
+        <a:scrgbClr r="0" g="0" b="0"/>
+      </a:effectRef>
+      <a:fontRef idx="minor">
+        <a:schemeClr val="lt1"/>
+      </a:fontRef>
+    </dgm:style>
+  </dgm:styleLbl>
+  <dgm:styleLbl name="parChTrans2D3">
+    <dgm:scene3d>
+      <a:camera prst="orthographicFront"/>
+      <a:lightRig rig="threePt" dir="t"/>
+    </dgm:scene3d>
+    <dgm:sp3d/>
+    <dgm:txPr/>
+    <dgm:style>
+      <a:lnRef idx="2">
+        <a:scrgbClr r="0" g="0" b="0"/>
+      </a:lnRef>
+      <a:fillRef idx="1">
+        <a:scrgbClr r="0" g="0" b="0"/>
+      </a:fillRef>
+      <a:effectRef idx="0">
+        <a:scrgbClr r="0" g="0" b="0"/>
+      </a:effectRef>
+      <a:fontRef idx="minor">
+        <a:schemeClr val="lt1"/>
+      </a:fontRef>
+    </dgm:style>
+  </dgm:styleLbl>
+  <dgm:styleLbl name="parChTrans2D4">
+    <dgm:scene3d>
+      <a:camera prst="orthographicFront"/>
+      <a:lightRig rig="threePt" dir="t"/>
+    </dgm:scene3d>
+    <dgm:sp3d/>
+    <dgm:txPr/>
+    <dgm:style>
+      <a:lnRef idx="2">
+        <a:scrgbClr r="0" g="0" b="0"/>
+      </a:lnRef>
+      <a:fillRef idx="1">
+        <a:scrgbClr r="0" g="0" b="0"/>
+      </a:fillRef>
+      <a:effectRef idx="0">
+        <a:scrgbClr r="0" g="0" b="0"/>
+      </a:effectRef>
+      <a:fontRef idx="minor">
+        <a:schemeClr val="lt1"/>
+      </a:fontRef>
+    </dgm:style>
+  </dgm:styleLbl>
+  <dgm:styleLbl name="parChTrans1D1">
+    <dgm:scene3d>
+      <a:camera prst="orthographicFront"/>
+      <a:lightRig rig="threePt" dir="t"/>
+    </dgm:scene3d>
+    <dgm:sp3d/>
+    <dgm:txPr/>
+    <dgm:style>
+      <a:lnRef idx="2">
+        <a:scrgbClr r="0" g="0" b="0"/>
+      </a:lnRef>
+      <a:fillRef idx="0">
+        <a:scrgbClr r="0" g="0" b="0"/>
+      </a:fillRef>
+      <a:effectRef idx="0">
+        <a:scrgbClr r="0" g="0" b="0"/>
+      </a:effectRef>
+      <a:fontRef idx="minor"/>
+    </dgm:style>
+  </dgm:styleLbl>
+  <dgm:styleLbl name="parChTrans1D2">
+    <dgm:scene3d>
+      <a:camera prst="orthographicFront"/>
+      <a:lightRig rig="threePt" dir="t"/>
+    </dgm:scene3d>
+    <dgm:sp3d/>
+    <dgm:txPr/>
+    <dgm:style>
+      <a:lnRef idx="2">
+        <a:scrgbClr r="0" g="0" b="0"/>
+      </a:lnRef>
+      <a:fillRef idx="0">
+        <a:scrgbClr r="0" g="0" b="0"/>
+      </a:fillRef>
+      <a:effectRef idx="0">
+        <a:scrgbClr r="0" g="0" b="0"/>
+      </a:effectRef>
+      <a:fontRef idx="minor"/>
+    </dgm:style>
+  </dgm:styleLbl>
+  <dgm:styleLbl name="parChTrans1D3">
+    <dgm:scene3d>
+      <a:camera prst="orthographicFront"/>
+      <a:lightRig rig="threePt" dir="t"/>
+    </dgm:scene3d>
+    <dgm:sp3d/>
+    <dgm:txPr/>
+    <dgm:style>
+      <a:lnRef idx="2">
+        <a:scrgbClr r="0" g="0" b="0"/>
+      </a:lnRef>
+      <a:fillRef idx="0">
+        <a:scrgbClr r="0" g="0" b="0"/>
+      </a:fillRef>
+      <a:effectRef idx="0">
+        <a:scrgbClr r="0" g="0" b="0"/>
+      </a:effectRef>
+      <a:fontRef idx="minor"/>
+    </dgm:style>
+  </dgm:styleLbl>
+  <dgm:styleLbl name="parChTrans1D4">
+    <dgm:scene3d>
+      <a:camera prst="orthographicFront"/>
+      <a:lightRig rig="threePt" dir="t"/>
+    </dgm:scene3d>
+    <dgm:sp3d/>
+    <dgm:txPr/>
+    <dgm:style>
+      <a:lnRef idx="2">
+        <a:scrgbClr r="0" g="0" b="0"/>
+      </a:lnRef>
+      <a:fillRef idx="0">
+        <a:scrgbClr r="0" g="0" b="0"/>
+      </a:fillRef>
+      <a:effectRef idx="0">
+        <a:scrgbClr r="0" g="0" b="0"/>
+      </a:effectRef>
+      <a:fontRef idx="minor"/>
+    </dgm:style>
+  </dgm:styleLbl>
+  <dgm:styleLbl name="fgAcc1">
+    <dgm:scene3d>
+      <a:camera prst="orthographicFront"/>
+      <a:lightRig rig="threePt" dir="t"/>
+    </dgm:scene3d>
+    <dgm:sp3d/>
+    <dgm:txPr/>
+    <dgm:style>
+      <a:lnRef idx="2">
+        <a:scrgbClr r="0" g="0" b="0"/>
+      </a:lnRef>
+      <a:fillRef idx="1">
+        <a:scrgbClr r="0" g="0" b="0"/>
+      </a:fillRef>
+      <a:effectRef idx="0">
+        <a:scrgbClr r="0" g="0" b="0"/>
+      </a:effectRef>
+      <a:fontRef idx="minor"/>
+    </dgm:style>
+  </dgm:styleLbl>
+  <dgm:styleLbl name="conFgAcc1">
+    <dgm:scene3d>
+      <a:camera prst="orthographicFront"/>
+      <a:lightRig rig="threePt" dir="t"/>
+    </dgm:scene3d>
+    <dgm:sp3d/>
+    <dgm:txPr/>
+    <dgm:style>
+      <a:lnRef idx="2">
+        <a:scrgbClr r="0" g="0" b="0"/>
+      </a:lnRef>
+      <a:fillRef idx="1">
+        <a:scrgbClr r="0" g="0" b="0"/>
+      </a:fillRef>
+      <a:effectRef idx="0">
+        <a:scrgbClr r="0" g="0" b="0"/>
+      </a:effectRef>
+      <a:fontRef idx="minor"/>
+    </dgm:style>
+  </dgm:styleLbl>
+  <dgm:styleLbl name="alignAcc1">
+    <dgm:scene3d>
+      <a:camera prst="orthographicFront"/>
+      <a:lightRig rig="threePt" dir="t"/>
+    </dgm:scene3d>
+    <dgm:sp3d/>
+    <dgm:txPr/>
+    <dgm:style>
+      <a:lnRef idx="2">
+        <a:scrgbClr r="0" g="0" b="0"/>
+      </a:lnRef>
+      <a:fillRef idx="1">
+        <a:scrgbClr r="0" g="0" b="0"/>
+      </a:fillRef>
+      <a:effectRef idx="0">
+        <a:scrgbClr r="0" g="0" b="0"/>
+      </a:effectRef>
+      <a:fontRef idx="minor"/>
+    </dgm:style>
+  </dgm:styleLbl>
+  <dgm:styleLbl name="trAlignAcc1">
+    <dgm:scene3d>
+      <a:camera prst="orthographicFront"/>
+      <a:lightRig rig="threePt" dir="t"/>
+    </dgm:scene3d>
+    <dgm:sp3d/>
+    <dgm:txPr/>
+    <dgm:style>
+      <a:lnRef idx="1">
+        <a:scrgbClr r="0" g="0" b="0"/>
+      </a:lnRef>
+      <a:fillRef idx="1">
+        <a:scrgbClr r="0" g="0" b="0"/>
+      </a:fillRef>
+      <a:effectRef idx="0">
+        <a:scrgbClr r="0" g="0" b="0"/>
+      </a:effectRef>
+      <a:fontRef idx="minor"/>
+    </dgm:style>
+  </dgm:styleLbl>
+  <dgm:styleLbl name="bgAcc1">
+    <dgm:scene3d>
+      <a:camera prst="orthographicFront"/>
+      <a:lightRig rig="threePt" dir="t"/>
+    </dgm:scene3d>
+    <dgm:sp3d/>
+    <dgm:txPr/>
+    <dgm:style>
+      <a:lnRef idx="2">
+        <a:scrgbClr r="0" g="0" b="0"/>
+      </a:lnRef>
+      <a:fillRef idx="1">
+        <a:scrgbClr r="0" g="0" b="0"/>
+      </a:fillRef>
+      <a:effectRef idx="0">
+        <a:scrgbClr r="0" g="0" b="0"/>
+      </a:effectRef>
+      <a:fontRef idx="minor"/>
+    </dgm:style>
+  </dgm:styleLbl>
+  <dgm:styleLbl name="solidFgAcc1">
+    <dgm:scene3d>
+      <a:camera prst="orthographicFront"/>
+      <a:lightRig rig="threePt" dir="t"/>
+    </dgm:scene3d>
+    <dgm:sp3d/>
+    <dgm:txPr/>
+    <dgm:style>
+      <a:lnRef idx="2">
+        <a:scrgbClr r="0" g="0" b="0"/>
+      </a:lnRef>
+      <a:fillRef idx="1">
+        <a:scrgbClr r="0" g="0" b="0"/>
+      </a:fillRef>
+      <a:effectRef idx="0">
+        <a:scrgbClr r="0" g="0" b="0"/>
+      </a:effectRef>
+      <a:fontRef idx="minor"/>
+    </dgm:style>
+  </dgm:styleLbl>
+  <dgm:styleLbl name="solidAlignAcc1">
+    <dgm:scene3d>
+      <a:camera prst="orthographicFront"/>
+      <a:lightRig rig="threePt" dir="t"/>
+    </dgm:scene3d>
+    <dgm:sp3d/>
+    <dgm:txPr/>
+    <dgm:style>
+      <a:lnRef idx="2">
+        <a:scrgbClr r="0" g="0" b="0"/>
+      </a:lnRef>
+      <a:fillRef idx="1">
+        <a:scrgbClr r="0" g="0" b="0"/>
+      </a:fillRef>
+      <a:effectRef idx="0">
+        <a:scrgbClr r="0" g="0" b="0"/>
+      </a:effectRef>
+      <a:fontRef idx="minor"/>
+    </dgm:style>
+  </dgm:styleLbl>
+  <dgm:styleLbl name="solidBgAcc1">
+    <dgm:scene3d>
+      <a:camera prst="orthographicFront"/>
+      <a:lightRig rig="threePt" dir="t"/>
+    </dgm:scene3d>
+    <dgm:sp3d/>
+    <dgm:txPr/>
+    <dgm:style>
+      <a:lnRef idx="2">
+        <a:scrgbClr r="0" g="0" b="0"/>
+      </a:lnRef>
+      <a:fillRef idx="1">
+        <a:scrgbClr r="0" g="0" b="0"/>
+      </a:fillRef>
+      <a:effectRef idx="0">
+        <a:scrgbClr r="0" g="0" b="0"/>
+      </a:effectRef>
+      <a:fontRef idx="minor"/>
+    </dgm:style>
+  </dgm:styleLbl>
+  <dgm:styleLbl name="fgAccFollowNode1">
+    <dgm:scene3d>
+      <a:camera prst="orthographicFront"/>
+      <a:lightRig rig="threePt" dir="t"/>
+    </dgm:scene3d>
+    <dgm:sp3d/>
+    <dgm:txPr/>
+    <dgm:style>
+      <a:lnRef idx="2">
+        <a:scrgbClr r="0" g="0" b="0"/>
+      </a:lnRef>
+      <a:fillRef idx="1">
+        <a:scrgbClr r="0" g="0" b="0"/>
+      </a:fillRef>
+      <a:effectRef idx="0">
+        <a:scrgbClr r="0" g="0" b="0"/>
+      </a:effectRef>
+      <a:fontRef idx="minor"/>
+    </dgm:style>
+  </dgm:styleLbl>
+  <dgm:styleLbl name="alignAccFollowNode1">
+    <dgm:scene3d>
+      <a:camera prst="orthographicFront"/>
+      <a:lightRig rig="threePt" dir="t"/>
+    </dgm:scene3d>
+    <dgm:sp3d/>
+    <dgm:txPr/>
+    <dgm:style>
+      <a:lnRef idx="2">
+        <a:scrgbClr r="0" g="0" b="0"/>
+      </a:lnRef>
+      <a:fillRef idx="1">
+        <a:scrgbClr r="0" g="0" b="0"/>
+      </a:fillRef>
+      <a:effectRef idx="0">
+        <a:scrgbClr r="0" g="0" b="0"/>
+      </a:effectRef>
+      <a:fontRef idx="minor"/>
+    </dgm:style>
+  </dgm:styleLbl>
+  <dgm:styleLbl name="bgAccFollowNode1">
+    <dgm:scene3d>
+      <a:camera prst="orthographicFront"/>
+      <a:lightRig rig="threePt" dir="t"/>
+    </dgm:scene3d>
+    <dgm:sp3d/>
+    <dgm:txPr/>
+    <dgm:style>
+      <a:lnRef idx="2">
+        <a:scrgbClr r="0" g="0" b="0"/>
+      </a:lnRef>
+      <a:fillRef idx="1">
+        <a:scrgbClr r="0" g="0" b="0"/>
+      </a:fillRef>
+      <a:effectRef idx="0">
+        <a:scrgbClr r="0" g="0" b="0"/>
+      </a:effectRef>
+      <a:fontRef idx="minor"/>
+    </dgm:style>
+  </dgm:styleLbl>
+  <dgm:styleLbl name="fgAcc0">
+    <dgm:scene3d>
+      <a:camera prst="orthographicFront"/>
+      <a:lightRig rig="threePt" dir="t"/>
+    </dgm:scene3d>
+    <dgm:sp3d/>
+    <dgm:txPr/>
+    <dgm:style>
+      <a:lnRef idx="2">
+        <a:scrgbClr r="0" g="0" b="0"/>
+      </a:lnRef>
+      <a:fillRef idx="1">
+        <a:scrgbClr r="0" g="0" b="0"/>
+      </a:fillRef>
+      <a:effectRef idx="0">
+        <a:scrgbClr r="0" g="0" b="0"/>
+      </a:effectRef>
+      <a:fontRef idx="minor"/>
+    </dgm:style>
+  </dgm:styleLbl>
+  <dgm:styleLbl name="fgAcc2">
+    <dgm:scene3d>
+      <a:camera prst="orthographicFront"/>
+      <a:lightRig rig="threePt" dir="t"/>
+    </dgm:scene3d>
+    <dgm:sp3d/>
+    <dgm:txPr/>
+    <dgm:style>
+      <a:lnRef idx="2">
+        <a:scrgbClr r="0" g="0" b="0"/>
+      </a:lnRef>
+      <a:fillRef idx="1">
+        <a:scrgbClr r="0" g="0" b="0"/>
+      </a:fillRef>
+      <a:effectRef idx="0">
+        <a:scrgbClr r="0" g="0" b="0"/>
+      </a:effectRef>
+      <a:fontRef idx="minor"/>
+    </dgm:style>
+  </dgm:styleLbl>
+  <dgm:styleLbl name="fgAcc3">
+    <dgm:scene3d>
+      <a:camera prst="orthographicFront"/>
+      <a:lightRig rig="threePt" dir="t"/>
+    </dgm:scene3d>
+    <dgm:sp3d/>
+    <dgm:txPr/>
+    <dgm:style>
+      <a:lnRef idx="2">
+        <a:scrgbClr r="0" g="0" b="0"/>
+      </a:lnRef>
+      <a:fillRef idx="1">
+        <a:scrgbClr r="0" g="0" b="0"/>
+      </a:fillRef>
+      <a:effectRef idx="0">
+        <a:scrgbClr r="0" g="0" b="0"/>
+      </a:effectRef>
+      <a:fontRef idx="minor"/>
+    </dgm:style>
+  </dgm:styleLbl>
+  <dgm:styleLbl name="fgAcc4">
+    <dgm:scene3d>
+      <a:camera prst="orthographicFront"/>
+      <a:lightRig rig="threePt" dir="t"/>
+    </dgm:scene3d>
+    <dgm:sp3d/>
+    <dgm:txPr/>
+    <dgm:style>
+      <a:lnRef idx="2">
+        <a:scrgbClr r="0" g="0" b="0"/>
+      </a:lnRef>
+      <a:fillRef idx="1">
+        <a:scrgbClr r="0" g="0" b="0"/>
+      </a:fillRef>
+      <a:effectRef idx="0">
+        <a:scrgbClr r="0" g="0" b="0"/>
+      </a:effectRef>
+      <a:fontRef idx="minor"/>
+    </dgm:style>
+  </dgm:styleLbl>
+  <dgm:styleLbl name="bgShp">
+    <dgm:scene3d>
+      <a:camera prst="orthographicFront"/>
+      <a:lightRig rig="threePt" dir="t"/>
+    </dgm:scene3d>
+    <dgm:sp3d/>
+    <dgm:txPr/>
+    <dgm:style>
+      <a:lnRef idx="0">
+        <a:scrgbClr r="0" g="0" b="0"/>
+      </a:lnRef>
+      <a:fillRef idx="1">
+        <a:scrgbClr r="0" g="0" b="0"/>
+      </a:fillRef>
+      <a:effectRef idx="0">
+        <a:scrgbClr r="0" g="0" b="0"/>
+      </a:effectRef>
+      <a:fontRef idx="minor"/>
+    </dgm:style>
+  </dgm:styleLbl>
+  <dgm:styleLbl name="dkBgShp">
+    <dgm:scene3d>
+      <a:camera prst="orthographicFront"/>
+      <a:lightRig rig="threePt" dir="t"/>
+    </dgm:scene3d>
+    <dgm:sp3d/>
+    <dgm:txPr/>
+    <dgm:style>
+      <a:lnRef idx="0">
+        <a:scrgbClr r="0" g="0" b="0"/>
+      </a:lnRef>
+      <a:fillRef idx="1">
+        <a:scrgbClr r="0" g="0" b="0"/>
+      </a:fillRef>
+      <a:effectRef idx="0">
+        <a:scrgbClr r="0" g="0" b="0"/>
+      </a:effectRef>
+      <a:fontRef idx="minor"/>
+    </dgm:style>
+  </dgm:styleLbl>
+  <dgm:styleLbl name="trBgShp">
+    <dgm:scene3d>
+      <a:camera prst="orthographicFront"/>
+      <a:lightRig rig="threePt" dir="t"/>
+    </dgm:scene3d>
+    <dgm:sp3d/>
+    <dgm:txPr/>
+    <dgm:style>
+      <a:lnRef idx="0">
+        <a:scrgbClr r="0" g="0" b="0"/>
+      </a:lnRef>
+      <a:fillRef idx="1">
+        <a:scrgbClr r="0" g="0" b="0"/>
+      </a:fillRef>
+      <a:effectRef idx="0">
+        <a:scrgbClr r="0" g="0" b="0"/>
+      </a:effectRef>
+      <a:fontRef idx="minor"/>
+    </dgm:style>
+  </dgm:styleLbl>
+  <dgm:styleLbl name="fgShp">
+    <dgm:scene3d>
+      <a:camera prst="orthographicFront"/>
+      <a:lightRig rig="threePt" dir="t"/>
+    </dgm:scene3d>
+    <dgm:sp3d/>
+    <dgm:txPr/>
+    <dgm:style>
+      <a:lnRef idx="2">
+        <a:scrgbClr r="0" g="0" b="0"/>
+      </a:lnRef>
+      <a:fillRef idx="1">
+        <a:scrgbClr r="0" g="0" b="0"/>
+      </a:fillRef>
+      <a:effectRef idx="0">
+        <a:scrgbClr r="0" g="0" b="0"/>
+      </a:effectRef>
+      <a:fontRef idx="minor"/>
+    </dgm:style>
+  </dgm:styleLbl>
+  <dgm:styleLbl name="revTx">
+    <dgm:scene3d>
+      <a:camera prst="orthographicFront"/>
+      <a:lightRig rig="threePt" dir="t"/>
+    </dgm:scene3d>
+    <dgm:sp3d/>
+    <dgm:txPr/>
+    <dgm:style>
+      <a:lnRef idx="0">
+        <a:scrgbClr r="0" g="0" b="0"/>
+      </a:lnRef>
+      <a:fillRef idx="0">
+        <a:scrgbClr r="0" g="0" b="0"/>
+      </a:fillRef>
+      <a:effectRef idx="0">
+        <a:scrgbClr r="0" g="0" b="0"/>
+      </a:effectRef>
+      <a:fontRef idx="minor"/>
+    </dgm:style>
+  </dgm:styleLbl>
+</dgm:styleDef>
+</file>
+
+<file path=ppt/diagrams/quickStyle3.xml><?xml version="1.0" encoding="utf-8"?>
 <dgm:styleDef xmlns:dgm="http://schemas.openxmlformats.org/drawingml/2006/diagram" xmlns:a="http://schemas.openxmlformats.org/drawingml/2006/main" uniqueId="urn:microsoft.com/office/officeart/2005/8/quickstyle/simple1">
   <dgm:title val=""/>
   <dgm:desc val=""/>
@@ -6713,7 +9947,7 @@
           <a:p>
             <a:fld id="{086D58AC-F0ED-8D4E-A1FB-4B6CBDAB4F21}" type="datetimeFigureOut">
               <a:rPr lang="en-US" smtClean="0"/>
-              <a:t>5/16/24</a:t>
+              <a:t>5/17/24</a:t>
             </a:fld>
             <a:endParaRPr lang="en-US"/>
           </a:p>
@@ -7130,7 +10364,7 @@
           <a:p>
             <a:fld id="{A35993ED-6964-0141-AD02-C33670BEA198}" type="slidenum">
               <a:rPr lang="en-US" smtClean="0"/>
-              <a:t>10</a:t>
+              <a:t>11</a:t>
             </a:fld>
             <a:endParaRPr lang="en-US"/>
           </a:p>
@@ -7139,7 +10373,7 @@
     </p:spTree>
     <p:extLst>
       <p:ext uri="{BB962C8B-B14F-4D97-AF65-F5344CB8AC3E}">
-        <p14:creationId xmlns:p14="http://schemas.microsoft.com/office/powerpoint/2010/main" val="2888672114"/>
+        <p14:creationId xmlns:p14="http://schemas.microsoft.com/office/powerpoint/2010/main" val="206443811"/>
       </p:ext>
     </p:extLst>
   </p:cSld>
@@ -7214,7 +10448,7 @@
           <a:p>
             <a:fld id="{A35993ED-6964-0141-AD02-C33670BEA198}" type="slidenum">
               <a:rPr lang="en-US" smtClean="0"/>
-              <a:t>11</a:t>
+              <a:t>12</a:t>
             </a:fld>
             <a:endParaRPr lang="en-US"/>
           </a:p>
@@ -7223,7 +10457,7 @@
     </p:spTree>
     <p:extLst>
       <p:ext uri="{BB962C8B-B14F-4D97-AF65-F5344CB8AC3E}">
-        <p14:creationId xmlns:p14="http://schemas.microsoft.com/office/powerpoint/2010/main" val="206443811"/>
+        <p14:creationId xmlns:p14="http://schemas.microsoft.com/office/powerpoint/2010/main" val="2777216774"/>
       </p:ext>
     </p:extLst>
   </p:cSld>
@@ -7298,7 +10532,7 @@
           <a:p>
             <a:fld id="{A35993ED-6964-0141-AD02-C33670BEA198}" type="slidenum">
               <a:rPr lang="en-US" smtClean="0"/>
-              <a:t>12</a:t>
+              <a:t>13</a:t>
             </a:fld>
             <a:endParaRPr lang="en-US"/>
           </a:p>
@@ -7307,7 +10541,7 @@
     </p:spTree>
     <p:extLst>
       <p:ext uri="{BB962C8B-B14F-4D97-AF65-F5344CB8AC3E}">
-        <p14:creationId xmlns:p14="http://schemas.microsoft.com/office/powerpoint/2010/main" val="2777216774"/>
+        <p14:creationId xmlns:p14="http://schemas.microsoft.com/office/powerpoint/2010/main" val="3500284789"/>
       </p:ext>
     </p:extLst>
   </p:cSld>
@@ -7382,7 +10616,7 @@
           <a:p>
             <a:fld id="{A35993ED-6964-0141-AD02-C33670BEA198}" type="slidenum">
               <a:rPr lang="en-US" smtClean="0"/>
-              <a:t>13</a:t>
+              <a:t>14</a:t>
             </a:fld>
             <a:endParaRPr lang="en-US"/>
           </a:p>
@@ -7391,7 +10625,7 @@
     </p:spTree>
     <p:extLst>
       <p:ext uri="{BB962C8B-B14F-4D97-AF65-F5344CB8AC3E}">
-        <p14:creationId xmlns:p14="http://schemas.microsoft.com/office/powerpoint/2010/main" val="3500284789"/>
+        <p14:creationId xmlns:p14="http://schemas.microsoft.com/office/powerpoint/2010/main" val="281989311"/>
       </p:ext>
     </p:extLst>
   </p:cSld>
@@ -7466,90 +10700,6 @@
           <a:p>
             <a:fld id="{A35993ED-6964-0141-AD02-C33670BEA198}" type="slidenum">
               <a:rPr lang="en-US" smtClean="0"/>
-              <a:t>14</a:t>
-            </a:fld>
-            <a:endParaRPr lang="en-US"/>
-          </a:p>
-        </p:txBody>
-      </p:sp>
-    </p:spTree>
-    <p:extLst>
-      <p:ext uri="{BB962C8B-B14F-4D97-AF65-F5344CB8AC3E}">
-        <p14:creationId xmlns:p14="http://schemas.microsoft.com/office/powerpoint/2010/main" val="281989311"/>
-      </p:ext>
-    </p:extLst>
-  </p:cSld>
-  <p:clrMapOvr>
-    <a:masterClrMapping/>
-  </p:clrMapOvr>
-</p:notes>
-</file>
-
-<file path=ppt/notesSlides/notesSlide7.xml><?xml version="1.0" encoding="utf-8"?>
-<p:notes xmlns:a="http://schemas.openxmlformats.org/drawingml/2006/main" xmlns:r="http://schemas.openxmlformats.org/officeDocument/2006/relationships" xmlns:p="http://schemas.openxmlformats.org/presentationml/2006/main">
-  <p:cSld>
-    <p:spTree>
-      <p:nvGrpSpPr>
-        <p:cNvPr id="1" name=""/>
-        <p:cNvGrpSpPr/>
-        <p:nvPr/>
-      </p:nvGrpSpPr>
-      <p:grpSpPr>
-        <a:xfrm>
-          <a:off x="0" y="0"/>
-          <a:ext cx="0" cy="0"/>
-          <a:chOff x="0" y="0"/>
-          <a:chExt cx="0" cy="0"/>
-        </a:xfrm>
-      </p:grpSpPr>
-      <p:sp>
-        <p:nvSpPr>
-          <p:cNvPr id="2" name="Slide Image Placeholder 1"/>
-          <p:cNvSpPr>
-            <a:spLocks noGrp="1" noRot="1" noChangeAspect="1"/>
-          </p:cNvSpPr>
-          <p:nvPr>
-            <p:ph type="sldImg"/>
-          </p:nvPr>
-        </p:nvSpPr>
-        <p:spPr/>
-      </p:sp>
-      <p:sp>
-        <p:nvSpPr>
-          <p:cNvPr id="3" name="Notes Placeholder 2"/>
-          <p:cNvSpPr>
-            <a:spLocks noGrp="1"/>
-          </p:cNvSpPr>
-          <p:nvPr>
-            <p:ph type="body" idx="1"/>
-          </p:nvPr>
-        </p:nvSpPr>
-        <p:spPr/>
-        <p:txBody>
-          <a:bodyPr/>
-          <a:lstStyle/>
-          <a:p>
-            <a:endParaRPr lang="en-US" dirty="0"/>
-          </a:p>
-        </p:txBody>
-      </p:sp>
-      <p:sp>
-        <p:nvSpPr>
-          <p:cNvPr id="4" name="Slide Number Placeholder 3"/>
-          <p:cNvSpPr>
-            <a:spLocks noGrp="1"/>
-          </p:cNvSpPr>
-          <p:nvPr>
-            <p:ph type="sldNum" sz="quarter" idx="5"/>
-          </p:nvPr>
-        </p:nvSpPr>
-        <p:spPr/>
-        <p:txBody>
-          <a:bodyPr/>
-          <a:lstStyle/>
-          <a:p>
-            <a:fld id="{A35993ED-6964-0141-AD02-C33670BEA198}" type="slidenum">
-              <a:rPr lang="en-US" smtClean="0"/>
               <a:t>17</a:t>
             </a:fld>
             <a:endParaRPr lang="en-US"/>
@@ -7569,7 +10719,7 @@
 </p:notes>
 </file>
 
-<file path=ppt/notesSlides/notesSlide8.xml><?xml version="1.0" encoding="utf-8"?>
+<file path=ppt/notesSlides/notesSlide7.xml><?xml version="1.0" encoding="utf-8"?>
 <p:notes xmlns:a="http://schemas.openxmlformats.org/drawingml/2006/main" xmlns:r="http://schemas.openxmlformats.org/officeDocument/2006/relationships" xmlns:p="http://schemas.openxmlformats.org/presentationml/2006/main">
   <p:cSld>
     <p:spTree>
@@ -7802,7 +10952,7 @@
           <a:p>
             <a:fld id="{A1368BEB-7B4F-3B4C-9C80-C5E0D90F89D2}" type="datetimeFigureOut">
               <a:rPr lang="en-US" smtClean="0"/>
-              <a:t>5/16/24</a:t>
+              <a:t>5/17/24</a:t>
             </a:fld>
             <a:endParaRPr lang="en-US"/>
           </a:p>
@@ -8002,7 +11152,7 @@
           <a:p>
             <a:fld id="{A1368BEB-7B4F-3B4C-9C80-C5E0D90F89D2}" type="datetimeFigureOut">
               <a:rPr lang="en-US" smtClean="0"/>
-              <a:t>5/16/24</a:t>
+              <a:t>5/17/24</a:t>
             </a:fld>
             <a:endParaRPr lang="en-US"/>
           </a:p>
@@ -8212,7 +11362,7 @@
           <a:p>
             <a:fld id="{A1368BEB-7B4F-3B4C-9C80-C5E0D90F89D2}" type="datetimeFigureOut">
               <a:rPr lang="en-US" smtClean="0"/>
-              <a:t>5/16/24</a:t>
+              <a:t>5/17/24</a:t>
             </a:fld>
             <a:endParaRPr lang="en-US"/>
           </a:p>
@@ -8412,7 +11562,7 @@
           <a:p>
             <a:fld id="{A1368BEB-7B4F-3B4C-9C80-C5E0D90F89D2}" type="datetimeFigureOut">
               <a:rPr lang="en-US" smtClean="0"/>
-              <a:t>5/16/24</a:t>
+              <a:t>5/17/24</a:t>
             </a:fld>
             <a:endParaRPr lang="en-US"/>
           </a:p>
@@ -8688,7 +11838,7 @@
           <a:p>
             <a:fld id="{A1368BEB-7B4F-3B4C-9C80-C5E0D90F89D2}" type="datetimeFigureOut">
               <a:rPr lang="en-US" smtClean="0"/>
-              <a:t>5/16/24</a:t>
+              <a:t>5/17/24</a:t>
             </a:fld>
             <a:endParaRPr lang="en-US"/>
           </a:p>
@@ -8956,7 +12106,7 @@
           <a:p>
             <a:fld id="{A1368BEB-7B4F-3B4C-9C80-C5E0D90F89D2}" type="datetimeFigureOut">
               <a:rPr lang="en-US" smtClean="0"/>
-              <a:t>5/16/24</a:t>
+              <a:t>5/17/24</a:t>
             </a:fld>
             <a:endParaRPr lang="en-US"/>
           </a:p>
@@ -9371,7 +12521,7 @@
           <a:p>
             <a:fld id="{A1368BEB-7B4F-3B4C-9C80-C5E0D90F89D2}" type="datetimeFigureOut">
               <a:rPr lang="en-US" smtClean="0"/>
-              <a:t>5/16/24</a:t>
+              <a:t>5/17/24</a:t>
             </a:fld>
             <a:endParaRPr lang="en-US"/>
           </a:p>
@@ -9513,7 +12663,7 @@
           <a:p>
             <a:fld id="{A1368BEB-7B4F-3B4C-9C80-C5E0D90F89D2}" type="datetimeFigureOut">
               <a:rPr lang="en-US" smtClean="0"/>
-              <a:t>5/16/24</a:t>
+              <a:t>5/17/24</a:t>
             </a:fld>
             <a:endParaRPr lang="en-US"/>
           </a:p>
@@ -9626,7 +12776,7 @@
           <a:p>
             <a:fld id="{A1368BEB-7B4F-3B4C-9C80-C5E0D90F89D2}" type="datetimeFigureOut">
               <a:rPr lang="en-US" smtClean="0"/>
-              <a:t>5/16/24</a:t>
+              <a:t>5/17/24</a:t>
             </a:fld>
             <a:endParaRPr lang="en-US"/>
           </a:p>
@@ -9939,7 +13089,7 @@
           <a:p>
             <a:fld id="{A1368BEB-7B4F-3B4C-9C80-C5E0D90F89D2}" type="datetimeFigureOut">
               <a:rPr lang="en-US" smtClean="0"/>
-              <a:t>5/16/24</a:t>
+              <a:t>5/17/24</a:t>
             </a:fld>
             <a:endParaRPr lang="en-US"/>
           </a:p>
@@ -10228,7 +13378,7 @@
           <a:p>
             <a:fld id="{A1368BEB-7B4F-3B4C-9C80-C5E0D90F89D2}" type="datetimeFigureOut">
               <a:rPr lang="en-US" smtClean="0"/>
-              <a:t>5/16/24</a:t>
+              <a:t>5/17/24</a:t>
             </a:fld>
             <a:endParaRPr lang="en-US"/>
           </a:p>
@@ -10471,7 +13621,7 @@
           <a:p>
             <a:fld id="{A1368BEB-7B4F-3B4C-9C80-C5E0D90F89D2}" type="datetimeFigureOut">
               <a:rPr lang="en-US" smtClean="0"/>
-              <a:t>5/16/24</a:t>
+              <a:t>5/17/24</a:t>
             </a:fld>
             <a:endParaRPr lang="en-US"/>
           </a:p>
@@ -11026,54 +14176,6 @@
       </p:sp>
       <p:sp>
         <p:nvSpPr>
-          <p:cNvPr id="2" name="Title 1">
-            <a:extLst>
-              <a:ext uri="{FF2B5EF4-FFF2-40B4-BE49-F238E27FC236}">
-                <a16:creationId xmlns:a16="http://schemas.microsoft.com/office/drawing/2014/main" id="{3649A1C4-B9D0-CF2E-7944-1BF60CAB7458}"/>
-              </a:ext>
-            </a:extLst>
-          </p:cNvPr>
-          <p:cNvSpPr>
-            <a:spLocks noGrp="1"/>
-          </p:cNvSpPr>
-          <p:nvPr>
-            <p:ph type="ctrTitle"/>
-          </p:nvPr>
-        </p:nvSpPr>
-        <p:spPr>
-          <a:xfrm>
-            <a:off x="1901162" y="3050434"/>
-            <a:ext cx="3722933" cy="757130"/>
-          </a:xfrm>
-          <a:ln w="25400" cap="sq">
-            <a:solidFill>
-              <a:srgbClr val="FFFFFF"/>
-            </a:solidFill>
-            <a:miter lim="800000"/>
-          </a:ln>
-        </p:spPr>
-        <p:txBody>
-          <a:bodyPr vert="horz" wrap="square" lIns="91440" tIns="45720" rIns="91440" bIns="45720" rtlCol="0" anchor="ctr">
-            <a:normAutofit/>
-          </a:bodyPr>
-          <a:lstStyle/>
-          <a:p>
-            <a:r>
-              <a:rPr lang="en-US" sz="2600" kern="1200">
-                <a:solidFill>
-                  <a:srgbClr val="FFFFFF"/>
-                </a:solidFill>
-                <a:latin typeface="+mj-lt"/>
-                <a:ea typeface="+mj-ea"/>
-                <a:cs typeface="+mj-cs"/>
-              </a:rPr>
-              <a:t>Machine Learning Project </a:t>
-            </a:r>
-          </a:p>
-        </p:txBody>
-      </p:sp>
-      <p:sp>
-        <p:nvSpPr>
           <p:cNvPr id="71" name="Rectangle 70">
             <a:extLst>
               <a:ext uri="{FF2B5EF4-FFF2-40B4-BE49-F238E27FC236}">
@@ -11155,20 +14257,27 @@
         </p:nvSpPr>
         <p:spPr>
           <a:xfrm>
-            <a:off x="6574536" y="1560786"/>
-            <a:ext cx="5053066" cy="1625898"/>
+            <a:off x="6335268" y="1140162"/>
+            <a:ext cx="5617464" cy="926382"/>
           </a:xfrm>
         </p:spPr>
         <p:txBody>
           <a:bodyPr vert="horz" lIns="91440" tIns="45720" rIns="91440" bIns="45720" rtlCol="0">
-            <a:normAutofit/>
+            <a:normAutofit lnSpcReduction="10000"/>
           </a:bodyPr>
           <a:lstStyle/>
           <a:p>
             <a:pPr algn="l"/>
             <a:r>
-              <a:rPr lang="en-US" sz="3600" dirty="0"/>
-              <a:t>Train Delay Prediction</a:t>
+              <a:rPr lang="en-US" sz="2200" dirty="0"/>
+              <a:t>Final Project</a:t>
+            </a:r>
+          </a:p>
+          <a:p>
+            <a:pPr algn="l"/>
+            <a:r>
+              <a:rPr lang="en-US" sz="3200" dirty="0"/>
+              <a:t>Passenger Train Delay Prediction</a:t>
             </a:r>
           </a:p>
         </p:txBody>
@@ -11187,8 +14296,8 @@
         </p:nvSpPr>
         <p:spPr>
           <a:xfrm>
-            <a:off x="6570204" y="3671315"/>
-            <a:ext cx="5057398" cy="2546605"/>
+            <a:off x="6335268" y="4996929"/>
+            <a:ext cx="5057398" cy="403728"/>
           </a:xfrm>
           <a:prstGeom prst="rect">
             <a:avLst/>
@@ -11196,7 +14305,7 @@
         </p:spPr>
         <p:txBody>
           <a:bodyPr vert="horz" lIns="91440" tIns="45720" rIns="91440" bIns="45720" rtlCol="0">
-            <a:normAutofit/>
+            <a:normAutofit fontScale="92500" lnSpcReduction="10000"/>
           </a:bodyPr>
           <a:lstStyle/>
           <a:p>
@@ -11210,61 +14319,109 @@
             </a:pPr>
             <a:r>
               <a:rPr lang="en-US" sz="2000" dirty="0"/>
-              <a:t>By,</a:t>
+              <a:t>Group 5</a:t>
             </a:r>
           </a:p>
           <a:p>
-            <a:pPr marL="285750" indent="-228600">
+            <a:pPr>
               <a:lnSpc>
                 <a:spcPct val="90000"/>
               </a:lnSpc>
               <a:spcAft>
                 <a:spcPts val="600"/>
               </a:spcAft>
-              <a:buFont typeface="Arial" panose="020B0604020202020204" pitchFamily="34" charset="0"/>
-              <a:buChar char="•"/>
             </a:pPr>
-            <a:r>
-              <a:rPr lang="en-US" sz="2000" dirty="0"/>
-              <a:t>Ziaul Chowdhury</a:t>
-            </a:r>
-          </a:p>
-          <a:p>
-            <a:pPr marL="285750" indent="-228600">
+            <a:endParaRPr lang="en-US" sz="2000" dirty="0"/>
+          </a:p>
+          <a:p>
+            <a:pPr>
               <a:lnSpc>
                 <a:spcPct val="90000"/>
               </a:lnSpc>
               <a:spcAft>
                 <a:spcPts val="600"/>
               </a:spcAft>
-              <a:buFont typeface="Arial" panose="020B0604020202020204" pitchFamily="34" charset="0"/>
-              <a:buChar char="•"/>
             </a:pPr>
-            <a:r>
-              <a:rPr lang="en-US" sz="2000" dirty="0"/>
-              <a:t>Christina Larsson</a:t>
-            </a:r>
-          </a:p>
-          <a:p>
-            <a:pPr marL="285750" indent="-228600">
+            <a:endParaRPr lang="en-US" sz="2000" dirty="0"/>
+          </a:p>
+        </p:txBody>
+      </p:sp>
+      <p:pic>
+        <p:nvPicPr>
+          <p:cNvPr id="8" name="Graphic 7">
+            <a:extLst>
+              <a:ext uri="{FF2B5EF4-FFF2-40B4-BE49-F238E27FC236}">
+                <a16:creationId xmlns:a16="http://schemas.microsoft.com/office/drawing/2014/main" id="{7461B36D-3AED-20BD-E7DA-3876DE036995}"/>
+              </a:ext>
+            </a:extLst>
+          </p:cNvPr>
+          <p:cNvPicPr>
+            <a:picLocks noChangeAspect="1"/>
+          </p:cNvPicPr>
+          <p:nvPr/>
+        </p:nvPicPr>
+        <p:blipFill>
+          <a:blip r:embed="rId2">
+            <a:extLst>
+              <a:ext uri="{96DAC541-7B7A-43D3-8B79-37D633B846F1}">
+                <asvg:svgBlip xmlns:asvg="http://schemas.microsoft.com/office/drawing/2016/SVG/main" r:embed="rId3"/>
+              </a:ext>
+            </a:extLst>
+          </a:blip>
+          <a:stretch>
+            <a:fillRect/>
+          </a:stretch>
+        </p:blipFill>
+        <p:spPr>
+          <a:xfrm>
+            <a:off x="2513271" y="2211425"/>
+            <a:ext cx="2473198" cy="2435149"/>
+          </a:xfrm>
+          <a:prstGeom prst="rect">
+            <a:avLst/>
+          </a:prstGeom>
+        </p:spPr>
+      </p:pic>
+      <p:sp>
+        <p:nvSpPr>
+          <p:cNvPr id="15" name="TextBox 14">
+            <a:extLst>
+              <a:ext uri="{FF2B5EF4-FFF2-40B4-BE49-F238E27FC236}">
+                <a16:creationId xmlns:a16="http://schemas.microsoft.com/office/drawing/2014/main" id="{25820B8D-AEE5-F2AF-902E-B2AD53CAF106}"/>
+              </a:ext>
+            </a:extLst>
+          </p:cNvPr>
+          <p:cNvSpPr txBox="1"/>
+          <p:nvPr/>
+        </p:nvSpPr>
+        <p:spPr>
+          <a:xfrm>
+            <a:off x="6335268" y="5394427"/>
+            <a:ext cx="5057398" cy="424732"/>
+          </a:xfrm>
+          <a:prstGeom prst="rect">
+            <a:avLst/>
+          </a:prstGeom>
+          <a:noFill/>
+        </p:spPr>
+        <p:txBody>
+          <a:bodyPr wrap="square">
+            <a:spAutoFit/>
+          </a:bodyPr>
+          <a:lstStyle/>
+          <a:p>
+            <a:pPr>
               <a:lnSpc>
                 <a:spcPct val="90000"/>
               </a:lnSpc>
               <a:spcAft>
                 <a:spcPts val="600"/>
               </a:spcAft>
-              <a:buFont typeface="Arial" panose="020B0604020202020204" pitchFamily="34" charset="0"/>
-              <a:buChar char="•"/>
             </a:pPr>
             <a:r>
-              <a:rPr lang="en-US" sz="2000" dirty="0"/>
-              <a:t>Suhasini </a:t>
+              <a:rPr lang="en-US" sz="2400" dirty="0"/>
+              <a:t>Machine Learning Engineering</a:t>
             </a:r>
-            <a:r>
-              <a:rPr lang="en-US" sz="2000" dirty="0" err="1"/>
-              <a:t>Aswath</a:t>
-            </a:r>
-            <a:endParaRPr lang="en-US" sz="2000" dirty="0"/>
           </a:p>
         </p:txBody>
       </p:sp>
@@ -11308,10 +14465,10 @@
       </p:grpSpPr>
       <p:sp useBgFill="1">
         <p:nvSpPr>
-          <p:cNvPr id="23" name="Rectangle 22">
+          <p:cNvPr id="10" name="Rectangle 9">
             <a:extLst>
               <a:ext uri="{FF2B5EF4-FFF2-40B4-BE49-F238E27FC236}">
-                <a16:creationId xmlns:a16="http://schemas.microsoft.com/office/drawing/2014/main" id="{2550BE34-C2B8-49B8-8519-67A8CAD51AE9}"/>
+                <a16:creationId xmlns:a16="http://schemas.microsoft.com/office/drawing/2014/main" id="{BA79A7CF-01AF-4178-9369-94E0C90EB046}"/>
               </a:ext>
               <a:ext uri="{C183D7F6-B498-43B3-948B-1728B52AA6E4}">
                 <adec:decorative xmlns:adec="http://schemas.microsoft.com/office/drawing/2017/decorative" val="1"/>
@@ -11332,7 +14489,7 @@
         <p:spPr>
           <a:xfrm>
             <a:off x="0" y="0"/>
-            <a:ext cx="12192000" cy="6858000"/>
+            <a:ext cx="12191999" cy="6857365"/>
           </a:xfrm>
           <a:prstGeom prst="rect">
             <a:avLst/>
@@ -11366,12 +14523,54 @@
           </a:p>
         </p:txBody>
       </p:sp>
-      <p:sp useBgFill="1">
+      <p:sp>
         <p:nvSpPr>
-          <p:cNvPr id="25" name="Rectangle 24">
+          <p:cNvPr id="2" name="Title 1">
             <a:extLst>
               <a:ext uri="{FF2B5EF4-FFF2-40B4-BE49-F238E27FC236}">
-                <a16:creationId xmlns:a16="http://schemas.microsoft.com/office/drawing/2014/main" id="{A7457DD9-5A45-400A-AB4B-4B4EDECA25F1}"/>
+                <a16:creationId xmlns:a16="http://schemas.microsoft.com/office/drawing/2014/main" id="{59C2DC7C-4114-C9EA-06F7-9093FDAB0C5B}"/>
+              </a:ext>
+            </a:extLst>
+          </p:cNvPr>
+          <p:cNvSpPr>
+            <a:spLocks noGrp="1"/>
+          </p:cNvSpPr>
+          <p:nvPr>
+            <p:ph type="title"/>
+          </p:nvPr>
+        </p:nvSpPr>
+        <p:spPr>
+          <a:xfrm>
+            <a:off x="9267909" y="2023110"/>
+            <a:ext cx="2469624" cy="2846070"/>
+          </a:xfrm>
+        </p:spPr>
+        <p:txBody>
+          <a:bodyPr vert="horz" lIns="91440" tIns="45720" rIns="91440" bIns="45720" rtlCol="0" anchor="ctr">
+            <a:normAutofit/>
+          </a:bodyPr>
+          <a:lstStyle/>
+          <a:p>
+            <a:r>
+              <a:rPr lang="en-US" sz="3700" kern="1200" dirty="0">
+                <a:solidFill>
+                  <a:schemeClr val="tx1"/>
+                </a:solidFill>
+                <a:latin typeface="+mj-lt"/>
+                <a:ea typeface="+mj-ea"/>
+                <a:cs typeface="+mj-cs"/>
+              </a:rPr>
+              <a:t>Passenger Train delay Prediction</a:t>
+            </a:r>
+          </a:p>
+        </p:txBody>
+      </p:sp>
+      <p:sp>
+        <p:nvSpPr>
+          <p:cNvPr id="12" name="Rectangle 11">
+            <a:extLst>
+              <a:ext uri="{FF2B5EF4-FFF2-40B4-BE49-F238E27FC236}">
+                <a16:creationId xmlns:a16="http://schemas.microsoft.com/office/drawing/2014/main" id="{99413ED5-9ED4-4772-BCE4-2BCAE6B12E35}"/>
               </a:ext>
               <a:ext uri="{C183D7F6-B498-43B3-948B-1728B52AA6E4}">
                 <adec:decorative xmlns:adec="http://schemas.microsoft.com/office/drawing/2017/decorative" val="1"/>
@@ -11390,156 +14589,15 @@
           </p:nvPr>
         </p:nvSpPr>
         <p:spPr>
-          <a:xfrm>
-            <a:off x="554416" y="365125"/>
-            <a:ext cx="11167447" cy="2089317"/>
-          </a:xfrm>
-          <a:prstGeom prst="rect">
-            <a:avLst/>
-          </a:prstGeom>
-          <a:ln w="12700">
-            <a:solidFill>
-              <a:srgbClr val="DEDEDE"/>
-            </a:solidFill>
-          </a:ln>
-          <a:effectLst>
-            <a:outerShdw blurRad="50800" dist="38100" dir="2700000" algn="tl" rotWithShape="0">
-              <a:schemeClr val="bg2">
-                <a:lumMod val="85000"/>
-                <a:alpha val="50000"/>
-              </a:schemeClr>
-            </a:outerShdw>
-          </a:effectLst>
-        </p:spPr>
-        <p:style>
-          <a:lnRef idx="2">
-            <a:schemeClr val="accent1">
-              <a:shade val="50000"/>
-            </a:schemeClr>
-          </a:lnRef>
-          <a:fillRef idx="1">
-            <a:schemeClr val="accent1"/>
-          </a:fillRef>
-          <a:effectRef idx="0">
-            <a:schemeClr val="accent1"/>
-          </a:effectRef>
-          <a:fontRef idx="minor">
-            <a:schemeClr val="lt1"/>
-          </a:fontRef>
-        </p:style>
-        <p:txBody>
-          <a:bodyPr rtlCol="0" anchor="ctr"/>
-          <a:lstStyle/>
-          <a:p>
-            <a:pPr marL="0" marR="0" lvl="0" indent="0" algn="ctr" defTabSz="914400" rtl="0" eaLnBrk="1" fontAlgn="auto" latinLnBrk="0" hangingPunct="1">
-              <a:lnSpc>
-                <a:spcPct val="100000"/>
-              </a:lnSpc>
-              <a:spcBef>
-                <a:spcPts val="0"/>
-              </a:spcBef>
-              <a:spcAft>
-                <a:spcPts val="0"/>
-              </a:spcAft>
-              <a:buClrTx/>
-              <a:buSzTx/>
-              <a:buFontTx/>
-              <a:buNone/>
-              <a:tabLst/>
-              <a:defRPr/>
-            </a:pPr>
-            <a:endParaRPr kumimoji="0" lang="en-US" sz="1800" b="0" i="0" u="none" strike="noStrike" kern="1200" cap="none" spc="0" normalizeH="0" baseline="0" noProof="0">
-              <a:ln>
-                <a:noFill/>
-              </a:ln>
-              <a:solidFill>
-                <a:prstClr val="white"/>
-              </a:solidFill>
-              <a:effectLst/>
-              <a:uLnTx/>
-              <a:uFillTx/>
-              <a:latin typeface="Calibri" panose="020F0502020204030204"/>
-              <a:ea typeface="+mn-ea"/>
-              <a:cs typeface="+mn-cs"/>
-            </a:endParaRPr>
-          </a:p>
-        </p:txBody>
-      </p:sp>
-      <p:sp>
-        <p:nvSpPr>
-          <p:cNvPr id="2" name="Title 1">
-            <a:extLst>
-              <a:ext uri="{FF2B5EF4-FFF2-40B4-BE49-F238E27FC236}">
-                <a16:creationId xmlns:a16="http://schemas.microsoft.com/office/drawing/2014/main" id="{55A31A47-4CE7-968A-2D67-A37818CDBD4C}"/>
-              </a:ext>
-            </a:extLst>
-          </p:cNvPr>
-          <p:cNvSpPr>
-            <a:spLocks noGrp="1"/>
-          </p:cNvSpPr>
-          <p:nvPr>
-            <p:ph type="title"/>
-          </p:nvPr>
-        </p:nvSpPr>
-        <p:spPr>
-          <a:xfrm>
-            <a:off x="1046746" y="586822"/>
-            <a:ext cx="3560252" cy="1645920"/>
-          </a:xfrm>
-        </p:spPr>
-        <p:txBody>
-          <a:bodyPr vert="horz" lIns="91440" tIns="45720" rIns="91440" bIns="45720" rtlCol="0" anchor="ctr">
-            <a:normAutofit/>
-          </a:bodyPr>
-          <a:lstStyle/>
-          <a:p>
-            <a:r>
-              <a:rPr lang="en-US" sz="3200" kern="1200">
-                <a:solidFill>
-                  <a:schemeClr val="tx1"/>
-                </a:solidFill>
-                <a:latin typeface="+mj-lt"/>
-                <a:ea typeface="+mj-ea"/>
-                <a:cs typeface="+mj-cs"/>
-              </a:rPr>
-              <a:t>Train delay Prediction</a:t>
-            </a:r>
-          </a:p>
-        </p:txBody>
-      </p:sp>
-      <p:sp>
-        <p:nvSpPr>
-          <p:cNvPr id="27" name="Rectangle 26">
-            <a:extLst>
-              <a:ext uri="{FF2B5EF4-FFF2-40B4-BE49-F238E27FC236}">
-                <a16:creationId xmlns:a16="http://schemas.microsoft.com/office/drawing/2014/main" id="{441CF7D6-A660-431A-B0BB-140A0D5556B6}"/>
-              </a:ext>
-              <a:ext uri="{C183D7F6-B498-43B3-948B-1728B52AA6E4}">
-                <adec:decorative xmlns:adec="http://schemas.microsoft.com/office/drawing/2017/decorative" val="1"/>
-              </a:ext>
-            </a:extLst>
-          </p:cNvPr>
-          <p:cNvSpPr>
-            <a:spLocks noGrp="1" noRot="1" noChangeAspect="1" noMove="1" noResize="1" noEditPoints="1" noAdjustHandles="1" noChangeArrowheads="1" noChangeShapeType="1" noTextEdit="1"/>
-          </p:cNvSpPr>
-          <p:nvPr>
-            <p:extLst>
-              <p:ext uri="{386F3935-93C4-4BCD-93E2-E3B085C9AB24}">
-                <p16:designElem xmlns:p16="http://schemas.microsoft.com/office/powerpoint/2015/main" val="1"/>
-              </p:ext>
-            </p:extLst>
-          </p:nvPr>
-        </p:nvSpPr>
-        <p:spPr>
-          <a:xfrm>
-            <a:off x="490408" y="1057739"/>
-            <a:ext cx="128016" cy="704088"/>
+          <a:xfrm rot="16200000">
+            <a:off x="3433973" y="-827233"/>
+            <a:ext cx="1715478" cy="8583421"/>
           </a:xfrm>
           <a:prstGeom prst="rect">
             <a:avLst/>
           </a:prstGeom>
           <a:solidFill>
-            <a:schemeClr val="accent2"/>
+            <a:schemeClr val="accent4"/>
           </a:solidFill>
           <a:ln>
             <a:noFill/>
@@ -11566,21 +14624,16 @@
           <a:lstStyle/>
           <a:p>
             <a:pPr algn="ctr"/>
-            <a:endParaRPr lang="en-US" dirty="0">
-              <a:solidFill>
-                <a:prstClr val="white"/>
-              </a:solidFill>
-              <a:latin typeface="Calibri" panose="020F0502020204030204"/>
-            </a:endParaRPr>
+            <a:endParaRPr lang="en-US" dirty="0"/>
           </a:p>
         </p:txBody>
       </p:sp>
       <p:sp>
         <p:nvSpPr>
-          <p:cNvPr id="29" name="Rectangle 28">
+          <p:cNvPr id="14" name="Rectangle 13">
             <a:extLst>
               <a:ext uri="{FF2B5EF4-FFF2-40B4-BE49-F238E27FC236}">
-                <a16:creationId xmlns:a16="http://schemas.microsoft.com/office/drawing/2014/main" id="{0570A85B-3810-4F95-97B0-CBF4CCDB381C}"/>
+                <a16:creationId xmlns:a16="http://schemas.microsoft.com/office/drawing/2014/main" id="{04357C93-F0CB-4A1C-8F77-4E9063789819}"/>
               </a:ext>
               <a:ext uri="{C183D7F6-B498-43B3-948B-1728B52AA6E4}">
                 <adec:decorative xmlns:adec="http://schemas.microsoft.com/office/drawing/2017/decorative" val="1"/>
@@ -11599,20 +14652,26 @@
           </p:nvPr>
         </p:nvSpPr>
         <p:spPr>
-          <a:xfrm rot="5400000">
-            <a:off x="4243541" y="1400638"/>
-            <a:ext cx="1463040" cy="18288"/>
+          <a:xfrm>
+            <a:off x="302085" y="664308"/>
+            <a:ext cx="8082632" cy="5600340"/>
           </a:xfrm>
           <a:prstGeom prst="rect">
             <a:avLst/>
           </a:prstGeom>
           <a:solidFill>
-            <a:srgbClr val="D5D5D5"/>
+            <a:schemeClr val="bg1"/>
           </a:solidFill>
-          <a:ln w="3175">
+          <a:ln>
             <a:noFill/>
           </a:ln>
-          <a:effectLst/>
+          <a:effectLst>
+            <a:outerShdw blurRad="139700" dist="127000" dir="5400000" algn="t" rotWithShape="0">
+              <a:prstClr val="black">
+                <a:alpha val="15000"/>
+              </a:prstClr>
+            </a:outerShdw>
+          </a:effectLst>
         </p:spPr>
         <p:style>
           <a:lnRef idx="2">
@@ -11635,140 +14694,16 @@
           <a:lstStyle/>
           <a:p>
             <a:pPr algn="ctr"/>
-            <a:endParaRPr lang="en-US">
-              <a:solidFill>
-                <a:prstClr val="white"/>
-              </a:solidFill>
-              <a:latin typeface="Calibri" panose="020F0502020204030204"/>
-            </a:endParaRPr>
-          </a:p>
-        </p:txBody>
-      </p:sp>
-      <p:sp>
-        <p:nvSpPr>
-          <p:cNvPr id="6" name="TextBox 5">
-            <a:extLst>
-              <a:ext uri="{FF2B5EF4-FFF2-40B4-BE49-F238E27FC236}">
-                <a16:creationId xmlns:a16="http://schemas.microsoft.com/office/drawing/2014/main" id="{82B02ED4-85B8-0188-240D-07101365BDCB}"/>
-              </a:ext>
-            </a:extLst>
-          </p:cNvPr>
-          <p:cNvSpPr txBox="1"/>
-          <p:nvPr/>
-        </p:nvSpPr>
-        <p:spPr>
-          <a:xfrm>
-            <a:off x="5351164" y="586822"/>
-            <a:ext cx="6002636" cy="1645920"/>
-          </a:xfrm>
-          <a:prstGeom prst="rect">
-            <a:avLst/>
-          </a:prstGeom>
-        </p:spPr>
-        <p:txBody>
-          <a:bodyPr vert="horz" lIns="91440" tIns="45720" rIns="91440" bIns="45720" rtlCol="0" anchor="ctr">
-            <a:noAutofit/>
-          </a:bodyPr>
-          <a:lstStyle/>
-          <a:p>
-            <a:pPr marL="285750" indent="-228600">
-              <a:lnSpc>
-                <a:spcPct val="90000"/>
-              </a:lnSpc>
-              <a:spcAft>
-                <a:spcPts val="600"/>
-              </a:spcAft>
-              <a:buFont typeface="Arial" panose="020B0604020202020204" pitchFamily="34" charset="0"/>
-              <a:buChar char="•"/>
-            </a:pPr>
-            <a:r>
-              <a:rPr lang="en-US" sz="1400" b="1" i="0" dirty="0">
-                <a:effectLst/>
-                <a:highlight>
-                  <a:srgbClr val="FFFFFF"/>
-                </a:highlight>
-              </a:rPr>
-              <a:t>Model Initialization and Server Configuration</a:t>
-            </a:r>
-            <a:r>
-              <a:rPr lang="en-US" sz="1400" b="0" i="0" dirty="0">
-                <a:effectLst/>
-                <a:highlight>
-                  <a:srgbClr val="FFFFFF"/>
-                </a:highlight>
-              </a:rPr>
-              <a:t>: The Random Forest Classifier model is initialized from stored weights, accompanied by label encoders, within the architecture </a:t>
-            </a:r>
-          </a:p>
-          <a:p>
-            <a:pPr marL="285750" indent="-228600">
-              <a:lnSpc>
-                <a:spcPct val="90000"/>
-              </a:lnSpc>
-              <a:spcAft>
-                <a:spcPts val="600"/>
-              </a:spcAft>
-              <a:buFont typeface="Arial" panose="020B0604020202020204" pitchFamily="34" charset="0"/>
-              <a:buChar char="•"/>
-            </a:pPr>
-            <a:r>
-              <a:rPr lang="en-US" sz="1400" b="1" i="0" dirty="0">
-                <a:effectLst/>
-                <a:highlight>
-                  <a:srgbClr val="FFFFFF"/>
-                </a:highlight>
-              </a:rPr>
-              <a:t>API Documentation and User Interface</a:t>
-            </a:r>
-            <a:r>
-              <a:rPr lang="en-US" sz="1400" b="0" i="0" dirty="0">
-                <a:effectLst/>
-                <a:highlight>
-                  <a:srgbClr val="FFFFFF"/>
-                </a:highlight>
-              </a:rPr>
-              <a:t>: Open API documentation, integrated with Swagger, aids in development and API management by listing available REST services and offering execution options via Swagger UI.</a:t>
-            </a:r>
-          </a:p>
-          <a:p>
-            <a:pPr marL="285750" indent="-228600">
-              <a:lnSpc>
-                <a:spcPct val="90000"/>
-              </a:lnSpc>
-              <a:spcAft>
-                <a:spcPts val="600"/>
-              </a:spcAft>
-              <a:buFont typeface="Arial" panose="020B0604020202020204" pitchFamily="34" charset="0"/>
-              <a:buChar char="•"/>
-            </a:pPr>
-            <a:r>
-              <a:rPr lang="en-US" sz="1400" b="1" i="0" dirty="0">
-                <a:effectLst/>
-                <a:highlight>
-                  <a:srgbClr val="FFFFFF"/>
-                </a:highlight>
-              </a:rPr>
-              <a:t>Prediction Process and Response Handling</a:t>
-            </a:r>
-            <a:r>
-              <a:rPr lang="en-US" sz="1400" b="0" i="0" dirty="0">
-                <a:effectLst/>
-                <a:highlight>
-                  <a:srgbClr val="FFFFFF"/>
-                </a:highlight>
-              </a:rPr>
-              <a:t>: The frontend application interacts with the backend by retrieving a list of available train schedules and presenting them to users. </a:t>
-            </a:r>
-            <a:endParaRPr lang="en-US" sz="1400" dirty="0"/>
+            <a:endParaRPr lang="en-US"/>
           </a:p>
         </p:txBody>
       </p:sp>
       <p:pic>
         <p:nvPicPr>
-          <p:cNvPr id="5" name="Content Placeholder 4" descr="A diagram of a train delay classifier&#10;&#10;Description automatically generated">
+          <p:cNvPr id="5" name="Picture 4" descr="A diagram of a program&#10;&#10;Description automatically generated">
             <a:extLst>
               <a:ext uri="{FF2B5EF4-FFF2-40B4-BE49-F238E27FC236}">
-                <a16:creationId xmlns:a16="http://schemas.microsoft.com/office/drawing/2014/main" id="{CF59C041-B3E5-4C6C-E836-CCED3DE97E67}"/>
+                <a16:creationId xmlns:a16="http://schemas.microsoft.com/office/drawing/2014/main" id="{BD95E127-676A-FEFA-58FC-CE3C21F5BE58}"/>
               </a:ext>
             </a:extLst>
           </p:cNvPr>
@@ -11778,25 +14713,88 @@
           <p:nvPr/>
         </p:nvPicPr>
         <p:blipFill>
-          <a:blip r:embed="rId3"/>
+          <a:blip r:embed="rId2"/>
           <a:stretch>
             <a:fillRect/>
           </a:stretch>
         </p:blipFill>
         <p:spPr>
           <a:xfrm>
-            <a:off x="1586125" y="2734056"/>
-            <a:ext cx="9108142" cy="3483864"/>
+            <a:off x="545238" y="2009390"/>
+            <a:ext cx="7608304" cy="2910175"/>
           </a:xfrm>
           <a:prstGeom prst="rect">
             <a:avLst/>
           </a:prstGeom>
         </p:spPr>
       </p:pic>
+      <p:sp>
+        <p:nvSpPr>
+          <p:cNvPr id="16" name="Rectangle 15">
+            <a:extLst>
+              <a:ext uri="{FF2B5EF4-FFF2-40B4-BE49-F238E27FC236}">
+                <a16:creationId xmlns:a16="http://schemas.microsoft.com/office/drawing/2014/main" id="{90F533E9-6690-41A8-A372-4C6C622D028D}"/>
+              </a:ext>
+              <a:ext uri="{C183D7F6-B498-43B3-948B-1728B52AA6E4}">
+                <adec:decorative xmlns:adec="http://schemas.microsoft.com/office/drawing/2017/decorative" val="1"/>
+              </a:ext>
+            </a:extLst>
+          </p:cNvPr>
+          <p:cNvSpPr>
+            <a:spLocks noGrp="1" noRot="1" noChangeAspect="1" noMove="1" noResize="1" noEditPoints="1" noAdjustHandles="1" noChangeArrowheads="1" noChangeShapeType="1" noTextEdit="1"/>
+          </p:cNvSpPr>
+          <p:nvPr>
+            <p:extLst>
+              <p:ext uri="{386F3935-93C4-4BCD-93E2-E3B085C9AB24}">
+                <p16:designElem xmlns:p16="http://schemas.microsoft.com/office/powerpoint/2015/main" val="1"/>
+              </p:ext>
+            </p:extLst>
+          </p:nvPr>
+        </p:nvSpPr>
+        <p:spPr>
+          <a:xfrm rot="5400000">
+            <a:off x="7950447" y="3392097"/>
+            <a:ext cx="1719072" cy="152382"/>
+          </a:xfrm>
+          <a:prstGeom prst="rect">
+            <a:avLst/>
+          </a:prstGeom>
+          <a:solidFill>
+            <a:schemeClr val="accent4"/>
+          </a:solidFill>
+          <a:ln>
+            <a:noFill/>
+          </a:ln>
+        </p:spPr>
+        <p:style>
+          <a:lnRef idx="2">
+            <a:schemeClr val="accent1">
+              <a:shade val="50000"/>
+            </a:schemeClr>
+          </a:lnRef>
+          <a:fillRef idx="1">
+            <a:schemeClr val="accent1"/>
+          </a:fillRef>
+          <a:effectRef idx="0">
+            <a:schemeClr val="accent1"/>
+          </a:effectRef>
+          <a:fontRef idx="minor">
+            <a:schemeClr val="lt1"/>
+          </a:fontRef>
+        </p:style>
+        <p:txBody>
+          <a:bodyPr rtlCol="0" anchor="ctr"/>
+          <a:lstStyle/>
+          <a:p>
+            <a:pPr algn="ctr"/>
+            <a:endParaRPr lang="en-US"/>
+          </a:p>
+        </p:txBody>
+      </p:sp>
     </p:spTree>
     <p:extLst>
       <p:ext uri="{BB962C8B-B14F-4D97-AF65-F5344CB8AC3E}">
-        <p14:creationId xmlns:p14="http://schemas.microsoft.com/office/powerpoint/2010/main" val="4173489091"/>
+        <p14:creationId xmlns:p14="http://schemas.microsoft.com/office/powerpoint/2010/main" val="4076946362"/>
       </p:ext>
     </p:extLst>
   </p:cSld>
@@ -13865,6 +16863,14 @@
 <file path=ppt/slides/slide15.xml><?xml version="1.0" encoding="utf-8"?>
 <p:sld xmlns:a="http://schemas.openxmlformats.org/drawingml/2006/main" xmlns:r="http://schemas.openxmlformats.org/officeDocument/2006/relationships" xmlns:p="http://schemas.openxmlformats.org/presentationml/2006/main">
   <p:cSld>
+    <p:bg>
+      <p:bgPr>
+        <a:solidFill>
+          <a:schemeClr val="bg1"/>
+        </a:solidFill>
+        <a:effectLst/>
+      </p:bgPr>
+    </p:bg>
     <p:spTree>
       <p:nvGrpSpPr>
         <p:cNvPr id="1" name=""/>
@@ -13881,6 +16887,69 @@
       </p:grpSpPr>
       <p:sp>
         <p:nvSpPr>
+          <p:cNvPr id="10" name="Rectangle 9">
+            <a:extLst>
+              <a:ext uri="{FF2B5EF4-FFF2-40B4-BE49-F238E27FC236}">
+                <a16:creationId xmlns:a16="http://schemas.microsoft.com/office/drawing/2014/main" id="{AE2B703B-46F9-481A-A605-82E2A828C4FA}"/>
+              </a:ext>
+              <a:ext uri="{C183D7F6-B498-43B3-948B-1728B52AA6E4}">
+                <adec:decorative xmlns:adec="http://schemas.microsoft.com/office/drawing/2017/decorative" val="1"/>
+              </a:ext>
+            </a:extLst>
+          </p:cNvPr>
+          <p:cNvSpPr>
+            <a:spLocks noGrp="1" noRot="1" noChangeAspect="1" noMove="1" noResize="1" noEditPoints="1" noAdjustHandles="1" noChangeArrowheads="1" noChangeShapeType="1" noTextEdit="1"/>
+          </p:cNvSpPr>
+          <p:nvPr>
+            <p:extLst>
+              <p:ext uri="{386F3935-93C4-4BCD-93E2-E3B085C9AB24}">
+                <p16:designElem xmlns:p16="http://schemas.microsoft.com/office/powerpoint/2015/main" val="1"/>
+              </p:ext>
+            </p:extLst>
+          </p:nvPr>
+        </p:nvSpPr>
+        <p:spPr>
+          <a:xfrm>
+            <a:off x="0" y="0"/>
+            <a:ext cx="12192000" cy="6858000"/>
+          </a:xfrm>
+          <a:prstGeom prst="rect">
+            <a:avLst/>
+          </a:prstGeom>
+          <a:solidFill>
+            <a:schemeClr val="accent2"/>
+          </a:solidFill>
+          <a:ln>
+            <a:noFill/>
+          </a:ln>
+        </p:spPr>
+        <p:style>
+          <a:lnRef idx="2">
+            <a:schemeClr val="accent1">
+              <a:shade val="50000"/>
+            </a:schemeClr>
+          </a:lnRef>
+          <a:fillRef idx="1">
+            <a:schemeClr val="accent1"/>
+          </a:fillRef>
+          <a:effectRef idx="0">
+            <a:schemeClr val="accent1"/>
+          </a:effectRef>
+          <a:fontRef idx="minor">
+            <a:schemeClr val="lt1"/>
+          </a:fontRef>
+        </p:style>
+        <p:txBody>
+          <a:bodyPr rtlCol="0" anchor="ctr"/>
+          <a:lstStyle/>
+          <a:p>
+            <a:pPr algn="ctr"/>
+            <a:endParaRPr lang="en-US"/>
+          </a:p>
+        </p:txBody>
+      </p:sp>
+      <p:sp>
+        <p:nvSpPr>
           <p:cNvPr id="2" name="Title 1">
             <a:extLst>
               <a:ext uri="{FF2B5EF4-FFF2-40B4-BE49-F238E27FC236}">
@@ -13895,13 +16964,25 @@
             <p:ph type="title"/>
           </p:nvPr>
         </p:nvSpPr>
-        <p:spPr/>
+        <p:spPr>
+          <a:xfrm>
+            <a:off x="838200" y="459863"/>
+            <a:ext cx="10515600" cy="1004594"/>
+          </a:xfrm>
+        </p:spPr>
         <p:txBody>
-          <a:bodyPr/>
+          <a:bodyPr>
+            <a:normAutofit/>
+          </a:bodyPr>
           <a:lstStyle/>
           <a:p>
+            <a:pPr algn="ctr"/>
             <a:r>
-              <a:rPr lang="en-DE" dirty="0"/>
+              <a:rPr lang="en-DE">
+                <a:solidFill>
+                  <a:srgbClr val="FFFFFF"/>
+                </a:solidFill>
+              </a:rPr>
               <a:t>Testing</a:t>
             </a:r>
           </a:p>
@@ -13909,29 +16990,102 @@
       </p:sp>
       <p:sp>
         <p:nvSpPr>
-          <p:cNvPr id="3" name="Content Placeholder 2">
+          <p:cNvPr id="12" name="Rectangle: Rounded Corners 11">
             <a:extLst>
               <a:ext uri="{FF2B5EF4-FFF2-40B4-BE49-F238E27FC236}">
-                <a16:creationId xmlns:a16="http://schemas.microsoft.com/office/drawing/2014/main" id="{DE1F39E0-C7DF-ED2C-7ABD-C8105FE5A51E}"/>
+                <a16:creationId xmlns:a16="http://schemas.microsoft.com/office/drawing/2014/main" id="{F13BE4D7-0C3D-4906-B230-A1C5B4665CCF}"/>
+              </a:ext>
+              <a:ext uri="{C183D7F6-B498-43B3-948B-1728B52AA6E4}">
+                <adec:decorative xmlns:adec="http://schemas.microsoft.com/office/drawing/2017/decorative" val="1"/>
               </a:ext>
             </a:extLst>
           </p:cNvPr>
           <p:cNvSpPr>
-            <a:spLocks noGrp="1"/>
+            <a:spLocks noGrp="1" noRot="1" noChangeAspect="1" noMove="1" noResize="1" noEditPoints="1" noAdjustHandles="1" noChangeArrowheads="1" noChangeShapeType="1" noTextEdit="1"/>
           </p:cNvSpPr>
           <p:nvPr>
-            <p:ph idx="1"/>
+            <p:extLst>
+              <p:ext uri="{386F3935-93C4-4BCD-93E2-E3B085C9AB24}">
+                <p16:designElem xmlns:p16="http://schemas.microsoft.com/office/powerpoint/2015/main" val="1"/>
+              </p:ext>
+            </p:extLst>
           </p:nvPr>
         </p:nvSpPr>
-        <p:spPr/>
+        <p:spPr>
+          <a:xfrm>
+            <a:off x="579496" y="1587970"/>
+            <a:ext cx="11033008" cy="4768380"/>
+          </a:xfrm>
+          <a:prstGeom prst="roundRect">
+            <a:avLst>
+              <a:gd name="adj" fmla="val 3174"/>
+            </a:avLst>
+          </a:prstGeom>
+          <a:solidFill>
+            <a:schemeClr val="bg1">
+              <a:alpha val="95000"/>
+            </a:schemeClr>
+          </a:solidFill>
+          <a:ln>
+            <a:noFill/>
+          </a:ln>
+        </p:spPr>
+        <p:style>
+          <a:lnRef idx="2">
+            <a:schemeClr val="accent1">
+              <a:shade val="50000"/>
+            </a:schemeClr>
+          </a:lnRef>
+          <a:fillRef idx="1">
+            <a:schemeClr val="accent1"/>
+          </a:fillRef>
+          <a:effectRef idx="0">
+            <a:schemeClr val="accent1"/>
+          </a:effectRef>
+          <a:fontRef idx="minor">
+            <a:schemeClr val="lt1"/>
+          </a:fontRef>
+        </p:style>
         <p:txBody>
-          <a:bodyPr/>
+          <a:bodyPr rtlCol="0" anchor="ctr"/>
           <a:lstStyle/>
           <a:p>
-            <a:endParaRPr lang="en-DE"/>
+            <a:pPr algn="ctr"/>
+            <a:endParaRPr lang="en-US"/>
           </a:p>
         </p:txBody>
       </p:sp>
+      <p:graphicFrame>
+        <p:nvGraphicFramePr>
+          <p:cNvPr id="5" name="Content Placeholder 2">
+            <a:extLst>
+              <a:ext uri="{FF2B5EF4-FFF2-40B4-BE49-F238E27FC236}">
+                <a16:creationId xmlns:a16="http://schemas.microsoft.com/office/drawing/2014/main" id="{96861ADD-91F9-9FA1-936E-56D5AFE5F4D2}"/>
+              </a:ext>
+            </a:extLst>
+          </p:cNvPr>
+          <p:cNvGraphicFramePr>
+            <a:graphicFrameLocks noGrp="1"/>
+          </p:cNvGraphicFramePr>
+          <p:nvPr>
+            <p:ph idx="1"/>
+            <p:extLst>
+              <p:ext uri="{D42A27DB-BD31-4B8C-83A1-F6EECF244321}">
+                <p14:modId xmlns:p14="http://schemas.microsoft.com/office/powerpoint/2010/main" val="2001043793"/>
+              </p:ext>
+            </p:extLst>
+          </p:nvPr>
+        </p:nvGraphicFramePr>
+        <p:xfrm>
+          <a:off x="838200" y="1800911"/>
+          <a:ext cx="10515600" cy="4351338"/>
+        </p:xfrm>
+        <a:graphic>
+          <a:graphicData uri="http://schemas.openxmlformats.org/drawingml/2006/diagram">
+            <dgm:relIds xmlns:dgm="http://schemas.openxmlformats.org/drawingml/2006/diagram" xmlns:r="http://schemas.openxmlformats.org/officeDocument/2006/relationships" r:dm="rId2" r:lo="rId3" r:qs="rId4" r:cs="rId5"/>
+          </a:graphicData>
+        </a:graphic>
+      </p:graphicFrame>
     </p:spTree>
     <p:extLst>
       <p:ext uri="{BB962C8B-B14F-4D97-AF65-F5344CB8AC3E}">
@@ -13948,6 +17102,14 @@
 <file path=ppt/slides/slide16.xml><?xml version="1.0" encoding="utf-8"?>
 <p:sld xmlns:a="http://schemas.openxmlformats.org/drawingml/2006/main" xmlns:r="http://schemas.openxmlformats.org/officeDocument/2006/relationships" xmlns:p="http://schemas.openxmlformats.org/presentationml/2006/main">
   <p:cSld>
+    <p:bg>
+      <p:bgPr>
+        <a:solidFill>
+          <a:schemeClr val="bg1"/>
+        </a:solidFill>
+        <a:effectLst/>
+      </p:bgPr>
+    </p:bg>
     <p:spTree>
       <p:nvGrpSpPr>
         <p:cNvPr id="1" name=""/>
@@ -13962,6 +17124,348 @@
           <a:chExt cx="0" cy="0"/>
         </a:xfrm>
       </p:grpSpPr>
+      <p:sp useBgFill="1">
+        <p:nvSpPr>
+          <p:cNvPr id="31" name="Rectangle 30">
+            <a:extLst>
+              <a:ext uri="{FF2B5EF4-FFF2-40B4-BE49-F238E27FC236}">
+                <a16:creationId xmlns:a16="http://schemas.microsoft.com/office/drawing/2014/main" id="{56E9B3E6-E277-4D68-BA48-9CB43FFBD6E2}"/>
+              </a:ext>
+              <a:ext uri="{C183D7F6-B498-43B3-948B-1728B52AA6E4}">
+                <adec:decorative xmlns:adec="http://schemas.microsoft.com/office/drawing/2017/decorative" val="1"/>
+              </a:ext>
+            </a:extLst>
+          </p:cNvPr>
+          <p:cNvSpPr>
+            <a:spLocks noGrp="1" noRot="1" noChangeAspect="1" noMove="1" noResize="1" noEditPoints="1" noAdjustHandles="1" noChangeArrowheads="1" noChangeShapeType="1" noTextEdit="1"/>
+          </p:cNvSpPr>
+          <p:nvPr>
+            <p:extLst>
+              <p:ext uri="{386F3935-93C4-4BCD-93E2-E3B085C9AB24}">
+                <p16:designElem xmlns:p16="http://schemas.microsoft.com/office/powerpoint/2015/main" val="1"/>
+              </p:ext>
+            </p:extLst>
+          </p:nvPr>
+        </p:nvSpPr>
+        <p:spPr>
+          <a:xfrm>
+            <a:off x="0" y="0"/>
+            <a:ext cx="12191999" cy="6857365"/>
+          </a:xfrm>
+          <a:prstGeom prst="rect">
+            <a:avLst/>
+          </a:prstGeom>
+          <a:ln>
+            <a:noFill/>
+          </a:ln>
+        </p:spPr>
+        <p:style>
+          <a:lnRef idx="2">
+            <a:schemeClr val="accent1">
+              <a:shade val="50000"/>
+            </a:schemeClr>
+          </a:lnRef>
+          <a:fillRef idx="1">
+            <a:schemeClr val="accent1"/>
+          </a:fillRef>
+          <a:effectRef idx="0">
+            <a:schemeClr val="accent1"/>
+          </a:effectRef>
+          <a:fontRef idx="minor">
+            <a:schemeClr val="lt1"/>
+          </a:fontRef>
+        </p:style>
+        <p:txBody>
+          <a:bodyPr rtlCol="0" anchor="ctr"/>
+          <a:lstStyle/>
+          <a:p>
+            <a:pPr algn="ctr"/>
+            <a:endParaRPr lang="en-US"/>
+          </a:p>
+        </p:txBody>
+      </p:sp>
+      <p:grpSp>
+        <p:nvGrpSpPr>
+          <p:cNvPr id="11" name="Group 10">
+            <a:extLst>
+              <a:ext uri="{FF2B5EF4-FFF2-40B4-BE49-F238E27FC236}">
+                <a16:creationId xmlns:a16="http://schemas.microsoft.com/office/drawing/2014/main" id="{AE1C45F0-260A-458C-96ED-C1F6D2151219}"/>
+              </a:ext>
+              <a:ext uri="{C183D7F6-B498-43B3-948B-1728B52AA6E4}">
+                <adec:decorative xmlns:adec="http://schemas.microsoft.com/office/drawing/2017/decorative" val="1"/>
+              </a:ext>
+            </a:extLst>
+          </p:cNvPr>
+          <p:cNvGrpSpPr>
+            <a:grpSpLocks noGrp="1" noUngrp="1" noRot="1" noChangeAspect="1" noMove="1" noResize="1"/>
+          </p:cNvGrpSpPr>
+          <p:nvPr>
+            <p:extLst>
+              <p:ext uri="{386F3935-93C4-4BCD-93E2-E3B085C9AB24}">
+                <p16:designElem xmlns:p16="http://schemas.microsoft.com/office/powerpoint/2015/main" val="1"/>
+              </p:ext>
+            </p:extLst>
+          </p:nvPr>
+        </p:nvGrpSpPr>
+        <p:grpSpPr>
+          <a:xfrm>
+            <a:off x="4" y="1216597"/>
+            <a:ext cx="731521" cy="673460"/>
+            <a:chOff x="3940602" y="308034"/>
+            <a:chExt cx="2116791" cy="3428999"/>
+          </a:xfrm>
+          <a:solidFill>
+            <a:schemeClr val="accent4"/>
+          </a:solidFill>
+        </p:grpSpPr>
+        <p:sp>
+          <p:nvSpPr>
+            <p:cNvPr id="32" name="Rectangle 31">
+              <a:extLst>
+                <a:ext uri="{FF2B5EF4-FFF2-40B4-BE49-F238E27FC236}">
+                  <a16:creationId xmlns:a16="http://schemas.microsoft.com/office/drawing/2014/main" id="{A6604B49-AD5C-4590-B051-06C8222ECD99}"/>
+                </a:ext>
+                <a:ext uri="{C183D7F6-B498-43B3-948B-1728B52AA6E4}">
+                  <adec:decorative xmlns:adec="http://schemas.microsoft.com/office/drawing/2017/decorative" val="1"/>
+                </a:ext>
+              </a:extLst>
+            </p:cNvPr>
+            <p:cNvSpPr/>
+            <p:nvPr>
+              <p:extLst>
+                <p:ext uri="{386F3935-93C4-4BCD-93E2-E3B085C9AB24}">
+                  <p16:designElem xmlns:p16="http://schemas.microsoft.com/office/powerpoint/2015/main" val="1"/>
+                </p:ext>
+              </p:extLst>
+            </p:nvPr>
+          </p:nvSpPr>
+          <p:spPr>
+            <a:xfrm>
+              <a:off x="3940602" y="308034"/>
+              <a:ext cx="566743" cy="3428999"/>
+            </a:xfrm>
+            <a:prstGeom prst="rect">
+              <a:avLst/>
+            </a:prstGeom>
+            <a:grpFill/>
+            <a:ln>
+              <a:noFill/>
+            </a:ln>
+          </p:spPr>
+          <p:style>
+            <a:lnRef idx="2">
+              <a:schemeClr val="accent1">
+                <a:shade val="50000"/>
+              </a:schemeClr>
+            </a:lnRef>
+            <a:fillRef idx="1">
+              <a:schemeClr val="accent1"/>
+            </a:fillRef>
+            <a:effectRef idx="0">
+              <a:schemeClr val="accent1"/>
+            </a:effectRef>
+            <a:fontRef idx="minor">
+              <a:schemeClr val="lt1"/>
+            </a:fontRef>
+          </p:style>
+          <p:txBody>
+            <a:bodyPr rtlCol="0" anchor="ctr"/>
+            <a:lstStyle/>
+            <a:p>
+              <a:pPr algn="ctr"/>
+              <a:endParaRPr lang="en-US"/>
+            </a:p>
+          </p:txBody>
+        </p:sp>
+        <p:sp>
+          <p:nvSpPr>
+            <p:cNvPr id="33" name="Rectangle 32">
+              <a:extLst>
+                <a:ext uri="{FF2B5EF4-FFF2-40B4-BE49-F238E27FC236}">
+                  <a16:creationId xmlns:a16="http://schemas.microsoft.com/office/drawing/2014/main" id="{743ECCAF-29C5-4537-947C-7EA1292463DB}"/>
+                </a:ext>
+                <a:ext uri="{C183D7F6-B498-43B3-948B-1728B52AA6E4}">
+                  <adec:decorative xmlns:adec="http://schemas.microsoft.com/office/drawing/2017/decorative" val="1"/>
+                </a:ext>
+              </a:extLst>
+            </p:cNvPr>
+            <p:cNvSpPr/>
+            <p:nvPr>
+              <p:extLst>
+                <p:ext uri="{386F3935-93C4-4BCD-93E2-E3B085C9AB24}">
+                  <p16:designElem xmlns:p16="http://schemas.microsoft.com/office/powerpoint/2015/main" val="1"/>
+                </p:ext>
+              </p:extLst>
+            </p:nvPr>
+          </p:nvSpPr>
+          <p:spPr>
+            <a:xfrm>
+              <a:off x="4715626" y="308034"/>
+              <a:ext cx="566743" cy="3428999"/>
+            </a:xfrm>
+            <a:prstGeom prst="rect">
+              <a:avLst/>
+            </a:prstGeom>
+            <a:grpFill/>
+            <a:ln>
+              <a:noFill/>
+            </a:ln>
+          </p:spPr>
+          <p:style>
+            <a:lnRef idx="2">
+              <a:schemeClr val="accent1">
+                <a:shade val="50000"/>
+              </a:schemeClr>
+            </a:lnRef>
+            <a:fillRef idx="1">
+              <a:schemeClr val="accent1"/>
+            </a:fillRef>
+            <a:effectRef idx="0">
+              <a:schemeClr val="accent1"/>
+            </a:effectRef>
+            <a:fontRef idx="minor">
+              <a:schemeClr val="lt1"/>
+            </a:fontRef>
+          </p:style>
+          <p:txBody>
+            <a:bodyPr rtlCol="0" anchor="ctr"/>
+            <a:lstStyle/>
+            <a:p>
+              <a:pPr algn="ctr"/>
+              <a:endParaRPr lang="en-US"/>
+            </a:p>
+          </p:txBody>
+        </p:sp>
+        <p:sp>
+          <p:nvSpPr>
+            <p:cNvPr id="34" name="Rectangle 33">
+              <a:extLst>
+                <a:ext uri="{FF2B5EF4-FFF2-40B4-BE49-F238E27FC236}">
+                  <a16:creationId xmlns:a16="http://schemas.microsoft.com/office/drawing/2014/main" id="{ED49787B-8DE6-4467-AD0A-8DECC6E0C2D6}"/>
+                </a:ext>
+                <a:ext uri="{C183D7F6-B498-43B3-948B-1728B52AA6E4}">
+                  <adec:decorative xmlns:adec="http://schemas.microsoft.com/office/drawing/2017/decorative" val="1"/>
+                </a:ext>
+              </a:extLst>
+            </p:cNvPr>
+            <p:cNvSpPr/>
+            <p:nvPr>
+              <p:extLst>
+                <p:ext uri="{386F3935-93C4-4BCD-93E2-E3B085C9AB24}">
+                  <p16:designElem xmlns:p16="http://schemas.microsoft.com/office/powerpoint/2015/main" val="1"/>
+                </p:ext>
+              </p:extLst>
+            </p:nvPr>
+          </p:nvSpPr>
+          <p:spPr>
+            <a:xfrm>
+              <a:off x="5490650" y="308034"/>
+              <a:ext cx="566743" cy="3428999"/>
+            </a:xfrm>
+            <a:prstGeom prst="rect">
+              <a:avLst/>
+            </a:prstGeom>
+            <a:grpFill/>
+            <a:ln>
+              <a:noFill/>
+            </a:ln>
+          </p:spPr>
+          <p:style>
+            <a:lnRef idx="2">
+              <a:schemeClr val="accent1">
+                <a:shade val="50000"/>
+              </a:schemeClr>
+            </a:lnRef>
+            <a:fillRef idx="1">
+              <a:schemeClr val="accent1"/>
+            </a:fillRef>
+            <a:effectRef idx="0">
+              <a:schemeClr val="accent1"/>
+            </a:effectRef>
+            <a:fontRef idx="minor">
+              <a:schemeClr val="lt1"/>
+            </a:fontRef>
+          </p:style>
+          <p:txBody>
+            <a:bodyPr rtlCol="0" anchor="ctr"/>
+            <a:lstStyle/>
+            <a:p>
+              <a:pPr algn="ctr"/>
+              <a:endParaRPr lang="en-US"/>
+            </a:p>
+          </p:txBody>
+        </p:sp>
+      </p:grpSp>
+      <p:sp>
+        <p:nvSpPr>
+          <p:cNvPr id="35" name="Rectangle 34">
+            <a:extLst>
+              <a:ext uri="{FF2B5EF4-FFF2-40B4-BE49-F238E27FC236}">
+                <a16:creationId xmlns:a16="http://schemas.microsoft.com/office/drawing/2014/main" id="{D5B0017B-2ECA-49AF-B397-DC140825DF8D}"/>
+              </a:ext>
+              <a:ext uri="{C183D7F6-B498-43B3-948B-1728B52AA6E4}">
+                <adec:decorative xmlns:adec="http://schemas.microsoft.com/office/drawing/2017/decorative" val="1"/>
+              </a:ext>
+            </a:extLst>
+          </p:cNvPr>
+          <p:cNvSpPr>
+            <a:spLocks noGrp="1" noRot="1" noChangeAspect="1" noMove="1" noResize="1" noEditPoints="1" noAdjustHandles="1" noChangeArrowheads="1" noChangeShapeType="1" noTextEdit="1"/>
+          </p:cNvSpPr>
+          <p:nvPr>
+            <p:extLst>
+              <p:ext uri="{386F3935-93C4-4BCD-93E2-E3B085C9AB24}">
+                <p16:designElem xmlns:p16="http://schemas.microsoft.com/office/powerpoint/2015/main" val="1"/>
+              </p:ext>
+            </p:extLst>
+          </p:nvPr>
+        </p:nvSpPr>
+        <p:spPr>
+          <a:xfrm>
+            <a:off x="640079" y="613954"/>
+            <a:ext cx="10907487" cy="1894116"/>
+          </a:xfrm>
+          <a:prstGeom prst="rect">
+            <a:avLst/>
+          </a:prstGeom>
+          <a:solidFill>
+            <a:schemeClr val="bg1"/>
+          </a:solidFill>
+          <a:ln>
+            <a:noFill/>
+          </a:ln>
+          <a:effectLst>
+            <a:outerShdw blurRad="139700" dist="127000" dir="5400000" algn="t" rotWithShape="0">
+              <a:prstClr val="black">
+                <a:alpha val="15000"/>
+              </a:prstClr>
+            </a:outerShdw>
+          </a:effectLst>
+        </p:spPr>
+        <p:style>
+          <a:lnRef idx="2">
+            <a:schemeClr val="accent1">
+              <a:shade val="50000"/>
+            </a:schemeClr>
+          </a:lnRef>
+          <a:fillRef idx="1">
+            <a:schemeClr val="accent1"/>
+          </a:fillRef>
+          <a:effectRef idx="0">
+            <a:schemeClr val="accent1"/>
+          </a:effectRef>
+          <a:fontRef idx="minor">
+            <a:schemeClr val="lt1"/>
+          </a:fontRef>
+        </p:style>
+        <p:txBody>
+          <a:bodyPr rtlCol="0" anchor="ctr"/>
+          <a:lstStyle/>
+          <a:p>
+            <a:pPr algn="ctr"/>
+            <a:endParaRPr lang="en-US"/>
+          </a:p>
+        </p:txBody>
+      </p:sp>
       <p:sp>
         <p:nvSpPr>
           <p:cNvPr id="2" name="Title 1">
@@ -13978,43 +17482,324 @@
             <p:ph type="title"/>
           </p:nvPr>
         </p:nvSpPr>
-        <p:spPr/>
+        <p:spPr>
+          <a:xfrm>
+            <a:off x="1043631" y="809898"/>
+            <a:ext cx="10173010" cy="1554480"/>
+          </a:xfrm>
+        </p:spPr>
         <p:txBody>
-          <a:bodyPr/>
+          <a:bodyPr anchor="ctr">
+            <a:normAutofit/>
+          </a:bodyPr>
           <a:lstStyle/>
           <a:p>
             <a:r>
-              <a:rPr lang="en-DE" dirty="0"/>
-              <a:t>Results</a:t>
+              <a:rPr lang="en-DE" sz="4800"/>
+              <a:t>Results: </a:t>
             </a:r>
+            <a:r>
+              <a:rPr lang="en-GB" sz="4800"/>
+              <a:t>Classification Report</a:t>
+            </a:r>
+            <a:endParaRPr lang="en-DE" sz="4800"/>
           </a:p>
         </p:txBody>
       </p:sp>
-      <p:sp>
-        <p:nvSpPr>
-          <p:cNvPr id="3" name="Content Placeholder 2">
+      <p:cxnSp>
+        <p:nvCxnSpPr>
+          <p:cNvPr id="18" name="Straight Connector 17">
             <a:extLst>
               <a:ext uri="{FF2B5EF4-FFF2-40B4-BE49-F238E27FC236}">
-                <a16:creationId xmlns:a16="http://schemas.microsoft.com/office/drawing/2014/main" id="{D513F196-0D3E-1259-7E03-6289D0CBF799}"/>
+                <a16:creationId xmlns:a16="http://schemas.microsoft.com/office/drawing/2014/main" id="{6CF1BAF6-AD41-4082-B212-8A1F9A2E8779}"/>
+              </a:ext>
+              <a:ext uri="{C183D7F6-B498-43B3-948B-1728B52AA6E4}">
+                <adec:decorative xmlns:adec="http://schemas.microsoft.com/office/drawing/2017/decorative" val="1"/>
               </a:ext>
             </a:extLst>
           </p:cNvPr>
-          <p:cNvSpPr>
-            <a:spLocks noGrp="1"/>
-          </p:cNvSpPr>
+          <p:cNvCxnSpPr>
+            <a:cxnSpLocks noGrp="1" noRot="1" noChangeAspect="1" noMove="1" noResize="1" noEditPoints="1" noAdjustHandles="1" noChangeArrowheads="1" noChangeShapeType="1"/>
+          </p:cNvCxnSpPr>
+          <p:nvPr>
+            <p:extLst>
+              <p:ext uri="{386F3935-93C4-4BCD-93E2-E3B085C9AB24}">
+                <p16:designElem xmlns:p16="http://schemas.microsoft.com/office/powerpoint/2015/main" val="1"/>
+              </p:ext>
+            </p:extLst>
+          </p:nvPr>
+        </p:nvCxnSpPr>
+        <p:spPr>
+          <a:xfrm flipH="1">
+            <a:off x="838200" y="6485313"/>
+            <a:ext cx="10515600" cy="0"/>
+          </a:xfrm>
+          <a:prstGeom prst="line">
+            <a:avLst/>
+          </a:prstGeom>
+          <a:ln w="57150">
+            <a:solidFill>
+              <a:schemeClr val="accent4"/>
+            </a:solidFill>
+          </a:ln>
+        </p:spPr>
+        <p:style>
+          <a:lnRef idx="1">
+            <a:schemeClr val="accent1"/>
+          </a:lnRef>
+          <a:fillRef idx="0">
+            <a:schemeClr val="accent1"/>
+          </a:fillRef>
+          <a:effectRef idx="0">
+            <a:schemeClr val="accent1"/>
+          </a:effectRef>
+          <a:fontRef idx="minor">
+            <a:schemeClr val="tx1"/>
+          </a:fontRef>
+        </p:style>
+      </p:cxnSp>
+      <p:graphicFrame>
+        <p:nvGraphicFramePr>
+          <p:cNvPr id="4" name="Content Placeholder 3">
+            <a:extLst>
+              <a:ext uri="{FF2B5EF4-FFF2-40B4-BE49-F238E27FC236}">
+                <a16:creationId xmlns:a16="http://schemas.microsoft.com/office/drawing/2014/main" id="{A03A803F-149D-0E91-4293-18F17BCF078A}"/>
+              </a:ext>
+            </a:extLst>
+          </p:cNvPr>
+          <p:cNvGraphicFramePr>
+            <a:graphicFrameLocks noGrp="1"/>
+          </p:cNvGraphicFramePr>
           <p:nvPr>
             <p:ph idx="1"/>
+            <p:extLst>
+              <p:ext uri="{D42A27DB-BD31-4B8C-83A1-F6EECF244321}">
+                <p14:modId xmlns:p14="http://schemas.microsoft.com/office/powerpoint/2010/main" val="1974962426"/>
+              </p:ext>
+            </p:extLst>
           </p:nvPr>
-        </p:nvSpPr>
-        <p:spPr/>
-        <p:txBody>
-          <a:bodyPr/>
-          <a:lstStyle/>
-          <a:p>
-            <a:endParaRPr lang="en-DE"/>
-          </a:p>
-        </p:txBody>
-      </p:sp>
+        </p:nvGraphicFramePr>
+        <p:xfrm>
+          <a:off x="1504677" y="3516046"/>
+          <a:ext cx="9178292" cy="2212848"/>
+        </p:xfrm>
+        <a:graphic>
+          <a:graphicData uri="http://schemas.openxmlformats.org/drawingml/2006/table">
+            <a:tbl>
+              <a:tblPr firstRow="1" bandRow="1">
+                <a:tableStyleId>{17292A2E-F333-43FB-9621-5CBBE7FDCDCB}</a:tableStyleId>
+              </a:tblPr>
+              <a:tblGrid>
+                <a:gridCol w="2835910">
+                  <a:extLst>
+                    <a:ext uri="{9D8B030D-6E8A-4147-A177-3AD203B41FA5}">
+                      <a16:colId xmlns:a16="http://schemas.microsoft.com/office/drawing/2014/main" val="2750420209"/>
+                    </a:ext>
+                  </a:extLst>
+                </a:gridCol>
+                <a:gridCol w="2300394">
+                  <a:extLst>
+                    <a:ext uri="{9D8B030D-6E8A-4147-A177-3AD203B41FA5}">
+                      <a16:colId xmlns:a16="http://schemas.microsoft.com/office/drawing/2014/main" val="1243919235"/>
+                    </a:ext>
+                  </a:extLst>
+                </a:gridCol>
+                <a:gridCol w="1741594">
+                  <a:extLst>
+                    <a:ext uri="{9D8B030D-6E8A-4147-A177-3AD203B41FA5}">
+                      <a16:colId xmlns:a16="http://schemas.microsoft.com/office/drawing/2014/main" val="3809210625"/>
+                    </a:ext>
+                  </a:extLst>
+                </a:gridCol>
+                <a:gridCol w="2300394">
+                  <a:extLst>
+                    <a:ext uri="{9D8B030D-6E8A-4147-A177-3AD203B41FA5}">
+                      <a16:colId xmlns:a16="http://schemas.microsoft.com/office/drawing/2014/main" val="930560941"/>
+                    </a:ext>
+                  </a:extLst>
+                </a:gridCol>
+              </a:tblGrid>
+              <a:tr h="737616">
+                <a:tc>
+                  <a:txBody>
+                    <a:bodyPr/>
+                    <a:lstStyle/>
+                    <a:p>
+                      <a:r>
+                        <a:rPr lang="en-DE" sz="3300" dirty="0"/>
+                        <a:t>Label</a:t>
+                      </a:r>
+                    </a:p>
+                  </a:txBody>
+                  <a:tcPr marL="167640" marR="167640" marT="83820" marB="83820"/>
+                </a:tc>
+                <a:tc>
+                  <a:txBody>
+                    <a:bodyPr/>
+                    <a:lstStyle/>
+                    <a:p>
+                      <a:r>
+                        <a:rPr lang="en-DE" sz="3300" dirty="0"/>
+                        <a:t>Precision</a:t>
+                      </a:r>
+                    </a:p>
+                  </a:txBody>
+                  <a:tcPr marL="167640" marR="167640" marT="83820" marB="83820"/>
+                </a:tc>
+                <a:tc>
+                  <a:txBody>
+                    <a:bodyPr/>
+                    <a:lstStyle/>
+                    <a:p>
+                      <a:r>
+                        <a:rPr lang="en-DE" sz="3300" dirty="0"/>
+                        <a:t>Recall</a:t>
+                      </a:r>
+                    </a:p>
+                  </a:txBody>
+                  <a:tcPr marL="167640" marR="167640" marT="83820" marB="83820"/>
+                </a:tc>
+                <a:tc>
+                  <a:txBody>
+                    <a:bodyPr/>
+                    <a:lstStyle/>
+                    <a:p>
+                      <a:r>
+                        <a:rPr lang="en-DE" sz="3300" dirty="0"/>
+                        <a:t>F1-Score</a:t>
+                      </a:r>
+                    </a:p>
+                  </a:txBody>
+                  <a:tcPr marL="167640" marR="167640" marT="83820" marB="83820"/>
+                </a:tc>
+                <a:extLst>
+                  <a:ext uri="{0D108BD9-81ED-4DB2-BD59-A6C34878D82A}">
+                    <a16:rowId xmlns:a16="http://schemas.microsoft.com/office/drawing/2014/main" val="1484407194"/>
+                  </a:ext>
+                </a:extLst>
+              </a:tr>
+              <a:tr h="737616">
+                <a:tc>
+                  <a:txBody>
+                    <a:bodyPr/>
+                    <a:lstStyle/>
+                    <a:p>
+                      <a:r>
+                        <a:rPr lang="en-DE" sz="3300"/>
+                        <a:t>0 (On-Time)</a:t>
+                      </a:r>
+                    </a:p>
+                  </a:txBody>
+                  <a:tcPr marL="167640" marR="167640" marT="83820" marB="83820"/>
+                </a:tc>
+                <a:tc>
+                  <a:txBody>
+                    <a:bodyPr/>
+                    <a:lstStyle/>
+                    <a:p>
+                      <a:r>
+                        <a:rPr lang="en-DE" sz="3300"/>
+                        <a:t>1</a:t>
+                      </a:r>
+                    </a:p>
+                  </a:txBody>
+                  <a:tcPr marL="167640" marR="167640" marT="83820" marB="83820"/>
+                </a:tc>
+                <a:tc>
+                  <a:txBody>
+                    <a:bodyPr/>
+                    <a:lstStyle/>
+                    <a:p>
+                      <a:r>
+                        <a:rPr lang="en-DE" sz="3300"/>
+                        <a:t>1</a:t>
+                      </a:r>
+                    </a:p>
+                  </a:txBody>
+                  <a:tcPr marL="167640" marR="167640" marT="83820" marB="83820"/>
+                </a:tc>
+                <a:tc>
+                  <a:txBody>
+                    <a:bodyPr/>
+                    <a:lstStyle/>
+                    <a:p>
+                      <a:r>
+                        <a:rPr lang="en-DE" sz="3300"/>
+                        <a:t>1</a:t>
+                      </a:r>
+                    </a:p>
+                  </a:txBody>
+                  <a:tcPr marL="167640" marR="167640" marT="83820" marB="83820"/>
+                </a:tc>
+                <a:extLst>
+                  <a:ext uri="{0D108BD9-81ED-4DB2-BD59-A6C34878D82A}">
+                    <a16:rowId xmlns:a16="http://schemas.microsoft.com/office/drawing/2014/main" val="3034224098"/>
+                  </a:ext>
+                </a:extLst>
+              </a:tr>
+              <a:tr h="737616">
+                <a:tc>
+                  <a:txBody>
+                    <a:bodyPr/>
+                    <a:lstStyle/>
+                    <a:p>
+                      <a:r>
+                        <a:rPr lang="en-DE" sz="3300" dirty="0"/>
+                        <a:t>1 (Delay)</a:t>
+                      </a:r>
+                    </a:p>
+                  </a:txBody>
+                  <a:tcPr marL="167640" marR="167640" marT="83820" marB="83820"/>
+                </a:tc>
+                <a:tc>
+                  <a:txBody>
+                    <a:bodyPr/>
+                    <a:lstStyle/>
+                    <a:p>
+                      <a:r>
+                        <a:rPr lang="en-DE" sz="3300"/>
+                        <a:t>1</a:t>
+                      </a:r>
+                    </a:p>
+                  </a:txBody>
+                  <a:tcPr marL="167640" marR="167640" marT="83820" marB="83820"/>
+                </a:tc>
+                <a:tc>
+                  <a:txBody>
+                    <a:bodyPr/>
+                    <a:lstStyle/>
+                    <a:p>
+                      <a:r>
+                        <a:rPr lang="en-DE" sz="3300"/>
+                        <a:t>1</a:t>
+                      </a:r>
+                    </a:p>
+                  </a:txBody>
+                  <a:tcPr marL="167640" marR="167640" marT="83820" marB="83820"/>
+                </a:tc>
+                <a:tc>
+                  <a:txBody>
+                    <a:bodyPr/>
+                    <a:lstStyle/>
+                    <a:p>
+                      <a:r>
+                        <a:rPr lang="en-DE" sz="3300" dirty="0"/>
+                        <a:t>1</a:t>
+                      </a:r>
+                    </a:p>
+                  </a:txBody>
+                  <a:tcPr marL="167640" marR="167640" marT="83820" marB="83820"/>
+                </a:tc>
+                <a:extLst>
+                  <a:ext uri="{0D108BD9-81ED-4DB2-BD59-A6C34878D82A}">
+                    <a16:rowId xmlns:a16="http://schemas.microsoft.com/office/drawing/2014/main" val="499696261"/>
+                  </a:ext>
+                </a:extLst>
+              </a:tr>
+            </a:tbl>
+          </a:graphicData>
+        </a:graphic>
+      </p:graphicFrame>
     </p:spTree>
     <p:extLst>
       <p:ext uri="{BB962C8B-B14F-4D97-AF65-F5344CB8AC3E}">
@@ -15136,6 +18921,14 @@
 <file path=ppt/slides/slide19.xml><?xml version="1.0" encoding="utf-8"?>
 <p:sld xmlns:a="http://schemas.openxmlformats.org/drawingml/2006/main" xmlns:r="http://schemas.openxmlformats.org/officeDocument/2006/relationships" xmlns:p="http://schemas.openxmlformats.org/presentationml/2006/main">
   <p:cSld>
+    <p:bg>
+      <p:bgPr>
+        <a:solidFill>
+          <a:schemeClr val="bg1"/>
+        </a:solidFill>
+        <a:effectLst/>
+      </p:bgPr>
+    </p:bg>
     <p:spTree>
       <p:nvGrpSpPr>
         <p:cNvPr id="1" name=""/>
@@ -15150,6 +18943,494 @@
           <a:chExt cx="0" cy="0"/>
         </a:xfrm>
       </p:grpSpPr>
+      <p:sp useBgFill="1">
+        <p:nvSpPr>
+          <p:cNvPr id="54" name="Rectangle 53">
+            <a:extLst>
+              <a:ext uri="{FF2B5EF4-FFF2-40B4-BE49-F238E27FC236}">
+                <a16:creationId xmlns:a16="http://schemas.microsoft.com/office/drawing/2014/main" id="{4E1BEB12-92AF-4445-98AD-4C7756E7C93B}"/>
+              </a:ext>
+              <a:ext uri="{C183D7F6-B498-43B3-948B-1728B52AA6E4}">
+                <adec:decorative xmlns:adec="http://schemas.microsoft.com/office/drawing/2017/decorative" val="1"/>
+              </a:ext>
+            </a:extLst>
+          </p:cNvPr>
+          <p:cNvSpPr>
+            <a:spLocks noGrp="1" noRot="1" noChangeAspect="1" noMove="1" noResize="1" noEditPoints="1" noAdjustHandles="1" noChangeArrowheads="1" noChangeShapeType="1" noTextEdit="1"/>
+          </p:cNvSpPr>
+          <p:nvPr>
+            <p:extLst>
+              <p:ext uri="{386F3935-93C4-4BCD-93E2-E3B085C9AB24}">
+                <p16:designElem xmlns:p16="http://schemas.microsoft.com/office/powerpoint/2015/main" val="1"/>
+              </p:ext>
+            </p:extLst>
+          </p:nvPr>
+        </p:nvSpPr>
+        <p:spPr>
+          <a:xfrm>
+            <a:off x="3048" y="0"/>
+            <a:ext cx="12188952" cy="6858000"/>
+          </a:xfrm>
+          <a:prstGeom prst="rect">
+            <a:avLst/>
+          </a:prstGeom>
+          <a:ln>
+            <a:noFill/>
+          </a:ln>
+        </p:spPr>
+        <p:style>
+          <a:lnRef idx="2">
+            <a:schemeClr val="accent1">
+              <a:shade val="50000"/>
+            </a:schemeClr>
+          </a:lnRef>
+          <a:fillRef idx="1">
+            <a:schemeClr val="accent1"/>
+          </a:fillRef>
+          <a:effectRef idx="0">
+            <a:schemeClr val="accent1"/>
+          </a:effectRef>
+          <a:fontRef idx="minor">
+            <a:schemeClr val="lt1"/>
+          </a:fontRef>
+        </p:style>
+        <p:txBody>
+          <a:bodyPr rtlCol="0" anchor="ctr"/>
+          <a:lstStyle/>
+          <a:p>
+            <a:pPr algn="ctr"/>
+            <a:endParaRPr lang="en-US"/>
+          </a:p>
+        </p:txBody>
+      </p:sp>
+      <p:sp>
+        <p:nvSpPr>
+          <p:cNvPr id="55" name="Rectangle 54">
+            <a:extLst>
+              <a:ext uri="{FF2B5EF4-FFF2-40B4-BE49-F238E27FC236}">
+                <a16:creationId xmlns:a16="http://schemas.microsoft.com/office/drawing/2014/main" id="{D0522C2C-7B5C-48A7-A969-03941E5D2E76}"/>
+              </a:ext>
+              <a:ext uri="{C183D7F6-B498-43B3-948B-1728B52AA6E4}">
+                <adec:decorative xmlns:adec="http://schemas.microsoft.com/office/drawing/2017/decorative" val="1"/>
+              </a:ext>
+            </a:extLst>
+          </p:cNvPr>
+          <p:cNvSpPr>
+            <a:spLocks noGrp="1" noRot="1" noChangeAspect="1" noMove="1" noResize="1" noEditPoints="1" noAdjustHandles="1" noChangeArrowheads="1" noChangeShapeType="1" noTextEdit="1"/>
+          </p:cNvSpPr>
+          <p:nvPr>
+            <p:extLst>
+              <p:ext uri="{386F3935-93C4-4BCD-93E2-E3B085C9AB24}">
+                <p16:designElem xmlns:p16="http://schemas.microsoft.com/office/powerpoint/2015/main" val="1"/>
+              </p:ext>
+            </p:extLst>
+          </p:nvPr>
+        </p:nvSpPr>
+        <p:spPr>
+          <a:xfrm>
+            <a:off x="0" y="0"/>
+            <a:ext cx="12192000" cy="6858000"/>
+          </a:xfrm>
+          <a:prstGeom prst="rect">
+            <a:avLst/>
+          </a:prstGeom>
+          <a:solidFill>
+            <a:schemeClr val="accent2"/>
+          </a:solidFill>
+          <a:ln>
+            <a:noFill/>
+          </a:ln>
+        </p:spPr>
+        <p:style>
+          <a:lnRef idx="2">
+            <a:schemeClr val="accent1">
+              <a:shade val="50000"/>
+            </a:schemeClr>
+          </a:lnRef>
+          <a:fillRef idx="1">
+            <a:schemeClr val="accent1"/>
+          </a:fillRef>
+          <a:effectRef idx="0">
+            <a:schemeClr val="accent1"/>
+          </a:effectRef>
+          <a:fontRef idx="minor">
+            <a:schemeClr val="lt1"/>
+          </a:fontRef>
+        </p:style>
+        <p:txBody>
+          <a:bodyPr rtlCol="0" anchor="ctr"/>
+          <a:lstStyle/>
+          <a:p>
+            <a:pPr algn="ctr"/>
+            <a:endParaRPr lang="en-US">
+              <a:solidFill>
+                <a:schemeClr val="tx1"/>
+              </a:solidFill>
+            </a:endParaRPr>
+          </a:p>
+        </p:txBody>
+      </p:sp>
+      <p:sp>
+        <p:nvSpPr>
+          <p:cNvPr id="56" name="Freeform 13">
+            <a:extLst>
+              <a:ext uri="{FF2B5EF4-FFF2-40B4-BE49-F238E27FC236}">
+                <a16:creationId xmlns:a16="http://schemas.microsoft.com/office/drawing/2014/main" id="{9C682A1A-5B2D-4111-BBD6-620165633E5B}"/>
+              </a:ext>
+              <a:ext uri="{C183D7F6-B498-43B3-948B-1728B52AA6E4}">
+                <adec:decorative xmlns:adec="http://schemas.microsoft.com/office/drawing/2017/decorative" val="1"/>
+              </a:ext>
+            </a:extLst>
+          </p:cNvPr>
+          <p:cNvSpPr>
+            <a:spLocks noGrp="1" noRot="1" noChangeAspect="1" noMove="1" noResize="1" noEditPoints="1" noAdjustHandles="1" noChangeArrowheads="1" noChangeShapeType="1" noTextEdit="1"/>
+          </p:cNvSpPr>
+          <p:nvPr>
+            <p:extLst>
+              <p:ext uri="{386F3935-93C4-4BCD-93E2-E3B085C9AB24}">
+                <p16:designElem xmlns:p16="http://schemas.microsoft.com/office/powerpoint/2015/main" val="1"/>
+              </p:ext>
+            </p:extLst>
+          </p:nvPr>
+        </p:nvSpPr>
+        <p:spPr>
+          <a:xfrm>
+            <a:off x="2769476" y="220196"/>
+            <a:ext cx="9422524" cy="6637806"/>
+          </a:xfrm>
+          <a:custGeom>
+            <a:avLst/>
+            <a:gdLst>
+              <a:gd name="connsiteX0" fmla="*/ 4929467 w 8191500"/>
+              <a:gd name="connsiteY0" fmla="*/ 0 h 5770597"/>
+              <a:gd name="connsiteX1" fmla="*/ 8065066 w 8191500"/>
+              <a:gd name="connsiteY1" fmla="*/ 1118513 h 5770597"/>
+              <a:gd name="connsiteX2" fmla="*/ 8191500 w 8191500"/>
+              <a:gd name="connsiteY2" fmla="*/ 1227339 h 5770597"/>
+              <a:gd name="connsiteX3" fmla="*/ 8191500 w 8191500"/>
+              <a:gd name="connsiteY3" fmla="*/ 5770597 h 5770597"/>
+              <a:gd name="connsiteX4" fmla="*/ 79523 w 8191500"/>
+              <a:gd name="connsiteY4" fmla="*/ 5770597 h 5770597"/>
+              <a:gd name="connsiteX5" fmla="*/ 56799 w 8191500"/>
+              <a:gd name="connsiteY5" fmla="*/ 5644158 h 5770597"/>
+              <a:gd name="connsiteX6" fmla="*/ 0 w 8191500"/>
+              <a:gd name="connsiteY6" fmla="*/ 4898209 h 5770597"/>
+              <a:gd name="connsiteX7" fmla="*/ 4929467 w 8191500"/>
+              <a:gd name="connsiteY7" fmla="*/ 0 h 5770597"/>
+            </a:gdLst>
+            <a:ahLst/>
+            <a:cxnLst>
+              <a:cxn ang="0">
+                <a:pos x="connsiteX0" y="connsiteY0"/>
+              </a:cxn>
+              <a:cxn ang="0">
+                <a:pos x="connsiteX1" y="connsiteY1"/>
+              </a:cxn>
+              <a:cxn ang="0">
+                <a:pos x="connsiteX2" y="connsiteY2"/>
+              </a:cxn>
+              <a:cxn ang="0">
+                <a:pos x="connsiteX3" y="connsiteY3"/>
+              </a:cxn>
+              <a:cxn ang="0">
+                <a:pos x="connsiteX4" y="connsiteY4"/>
+              </a:cxn>
+              <a:cxn ang="0">
+                <a:pos x="connsiteX5" y="connsiteY5"/>
+              </a:cxn>
+              <a:cxn ang="0">
+                <a:pos x="connsiteX6" y="connsiteY6"/>
+              </a:cxn>
+              <a:cxn ang="0">
+                <a:pos x="connsiteX7" y="connsiteY7"/>
+              </a:cxn>
+            </a:cxnLst>
+            <a:rect l="l" t="t" r="r" b="b"/>
+            <a:pathLst>
+              <a:path w="8191500" h="5770597">
+                <a:moveTo>
+                  <a:pt x="4929467" y="0"/>
+                </a:moveTo>
+                <a:cubicBezTo>
+                  <a:pt x="6120547" y="0"/>
+                  <a:pt x="7212963" y="419755"/>
+                  <a:pt x="8065066" y="1118513"/>
+                </a:cubicBezTo>
+                <a:lnTo>
+                  <a:pt x="8191500" y="1227339"/>
+                </a:lnTo>
+                <a:lnTo>
+                  <a:pt x="8191500" y="5770597"/>
+                </a:lnTo>
+                <a:lnTo>
+                  <a:pt x="79523" y="5770597"/>
+                </a:lnTo>
+                <a:lnTo>
+                  <a:pt x="56799" y="5644158"/>
+                </a:lnTo>
+                <a:cubicBezTo>
+                  <a:pt x="19398" y="5400934"/>
+                  <a:pt x="0" y="5151822"/>
+                  <a:pt x="0" y="4898209"/>
+                </a:cubicBezTo>
+                <a:cubicBezTo>
+                  <a:pt x="0" y="2193003"/>
+                  <a:pt x="2206998" y="0"/>
+                  <a:pt x="4929467" y="0"/>
+                </a:cubicBezTo>
+                <a:close/>
+              </a:path>
+            </a:pathLst>
+          </a:custGeom>
+          <a:solidFill>
+            <a:schemeClr val="bg1"/>
+          </a:solidFill>
+          <a:ln>
+            <a:noFill/>
+          </a:ln>
+        </p:spPr>
+        <p:style>
+          <a:lnRef idx="2">
+            <a:schemeClr val="accent1">
+              <a:shade val="50000"/>
+            </a:schemeClr>
+          </a:lnRef>
+          <a:fillRef idx="1">
+            <a:schemeClr val="accent1"/>
+          </a:fillRef>
+          <a:effectRef idx="0">
+            <a:schemeClr val="accent1"/>
+          </a:effectRef>
+          <a:fontRef idx="minor">
+            <a:schemeClr val="lt1"/>
+          </a:fontRef>
+        </p:style>
+        <p:txBody>
+          <a:bodyPr wrap="square" rtlCol="0" anchor="ctr">
+            <a:noAutofit/>
+          </a:bodyPr>
+          <a:lstStyle/>
+          <a:p>
+            <a:pPr marL="0" marR="0" lvl="0" indent="0" algn="ctr" defTabSz="914400" rtl="0" eaLnBrk="1" fontAlgn="auto" latinLnBrk="0" hangingPunct="1">
+              <a:lnSpc>
+                <a:spcPct val="100000"/>
+              </a:lnSpc>
+              <a:spcBef>
+                <a:spcPts val="0"/>
+              </a:spcBef>
+              <a:spcAft>
+                <a:spcPts val="0"/>
+              </a:spcAft>
+              <a:buClrTx/>
+              <a:buSzTx/>
+              <a:buFontTx/>
+              <a:buNone/>
+              <a:tabLst/>
+              <a:defRPr/>
+            </a:pPr>
+            <a:endParaRPr kumimoji="0" lang="en-US" sz="1800" b="0" i="0" u="none" strike="noStrike" kern="1200" cap="none" spc="0" normalizeH="0" baseline="0" noProof="0">
+              <a:ln>
+                <a:noFill/>
+              </a:ln>
+              <a:solidFill>
+                <a:srgbClr val="FFFFFF"/>
+              </a:solidFill>
+              <a:effectLst/>
+              <a:uLnTx/>
+              <a:uFillTx/>
+              <a:latin typeface="Calibri" panose="020F0502020204030204"/>
+              <a:ea typeface="+mn-ea"/>
+              <a:cs typeface="+mn-cs"/>
+            </a:endParaRPr>
+          </a:p>
+        </p:txBody>
+      </p:sp>
+      <p:sp>
+        <p:nvSpPr>
+          <p:cNvPr id="57" name="Oval 56">
+            <a:extLst>
+              <a:ext uri="{FF2B5EF4-FFF2-40B4-BE49-F238E27FC236}">
+                <a16:creationId xmlns:a16="http://schemas.microsoft.com/office/drawing/2014/main" id="{D6EE29F2-D77F-4BD0-A20B-334D316A1C9D}"/>
+              </a:ext>
+              <a:ext uri="{C183D7F6-B498-43B3-948B-1728B52AA6E4}">
+                <adec:decorative xmlns:adec="http://schemas.microsoft.com/office/drawing/2017/decorative" val="1"/>
+              </a:ext>
+            </a:extLst>
+          </p:cNvPr>
+          <p:cNvSpPr>
+            <a:spLocks noGrp="1" noRot="1" noChangeAspect="1" noMove="1" noResize="1" noEditPoints="1" noAdjustHandles="1" noChangeArrowheads="1" noChangeShapeType="1" noTextEdit="1"/>
+          </p:cNvSpPr>
+          <p:nvPr>
+            <p:extLst>
+              <p:ext uri="{386F3935-93C4-4BCD-93E2-E3B085C9AB24}">
+                <p16:designElem xmlns:p16="http://schemas.microsoft.com/office/powerpoint/2015/main" val="1"/>
+              </p:ext>
+            </p:extLst>
+          </p:nvPr>
+        </p:nvSpPr>
+        <p:spPr>
+          <a:xfrm>
+            <a:off x="2209800" y="2099696"/>
+            <a:ext cx="1942241" cy="1889551"/>
+          </a:xfrm>
+          <a:prstGeom prst="ellipse">
+            <a:avLst/>
+          </a:prstGeom>
+          <a:solidFill>
+            <a:schemeClr val="accent4"/>
+          </a:solidFill>
+          <a:ln>
+            <a:noFill/>
+          </a:ln>
+        </p:spPr>
+        <p:style>
+          <a:lnRef idx="2">
+            <a:schemeClr val="accent1">
+              <a:shade val="50000"/>
+            </a:schemeClr>
+          </a:lnRef>
+          <a:fillRef idx="1">
+            <a:schemeClr val="accent1"/>
+          </a:fillRef>
+          <a:effectRef idx="0">
+            <a:schemeClr val="accent1"/>
+          </a:effectRef>
+          <a:fontRef idx="minor">
+            <a:schemeClr val="lt1"/>
+          </a:fontRef>
+        </p:style>
+        <p:txBody>
+          <a:bodyPr rtlCol="0" anchor="ctr"/>
+          <a:lstStyle/>
+          <a:p>
+            <a:pPr marL="0" marR="0" lvl="0" indent="0" algn="ctr" defTabSz="914400" rtl="0" eaLnBrk="1" fontAlgn="auto" latinLnBrk="0" hangingPunct="1">
+              <a:lnSpc>
+                <a:spcPct val="100000"/>
+              </a:lnSpc>
+              <a:spcBef>
+                <a:spcPts val="0"/>
+              </a:spcBef>
+              <a:spcAft>
+                <a:spcPts val="0"/>
+              </a:spcAft>
+              <a:buClrTx/>
+              <a:buSzTx/>
+              <a:buFontTx/>
+              <a:buNone/>
+              <a:tabLst/>
+              <a:defRPr/>
+            </a:pPr>
+            <a:endParaRPr kumimoji="0" lang="en-US" sz="1800" b="0" i="0" u="none" strike="noStrike" kern="1200" cap="none" spc="0" normalizeH="0" baseline="0" noProof="0">
+              <a:ln>
+                <a:noFill/>
+              </a:ln>
+              <a:solidFill>
+                <a:srgbClr val="FFFFFF"/>
+              </a:solidFill>
+              <a:effectLst/>
+              <a:uLnTx/>
+              <a:uFillTx/>
+              <a:latin typeface="Calibri" panose="020F0502020204030204"/>
+              <a:ea typeface="+mn-ea"/>
+              <a:cs typeface="+mn-cs"/>
+            </a:endParaRPr>
+          </a:p>
+        </p:txBody>
+      </p:sp>
+      <p:sp>
+        <p:nvSpPr>
+          <p:cNvPr id="45" name="Arc 44">
+            <a:extLst>
+              <a:ext uri="{FF2B5EF4-FFF2-40B4-BE49-F238E27FC236}">
+                <a16:creationId xmlns:a16="http://schemas.microsoft.com/office/drawing/2014/main" id="{22D09ED2-868F-42C6-866E-F92E0CEF314F}"/>
+              </a:ext>
+              <a:ext uri="{C183D7F6-B498-43B3-948B-1728B52AA6E4}">
+                <adec:decorative xmlns:adec="http://schemas.microsoft.com/office/drawing/2017/decorative" val="1"/>
+              </a:ext>
+            </a:extLst>
+          </p:cNvPr>
+          <p:cNvSpPr>
+            <a:spLocks noGrp="1" noRot="1" noChangeAspect="1" noMove="1" noResize="1" noEditPoints="1" noAdjustHandles="1" noChangeArrowheads="1" noChangeShapeType="1" noTextEdit="1"/>
+          </p:cNvSpPr>
+          <p:nvPr>
+            <p:extLst>
+              <p:ext uri="{386F3935-93C4-4BCD-93E2-E3B085C9AB24}">
+                <p16:designElem xmlns:p16="http://schemas.microsoft.com/office/powerpoint/2015/main" val="1"/>
+              </p:ext>
+            </p:extLst>
+          </p:nvPr>
+        </p:nvSpPr>
+        <p:spPr>
+          <a:xfrm rot="18520172">
+            <a:off x="1613162" y="1492572"/>
+            <a:ext cx="2987899" cy="2987899"/>
+          </a:xfrm>
+          <a:prstGeom prst="arc">
+            <a:avLst>
+              <a:gd name="adj1" fmla="val 14455503"/>
+              <a:gd name="adj2" fmla="val 227775"/>
+            </a:avLst>
+          </a:prstGeom>
+          <a:ln w="127000" cap="rnd">
+            <a:solidFill>
+              <a:schemeClr val="accent4"/>
+            </a:solidFill>
+            <a:prstDash val="dash"/>
+            <a:miter lim="800000"/>
+          </a:ln>
+        </p:spPr>
+        <p:style>
+          <a:lnRef idx="1">
+            <a:schemeClr val="accent1"/>
+          </a:lnRef>
+          <a:fillRef idx="0">
+            <a:schemeClr val="accent1"/>
+          </a:fillRef>
+          <a:effectRef idx="0">
+            <a:schemeClr val="accent1"/>
+          </a:effectRef>
+          <a:fontRef idx="minor">
+            <a:schemeClr val="tx1"/>
+          </a:fontRef>
+        </p:style>
+        <p:txBody>
+          <a:bodyPr rtlCol="0" anchor="ctr"/>
+          <a:lstStyle/>
+          <a:p>
+            <a:pPr marL="0" marR="0" lvl="0" indent="0" algn="ctr" defTabSz="914400" rtl="0" eaLnBrk="1" fontAlgn="auto" latinLnBrk="0" hangingPunct="1">
+              <a:lnSpc>
+                <a:spcPct val="100000"/>
+              </a:lnSpc>
+              <a:spcBef>
+                <a:spcPts val="0"/>
+              </a:spcBef>
+              <a:spcAft>
+                <a:spcPts val="0"/>
+              </a:spcAft>
+              <a:buClrTx/>
+              <a:buSzTx/>
+              <a:buFontTx/>
+              <a:buNone/>
+              <a:tabLst/>
+              <a:defRPr/>
+            </a:pPr>
+            <a:endParaRPr kumimoji="0" lang="en-US" sz="1800" b="0" i="0" u="none" strike="noStrike" kern="1200" cap="none" spc="0" normalizeH="0" baseline="0" noProof="0">
+              <a:ln>
+                <a:noFill/>
+              </a:ln>
+              <a:solidFill>
+                <a:srgbClr val="000000"/>
+              </a:solidFill>
+              <a:effectLst/>
+              <a:uLnTx/>
+              <a:uFillTx/>
+              <a:latin typeface="Calibri" panose="020F0502020204030204"/>
+              <a:ea typeface="+mn-ea"/>
+              <a:cs typeface="+mn-cs"/>
+            </a:endParaRPr>
+          </a:p>
+        </p:txBody>
+      </p:sp>
       <p:sp>
         <p:nvSpPr>
           <p:cNvPr id="2" name="Title 1">
@@ -15166,12 +19447,30 @@
             <p:ph type="title"/>
           </p:nvPr>
         </p:nvSpPr>
-        <p:spPr/>
+        <p:spPr>
+          <a:xfrm>
+            <a:off x="4038600" y="1939159"/>
+            <a:ext cx="7644627" cy="2751086"/>
+          </a:xfrm>
+        </p:spPr>
         <p:txBody>
-          <a:bodyPr/>
+          <a:bodyPr vert="horz" lIns="91440" tIns="45720" rIns="91440" bIns="45720" rtlCol="0" anchor="b">
+            <a:normAutofit/>
+          </a:bodyPr>
           <a:lstStyle/>
           <a:p>
-            <a:endParaRPr lang="en-DE"/>
+            <a:pPr algn="r"/>
+            <a:r>
+              <a:rPr lang="en-US" sz="6000" kern="1200">
+                <a:solidFill>
+                  <a:schemeClr val="tx1"/>
+                </a:solidFill>
+                <a:latin typeface="+mj-lt"/>
+                <a:ea typeface="+mj-ea"/>
+                <a:cs typeface="+mj-cs"/>
+              </a:rPr>
+              <a:t>The End</a:t>
+            </a:r>
           </a:p>
         </p:txBody>
       </p:sp>
@@ -15191,13 +19490,30 @@
             <p:ph idx="1"/>
           </p:nvPr>
         </p:nvSpPr>
-        <p:spPr/>
+        <p:spPr>
+          <a:xfrm>
+            <a:off x="4038600" y="4782320"/>
+            <a:ext cx="7644627" cy="1329443"/>
+          </a:xfrm>
+        </p:spPr>
         <p:txBody>
-          <a:bodyPr/>
+          <a:bodyPr vert="horz" lIns="91440" tIns="45720" rIns="91440" bIns="45720" rtlCol="0">
+            <a:normAutofit/>
+          </a:bodyPr>
           <a:lstStyle/>
           <a:p>
+            <a:pPr marL="0" indent="0" algn="r">
+              <a:buNone/>
+            </a:pPr>
             <a:r>
-              <a:rPr lang="en-DE" dirty="0"/>
+              <a:rPr lang="en-US" sz="2400" kern="1200">
+                <a:solidFill>
+                  <a:schemeClr val="tx1"/>
+                </a:solidFill>
+                <a:latin typeface="+mn-lt"/>
+                <a:ea typeface="+mn-ea"/>
+                <a:cs typeface="+mn-cs"/>
+              </a:rPr>
               <a:t>Thank you</a:t>
             </a:r>
           </a:p>
@@ -15213,12 +19529,112 @@
   <p:clrMapOvr>
     <a:masterClrMapping/>
   </p:clrMapOvr>
+  <p:timing>
+    <p:tnLst>
+      <p:par>
+        <p:cTn id="1" dur="indefinite" restart="never" nodeType="tmRoot">
+          <p:childTnLst>
+            <p:seq concurrent="1" nextAc="seek">
+              <p:cTn id="2" dur="indefinite" nodeType="mainSeq">
+                <p:childTnLst>
+                  <p:par>
+                    <p:cTn id="3" fill="hold">
+                      <p:stCondLst>
+                        <p:cond delay="indefinite"/>
+                        <p:cond evt="onBegin" delay="0">
+                          <p:tn val="2"/>
+                        </p:cond>
+                      </p:stCondLst>
+                      <p:childTnLst>
+                        <p:par>
+                          <p:cTn id="4" fill="hold">
+                            <p:stCondLst>
+                              <p:cond delay="0"/>
+                            </p:stCondLst>
+                            <p:childTnLst>
+                              <p:par>
+                                <p:cTn id="5" presetID="10" presetClass="entr" presetSubtype="0" fill="hold" grpId="0" nodeType="withEffect">
+                                  <p:stCondLst>
+                                    <p:cond delay="500"/>
+                                  </p:stCondLst>
+                                  <p:iterate>
+                                    <p:tmPct val="10000"/>
+                                  </p:iterate>
+                                  <p:childTnLst>
+                                    <p:set>
+                                      <p:cBhvr>
+                                        <p:cTn id="6" dur="1" fill="hold">
+                                          <p:stCondLst>
+                                            <p:cond delay="0"/>
+                                          </p:stCondLst>
+                                        </p:cTn>
+                                        <p:tgtEl>
+                                          <p:spTgt spid="2"/>
+                                        </p:tgtEl>
+                                        <p:attrNameLst>
+                                          <p:attrName>style.visibility</p:attrName>
+                                        </p:attrNameLst>
+                                      </p:cBhvr>
+                                      <p:to>
+                                        <p:strVal val="visible"/>
+                                      </p:to>
+                                    </p:set>
+                                    <p:animEffect transition="in" filter="fade">
+                                      <p:cBhvr>
+                                        <p:cTn id="7" dur="700"/>
+                                        <p:tgtEl>
+                                          <p:spTgt spid="2"/>
+                                        </p:tgtEl>
+                                      </p:cBhvr>
+                                    </p:animEffect>
+                                  </p:childTnLst>
+                                </p:cTn>
+                              </p:par>
+                            </p:childTnLst>
+                          </p:cTn>
+                        </p:par>
+                      </p:childTnLst>
+                    </p:cTn>
+                  </p:par>
+                </p:childTnLst>
+              </p:cTn>
+              <p:prevCondLst>
+                <p:cond evt="onPrev" delay="0">
+                  <p:tgtEl>
+                    <p:sldTgt/>
+                  </p:tgtEl>
+                </p:cond>
+              </p:prevCondLst>
+              <p:nextCondLst>
+                <p:cond evt="onNext" delay="0">
+                  <p:tgtEl>
+                    <p:sldTgt/>
+                  </p:tgtEl>
+                </p:cond>
+              </p:nextCondLst>
+            </p:seq>
+          </p:childTnLst>
+        </p:cTn>
+      </p:par>
+    </p:tnLst>
+    <p:bldLst>
+      <p:bldP spid="2" grpId="0"/>
+    </p:bldLst>
+  </p:timing>
 </p:sld>
 </file>
 
 <file path=ppt/slides/slide2.xml><?xml version="1.0" encoding="utf-8"?>
 <p:sld xmlns:a="http://schemas.openxmlformats.org/drawingml/2006/main" xmlns:r="http://schemas.openxmlformats.org/officeDocument/2006/relationships" xmlns:p="http://schemas.openxmlformats.org/presentationml/2006/main">
   <p:cSld>
+    <p:bg>
+      <p:bgPr>
+        <a:solidFill>
+          <a:schemeClr val="bg1"/>
+        </a:solidFill>
+        <a:effectLst/>
+      </p:bgPr>
+    </p:bg>
     <p:spTree>
       <p:nvGrpSpPr>
         <p:cNvPr id="1" name=""/>
@@ -15233,6 +19649,929 @@
           <a:chExt cx="0" cy="0"/>
         </a:xfrm>
       </p:grpSpPr>
+      <p:sp useBgFill="1">
+        <p:nvSpPr>
+          <p:cNvPr id="20" name="Rectangle 19">
+            <a:extLst>
+              <a:ext uri="{FF2B5EF4-FFF2-40B4-BE49-F238E27FC236}">
+                <a16:creationId xmlns:a16="http://schemas.microsoft.com/office/drawing/2014/main" id="{AC17DE74-01C9-4859-B65A-85CF999E8580}"/>
+              </a:ext>
+              <a:ext uri="{C183D7F6-B498-43B3-948B-1728B52AA6E4}">
+                <adec:decorative xmlns:adec="http://schemas.microsoft.com/office/drawing/2017/decorative" val="1"/>
+              </a:ext>
+            </a:extLst>
+          </p:cNvPr>
+          <p:cNvSpPr>
+            <a:spLocks noGrp="1" noRot="1" noChangeAspect="1" noMove="1" noResize="1" noEditPoints="1" noAdjustHandles="1" noChangeArrowheads="1" noChangeShapeType="1" noTextEdit="1"/>
+          </p:cNvSpPr>
+          <p:nvPr>
+            <p:extLst>
+              <p:ext uri="{386F3935-93C4-4BCD-93E2-E3B085C9AB24}">
+                <p16:designElem xmlns:p16="http://schemas.microsoft.com/office/powerpoint/2015/main" val="1"/>
+              </p:ext>
+            </p:extLst>
+          </p:nvPr>
+        </p:nvSpPr>
+        <p:spPr>
+          <a:xfrm>
+            <a:off x="0" y="0"/>
+            <a:ext cx="12188952" cy="6858000"/>
+          </a:xfrm>
+          <a:prstGeom prst="rect">
+            <a:avLst/>
+          </a:prstGeom>
+          <a:ln>
+            <a:noFill/>
+          </a:ln>
+        </p:spPr>
+        <p:style>
+          <a:lnRef idx="2">
+            <a:schemeClr val="accent1">
+              <a:shade val="50000"/>
+            </a:schemeClr>
+          </a:lnRef>
+          <a:fillRef idx="1">
+            <a:schemeClr val="accent1"/>
+          </a:fillRef>
+          <a:effectRef idx="0">
+            <a:schemeClr val="accent1"/>
+          </a:effectRef>
+          <a:fontRef idx="minor">
+            <a:schemeClr val="lt1"/>
+          </a:fontRef>
+        </p:style>
+        <p:txBody>
+          <a:bodyPr rtlCol="0" anchor="ctr"/>
+          <a:lstStyle/>
+          <a:p>
+            <a:pPr algn="ctr"/>
+            <a:endParaRPr lang="en-US"/>
+          </a:p>
+        </p:txBody>
+      </p:sp>
+      <p:sp>
+        <p:nvSpPr>
+          <p:cNvPr id="22" name="Freeform: Shape 21">
+            <a:extLst>
+              <a:ext uri="{FF2B5EF4-FFF2-40B4-BE49-F238E27FC236}">
+                <a16:creationId xmlns:a16="http://schemas.microsoft.com/office/drawing/2014/main" id="{068C0432-0E90-4CC1-8CD3-D44A90DF07EF}"/>
+              </a:ext>
+              <a:ext uri="{C183D7F6-B498-43B3-948B-1728B52AA6E4}">
+                <adec:decorative xmlns:adec="http://schemas.microsoft.com/office/drawing/2017/decorative" val="1"/>
+              </a:ext>
+            </a:extLst>
+          </p:cNvPr>
+          <p:cNvSpPr>
+            <a:spLocks noGrp="1" noRot="1" noChangeAspect="1" noMove="1" noResize="1" noEditPoints="1" noAdjustHandles="1" noChangeArrowheads="1" noChangeShapeType="1" noTextEdit="1"/>
+          </p:cNvSpPr>
+          <p:nvPr>
+            <p:extLst>
+              <p:ext uri="{386F3935-93C4-4BCD-93E2-E3B085C9AB24}">
+                <p16:designElem xmlns:p16="http://schemas.microsoft.com/office/powerpoint/2015/main" val="1"/>
+              </p:ext>
+            </p:extLst>
+          </p:nvPr>
+        </p:nvSpPr>
+        <p:spPr>
+          <a:xfrm>
+            <a:off x="0" y="0"/>
+            <a:ext cx="12192000" cy="2347414"/>
+          </a:xfrm>
+          <a:custGeom>
+            <a:avLst/>
+            <a:gdLst>
+              <a:gd name="connsiteX0" fmla="*/ 0 w 12192000"/>
+              <a:gd name="connsiteY0" fmla="*/ 0 h 2347414"/>
+              <a:gd name="connsiteX1" fmla="*/ 12192000 w 12192000"/>
+              <a:gd name="connsiteY1" fmla="*/ 0 h 2347414"/>
+              <a:gd name="connsiteX2" fmla="*/ 12192000 w 12192000"/>
+              <a:gd name="connsiteY2" fmla="*/ 1736458 h 2347414"/>
+              <a:gd name="connsiteX3" fmla="*/ 11967601 w 12192000"/>
+              <a:gd name="connsiteY3" fmla="*/ 1784034 h 2347414"/>
+              <a:gd name="connsiteX4" fmla="*/ 10829000 w 12192000"/>
+              <a:gd name="connsiteY4" fmla="*/ 1983294 h 2347414"/>
+              <a:gd name="connsiteX5" fmla="*/ 10743779 w 12192000"/>
+              <a:gd name="connsiteY5" fmla="*/ 1996027 h 2347414"/>
+              <a:gd name="connsiteX6" fmla="*/ 10829254 w 12192000"/>
+              <a:gd name="connsiteY6" fmla="*/ 1987751 h 2347414"/>
+              <a:gd name="connsiteX7" fmla="*/ 10847162 w 12192000"/>
+              <a:gd name="connsiteY7" fmla="*/ 1988388 h 2347414"/>
+              <a:gd name="connsiteX8" fmla="*/ 11575155 w 12192000"/>
+              <a:gd name="connsiteY8" fmla="*/ 1921415 h 2347414"/>
+              <a:gd name="connsiteX9" fmla="*/ 12192000 w 12192000"/>
+              <a:gd name="connsiteY9" fmla="*/ 1851213 h 2347414"/>
+              <a:gd name="connsiteX10" fmla="*/ 12192000 w 12192000"/>
+              <a:gd name="connsiteY10" fmla="*/ 1907356 h 2347414"/>
+              <a:gd name="connsiteX11" fmla="*/ 12035532 w 12192000"/>
+              <a:gd name="connsiteY11" fmla="*/ 1927033 h 2347414"/>
+              <a:gd name="connsiteX12" fmla="*/ 11576932 w 12192000"/>
+              <a:gd name="connsiteY12" fmla="*/ 1976291 h 2347414"/>
+              <a:gd name="connsiteX13" fmla="*/ 10627316 w 12192000"/>
+              <a:gd name="connsiteY13" fmla="*/ 2061470 h 2347414"/>
+              <a:gd name="connsiteX14" fmla="*/ 9804196 w 12192000"/>
+              <a:gd name="connsiteY14" fmla="*/ 2123478 h 2347414"/>
+              <a:gd name="connsiteX15" fmla="*/ 9243851 w 12192000"/>
+              <a:gd name="connsiteY15" fmla="*/ 2180008 h 2347414"/>
+              <a:gd name="connsiteX16" fmla="*/ 8731259 w 12192000"/>
+              <a:gd name="connsiteY16" fmla="*/ 2225081 h 2347414"/>
+              <a:gd name="connsiteX17" fmla="*/ 8065752 w 12192000"/>
+              <a:gd name="connsiteY17" fmla="*/ 2271681 h 2347414"/>
+              <a:gd name="connsiteX18" fmla="*/ 7658065 w 12192000"/>
+              <a:gd name="connsiteY18" fmla="*/ 2292562 h 2347414"/>
+              <a:gd name="connsiteX19" fmla="*/ 6531024 w 12192000"/>
+              <a:gd name="connsiteY19" fmla="*/ 2324138 h 2347414"/>
+              <a:gd name="connsiteX20" fmla="*/ 6178331 w 12192000"/>
+              <a:gd name="connsiteY20" fmla="*/ 2345655 h 2347414"/>
+              <a:gd name="connsiteX21" fmla="*/ 5977282 w 12192000"/>
+              <a:gd name="connsiteY21" fmla="*/ 2344127 h 2347414"/>
+              <a:gd name="connsiteX22" fmla="*/ 5367658 w 12192000"/>
+              <a:gd name="connsiteY22" fmla="*/ 2329230 h 2347414"/>
+              <a:gd name="connsiteX23" fmla="*/ 4387306 w 12192000"/>
+              <a:gd name="connsiteY23" fmla="*/ 2288614 h 2347414"/>
+              <a:gd name="connsiteX24" fmla="*/ 4180287 w 12192000"/>
+              <a:gd name="connsiteY24" fmla="*/ 2280211 h 2347414"/>
+              <a:gd name="connsiteX25" fmla="*/ 3842199 w 12192000"/>
+              <a:gd name="connsiteY25" fmla="*/ 2257039 h 2347414"/>
+              <a:gd name="connsiteX26" fmla="*/ 3730309 w 12192000"/>
+              <a:gd name="connsiteY26" fmla="*/ 2251182 h 2347414"/>
+              <a:gd name="connsiteX27" fmla="*/ 3425496 w 12192000"/>
+              <a:gd name="connsiteY27" fmla="*/ 2231320 h 2347414"/>
+              <a:gd name="connsiteX28" fmla="*/ 3076106 w 12192000"/>
+              <a:gd name="connsiteY28" fmla="*/ 2201781 h 2347414"/>
+              <a:gd name="connsiteX29" fmla="*/ 2819682 w 12192000"/>
+              <a:gd name="connsiteY29" fmla="*/ 2182427 h 2347414"/>
+              <a:gd name="connsiteX30" fmla="*/ 2525539 w 12192000"/>
+              <a:gd name="connsiteY30" fmla="*/ 2152888 h 2347414"/>
+              <a:gd name="connsiteX31" fmla="*/ 2311915 w 12192000"/>
+              <a:gd name="connsiteY31" fmla="*/ 2133536 h 2347414"/>
+              <a:gd name="connsiteX32" fmla="*/ 2054223 w 12192000"/>
+              <a:gd name="connsiteY32" fmla="*/ 2104760 h 2347414"/>
+              <a:gd name="connsiteX33" fmla="*/ 1865367 w 12192000"/>
+              <a:gd name="connsiteY33" fmla="*/ 2084770 h 2347414"/>
+              <a:gd name="connsiteX34" fmla="*/ 1629263 w 12192000"/>
+              <a:gd name="connsiteY34" fmla="*/ 2055996 h 2347414"/>
+              <a:gd name="connsiteX35" fmla="*/ 1458823 w 12192000"/>
+              <a:gd name="connsiteY35" fmla="*/ 2035751 h 2347414"/>
+              <a:gd name="connsiteX36" fmla="*/ 1241390 w 12192000"/>
+              <a:gd name="connsiteY36" fmla="*/ 2007103 h 2347414"/>
+              <a:gd name="connsiteX37" fmla="*/ 1047453 w 12192000"/>
+              <a:gd name="connsiteY37" fmla="*/ 1980748 h 2347414"/>
+              <a:gd name="connsiteX38" fmla="*/ 814907 w 12192000"/>
+              <a:gd name="connsiteY38" fmla="*/ 1949045 h 2347414"/>
+              <a:gd name="connsiteX39" fmla="*/ 592649 w 12192000"/>
+              <a:gd name="connsiteY39" fmla="*/ 1913776 h 2347414"/>
+              <a:gd name="connsiteX40" fmla="*/ 343591 w 12192000"/>
+              <a:gd name="connsiteY40" fmla="*/ 1872650 h 2347414"/>
+              <a:gd name="connsiteX41" fmla="*/ 35731 w 12192000"/>
+              <a:gd name="connsiteY41" fmla="*/ 1821722 h 2347414"/>
+              <a:gd name="connsiteX42" fmla="*/ 0 w 12192000"/>
+              <a:gd name="connsiteY42" fmla="*/ 1814848 h 2347414"/>
+              <a:gd name="connsiteX43" fmla="*/ 0 w 12192000"/>
+              <a:gd name="connsiteY43" fmla="*/ 1758489 h 2347414"/>
+              <a:gd name="connsiteX44" fmla="*/ 274248 w 12192000"/>
+              <a:gd name="connsiteY44" fmla="*/ 1808735 h 2347414"/>
+              <a:gd name="connsiteX45" fmla="*/ 498157 w 12192000"/>
+              <a:gd name="connsiteY45" fmla="*/ 1846167 h 2347414"/>
+              <a:gd name="connsiteX46" fmla="*/ 722828 w 12192000"/>
+              <a:gd name="connsiteY46" fmla="*/ 1878635 h 2347414"/>
+              <a:gd name="connsiteX47" fmla="*/ 949913 w 12192000"/>
+              <a:gd name="connsiteY47" fmla="*/ 1912375 h 2347414"/>
+              <a:gd name="connsiteX48" fmla="*/ 1195414 w 12192000"/>
+              <a:gd name="connsiteY48" fmla="*/ 1947516 h 2347414"/>
+              <a:gd name="connsiteX49" fmla="*/ 1342867 w 12192000"/>
+              <a:gd name="connsiteY49" fmla="*/ 1968397 h 2347414"/>
+              <a:gd name="connsiteX50" fmla="*/ 1518007 w 12192000"/>
+              <a:gd name="connsiteY50" fmla="*/ 1988006 h 2347414"/>
+              <a:gd name="connsiteX51" fmla="*/ 1701403 w 12192000"/>
+              <a:gd name="connsiteY51" fmla="*/ 2010669 h 2347414"/>
+              <a:gd name="connsiteX52" fmla="*/ 1879210 w 12192000"/>
+              <a:gd name="connsiteY52" fmla="*/ 2031167 h 2347414"/>
+              <a:gd name="connsiteX53" fmla="*/ 2068702 w 12192000"/>
+              <a:gd name="connsiteY53" fmla="*/ 2052940 h 2347414"/>
+              <a:gd name="connsiteX54" fmla="*/ 2212090 w 12192000"/>
+              <a:gd name="connsiteY54" fmla="*/ 2067583 h 2347414"/>
+              <a:gd name="connsiteX55" fmla="*/ 2416949 w 12192000"/>
+              <a:gd name="connsiteY55" fmla="*/ 2089609 h 2347414"/>
+              <a:gd name="connsiteX56" fmla="*/ 2582055 w 12192000"/>
+              <a:gd name="connsiteY56" fmla="*/ 2105397 h 2347414"/>
+              <a:gd name="connsiteX57" fmla="*/ 2802282 w 12192000"/>
+              <a:gd name="connsiteY57" fmla="*/ 2126405 h 2347414"/>
+              <a:gd name="connsiteX58" fmla="*/ 2984916 w 12192000"/>
+              <a:gd name="connsiteY58" fmla="*/ 2141684 h 2347414"/>
+              <a:gd name="connsiteX59" fmla="*/ 3241847 w 12192000"/>
+              <a:gd name="connsiteY59" fmla="*/ 2164094 h 2347414"/>
+              <a:gd name="connsiteX60" fmla="*/ 3439848 w 12192000"/>
+              <a:gd name="connsiteY60" fmla="*/ 2176826 h 2347414"/>
+              <a:gd name="connsiteX61" fmla="*/ 3658678 w 12192000"/>
+              <a:gd name="connsiteY61" fmla="*/ 2194523 h 2347414"/>
+              <a:gd name="connsiteX62" fmla="*/ 3881317 w 12192000"/>
+              <a:gd name="connsiteY62" fmla="*/ 2206491 h 2347414"/>
+              <a:gd name="connsiteX63" fmla="*/ 4148916 w 12192000"/>
+              <a:gd name="connsiteY63" fmla="*/ 2225081 h 2347414"/>
+              <a:gd name="connsiteX64" fmla="*/ 4468337 w 12192000"/>
+              <a:gd name="connsiteY64" fmla="*/ 2237813 h 2347414"/>
+              <a:gd name="connsiteX65" fmla="*/ 4605375 w 12192000"/>
+              <a:gd name="connsiteY65" fmla="*/ 2240232 h 2347414"/>
+              <a:gd name="connsiteX66" fmla="*/ 4527647 w 12192000"/>
+              <a:gd name="connsiteY66" fmla="*/ 2236412 h 2347414"/>
+              <a:gd name="connsiteX67" fmla="*/ 4175589 w 12192000"/>
+              <a:gd name="connsiteY67" fmla="*/ 2212985 h 2347414"/>
+              <a:gd name="connsiteX68" fmla="*/ 3988255 w 12192000"/>
+              <a:gd name="connsiteY68" fmla="*/ 2200253 h 2347414"/>
+              <a:gd name="connsiteX69" fmla="*/ 3686492 w 12192000"/>
+              <a:gd name="connsiteY69" fmla="*/ 2176062 h 2347414"/>
+              <a:gd name="connsiteX70" fmla="*/ 3517320 w 12192000"/>
+              <a:gd name="connsiteY70" fmla="*/ 2163330 h 2347414"/>
+              <a:gd name="connsiteX71" fmla="*/ 3258357 w 12192000"/>
+              <a:gd name="connsiteY71" fmla="*/ 2139519 h 2347414"/>
+              <a:gd name="connsiteX72" fmla="*/ 3101506 w 12192000"/>
+              <a:gd name="connsiteY72" fmla="*/ 2126787 h 2347414"/>
+              <a:gd name="connsiteX73" fmla="*/ 2809395 w 12192000"/>
+              <a:gd name="connsiteY73" fmla="*/ 2097502 h 2347414"/>
+              <a:gd name="connsiteX74" fmla="*/ 2598566 w 12192000"/>
+              <a:gd name="connsiteY74" fmla="*/ 2078532 h 2347414"/>
+              <a:gd name="connsiteX75" fmla="*/ 2337444 w 12192000"/>
+              <a:gd name="connsiteY75" fmla="*/ 2048611 h 2347414"/>
+              <a:gd name="connsiteX76" fmla="*/ 2091054 w 12192000"/>
+              <a:gd name="connsiteY76" fmla="*/ 2023146 h 2347414"/>
+              <a:gd name="connsiteX77" fmla="*/ 1755761 w 12192000"/>
+              <a:gd name="connsiteY77" fmla="*/ 1981384 h 2347414"/>
+              <a:gd name="connsiteX78" fmla="*/ 1441169 w 12192000"/>
+              <a:gd name="connsiteY78" fmla="*/ 1943824 h 2347414"/>
+              <a:gd name="connsiteX79" fmla="*/ 1017607 w 12192000"/>
+              <a:gd name="connsiteY79" fmla="*/ 1883345 h 2347414"/>
+              <a:gd name="connsiteX80" fmla="*/ 594427 w 12192000"/>
+              <a:gd name="connsiteY80" fmla="*/ 1821849 h 2347414"/>
+              <a:gd name="connsiteX81" fmla="*/ 200711 w 12192000"/>
+              <a:gd name="connsiteY81" fmla="*/ 1755132 h 2347414"/>
+              <a:gd name="connsiteX82" fmla="*/ 0 w 12192000"/>
+              <a:gd name="connsiteY82" fmla="*/ 1718743 h 2347414"/>
+            </a:gdLst>
+            <a:ahLst/>
+            <a:cxnLst>
+              <a:cxn ang="0">
+                <a:pos x="connsiteX0" y="connsiteY0"/>
+              </a:cxn>
+              <a:cxn ang="0">
+                <a:pos x="connsiteX1" y="connsiteY1"/>
+              </a:cxn>
+              <a:cxn ang="0">
+                <a:pos x="connsiteX2" y="connsiteY2"/>
+              </a:cxn>
+              <a:cxn ang="0">
+                <a:pos x="connsiteX3" y="connsiteY3"/>
+              </a:cxn>
+              <a:cxn ang="0">
+                <a:pos x="connsiteX4" y="connsiteY4"/>
+              </a:cxn>
+              <a:cxn ang="0">
+                <a:pos x="connsiteX5" y="connsiteY5"/>
+              </a:cxn>
+              <a:cxn ang="0">
+                <a:pos x="connsiteX6" y="connsiteY6"/>
+              </a:cxn>
+              <a:cxn ang="0">
+                <a:pos x="connsiteX7" y="connsiteY7"/>
+              </a:cxn>
+              <a:cxn ang="0">
+                <a:pos x="connsiteX8" y="connsiteY8"/>
+              </a:cxn>
+              <a:cxn ang="0">
+                <a:pos x="connsiteX9" y="connsiteY9"/>
+              </a:cxn>
+              <a:cxn ang="0">
+                <a:pos x="connsiteX10" y="connsiteY10"/>
+              </a:cxn>
+              <a:cxn ang="0">
+                <a:pos x="connsiteX11" y="connsiteY11"/>
+              </a:cxn>
+              <a:cxn ang="0">
+                <a:pos x="connsiteX12" y="connsiteY12"/>
+              </a:cxn>
+              <a:cxn ang="0">
+                <a:pos x="connsiteX13" y="connsiteY13"/>
+              </a:cxn>
+              <a:cxn ang="0">
+                <a:pos x="connsiteX14" y="connsiteY14"/>
+              </a:cxn>
+              <a:cxn ang="0">
+                <a:pos x="connsiteX15" y="connsiteY15"/>
+              </a:cxn>
+              <a:cxn ang="0">
+                <a:pos x="connsiteX16" y="connsiteY16"/>
+              </a:cxn>
+              <a:cxn ang="0">
+                <a:pos x="connsiteX17" y="connsiteY17"/>
+              </a:cxn>
+              <a:cxn ang="0">
+                <a:pos x="connsiteX18" y="connsiteY18"/>
+              </a:cxn>
+              <a:cxn ang="0">
+                <a:pos x="connsiteX19" y="connsiteY19"/>
+              </a:cxn>
+              <a:cxn ang="0">
+                <a:pos x="connsiteX20" y="connsiteY20"/>
+              </a:cxn>
+              <a:cxn ang="0">
+                <a:pos x="connsiteX21" y="connsiteY21"/>
+              </a:cxn>
+              <a:cxn ang="0">
+                <a:pos x="connsiteX22" y="connsiteY22"/>
+              </a:cxn>
+              <a:cxn ang="0">
+                <a:pos x="connsiteX23" y="connsiteY23"/>
+              </a:cxn>
+              <a:cxn ang="0">
+                <a:pos x="connsiteX24" y="connsiteY24"/>
+              </a:cxn>
+              <a:cxn ang="0">
+                <a:pos x="connsiteX25" y="connsiteY25"/>
+              </a:cxn>
+              <a:cxn ang="0">
+                <a:pos x="connsiteX26" y="connsiteY26"/>
+              </a:cxn>
+              <a:cxn ang="0">
+                <a:pos x="connsiteX27" y="connsiteY27"/>
+              </a:cxn>
+              <a:cxn ang="0">
+                <a:pos x="connsiteX28" y="connsiteY28"/>
+              </a:cxn>
+              <a:cxn ang="0">
+                <a:pos x="connsiteX29" y="connsiteY29"/>
+              </a:cxn>
+              <a:cxn ang="0">
+                <a:pos x="connsiteX30" y="connsiteY30"/>
+              </a:cxn>
+              <a:cxn ang="0">
+                <a:pos x="connsiteX31" y="connsiteY31"/>
+              </a:cxn>
+              <a:cxn ang="0">
+                <a:pos x="connsiteX32" y="connsiteY32"/>
+              </a:cxn>
+              <a:cxn ang="0">
+                <a:pos x="connsiteX33" y="connsiteY33"/>
+              </a:cxn>
+              <a:cxn ang="0">
+                <a:pos x="connsiteX34" y="connsiteY34"/>
+              </a:cxn>
+              <a:cxn ang="0">
+                <a:pos x="connsiteX35" y="connsiteY35"/>
+              </a:cxn>
+              <a:cxn ang="0">
+                <a:pos x="connsiteX36" y="connsiteY36"/>
+              </a:cxn>
+              <a:cxn ang="0">
+                <a:pos x="connsiteX37" y="connsiteY37"/>
+              </a:cxn>
+              <a:cxn ang="0">
+                <a:pos x="connsiteX38" y="connsiteY38"/>
+              </a:cxn>
+              <a:cxn ang="0">
+                <a:pos x="connsiteX39" y="connsiteY39"/>
+              </a:cxn>
+              <a:cxn ang="0">
+                <a:pos x="connsiteX40" y="connsiteY40"/>
+              </a:cxn>
+              <a:cxn ang="0">
+                <a:pos x="connsiteX41" y="connsiteY41"/>
+              </a:cxn>
+              <a:cxn ang="0">
+                <a:pos x="connsiteX42" y="connsiteY42"/>
+              </a:cxn>
+              <a:cxn ang="0">
+                <a:pos x="connsiteX43" y="connsiteY43"/>
+              </a:cxn>
+              <a:cxn ang="0">
+                <a:pos x="connsiteX44" y="connsiteY44"/>
+              </a:cxn>
+              <a:cxn ang="0">
+                <a:pos x="connsiteX45" y="connsiteY45"/>
+              </a:cxn>
+              <a:cxn ang="0">
+                <a:pos x="connsiteX46" y="connsiteY46"/>
+              </a:cxn>
+              <a:cxn ang="0">
+                <a:pos x="connsiteX47" y="connsiteY47"/>
+              </a:cxn>
+              <a:cxn ang="0">
+                <a:pos x="connsiteX48" y="connsiteY48"/>
+              </a:cxn>
+              <a:cxn ang="0">
+                <a:pos x="connsiteX49" y="connsiteY49"/>
+              </a:cxn>
+              <a:cxn ang="0">
+                <a:pos x="connsiteX50" y="connsiteY50"/>
+              </a:cxn>
+              <a:cxn ang="0">
+                <a:pos x="connsiteX51" y="connsiteY51"/>
+              </a:cxn>
+              <a:cxn ang="0">
+                <a:pos x="connsiteX52" y="connsiteY52"/>
+              </a:cxn>
+              <a:cxn ang="0">
+                <a:pos x="connsiteX53" y="connsiteY53"/>
+              </a:cxn>
+              <a:cxn ang="0">
+                <a:pos x="connsiteX54" y="connsiteY54"/>
+              </a:cxn>
+              <a:cxn ang="0">
+                <a:pos x="connsiteX55" y="connsiteY55"/>
+              </a:cxn>
+              <a:cxn ang="0">
+                <a:pos x="connsiteX56" y="connsiteY56"/>
+              </a:cxn>
+              <a:cxn ang="0">
+                <a:pos x="connsiteX57" y="connsiteY57"/>
+              </a:cxn>
+              <a:cxn ang="0">
+                <a:pos x="connsiteX58" y="connsiteY58"/>
+              </a:cxn>
+              <a:cxn ang="0">
+                <a:pos x="connsiteX59" y="connsiteY59"/>
+              </a:cxn>
+              <a:cxn ang="0">
+                <a:pos x="connsiteX60" y="connsiteY60"/>
+              </a:cxn>
+              <a:cxn ang="0">
+                <a:pos x="connsiteX61" y="connsiteY61"/>
+              </a:cxn>
+              <a:cxn ang="0">
+                <a:pos x="connsiteX62" y="connsiteY62"/>
+              </a:cxn>
+              <a:cxn ang="0">
+                <a:pos x="connsiteX63" y="connsiteY63"/>
+              </a:cxn>
+              <a:cxn ang="0">
+                <a:pos x="connsiteX64" y="connsiteY64"/>
+              </a:cxn>
+              <a:cxn ang="0">
+                <a:pos x="connsiteX65" y="connsiteY65"/>
+              </a:cxn>
+              <a:cxn ang="0">
+                <a:pos x="connsiteX66" y="connsiteY66"/>
+              </a:cxn>
+              <a:cxn ang="0">
+                <a:pos x="connsiteX67" y="connsiteY67"/>
+              </a:cxn>
+              <a:cxn ang="0">
+                <a:pos x="connsiteX68" y="connsiteY68"/>
+              </a:cxn>
+              <a:cxn ang="0">
+                <a:pos x="connsiteX69" y="connsiteY69"/>
+              </a:cxn>
+              <a:cxn ang="0">
+                <a:pos x="connsiteX70" y="connsiteY70"/>
+              </a:cxn>
+              <a:cxn ang="0">
+                <a:pos x="connsiteX71" y="connsiteY71"/>
+              </a:cxn>
+              <a:cxn ang="0">
+                <a:pos x="connsiteX72" y="connsiteY72"/>
+              </a:cxn>
+              <a:cxn ang="0">
+                <a:pos x="connsiteX73" y="connsiteY73"/>
+              </a:cxn>
+              <a:cxn ang="0">
+                <a:pos x="connsiteX74" y="connsiteY74"/>
+              </a:cxn>
+              <a:cxn ang="0">
+                <a:pos x="connsiteX75" y="connsiteY75"/>
+              </a:cxn>
+              <a:cxn ang="0">
+                <a:pos x="connsiteX76" y="connsiteY76"/>
+              </a:cxn>
+              <a:cxn ang="0">
+                <a:pos x="connsiteX77" y="connsiteY77"/>
+              </a:cxn>
+              <a:cxn ang="0">
+                <a:pos x="connsiteX78" y="connsiteY78"/>
+              </a:cxn>
+              <a:cxn ang="0">
+                <a:pos x="connsiteX79" y="connsiteY79"/>
+              </a:cxn>
+              <a:cxn ang="0">
+                <a:pos x="connsiteX80" y="connsiteY80"/>
+              </a:cxn>
+              <a:cxn ang="0">
+                <a:pos x="connsiteX81" y="connsiteY81"/>
+              </a:cxn>
+              <a:cxn ang="0">
+                <a:pos x="connsiteX82" y="connsiteY82"/>
+              </a:cxn>
+            </a:cxnLst>
+            <a:rect l="l" t="t" r="r" b="b"/>
+            <a:pathLst>
+              <a:path w="12192000" h="2347414">
+                <a:moveTo>
+                  <a:pt x="0" y="0"/>
+                </a:moveTo>
+                <a:lnTo>
+                  <a:pt x="12192000" y="0"/>
+                </a:lnTo>
+                <a:lnTo>
+                  <a:pt x="12192000" y="1736458"/>
+                </a:lnTo>
+                <a:lnTo>
+                  <a:pt x="11967601" y="1784034"/>
+                </a:lnTo>
+                <a:cubicBezTo>
+                  <a:pt x="11589888" y="1859409"/>
+                  <a:pt x="11209762" y="1923961"/>
+                  <a:pt x="10829000" y="1983294"/>
+                </a:cubicBezTo>
+                <a:lnTo>
+                  <a:pt x="10743779" y="1996027"/>
+                </a:lnTo>
+                <a:cubicBezTo>
+                  <a:pt x="10772495" y="1996778"/>
+                  <a:pt x="10801211" y="1993989"/>
+                  <a:pt x="10829254" y="1987751"/>
+                </a:cubicBezTo>
+                <a:cubicBezTo>
+                  <a:pt x="10835198" y="1988337"/>
+                  <a:pt x="10841180" y="1988553"/>
+                  <a:pt x="10847162" y="1988388"/>
+                </a:cubicBezTo>
+                <a:cubicBezTo>
+                  <a:pt x="11090123" y="1968907"/>
+                  <a:pt x="11332703" y="1945734"/>
+                  <a:pt x="11575155" y="1921415"/>
+                </a:cubicBezTo>
+                <a:lnTo>
+                  <a:pt x="12192000" y="1851213"/>
+                </a:lnTo>
+                <a:lnTo>
+                  <a:pt x="12192000" y="1907356"/>
+                </a:lnTo>
+                <a:lnTo>
+                  <a:pt x="12035532" y="1927033"/>
+                </a:lnTo>
+                <a:cubicBezTo>
+                  <a:pt x="11882793" y="1944747"/>
+                  <a:pt x="11729910" y="1961077"/>
+                  <a:pt x="11576932" y="1976291"/>
+                </a:cubicBezTo>
+                <a:cubicBezTo>
+                  <a:pt x="11260690" y="2008122"/>
+                  <a:pt x="10944193" y="2037279"/>
+                  <a:pt x="10627316" y="2061470"/>
+                </a:cubicBezTo>
+                <a:cubicBezTo>
+                  <a:pt x="10352985" y="2082351"/>
+                  <a:pt x="10078401" y="2100431"/>
+                  <a:pt x="9804196" y="2123478"/>
+                </a:cubicBezTo>
+                <a:cubicBezTo>
+                  <a:pt x="9617118" y="2139137"/>
+                  <a:pt x="9430675" y="2161674"/>
+                  <a:pt x="9243851" y="2180008"/>
+                </a:cubicBezTo>
+                <a:cubicBezTo>
+                  <a:pt x="9073157" y="2196433"/>
+                  <a:pt x="8902207" y="2211966"/>
+                  <a:pt x="8731259" y="2225081"/>
+                </a:cubicBezTo>
+                <a:cubicBezTo>
+                  <a:pt x="8509507" y="2242054"/>
+                  <a:pt x="8287667" y="2257586"/>
+                  <a:pt x="8065752" y="2271681"/>
+                </a:cubicBezTo>
+                <a:cubicBezTo>
+                  <a:pt x="7929984" y="2280466"/>
+                  <a:pt x="7793961" y="2285814"/>
+                  <a:pt x="7658065" y="2292562"/>
+                </a:cubicBezTo>
+                <a:cubicBezTo>
+                  <a:pt x="7282640" y="2311661"/>
+                  <a:pt x="6906704" y="2314208"/>
+                  <a:pt x="6531024" y="2324138"/>
+                </a:cubicBezTo>
+                <a:cubicBezTo>
+                  <a:pt x="6413417" y="2327322"/>
+                  <a:pt x="6295937" y="2338399"/>
+                  <a:pt x="6178331" y="2345655"/>
+                </a:cubicBezTo>
+                <a:cubicBezTo>
+                  <a:pt x="6111271" y="2349730"/>
+                  <a:pt x="6044342" y="2345655"/>
+                  <a:pt x="5977282" y="2344127"/>
+                </a:cubicBezTo>
+                <a:cubicBezTo>
+                  <a:pt x="5774073" y="2338908"/>
+                  <a:pt x="5570866" y="2334960"/>
+                  <a:pt x="5367658" y="2329230"/>
+                </a:cubicBezTo>
+                <a:cubicBezTo>
+                  <a:pt x="5040746" y="2319809"/>
+                  <a:pt x="4713963" y="2306274"/>
+                  <a:pt x="4387306" y="2288614"/>
+                </a:cubicBezTo>
+                <a:cubicBezTo>
+                  <a:pt x="4318342" y="2284796"/>
+                  <a:pt x="4249253" y="2284286"/>
+                  <a:pt x="4180287" y="2280211"/>
+                </a:cubicBezTo>
+                <a:cubicBezTo>
+                  <a:pt x="4067634" y="2273463"/>
+                  <a:pt x="3954980" y="2265060"/>
+                  <a:pt x="3842199" y="2257039"/>
+                </a:cubicBezTo>
+                <a:cubicBezTo>
+                  <a:pt x="3804988" y="2254492"/>
+                  <a:pt x="3767648" y="2254620"/>
+                  <a:pt x="3730309" y="2251182"/>
+                </a:cubicBezTo>
+                <a:cubicBezTo>
+                  <a:pt x="3628704" y="2242142"/>
+                  <a:pt x="3527101" y="2238449"/>
+                  <a:pt x="3425496" y="2231320"/>
+                </a:cubicBezTo>
+                <a:cubicBezTo>
+                  <a:pt x="3308906" y="2222534"/>
+                  <a:pt x="3192569" y="2211330"/>
+                  <a:pt x="3076106" y="2201781"/>
+                </a:cubicBezTo>
+                <a:cubicBezTo>
+                  <a:pt x="2990757" y="2194905"/>
+                  <a:pt x="2905157" y="2190067"/>
+                  <a:pt x="2819682" y="2182427"/>
+                </a:cubicBezTo>
+                <a:cubicBezTo>
+                  <a:pt x="2721507" y="2173515"/>
+                  <a:pt x="2623586" y="2162311"/>
+                  <a:pt x="2525539" y="2152888"/>
+                </a:cubicBezTo>
+                <a:cubicBezTo>
+                  <a:pt x="2454289" y="2145886"/>
+                  <a:pt x="2383038" y="2140920"/>
+                  <a:pt x="2311915" y="2133536"/>
+                </a:cubicBezTo>
+                <a:cubicBezTo>
+                  <a:pt x="2225933" y="2124749"/>
+                  <a:pt x="2140204" y="2114182"/>
+                  <a:pt x="2054223" y="2104760"/>
+                </a:cubicBezTo>
+                <a:cubicBezTo>
+                  <a:pt x="1990719" y="2097758"/>
+                  <a:pt x="1928233" y="2092028"/>
+                  <a:pt x="1865367" y="2084770"/>
+                </a:cubicBezTo>
+                <a:cubicBezTo>
+                  <a:pt x="1786622" y="2075603"/>
+                  <a:pt x="1708006" y="2065545"/>
+                  <a:pt x="1629263" y="2055996"/>
+                </a:cubicBezTo>
+                <a:cubicBezTo>
+                  <a:pt x="1572492" y="2049120"/>
+                  <a:pt x="1515595" y="2043264"/>
+                  <a:pt x="1458823" y="2035751"/>
+                </a:cubicBezTo>
+                <a:cubicBezTo>
+                  <a:pt x="1386303" y="2026585"/>
+                  <a:pt x="1313784" y="2016780"/>
+                  <a:pt x="1241390" y="2007103"/>
+                </a:cubicBezTo>
+                <a:lnTo>
+                  <a:pt x="1047453" y="1980748"/>
+                </a:lnTo>
+                <a:cubicBezTo>
+                  <a:pt x="969980" y="1970180"/>
+                  <a:pt x="892254" y="1960377"/>
+                  <a:pt x="814907" y="1949045"/>
+                </a:cubicBezTo>
+                <a:cubicBezTo>
+                  <a:pt x="740609" y="1938094"/>
+                  <a:pt x="666692" y="1925744"/>
+                  <a:pt x="592649" y="1913776"/>
+                </a:cubicBezTo>
+                <a:cubicBezTo>
+                  <a:pt x="509587" y="1900280"/>
+                  <a:pt x="426653" y="1886274"/>
+                  <a:pt x="343591" y="1872650"/>
+                </a:cubicBezTo>
+                <a:cubicBezTo>
+                  <a:pt x="240972" y="1855716"/>
+                  <a:pt x="138225" y="1839673"/>
+                  <a:pt x="35731" y="1821722"/>
+                </a:cubicBezTo>
+                <a:lnTo>
+                  <a:pt x="0" y="1814848"/>
+                </a:lnTo>
+                <a:lnTo>
+                  <a:pt x="0" y="1758489"/>
+                </a:lnTo>
+                <a:lnTo>
+                  <a:pt x="274248" y="1808735"/>
+                </a:lnTo>
+                <a:cubicBezTo>
+                  <a:pt x="348926" y="1821467"/>
+                  <a:pt x="423604" y="1832798"/>
+                  <a:pt x="498157" y="1846167"/>
+                </a:cubicBezTo>
+                <a:cubicBezTo>
+                  <a:pt x="572708" y="1859536"/>
+                  <a:pt x="647896" y="1867813"/>
+                  <a:pt x="722828" y="1878635"/>
+                </a:cubicBezTo>
+                <a:cubicBezTo>
+                  <a:pt x="797762" y="1889457"/>
+                  <a:pt x="874219" y="1901426"/>
+                  <a:pt x="949913" y="1912375"/>
+                </a:cubicBezTo>
+                <a:cubicBezTo>
+                  <a:pt x="1031704" y="1924343"/>
+                  <a:pt x="1113496" y="1935802"/>
+                  <a:pt x="1195414" y="1947516"/>
+                </a:cubicBezTo>
+                <a:cubicBezTo>
+                  <a:pt x="1244566" y="1954519"/>
+                  <a:pt x="1293589" y="1962285"/>
+                  <a:pt x="1342867" y="1968397"/>
+                </a:cubicBezTo>
+                <a:cubicBezTo>
+                  <a:pt x="1401162" y="1975656"/>
+                  <a:pt x="1459712" y="1981130"/>
+                  <a:pt x="1518007" y="1988006"/>
+                </a:cubicBezTo>
+                <a:cubicBezTo>
+                  <a:pt x="1579224" y="1995263"/>
+                  <a:pt x="1640186" y="2003411"/>
+                  <a:pt x="1701403" y="2010669"/>
+                </a:cubicBezTo>
+                <a:cubicBezTo>
+                  <a:pt x="1762618" y="2017926"/>
+                  <a:pt x="1820279" y="2024292"/>
+                  <a:pt x="1879210" y="2031167"/>
+                </a:cubicBezTo>
+                <a:cubicBezTo>
+                  <a:pt x="1942712" y="2038425"/>
+                  <a:pt x="2006214" y="2046064"/>
+                  <a:pt x="2068702" y="2052940"/>
+                </a:cubicBezTo>
+                <a:cubicBezTo>
+                  <a:pt x="2116455" y="2058160"/>
+                  <a:pt x="2164335" y="2062362"/>
+                  <a:pt x="2212090" y="2067583"/>
+                </a:cubicBezTo>
+                <a:cubicBezTo>
+                  <a:pt x="2280419" y="2074967"/>
+                  <a:pt x="2348493" y="2085152"/>
+                  <a:pt x="2416949" y="2089609"/>
+                </a:cubicBezTo>
+                <a:cubicBezTo>
+                  <a:pt x="2472070" y="2093302"/>
+                  <a:pt x="2526936" y="2099540"/>
+                  <a:pt x="2582055" y="2105397"/>
+                </a:cubicBezTo>
+                <a:cubicBezTo>
+                  <a:pt x="2655337" y="2113291"/>
+                  <a:pt x="2729001" y="2119785"/>
+                  <a:pt x="2802282" y="2126405"/>
+                </a:cubicBezTo>
+                <a:cubicBezTo>
+                  <a:pt x="2862991" y="2131753"/>
+                  <a:pt x="2924207" y="2136337"/>
+                  <a:pt x="2984916" y="2141684"/>
+                </a:cubicBezTo>
+                <a:cubicBezTo>
+                  <a:pt x="3070516" y="2149324"/>
+                  <a:pt x="3156373" y="2152888"/>
+                  <a:pt x="3241847" y="2164094"/>
+                </a:cubicBezTo>
+                <a:cubicBezTo>
+                  <a:pt x="3307255" y="2172624"/>
+                  <a:pt x="3374060" y="2169822"/>
+                  <a:pt x="3439848" y="2176826"/>
+                </a:cubicBezTo>
+                <a:cubicBezTo>
+                  <a:pt x="3512622" y="2184592"/>
+                  <a:pt x="3585777" y="2186247"/>
+                  <a:pt x="3658678" y="2194523"/>
+                </a:cubicBezTo>
+                <a:cubicBezTo>
+                  <a:pt x="3731578" y="2202800"/>
+                  <a:pt x="3807019" y="2201781"/>
+                  <a:pt x="3881317" y="2206491"/>
+                </a:cubicBezTo>
+                <a:cubicBezTo>
+                  <a:pt x="3970222" y="2212094"/>
+                  <a:pt x="4059124" y="2223552"/>
+                  <a:pt x="4148916" y="2225081"/>
+                </a:cubicBezTo>
+                <a:cubicBezTo>
+                  <a:pt x="4255600" y="2226736"/>
+                  <a:pt x="4361779" y="2236539"/>
+                  <a:pt x="4468337" y="2237813"/>
+                </a:cubicBezTo>
+                <a:cubicBezTo>
+                  <a:pt x="4511390" y="2238577"/>
+                  <a:pt x="4554190" y="2246852"/>
+                  <a:pt x="4605375" y="2240232"/>
+                </a:cubicBezTo>
+                <a:cubicBezTo>
+                  <a:pt x="4574131" y="2238704"/>
+                  <a:pt x="4550762" y="2237940"/>
+                  <a:pt x="4527647" y="2236412"/>
+                </a:cubicBezTo>
+                <a:cubicBezTo>
+                  <a:pt x="4410293" y="2228773"/>
+                  <a:pt x="4292942" y="2220751"/>
+                  <a:pt x="4175589" y="2212985"/>
+                </a:cubicBezTo>
+                <a:cubicBezTo>
+                  <a:pt x="4113101" y="2208783"/>
+                  <a:pt x="4050615" y="2205219"/>
+                  <a:pt x="3988255" y="2200253"/>
+                </a:cubicBezTo>
+                <a:cubicBezTo>
+                  <a:pt x="3887668" y="2192487"/>
+                  <a:pt x="3787079" y="2184082"/>
+                  <a:pt x="3686492" y="2176062"/>
+                </a:cubicBezTo>
+                <a:cubicBezTo>
+                  <a:pt x="3630102" y="2171605"/>
+                  <a:pt x="3573711" y="2168040"/>
+                  <a:pt x="3517320" y="2163330"/>
+                </a:cubicBezTo>
+                <a:cubicBezTo>
+                  <a:pt x="3430958" y="2155689"/>
+                  <a:pt x="3344721" y="2147159"/>
+                  <a:pt x="3258357" y="2139519"/>
+                </a:cubicBezTo>
+                <a:cubicBezTo>
+                  <a:pt x="3206031" y="2134809"/>
+                  <a:pt x="3153705" y="2131371"/>
+                  <a:pt x="3101506" y="2126787"/>
+                </a:cubicBezTo>
+                <a:cubicBezTo>
+                  <a:pt x="3004220" y="2117365"/>
+                  <a:pt x="2907061" y="2106798"/>
+                  <a:pt x="2809395" y="2097502"/>
+                </a:cubicBezTo>
+                <a:cubicBezTo>
+                  <a:pt x="2739161" y="2090628"/>
+                  <a:pt x="2668673" y="2085916"/>
+                  <a:pt x="2598566" y="2078532"/>
+                </a:cubicBezTo>
+                <a:cubicBezTo>
+                  <a:pt x="2511441" y="2069365"/>
+                  <a:pt x="2424569" y="2058160"/>
+                  <a:pt x="2337444" y="2048611"/>
+                </a:cubicBezTo>
+                <a:cubicBezTo>
+                  <a:pt x="2255399" y="2039699"/>
+                  <a:pt x="2173099" y="2032950"/>
+                  <a:pt x="2091054" y="2023146"/>
+                </a:cubicBezTo>
+                <a:cubicBezTo>
+                  <a:pt x="1979162" y="2010414"/>
+                  <a:pt x="1867524" y="1995008"/>
+                  <a:pt x="1755761" y="1981384"/>
+                </a:cubicBezTo>
+                <a:cubicBezTo>
+                  <a:pt x="1650982" y="1968652"/>
+                  <a:pt x="1545821" y="1957830"/>
+                  <a:pt x="1441169" y="1943824"/>
+                </a:cubicBezTo>
+                <a:cubicBezTo>
+                  <a:pt x="1299813" y="1924980"/>
+                  <a:pt x="1158837" y="1903718"/>
+                  <a:pt x="1017607" y="1883345"/>
+                </a:cubicBezTo>
+                <a:cubicBezTo>
+                  <a:pt x="876378" y="1862974"/>
+                  <a:pt x="735402" y="1844003"/>
+                  <a:pt x="594427" y="1821849"/>
+                </a:cubicBezTo>
+                <a:cubicBezTo>
+                  <a:pt x="462850" y="1801222"/>
+                  <a:pt x="331526" y="1778304"/>
+                  <a:pt x="200711" y="1755132"/>
+                </a:cubicBezTo>
+                <a:lnTo>
+                  <a:pt x="0" y="1718743"/>
+                </a:lnTo>
+                <a:close/>
+              </a:path>
+            </a:pathLst>
+          </a:custGeom>
+          <a:solidFill>
+            <a:schemeClr val="accent2"/>
+          </a:solidFill>
+          <a:ln w="8199" cap="flat">
+            <a:noFill/>
+            <a:prstDash val="solid"/>
+            <a:miter/>
+          </a:ln>
+        </p:spPr>
+        <p:txBody>
+          <a:bodyPr rtlCol="0" anchor="ctr"/>
+          <a:lstStyle/>
+          <a:p>
+            <a:endParaRPr lang="en-US"/>
+          </a:p>
+        </p:txBody>
+      </p:sp>
       <p:sp>
         <p:nvSpPr>
           <p:cNvPr id="2" name="Title 1">
@@ -15249,24 +20588,36 @@
             <p:ph type="title"/>
           </p:nvPr>
         </p:nvSpPr>
-        <p:spPr/>
+        <p:spPr>
+          <a:xfrm>
+            <a:off x="838200" y="401221"/>
+            <a:ext cx="10515600" cy="1348065"/>
+          </a:xfrm>
+          <a:noFill/>
+        </p:spPr>
         <p:txBody>
-          <a:bodyPr/>
+          <a:bodyPr>
+            <a:normAutofit/>
+          </a:bodyPr>
           <a:lstStyle/>
           <a:p>
             <a:r>
-              <a:rPr lang="en-DE" dirty="0"/>
-              <a:t>Team</a:t>
+              <a:rPr lang="en-DE" sz="5400" dirty="0">
+                <a:solidFill>
+                  <a:srgbClr val="FFFFFF"/>
+                </a:solidFill>
+              </a:rPr>
+              <a:t>Group 5: Team Members</a:t>
             </a:r>
           </a:p>
         </p:txBody>
       </p:sp>
       <p:sp>
         <p:nvSpPr>
-          <p:cNvPr id="3" name="Content Placeholder 2">
+          <p:cNvPr id="7" name="Content Placeholder 2">
             <a:extLst>
               <a:ext uri="{FF2B5EF4-FFF2-40B4-BE49-F238E27FC236}">
-                <a16:creationId xmlns:a16="http://schemas.microsoft.com/office/drawing/2014/main" id="{FA895818-25FE-006D-15C0-2907237ED1C9}"/>
+                <a16:creationId xmlns:a16="http://schemas.microsoft.com/office/drawing/2014/main" id="{2C25EBBF-B755-BFA2-D6C3-B4B6FDAD900D}"/>
               </a:ext>
             </a:extLst>
           </p:cNvPr>
@@ -15277,19 +20628,715 @@
             <p:ph idx="1"/>
           </p:nvPr>
         </p:nvSpPr>
-        <p:spPr/>
+        <p:spPr>
+          <a:xfrm>
+            <a:off x="763558" y="4095970"/>
+            <a:ext cx="2773680" cy="2210079"/>
+          </a:xfrm>
+          <a:ln>
+            <a:gradFill flip="none" rotWithShape="1">
+              <a:gsLst>
+                <a:gs pos="0">
+                  <a:schemeClr val="accent2">
+                    <a:lumMod val="0"/>
+                    <a:lumOff val="100000"/>
+                  </a:schemeClr>
+                </a:gs>
+                <a:gs pos="35000">
+                  <a:schemeClr val="accent2">
+                    <a:lumMod val="0"/>
+                    <a:lumOff val="100000"/>
+                  </a:schemeClr>
+                </a:gs>
+                <a:gs pos="100000">
+                  <a:schemeClr val="accent2">
+                    <a:lumMod val="100000"/>
+                  </a:schemeClr>
+                </a:gs>
+              </a:gsLst>
+              <a:path path="circle">
+                <a:fillToRect l="50000" t="-80000" r="50000" b="180000"/>
+              </a:path>
+              <a:tileRect/>
+            </a:gradFill>
+          </a:ln>
+        </p:spPr>
         <p:txBody>
-          <a:bodyPr/>
+          <a:bodyPr>
+            <a:normAutofit lnSpcReduction="10000"/>
+          </a:bodyPr>
           <a:lstStyle/>
           <a:p>
-            <a:endParaRPr lang="en-DE"/>
+            <a:pPr marL="0" indent="0" algn="ctr">
+              <a:buNone/>
+            </a:pPr>
+            <a:r>
+              <a:rPr lang="en-US" sz="1600" dirty="0"/>
+              <a:t>Ziaul Chowdhury</a:t>
+            </a:r>
+          </a:p>
+          <a:p>
+            <a:pPr marL="0" indent="0">
+              <a:buNone/>
+            </a:pPr>
+            <a:r>
+              <a:rPr lang="en-US" sz="1400" dirty="0"/>
+              <a:t>Software Engineer</a:t>
+            </a:r>
+          </a:p>
+          <a:p>
+            <a:pPr marL="0" indent="0">
+              <a:buNone/>
+            </a:pPr>
+            <a:r>
+              <a:rPr lang="en-US" sz="1400" dirty="0"/>
+              <a:t>Roles:</a:t>
+            </a:r>
+          </a:p>
+          <a:p>
+            <a:r>
+              <a:rPr lang="en-US" sz="1400" dirty="0"/>
+              <a:t>Software Architect</a:t>
+            </a:r>
+          </a:p>
+          <a:p>
+            <a:r>
+              <a:rPr lang="en-US" sz="1400" dirty="0"/>
+              <a:t>Data Scientist</a:t>
+            </a:r>
+          </a:p>
+          <a:p>
+            <a:r>
+              <a:rPr lang="en-US" sz="1400" dirty="0"/>
+              <a:t>Software Engineer</a:t>
+            </a:r>
+          </a:p>
+          <a:p>
+            <a:r>
+              <a:rPr lang="en-US" sz="1400" dirty="0"/>
+              <a:t>Quality Assurance Engineer</a:t>
+            </a:r>
+          </a:p>
+          <a:p>
+            <a:pPr marL="0" indent="0">
+              <a:buNone/>
+            </a:pPr>
+            <a:endParaRPr lang="en-DE" sz="1400" dirty="0"/>
           </a:p>
         </p:txBody>
       </p:sp>
+      <p:pic>
+        <p:nvPicPr>
+          <p:cNvPr id="10" name="Picture 9">
+            <a:extLst>
+              <a:ext uri="{FF2B5EF4-FFF2-40B4-BE49-F238E27FC236}">
+                <a16:creationId xmlns:a16="http://schemas.microsoft.com/office/drawing/2014/main" id="{A9FB86AE-806E-E09B-E5FC-A5029E014E24}"/>
+              </a:ext>
+            </a:extLst>
+          </p:cNvPr>
+          <p:cNvPicPr>
+            <a:picLocks noChangeAspect="1"/>
+          </p:cNvPicPr>
+          <p:nvPr/>
+        </p:nvPicPr>
+        <p:blipFill>
+          <a:blip r:embed="rId2"/>
+          <a:stretch>
+            <a:fillRect/>
+          </a:stretch>
+        </p:blipFill>
+        <p:spPr>
+          <a:xfrm>
+            <a:off x="1356429" y="2347414"/>
+            <a:ext cx="1587939" cy="1605862"/>
+          </a:xfrm>
+          <a:prstGeom prst="rect">
+            <a:avLst/>
+          </a:prstGeom>
+        </p:spPr>
+      </p:pic>
+      <p:sp>
+        <p:nvSpPr>
+          <p:cNvPr id="12" name="Content Placeholder 2">
+            <a:extLst>
+              <a:ext uri="{FF2B5EF4-FFF2-40B4-BE49-F238E27FC236}">
+                <a16:creationId xmlns:a16="http://schemas.microsoft.com/office/drawing/2014/main" id="{0BA49776-D43A-8B8A-B1F3-A5171BEA0CBA}"/>
+              </a:ext>
+            </a:extLst>
+          </p:cNvPr>
+          <p:cNvSpPr txBox="1">
+            <a:spLocks/>
+          </p:cNvSpPr>
+          <p:nvPr/>
+        </p:nvSpPr>
+        <p:spPr>
+          <a:xfrm>
+            <a:off x="4656515" y="4095970"/>
+            <a:ext cx="2773680" cy="2210079"/>
+          </a:xfrm>
+          <a:prstGeom prst="rect">
+            <a:avLst/>
+          </a:prstGeom>
+          <a:ln>
+            <a:gradFill flip="none" rotWithShape="1">
+              <a:gsLst>
+                <a:gs pos="0">
+                  <a:schemeClr val="accent2">
+                    <a:lumMod val="0"/>
+                    <a:lumOff val="100000"/>
+                  </a:schemeClr>
+                </a:gs>
+                <a:gs pos="35000">
+                  <a:schemeClr val="accent2">
+                    <a:lumMod val="0"/>
+                    <a:lumOff val="100000"/>
+                  </a:schemeClr>
+                </a:gs>
+                <a:gs pos="100000">
+                  <a:schemeClr val="accent2">
+                    <a:lumMod val="100000"/>
+                  </a:schemeClr>
+                </a:gs>
+              </a:gsLst>
+              <a:path path="circle">
+                <a:fillToRect l="50000" t="-80000" r="50000" b="180000"/>
+              </a:path>
+              <a:tileRect/>
+            </a:gradFill>
+          </a:ln>
+        </p:spPr>
+        <p:txBody>
+          <a:bodyPr vert="horz" lIns="91440" tIns="45720" rIns="91440" bIns="45720" rtlCol="0">
+            <a:normAutofit/>
+          </a:bodyPr>
+          <a:lstStyle>
+            <a:lvl1pPr marL="228600" indent="-228600" algn="l" defTabSz="914400" rtl="0" eaLnBrk="1" latinLnBrk="0" hangingPunct="1">
+              <a:lnSpc>
+                <a:spcPct val="90000"/>
+              </a:lnSpc>
+              <a:spcBef>
+                <a:spcPts val="1000"/>
+              </a:spcBef>
+              <a:buFont typeface="Arial" panose="020B0604020202020204" pitchFamily="34" charset="0"/>
+              <a:buChar char="•"/>
+              <a:defRPr sz="2800" kern="1200">
+                <a:solidFill>
+                  <a:schemeClr val="tx1"/>
+                </a:solidFill>
+                <a:latin typeface="+mn-lt"/>
+                <a:ea typeface="+mn-ea"/>
+                <a:cs typeface="+mn-cs"/>
+              </a:defRPr>
+            </a:lvl1pPr>
+            <a:lvl2pPr marL="685800" indent="-228600" algn="l" defTabSz="914400" rtl="0" eaLnBrk="1" latinLnBrk="0" hangingPunct="1">
+              <a:lnSpc>
+                <a:spcPct val="90000"/>
+              </a:lnSpc>
+              <a:spcBef>
+                <a:spcPts val="500"/>
+              </a:spcBef>
+              <a:buFont typeface="Arial" panose="020B0604020202020204" pitchFamily="34" charset="0"/>
+              <a:buChar char="•"/>
+              <a:defRPr sz="2400" kern="1200">
+                <a:solidFill>
+                  <a:schemeClr val="tx1"/>
+                </a:solidFill>
+                <a:latin typeface="+mn-lt"/>
+                <a:ea typeface="+mn-ea"/>
+                <a:cs typeface="+mn-cs"/>
+              </a:defRPr>
+            </a:lvl2pPr>
+            <a:lvl3pPr marL="1143000" indent="-228600" algn="l" defTabSz="914400" rtl="0" eaLnBrk="1" latinLnBrk="0" hangingPunct="1">
+              <a:lnSpc>
+                <a:spcPct val="90000"/>
+              </a:lnSpc>
+              <a:spcBef>
+                <a:spcPts val="500"/>
+              </a:spcBef>
+              <a:buFont typeface="Arial" panose="020B0604020202020204" pitchFamily="34" charset="0"/>
+              <a:buChar char="•"/>
+              <a:defRPr sz="2000" kern="1200">
+                <a:solidFill>
+                  <a:schemeClr val="tx1"/>
+                </a:solidFill>
+                <a:latin typeface="+mn-lt"/>
+                <a:ea typeface="+mn-ea"/>
+                <a:cs typeface="+mn-cs"/>
+              </a:defRPr>
+            </a:lvl3pPr>
+            <a:lvl4pPr marL="1600200" indent="-228600" algn="l" defTabSz="914400" rtl="0" eaLnBrk="1" latinLnBrk="0" hangingPunct="1">
+              <a:lnSpc>
+                <a:spcPct val="90000"/>
+              </a:lnSpc>
+              <a:spcBef>
+                <a:spcPts val="500"/>
+              </a:spcBef>
+              <a:buFont typeface="Arial" panose="020B0604020202020204" pitchFamily="34" charset="0"/>
+              <a:buChar char="•"/>
+              <a:defRPr sz="1800" kern="1200">
+                <a:solidFill>
+                  <a:schemeClr val="tx1"/>
+                </a:solidFill>
+                <a:latin typeface="+mn-lt"/>
+                <a:ea typeface="+mn-ea"/>
+                <a:cs typeface="+mn-cs"/>
+              </a:defRPr>
+            </a:lvl4pPr>
+            <a:lvl5pPr marL="2057400" indent="-228600" algn="l" defTabSz="914400" rtl="0" eaLnBrk="1" latinLnBrk="0" hangingPunct="1">
+              <a:lnSpc>
+                <a:spcPct val="90000"/>
+              </a:lnSpc>
+              <a:spcBef>
+                <a:spcPts val="500"/>
+              </a:spcBef>
+              <a:buFont typeface="Arial" panose="020B0604020202020204" pitchFamily="34" charset="0"/>
+              <a:buChar char="•"/>
+              <a:defRPr sz="1800" kern="1200">
+                <a:solidFill>
+                  <a:schemeClr val="tx1"/>
+                </a:solidFill>
+                <a:latin typeface="+mn-lt"/>
+                <a:ea typeface="+mn-ea"/>
+                <a:cs typeface="+mn-cs"/>
+              </a:defRPr>
+            </a:lvl5pPr>
+            <a:lvl6pPr marL="2514600" indent="-228600" algn="l" defTabSz="914400" rtl="0" eaLnBrk="1" latinLnBrk="0" hangingPunct="1">
+              <a:lnSpc>
+                <a:spcPct val="90000"/>
+              </a:lnSpc>
+              <a:spcBef>
+                <a:spcPts val="500"/>
+              </a:spcBef>
+              <a:buFont typeface="Arial" panose="020B0604020202020204" pitchFamily="34" charset="0"/>
+              <a:buChar char="•"/>
+              <a:defRPr sz="1800" kern="1200">
+                <a:solidFill>
+                  <a:schemeClr val="tx1"/>
+                </a:solidFill>
+                <a:latin typeface="+mn-lt"/>
+                <a:ea typeface="+mn-ea"/>
+                <a:cs typeface="+mn-cs"/>
+              </a:defRPr>
+            </a:lvl6pPr>
+            <a:lvl7pPr marL="2971800" indent="-228600" algn="l" defTabSz="914400" rtl="0" eaLnBrk="1" latinLnBrk="0" hangingPunct="1">
+              <a:lnSpc>
+                <a:spcPct val="90000"/>
+              </a:lnSpc>
+              <a:spcBef>
+                <a:spcPts val="500"/>
+              </a:spcBef>
+              <a:buFont typeface="Arial" panose="020B0604020202020204" pitchFamily="34" charset="0"/>
+              <a:buChar char="•"/>
+              <a:defRPr sz="1800" kern="1200">
+                <a:solidFill>
+                  <a:schemeClr val="tx1"/>
+                </a:solidFill>
+                <a:latin typeface="+mn-lt"/>
+                <a:ea typeface="+mn-ea"/>
+                <a:cs typeface="+mn-cs"/>
+              </a:defRPr>
+            </a:lvl7pPr>
+            <a:lvl8pPr marL="3429000" indent="-228600" algn="l" defTabSz="914400" rtl="0" eaLnBrk="1" latinLnBrk="0" hangingPunct="1">
+              <a:lnSpc>
+                <a:spcPct val="90000"/>
+              </a:lnSpc>
+              <a:spcBef>
+                <a:spcPts val="500"/>
+              </a:spcBef>
+              <a:buFont typeface="Arial" panose="020B0604020202020204" pitchFamily="34" charset="0"/>
+              <a:buChar char="•"/>
+              <a:defRPr sz="1800" kern="1200">
+                <a:solidFill>
+                  <a:schemeClr val="tx1"/>
+                </a:solidFill>
+                <a:latin typeface="+mn-lt"/>
+                <a:ea typeface="+mn-ea"/>
+                <a:cs typeface="+mn-cs"/>
+              </a:defRPr>
+            </a:lvl8pPr>
+            <a:lvl9pPr marL="3886200" indent="-228600" algn="l" defTabSz="914400" rtl="0" eaLnBrk="1" latinLnBrk="0" hangingPunct="1">
+              <a:lnSpc>
+                <a:spcPct val="90000"/>
+              </a:lnSpc>
+              <a:spcBef>
+                <a:spcPts val="500"/>
+              </a:spcBef>
+              <a:buFont typeface="Arial" panose="020B0604020202020204" pitchFamily="34" charset="0"/>
+              <a:buChar char="•"/>
+              <a:defRPr sz="1800" kern="1200">
+                <a:solidFill>
+                  <a:schemeClr val="tx1"/>
+                </a:solidFill>
+                <a:latin typeface="+mn-lt"/>
+                <a:ea typeface="+mn-ea"/>
+                <a:cs typeface="+mn-cs"/>
+              </a:defRPr>
+            </a:lvl9pPr>
+          </a:lstStyle>
+          <a:p>
+            <a:pPr marL="0" indent="0" algn="ctr">
+              <a:buFont typeface="Arial" panose="020B0604020202020204" pitchFamily="34" charset="0"/>
+              <a:buNone/>
+            </a:pPr>
+            <a:r>
+              <a:rPr lang="en-US" sz="1600" dirty="0"/>
+              <a:t>Christina Larsson</a:t>
+            </a:r>
+          </a:p>
+          <a:p>
+            <a:pPr marL="0" indent="0">
+              <a:buFont typeface="Arial" panose="020B0604020202020204" pitchFamily="34" charset="0"/>
+              <a:buNone/>
+            </a:pPr>
+            <a:endParaRPr lang="en-US" sz="1600" dirty="0"/>
+          </a:p>
+          <a:p>
+            <a:pPr marL="0" indent="0">
+              <a:buFont typeface="Arial" panose="020B0604020202020204" pitchFamily="34" charset="0"/>
+              <a:buNone/>
+            </a:pPr>
+            <a:endParaRPr lang="en-US" sz="1600" dirty="0"/>
+          </a:p>
+          <a:p>
+            <a:pPr marL="0" indent="0">
+              <a:buFont typeface="Arial" panose="020B0604020202020204" pitchFamily="34" charset="0"/>
+              <a:buNone/>
+            </a:pPr>
+            <a:endParaRPr lang="en-DE" dirty="0"/>
+          </a:p>
+        </p:txBody>
+      </p:sp>
+      <p:sp>
+        <p:nvSpPr>
+          <p:cNvPr id="14" name="Content Placeholder 2">
+            <a:extLst>
+              <a:ext uri="{FF2B5EF4-FFF2-40B4-BE49-F238E27FC236}">
+                <a16:creationId xmlns:a16="http://schemas.microsoft.com/office/drawing/2014/main" id="{0CF4757D-31F1-6530-6699-23A372DE93D0}"/>
+              </a:ext>
+            </a:extLst>
+          </p:cNvPr>
+          <p:cNvSpPr txBox="1">
+            <a:spLocks/>
+          </p:cNvSpPr>
+          <p:nvPr/>
+        </p:nvSpPr>
+        <p:spPr>
+          <a:xfrm>
+            <a:off x="8576375" y="4095970"/>
+            <a:ext cx="2773680" cy="2210079"/>
+          </a:xfrm>
+          <a:prstGeom prst="rect">
+            <a:avLst/>
+          </a:prstGeom>
+          <a:ln>
+            <a:gradFill flip="none" rotWithShape="1">
+              <a:gsLst>
+                <a:gs pos="0">
+                  <a:schemeClr val="accent2">
+                    <a:lumMod val="0"/>
+                    <a:lumOff val="100000"/>
+                  </a:schemeClr>
+                </a:gs>
+                <a:gs pos="35000">
+                  <a:schemeClr val="accent2">
+                    <a:lumMod val="0"/>
+                    <a:lumOff val="100000"/>
+                  </a:schemeClr>
+                </a:gs>
+                <a:gs pos="100000">
+                  <a:schemeClr val="accent2">
+                    <a:lumMod val="100000"/>
+                  </a:schemeClr>
+                </a:gs>
+              </a:gsLst>
+              <a:path path="circle">
+                <a:fillToRect l="50000" t="-80000" r="50000" b="180000"/>
+              </a:path>
+              <a:tileRect/>
+            </a:gradFill>
+          </a:ln>
+        </p:spPr>
+        <p:txBody>
+          <a:bodyPr vert="horz" lIns="91440" tIns="45720" rIns="91440" bIns="45720" rtlCol="0">
+            <a:normAutofit/>
+          </a:bodyPr>
+          <a:lstStyle>
+            <a:lvl1pPr marL="228600" indent="-228600" algn="l" defTabSz="914400" rtl="0" eaLnBrk="1" latinLnBrk="0" hangingPunct="1">
+              <a:lnSpc>
+                <a:spcPct val="90000"/>
+              </a:lnSpc>
+              <a:spcBef>
+                <a:spcPts val="1000"/>
+              </a:spcBef>
+              <a:buFont typeface="Arial" panose="020B0604020202020204" pitchFamily="34" charset="0"/>
+              <a:buChar char="•"/>
+              <a:defRPr sz="2800" kern="1200">
+                <a:solidFill>
+                  <a:schemeClr val="tx1"/>
+                </a:solidFill>
+                <a:latin typeface="+mn-lt"/>
+                <a:ea typeface="+mn-ea"/>
+                <a:cs typeface="+mn-cs"/>
+              </a:defRPr>
+            </a:lvl1pPr>
+            <a:lvl2pPr marL="685800" indent="-228600" algn="l" defTabSz="914400" rtl="0" eaLnBrk="1" latinLnBrk="0" hangingPunct="1">
+              <a:lnSpc>
+                <a:spcPct val="90000"/>
+              </a:lnSpc>
+              <a:spcBef>
+                <a:spcPts val="500"/>
+              </a:spcBef>
+              <a:buFont typeface="Arial" panose="020B0604020202020204" pitchFamily="34" charset="0"/>
+              <a:buChar char="•"/>
+              <a:defRPr sz="2400" kern="1200">
+                <a:solidFill>
+                  <a:schemeClr val="tx1"/>
+                </a:solidFill>
+                <a:latin typeface="+mn-lt"/>
+                <a:ea typeface="+mn-ea"/>
+                <a:cs typeface="+mn-cs"/>
+              </a:defRPr>
+            </a:lvl2pPr>
+            <a:lvl3pPr marL="1143000" indent="-228600" algn="l" defTabSz="914400" rtl="0" eaLnBrk="1" latinLnBrk="0" hangingPunct="1">
+              <a:lnSpc>
+                <a:spcPct val="90000"/>
+              </a:lnSpc>
+              <a:spcBef>
+                <a:spcPts val="500"/>
+              </a:spcBef>
+              <a:buFont typeface="Arial" panose="020B0604020202020204" pitchFamily="34" charset="0"/>
+              <a:buChar char="•"/>
+              <a:defRPr sz="2000" kern="1200">
+                <a:solidFill>
+                  <a:schemeClr val="tx1"/>
+                </a:solidFill>
+                <a:latin typeface="+mn-lt"/>
+                <a:ea typeface="+mn-ea"/>
+                <a:cs typeface="+mn-cs"/>
+              </a:defRPr>
+            </a:lvl3pPr>
+            <a:lvl4pPr marL="1600200" indent="-228600" algn="l" defTabSz="914400" rtl="0" eaLnBrk="1" latinLnBrk="0" hangingPunct="1">
+              <a:lnSpc>
+                <a:spcPct val="90000"/>
+              </a:lnSpc>
+              <a:spcBef>
+                <a:spcPts val="500"/>
+              </a:spcBef>
+              <a:buFont typeface="Arial" panose="020B0604020202020204" pitchFamily="34" charset="0"/>
+              <a:buChar char="•"/>
+              <a:defRPr sz="1800" kern="1200">
+                <a:solidFill>
+                  <a:schemeClr val="tx1"/>
+                </a:solidFill>
+                <a:latin typeface="+mn-lt"/>
+                <a:ea typeface="+mn-ea"/>
+                <a:cs typeface="+mn-cs"/>
+              </a:defRPr>
+            </a:lvl4pPr>
+            <a:lvl5pPr marL="2057400" indent="-228600" algn="l" defTabSz="914400" rtl="0" eaLnBrk="1" latinLnBrk="0" hangingPunct="1">
+              <a:lnSpc>
+                <a:spcPct val="90000"/>
+              </a:lnSpc>
+              <a:spcBef>
+                <a:spcPts val="500"/>
+              </a:spcBef>
+              <a:buFont typeface="Arial" panose="020B0604020202020204" pitchFamily="34" charset="0"/>
+              <a:buChar char="•"/>
+              <a:defRPr sz="1800" kern="1200">
+                <a:solidFill>
+                  <a:schemeClr val="tx1"/>
+                </a:solidFill>
+                <a:latin typeface="+mn-lt"/>
+                <a:ea typeface="+mn-ea"/>
+                <a:cs typeface="+mn-cs"/>
+              </a:defRPr>
+            </a:lvl5pPr>
+            <a:lvl6pPr marL="2514600" indent="-228600" algn="l" defTabSz="914400" rtl="0" eaLnBrk="1" latinLnBrk="0" hangingPunct="1">
+              <a:lnSpc>
+                <a:spcPct val="90000"/>
+              </a:lnSpc>
+              <a:spcBef>
+                <a:spcPts val="500"/>
+              </a:spcBef>
+              <a:buFont typeface="Arial" panose="020B0604020202020204" pitchFamily="34" charset="0"/>
+              <a:buChar char="•"/>
+              <a:defRPr sz="1800" kern="1200">
+                <a:solidFill>
+                  <a:schemeClr val="tx1"/>
+                </a:solidFill>
+                <a:latin typeface="+mn-lt"/>
+                <a:ea typeface="+mn-ea"/>
+                <a:cs typeface="+mn-cs"/>
+              </a:defRPr>
+            </a:lvl6pPr>
+            <a:lvl7pPr marL="2971800" indent="-228600" algn="l" defTabSz="914400" rtl="0" eaLnBrk="1" latinLnBrk="0" hangingPunct="1">
+              <a:lnSpc>
+                <a:spcPct val="90000"/>
+              </a:lnSpc>
+              <a:spcBef>
+                <a:spcPts val="500"/>
+              </a:spcBef>
+              <a:buFont typeface="Arial" panose="020B0604020202020204" pitchFamily="34" charset="0"/>
+              <a:buChar char="•"/>
+              <a:defRPr sz="1800" kern="1200">
+                <a:solidFill>
+                  <a:schemeClr val="tx1"/>
+                </a:solidFill>
+                <a:latin typeface="+mn-lt"/>
+                <a:ea typeface="+mn-ea"/>
+                <a:cs typeface="+mn-cs"/>
+              </a:defRPr>
+            </a:lvl7pPr>
+            <a:lvl8pPr marL="3429000" indent="-228600" algn="l" defTabSz="914400" rtl="0" eaLnBrk="1" latinLnBrk="0" hangingPunct="1">
+              <a:lnSpc>
+                <a:spcPct val="90000"/>
+              </a:lnSpc>
+              <a:spcBef>
+                <a:spcPts val="500"/>
+              </a:spcBef>
+              <a:buFont typeface="Arial" panose="020B0604020202020204" pitchFamily="34" charset="0"/>
+              <a:buChar char="•"/>
+              <a:defRPr sz="1800" kern="1200">
+                <a:solidFill>
+                  <a:schemeClr val="tx1"/>
+                </a:solidFill>
+                <a:latin typeface="+mn-lt"/>
+                <a:ea typeface="+mn-ea"/>
+                <a:cs typeface="+mn-cs"/>
+              </a:defRPr>
+            </a:lvl8pPr>
+            <a:lvl9pPr marL="3886200" indent="-228600" algn="l" defTabSz="914400" rtl="0" eaLnBrk="1" latinLnBrk="0" hangingPunct="1">
+              <a:lnSpc>
+                <a:spcPct val="90000"/>
+              </a:lnSpc>
+              <a:spcBef>
+                <a:spcPts val="500"/>
+              </a:spcBef>
+              <a:buFont typeface="Arial" panose="020B0604020202020204" pitchFamily="34" charset="0"/>
+              <a:buChar char="•"/>
+              <a:defRPr sz="1800" kern="1200">
+                <a:solidFill>
+                  <a:schemeClr val="tx1"/>
+                </a:solidFill>
+                <a:latin typeface="+mn-lt"/>
+                <a:ea typeface="+mn-ea"/>
+                <a:cs typeface="+mn-cs"/>
+              </a:defRPr>
+            </a:lvl9pPr>
+          </a:lstStyle>
+          <a:p>
+            <a:pPr marL="0" indent="0" algn="ctr">
+              <a:buFont typeface="Arial" panose="020B0604020202020204" pitchFamily="34" charset="0"/>
+              <a:buNone/>
+            </a:pPr>
+            <a:r>
+              <a:rPr lang="en-US" sz="1600" dirty="0" err="1"/>
+              <a:t>Suhasini</a:t>
+            </a:r>
+            <a:r>
+              <a:rPr lang="en-US" sz="1600" dirty="0"/>
+              <a:t> Aswath</a:t>
+            </a:r>
+          </a:p>
+          <a:p>
+            <a:pPr marL="0" indent="0">
+              <a:buFont typeface="Arial" panose="020B0604020202020204" pitchFamily="34" charset="0"/>
+              <a:buNone/>
+            </a:pPr>
+            <a:endParaRPr lang="en-US" sz="1600" dirty="0"/>
+          </a:p>
+          <a:p>
+            <a:pPr marL="0" indent="0">
+              <a:buFont typeface="Arial" panose="020B0604020202020204" pitchFamily="34" charset="0"/>
+              <a:buNone/>
+            </a:pPr>
+            <a:endParaRPr lang="en-US" sz="1600" dirty="0"/>
+          </a:p>
+          <a:p>
+            <a:pPr marL="0" indent="0">
+              <a:buFont typeface="Arial" panose="020B0604020202020204" pitchFamily="34" charset="0"/>
+              <a:buNone/>
+            </a:pPr>
+            <a:endParaRPr lang="en-DE" dirty="0"/>
+          </a:p>
+        </p:txBody>
+      </p:sp>
+      <p:pic>
+        <p:nvPicPr>
+          <p:cNvPr id="6" name="Picture 5" descr="A person with blonde hair&#10;&#10;Description automatically generated">
+            <a:extLst>
+              <a:ext uri="{FF2B5EF4-FFF2-40B4-BE49-F238E27FC236}">
+                <a16:creationId xmlns:a16="http://schemas.microsoft.com/office/drawing/2014/main" id="{CAF6891A-57CB-E7B2-552E-BE9AAD42442B}"/>
+              </a:ext>
+            </a:extLst>
+          </p:cNvPr>
+          <p:cNvPicPr>
+            <a:picLocks noChangeAspect="1"/>
+          </p:cNvPicPr>
+          <p:nvPr/>
+        </p:nvPicPr>
+        <p:blipFill>
+          <a:blip r:embed="rId3">
+            <a:extLst>
+              <a:ext uri="{837473B0-CC2E-450A-ABE3-18F120FF3D39}">
+                <a1611:picAttrSrcUrl xmlns:a1611="http://schemas.microsoft.com/office/drawing/2016/11/main" r:id="rId4"/>
+              </a:ext>
+            </a:extLst>
+          </a:blip>
+          <a:stretch>
+            <a:fillRect/>
+          </a:stretch>
+        </p:blipFill>
+        <p:spPr>
+          <a:xfrm>
+            <a:off x="5291545" y="2347414"/>
+            <a:ext cx="1605862" cy="1605862"/>
+          </a:xfrm>
+          <a:prstGeom prst="rect">
+            <a:avLst/>
+          </a:prstGeom>
+        </p:spPr>
+      </p:pic>
+      <p:pic>
+        <p:nvPicPr>
+          <p:cNvPr id="9" name="Picture 8" descr="A person with blonde hair&#10;&#10;Description automatically generated">
+            <a:extLst>
+              <a:ext uri="{FF2B5EF4-FFF2-40B4-BE49-F238E27FC236}">
+                <a16:creationId xmlns:a16="http://schemas.microsoft.com/office/drawing/2014/main" id="{2F24F256-A141-CBF1-67EC-1191FC3BD8EC}"/>
+              </a:ext>
+            </a:extLst>
+          </p:cNvPr>
+          <p:cNvPicPr>
+            <a:picLocks noChangeAspect="1"/>
+          </p:cNvPicPr>
+          <p:nvPr/>
+        </p:nvPicPr>
+        <p:blipFill>
+          <a:blip r:embed="rId3">
+            <a:extLst>
+              <a:ext uri="{837473B0-CC2E-450A-ABE3-18F120FF3D39}">
+                <a1611:picAttrSrcUrl xmlns:a1611="http://schemas.microsoft.com/office/drawing/2016/11/main" r:id="rId4"/>
+              </a:ext>
+            </a:extLst>
+          </a:blip>
+          <a:stretch>
+            <a:fillRect/>
+          </a:stretch>
+        </p:blipFill>
+        <p:spPr>
+          <a:xfrm>
+            <a:off x="9244584" y="2347414"/>
+            <a:ext cx="1605862" cy="1605862"/>
+          </a:xfrm>
+          <a:prstGeom prst="rect">
+            <a:avLst/>
+          </a:prstGeom>
+        </p:spPr>
+      </p:pic>
     </p:spTree>
     <p:extLst>
       <p:ext uri="{BB962C8B-B14F-4D97-AF65-F5344CB8AC3E}">
-        <p14:creationId xmlns:p14="http://schemas.microsoft.com/office/powerpoint/2010/main" val="1835923915"/>
+        <p14:creationId xmlns:p14="http://schemas.microsoft.com/office/powerpoint/2010/main" val="637922361"/>
       </p:ext>
     </p:extLst>
   </p:cSld>
@@ -15346,10 +21393,10 @@
       </p:sp>
       <p:sp>
         <p:nvSpPr>
-          <p:cNvPr id="3" name="Content Placeholder 2">
+          <p:cNvPr id="5" name="Content Placeholder 4">
             <a:extLst>
               <a:ext uri="{FF2B5EF4-FFF2-40B4-BE49-F238E27FC236}">
-                <a16:creationId xmlns:a16="http://schemas.microsoft.com/office/drawing/2014/main" id="{1EDCD05D-05B7-C75E-E345-6D5C948460A4}"/>
+                <a16:creationId xmlns:a16="http://schemas.microsoft.com/office/drawing/2014/main" id="{78F130FB-FF1B-BF65-AA44-3479D96ECA77}"/>
               </a:ext>
             </a:extLst>
           </p:cNvPr>
@@ -16214,6 +22261,14 @@
 <file path=ppt/slides/slide6.xml><?xml version="1.0" encoding="utf-8"?>
 <p:sld xmlns:a="http://schemas.openxmlformats.org/drawingml/2006/main" xmlns:r="http://schemas.openxmlformats.org/officeDocument/2006/relationships" xmlns:p="http://schemas.openxmlformats.org/presentationml/2006/main">
   <p:cSld>
+    <p:bg>
+      <p:bgPr>
+        <a:solidFill>
+          <a:schemeClr val="bg1"/>
+        </a:solidFill>
+        <a:effectLst/>
+      </p:bgPr>
+    </p:bg>
     <p:spTree>
       <p:nvGrpSpPr>
         <p:cNvPr id="1" name=""/>
@@ -16228,6 +22283,66 @@
           <a:chExt cx="0" cy="0"/>
         </a:xfrm>
       </p:grpSpPr>
+      <p:sp useBgFill="1">
+        <p:nvSpPr>
+          <p:cNvPr id="23" name="Rectangle 22">
+            <a:extLst>
+              <a:ext uri="{FF2B5EF4-FFF2-40B4-BE49-F238E27FC236}">
+                <a16:creationId xmlns:a16="http://schemas.microsoft.com/office/drawing/2014/main" id="{50CEED20-A22C-4FC3-BC0E-F4FE53FDEB97}"/>
+              </a:ext>
+              <a:ext uri="{C183D7F6-B498-43B3-948B-1728B52AA6E4}">
+                <adec:decorative xmlns:adec="http://schemas.microsoft.com/office/drawing/2017/decorative" val="1"/>
+              </a:ext>
+            </a:extLst>
+          </p:cNvPr>
+          <p:cNvSpPr>
+            <a:spLocks noGrp="1" noRot="1" noChangeAspect="1" noMove="1" noResize="1" noEditPoints="1" noAdjustHandles="1" noChangeArrowheads="1" noChangeShapeType="1" noTextEdit="1"/>
+          </p:cNvSpPr>
+          <p:nvPr>
+            <p:extLst>
+              <p:ext uri="{386F3935-93C4-4BCD-93E2-E3B085C9AB24}">
+                <p16:designElem xmlns:p16="http://schemas.microsoft.com/office/powerpoint/2015/main" val="1"/>
+              </p:ext>
+            </p:extLst>
+          </p:nvPr>
+        </p:nvSpPr>
+        <p:spPr>
+          <a:xfrm>
+            <a:off x="0" y="0"/>
+            <a:ext cx="12191999" cy="6857365"/>
+          </a:xfrm>
+          <a:prstGeom prst="rect">
+            <a:avLst/>
+          </a:prstGeom>
+          <a:ln>
+            <a:noFill/>
+          </a:ln>
+        </p:spPr>
+        <p:style>
+          <a:lnRef idx="2">
+            <a:schemeClr val="accent1">
+              <a:shade val="50000"/>
+            </a:schemeClr>
+          </a:lnRef>
+          <a:fillRef idx="1">
+            <a:schemeClr val="accent1"/>
+          </a:fillRef>
+          <a:effectRef idx="0">
+            <a:schemeClr val="accent1"/>
+          </a:effectRef>
+          <a:fontRef idx="minor">
+            <a:schemeClr val="lt1"/>
+          </a:fontRef>
+        </p:style>
+        <p:txBody>
+          <a:bodyPr rtlCol="0" anchor="ctr"/>
+          <a:lstStyle/>
+          <a:p>
+            <a:pPr algn="ctr"/>
+            <a:endParaRPr lang="en-US"/>
+          </a:p>
+        </p:txBody>
+      </p:sp>
       <p:sp>
         <p:nvSpPr>
           <p:cNvPr id="2" name="Title 1">
@@ -16244,40 +22359,404 @@
             <p:ph type="title"/>
           </p:nvPr>
         </p:nvSpPr>
-        <p:spPr/>
+        <p:spPr>
+          <a:xfrm>
+            <a:off x="1113810" y="2825248"/>
+            <a:ext cx="4036334" cy="2387600"/>
+          </a:xfrm>
+        </p:spPr>
         <p:txBody>
-          <a:bodyPr/>
+          <a:bodyPr vert="horz" lIns="91440" tIns="45720" rIns="91440" bIns="45720" rtlCol="0" anchor="t">
+            <a:normAutofit/>
+          </a:bodyPr>
           <a:lstStyle/>
           <a:p>
             <a:r>
-              <a:rPr lang="en-DE" dirty="0"/>
+              <a:rPr lang="en-US" sz="5400" kern="1200">
+                <a:solidFill>
+                  <a:schemeClr val="tx1"/>
+                </a:solidFill>
+                <a:latin typeface="+mj-lt"/>
+                <a:ea typeface="+mj-ea"/>
+                <a:cs typeface="+mj-cs"/>
+              </a:rPr>
               <a:t>SDLC</a:t>
             </a:r>
           </a:p>
         </p:txBody>
       </p:sp>
+      <p:grpSp>
+        <p:nvGrpSpPr>
+          <p:cNvPr id="25" name="Group 24">
+            <a:extLst>
+              <a:ext uri="{FF2B5EF4-FFF2-40B4-BE49-F238E27FC236}">
+                <a16:creationId xmlns:a16="http://schemas.microsoft.com/office/drawing/2014/main" id="{032D8612-31EB-44CF-A1D0-14FD4C705424}"/>
+              </a:ext>
+              <a:ext uri="{C183D7F6-B498-43B3-948B-1728B52AA6E4}">
+                <adec:decorative xmlns:adec="http://schemas.microsoft.com/office/drawing/2017/decorative" val="1"/>
+              </a:ext>
+            </a:extLst>
+          </p:cNvPr>
+          <p:cNvGrpSpPr>
+            <a:grpSpLocks noGrp="1" noUngrp="1" noRot="1" noChangeAspect="1" noMove="1" noResize="1"/>
+          </p:cNvGrpSpPr>
+          <p:nvPr>
+            <p:extLst>
+              <p:ext uri="{386F3935-93C4-4BCD-93E2-E3B085C9AB24}">
+                <p16:designElem xmlns:p16="http://schemas.microsoft.com/office/powerpoint/2015/main" val="1"/>
+              </p:ext>
+            </p:extLst>
+          </p:nvPr>
+        </p:nvGrpSpPr>
+        <p:grpSpPr>
+          <a:xfrm>
+            <a:off x="0" y="2849524"/>
+            <a:ext cx="731521" cy="673460"/>
+            <a:chOff x="3940602" y="308034"/>
+            <a:chExt cx="2116791" cy="3428999"/>
+          </a:xfrm>
+          <a:solidFill>
+            <a:schemeClr val="accent4"/>
+          </a:solidFill>
+        </p:grpSpPr>
+        <p:sp>
+          <p:nvSpPr>
+            <p:cNvPr id="26" name="Rectangle 25">
+              <a:extLst>
+                <a:ext uri="{FF2B5EF4-FFF2-40B4-BE49-F238E27FC236}">
+                  <a16:creationId xmlns:a16="http://schemas.microsoft.com/office/drawing/2014/main" id="{F19A4A0F-1B59-4DB0-9764-D10936E98770}"/>
+                </a:ext>
+                <a:ext uri="{C183D7F6-B498-43B3-948B-1728B52AA6E4}">
+                  <adec:decorative xmlns:adec="http://schemas.microsoft.com/office/drawing/2017/decorative" val="1"/>
+                </a:ext>
+              </a:extLst>
+            </p:cNvPr>
+            <p:cNvSpPr/>
+            <p:nvPr>
+              <p:extLst>
+                <p:ext uri="{386F3935-93C4-4BCD-93E2-E3B085C9AB24}">
+                  <p16:designElem xmlns:p16="http://schemas.microsoft.com/office/powerpoint/2015/main" val="1"/>
+                </p:ext>
+              </p:extLst>
+            </p:nvPr>
+          </p:nvSpPr>
+          <p:spPr>
+            <a:xfrm>
+              <a:off x="3940602" y="308034"/>
+              <a:ext cx="566743" cy="3428999"/>
+            </a:xfrm>
+            <a:prstGeom prst="rect">
+              <a:avLst/>
+            </a:prstGeom>
+            <a:grpFill/>
+            <a:ln>
+              <a:noFill/>
+            </a:ln>
+          </p:spPr>
+          <p:style>
+            <a:lnRef idx="2">
+              <a:schemeClr val="accent1">
+                <a:shade val="50000"/>
+              </a:schemeClr>
+            </a:lnRef>
+            <a:fillRef idx="1">
+              <a:schemeClr val="accent1"/>
+            </a:fillRef>
+            <a:effectRef idx="0">
+              <a:schemeClr val="accent1"/>
+            </a:effectRef>
+            <a:fontRef idx="minor">
+              <a:schemeClr val="lt1"/>
+            </a:fontRef>
+          </p:style>
+          <p:txBody>
+            <a:bodyPr rtlCol="0" anchor="ctr"/>
+            <a:lstStyle/>
+            <a:p>
+              <a:pPr algn="ctr"/>
+              <a:endParaRPr lang="en-US"/>
+            </a:p>
+          </p:txBody>
+        </p:sp>
+        <p:sp>
+          <p:nvSpPr>
+            <p:cNvPr id="27" name="Rectangle 26">
+              <a:extLst>
+                <a:ext uri="{FF2B5EF4-FFF2-40B4-BE49-F238E27FC236}">
+                  <a16:creationId xmlns:a16="http://schemas.microsoft.com/office/drawing/2014/main" id="{F399A70F-F8CD-4992-9EF5-6CF15472E73F}"/>
+                </a:ext>
+                <a:ext uri="{C183D7F6-B498-43B3-948B-1728B52AA6E4}">
+                  <adec:decorative xmlns:adec="http://schemas.microsoft.com/office/drawing/2017/decorative" val="1"/>
+                </a:ext>
+              </a:extLst>
+            </p:cNvPr>
+            <p:cNvSpPr/>
+            <p:nvPr>
+              <p:extLst>
+                <p:ext uri="{386F3935-93C4-4BCD-93E2-E3B085C9AB24}">
+                  <p16:designElem xmlns:p16="http://schemas.microsoft.com/office/powerpoint/2015/main" val="1"/>
+                </p:ext>
+              </p:extLst>
+            </p:nvPr>
+          </p:nvSpPr>
+          <p:spPr>
+            <a:xfrm>
+              <a:off x="4715626" y="308034"/>
+              <a:ext cx="566743" cy="3428999"/>
+            </a:xfrm>
+            <a:prstGeom prst="rect">
+              <a:avLst/>
+            </a:prstGeom>
+            <a:grpFill/>
+            <a:ln>
+              <a:noFill/>
+            </a:ln>
+          </p:spPr>
+          <p:style>
+            <a:lnRef idx="2">
+              <a:schemeClr val="accent1">
+                <a:shade val="50000"/>
+              </a:schemeClr>
+            </a:lnRef>
+            <a:fillRef idx="1">
+              <a:schemeClr val="accent1"/>
+            </a:fillRef>
+            <a:effectRef idx="0">
+              <a:schemeClr val="accent1"/>
+            </a:effectRef>
+            <a:fontRef idx="minor">
+              <a:schemeClr val="lt1"/>
+            </a:fontRef>
+          </p:style>
+          <p:txBody>
+            <a:bodyPr rtlCol="0" anchor="ctr"/>
+            <a:lstStyle/>
+            <a:p>
+              <a:pPr algn="ctr"/>
+              <a:endParaRPr lang="en-US"/>
+            </a:p>
+          </p:txBody>
+        </p:sp>
+        <p:sp>
+          <p:nvSpPr>
+            <p:cNvPr id="28" name="Rectangle 27">
+              <a:extLst>
+                <a:ext uri="{FF2B5EF4-FFF2-40B4-BE49-F238E27FC236}">
+                  <a16:creationId xmlns:a16="http://schemas.microsoft.com/office/drawing/2014/main" id="{48F4FEDC-6D80-458C-A665-075D9B9500FD}"/>
+                </a:ext>
+                <a:ext uri="{C183D7F6-B498-43B3-948B-1728B52AA6E4}">
+                  <adec:decorative xmlns:adec="http://schemas.microsoft.com/office/drawing/2017/decorative" val="1"/>
+                </a:ext>
+              </a:extLst>
+            </p:cNvPr>
+            <p:cNvSpPr/>
+            <p:nvPr>
+              <p:extLst>
+                <p:ext uri="{386F3935-93C4-4BCD-93E2-E3B085C9AB24}">
+                  <p16:designElem xmlns:p16="http://schemas.microsoft.com/office/powerpoint/2015/main" val="1"/>
+                </p:ext>
+              </p:extLst>
+            </p:nvPr>
+          </p:nvSpPr>
+          <p:spPr>
+            <a:xfrm>
+              <a:off x="5490650" y="308034"/>
+              <a:ext cx="566743" cy="3428999"/>
+            </a:xfrm>
+            <a:prstGeom prst="rect">
+              <a:avLst/>
+            </a:prstGeom>
+            <a:grpFill/>
+            <a:ln>
+              <a:noFill/>
+            </a:ln>
+          </p:spPr>
+          <p:style>
+            <a:lnRef idx="2">
+              <a:schemeClr val="accent1">
+                <a:shade val="50000"/>
+              </a:schemeClr>
+            </a:lnRef>
+            <a:fillRef idx="1">
+              <a:schemeClr val="accent1"/>
+            </a:fillRef>
+            <a:effectRef idx="0">
+              <a:schemeClr val="accent1"/>
+            </a:effectRef>
+            <a:fontRef idx="minor">
+              <a:schemeClr val="lt1"/>
+            </a:fontRef>
+          </p:style>
+          <p:txBody>
+            <a:bodyPr rtlCol="0" anchor="ctr"/>
+            <a:lstStyle/>
+            <a:p>
+              <a:pPr algn="ctr"/>
+              <a:endParaRPr lang="en-US"/>
+            </a:p>
+          </p:txBody>
+        </p:sp>
+      </p:grpSp>
       <p:sp>
         <p:nvSpPr>
-          <p:cNvPr id="3" name="Content Placeholder 2">
+          <p:cNvPr id="30" name="Rectangle 29">
             <a:extLst>
               <a:ext uri="{FF2B5EF4-FFF2-40B4-BE49-F238E27FC236}">
-                <a16:creationId xmlns:a16="http://schemas.microsoft.com/office/drawing/2014/main" id="{C4DF9B66-3D14-AE31-42CC-42439B4B1C5C}"/>
+                <a16:creationId xmlns:a16="http://schemas.microsoft.com/office/drawing/2014/main" id="{19C9EAEA-39D0-4B0E-A0EB-51E7B26740B1}"/>
+              </a:ext>
+              <a:ext uri="{C183D7F6-B498-43B3-948B-1728B52AA6E4}">
+                <adec:decorative xmlns:adec="http://schemas.microsoft.com/office/drawing/2017/decorative" val="1"/>
               </a:ext>
             </a:extLst>
           </p:cNvPr>
           <p:cNvSpPr>
-            <a:spLocks noGrp="1"/>
+            <a:spLocks noGrp="1" noRot="1" noChangeAspect="1" noMove="1" noResize="1" noEditPoints="1" noAdjustHandles="1" noChangeArrowheads="1" noChangeShapeType="1" noTextEdit="1"/>
           </p:cNvSpPr>
           <p:nvPr>
-            <p:ph idx="1"/>
+            <p:extLst>
+              <p:ext uri="{386F3935-93C4-4BCD-93E2-E3B085C9AB24}">
+                <p16:designElem xmlns:p16="http://schemas.microsoft.com/office/powerpoint/2015/main" val="1"/>
+              </p:ext>
+            </p:extLst>
           </p:nvPr>
         </p:nvSpPr>
-        <p:spPr/>
+        <p:spPr>
+          <a:xfrm>
+            <a:off x="5685810" y="679732"/>
+            <a:ext cx="6009366" cy="5423880"/>
+          </a:xfrm>
+          <a:prstGeom prst="rect">
+            <a:avLst/>
+          </a:prstGeom>
+          <a:solidFill>
+            <a:schemeClr val="bg1"/>
+          </a:solidFill>
+          <a:ln>
+            <a:noFill/>
+          </a:ln>
+          <a:effectLst>
+            <a:outerShdw blurRad="139700" dist="127000" dir="5400000" algn="t" rotWithShape="0">
+              <a:prstClr val="black">
+                <a:alpha val="15000"/>
+              </a:prstClr>
+            </a:outerShdw>
+          </a:effectLst>
+        </p:spPr>
+        <p:style>
+          <a:lnRef idx="2">
+            <a:schemeClr val="accent1">
+              <a:shade val="50000"/>
+            </a:schemeClr>
+          </a:lnRef>
+          <a:fillRef idx="1">
+            <a:schemeClr val="accent1"/>
+          </a:fillRef>
+          <a:effectRef idx="0">
+            <a:schemeClr val="accent1"/>
+          </a:effectRef>
+          <a:fontRef idx="minor">
+            <a:schemeClr val="lt1"/>
+          </a:fontRef>
+        </p:style>
         <p:txBody>
-          <a:bodyPr/>
+          <a:bodyPr rtlCol="0" anchor="ctr"/>
           <a:lstStyle/>
           <a:p>
-            <a:endParaRPr lang="en-DE"/>
+            <a:pPr algn="ctr"/>
+            <a:endParaRPr lang="en-US"/>
+          </a:p>
+        </p:txBody>
+      </p:sp>
+      <p:pic>
+        <p:nvPicPr>
+          <p:cNvPr id="5" name="Picture 4" descr="A diagram of software components&#10;&#10;Description automatically generated">
+            <a:extLst>
+              <a:ext uri="{FF2B5EF4-FFF2-40B4-BE49-F238E27FC236}">
+                <a16:creationId xmlns:a16="http://schemas.microsoft.com/office/drawing/2014/main" id="{27D3CEDD-1F33-3AE7-4765-84D591550D20}"/>
+              </a:ext>
+            </a:extLst>
+          </p:cNvPr>
+          <p:cNvPicPr>
+            <a:picLocks noChangeAspect="1"/>
+          </p:cNvPicPr>
+          <p:nvPr/>
+        </p:nvPicPr>
+        <p:blipFill>
+          <a:blip r:embed="rId2"/>
+          <a:stretch>
+            <a:fillRect/>
+          </a:stretch>
+        </p:blipFill>
+        <p:spPr>
+          <a:xfrm>
+            <a:off x="5922492" y="1078015"/>
+            <a:ext cx="5536001" cy="4627313"/>
+          </a:xfrm>
+          <a:prstGeom prst="rect">
+            <a:avLst/>
+          </a:prstGeom>
+        </p:spPr>
+      </p:pic>
+      <p:sp>
+        <p:nvSpPr>
+          <p:cNvPr id="32" name="Rectangle 31">
+            <a:extLst>
+              <a:ext uri="{FF2B5EF4-FFF2-40B4-BE49-F238E27FC236}">
+                <a16:creationId xmlns:a16="http://schemas.microsoft.com/office/drawing/2014/main" id="{3873B707-463F-40B0-8227-E8CC6C67EB25}"/>
+              </a:ext>
+              <a:ext uri="{C183D7F6-B498-43B3-948B-1728B52AA6E4}">
+                <adec:decorative xmlns:adec="http://schemas.microsoft.com/office/drawing/2017/decorative" val="1"/>
+              </a:ext>
+            </a:extLst>
+          </p:cNvPr>
+          <p:cNvSpPr>
+            <a:spLocks noGrp="1" noRot="1" noChangeAspect="1" noMove="1" noResize="1" noEditPoints="1" noAdjustHandles="1" noChangeArrowheads="1" noChangeShapeType="1" noTextEdit="1"/>
+          </p:cNvSpPr>
+          <p:nvPr>
+            <p:extLst>
+              <p:ext uri="{386F3935-93C4-4BCD-93E2-E3B085C9AB24}">
+                <p16:designElem xmlns:p16="http://schemas.microsoft.com/office/powerpoint/2015/main" val="1"/>
+              </p:ext>
+            </p:extLst>
+          </p:nvPr>
+        </p:nvSpPr>
+        <p:spPr>
+          <a:xfrm flipH="1">
+            <a:off x="5687568" y="6355073"/>
+            <a:ext cx="6007608" cy="45719"/>
+          </a:xfrm>
+          <a:prstGeom prst="rect">
+            <a:avLst/>
+          </a:prstGeom>
+          <a:solidFill>
+            <a:schemeClr val="accent4"/>
+          </a:solidFill>
+          <a:ln>
+            <a:noFill/>
+          </a:ln>
+        </p:spPr>
+        <p:style>
+          <a:lnRef idx="2">
+            <a:schemeClr val="accent1">
+              <a:shade val="50000"/>
+            </a:schemeClr>
+          </a:lnRef>
+          <a:fillRef idx="1">
+            <a:schemeClr val="accent1"/>
+          </a:fillRef>
+          <a:effectRef idx="0">
+            <a:schemeClr val="accent1"/>
+          </a:effectRef>
+          <a:fontRef idx="minor">
+            <a:schemeClr val="lt1"/>
+          </a:fontRef>
+        </p:style>
+        <p:txBody>
+          <a:bodyPr rtlCol="0" anchor="ctr"/>
+          <a:lstStyle/>
+          <a:p>
+            <a:pPr algn="ctr"/>
+            <a:endParaRPr lang="en-US"/>
           </a:p>
         </p:txBody>
       </p:sp>
@@ -16404,10 +22883,10 @@
       </p:grpSpPr>
       <p:sp useBgFill="1">
         <p:nvSpPr>
-          <p:cNvPr id="30" name="Rectangle 29">
+          <p:cNvPr id="9" name="Rectangle 8">
             <a:extLst>
               <a:ext uri="{FF2B5EF4-FFF2-40B4-BE49-F238E27FC236}">
-                <a16:creationId xmlns:a16="http://schemas.microsoft.com/office/drawing/2014/main" id="{2550BE34-C2B8-49B8-8519-67A8CAD51AE9}"/>
+                <a16:creationId xmlns:a16="http://schemas.microsoft.com/office/drawing/2014/main" id="{BA79A7CF-01AF-4178-9369-94E0C90EB046}"/>
               </a:ext>
               <a:ext uri="{C183D7F6-B498-43B3-948B-1728B52AA6E4}">
                 <adec:decorative xmlns:adec="http://schemas.microsoft.com/office/drawing/2017/decorative" val="1"/>
@@ -16428,7 +22907,7 @@
         <p:spPr>
           <a:xfrm>
             <a:off x="0" y="0"/>
-            <a:ext cx="12192000" cy="6858000"/>
+            <a:ext cx="12191999" cy="6857365"/>
           </a:xfrm>
           <a:prstGeom prst="rect">
             <a:avLst/>
@@ -16462,12 +22941,54 @@
           </a:p>
         </p:txBody>
       </p:sp>
-      <p:sp useBgFill="1">
+      <p:sp>
         <p:nvSpPr>
-          <p:cNvPr id="32" name="Rectangle 31">
+          <p:cNvPr id="2" name="Title 1">
             <a:extLst>
               <a:ext uri="{FF2B5EF4-FFF2-40B4-BE49-F238E27FC236}">
-                <a16:creationId xmlns:a16="http://schemas.microsoft.com/office/drawing/2014/main" id="{A7457DD9-5A45-400A-AB4B-4B4EDECA25F1}"/>
+                <a16:creationId xmlns:a16="http://schemas.microsoft.com/office/drawing/2014/main" id="{EF98C4DF-F9A5-54C0-F098-38C7B9C6192F}"/>
+              </a:ext>
+            </a:extLst>
+          </p:cNvPr>
+          <p:cNvSpPr>
+            <a:spLocks noGrp="1"/>
+          </p:cNvSpPr>
+          <p:nvPr>
+            <p:ph type="title"/>
+          </p:nvPr>
+        </p:nvSpPr>
+        <p:spPr>
+          <a:xfrm>
+            <a:off x="9267909" y="2023110"/>
+            <a:ext cx="2469624" cy="2846070"/>
+          </a:xfrm>
+        </p:spPr>
+        <p:txBody>
+          <a:bodyPr vert="horz" lIns="91440" tIns="45720" rIns="91440" bIns="45720" rtlCol="0" anchor="ctr">
+            <a:normAutofit/>
+          </a:bodyPr>
+          <a:lstStyle/>
+          <a:p>
+            <a:r>
+              <a:rPr lang="en-US" sz="3400" kern="1200">
+                <a:solidFill>
+                  <a:schemeClr val="tx1"/>
+                </a:solidFill>
+                <a:latin typeface="+mj-lt"/>
+                <a:ea typeface="+mj-ea"/>
+                <a:cs typeface="+mj-cs"/>
+              </a:rPr>
+              <a:t>System Architecture</a:t>
+            </a:r>
+          </a:p>
+        </p:txBody>
+      </p:sp>
+      <p:sp>
+        <p:nvSpPr>
+          <p:cNvPr id="11" name="Rectangle 10">
+            <a:extLst>
+              <a:ext uri="{FF2B5EF4-FFF2-40B4-BE49-F238E27FC236}">
+                <a16:creationId xmlns:a16="http://schemas.microsoft.com/office/drawing/2014/main" id="{99413ED5-9ED4-4772-BCE4-2BCAE6B12E35}"/>
               </a:ext>
               <a:ext uri="{C183D7F6-B498-43B3-948B-1728B52AA6E4}">
                 <adec:decorative xmlns:adec="http://schemas.microsoft.com/office/drawing/2017/decorative" val="1"/>
@@ -16486,156 +23007,15 @@
           </p:nvPr>
         </p:nvSpPr>
         <p:spPr>
-          <a:xfrm>
-            <a:off x="554416" y="365125"/>
-            <a:ext cx="11167447" cy="2089317"/>
-          </a:xfrm>
-          <a:prstGeom prst="rect">
-            <a:avLst/>
-          </a:prstGeom>
-          <a:ln w="12700">
-            <a:solidFill>
-              <a:srgbClr val="DEDEDE"/>
-            </a:solidFill>
-          </a:ln>
-          <a:effectLst>
-            <a:outerShdw blurRad="50800" dist="38100" dir="2700000" algn="tl" rotWithShape="0">
-              <a:schemeClr val="bg2">
-                <a:lumMod val="85000"/>
-                <a:alpha val="50000"/>
-              </a:schemeClr>
-            </a:outerShdw>
-          </a:effectLst>
-        </p:spPr>
-        <p:style>
-          <a:lnRef idx="2">
-            <a:schemeClr val="accent1">
-              <a:shade val="50000"/>
-            </a:schemeClr>
-          </a:lnRef>
-          <a:fillRef idx="1">
-            <a:schemeClr val="accent1"/>
-          </a:fillRef>
-          <a:effectRef idx="0">
-            <a:schemeClr val="accent1"/>
-          </a:effectRef>
-          <a:fontRef idx="minor">
-            <a:schemeClr val="lt1"/>
-          </a:fontRef>
-        </p:style>
-        <p:txBody>
-          <a:bodyPr rtlCol="0" anchor="ctr"/>
-          <a:lstStyle/>
-          <a:p>
-            <a:pPr marL="0" marR="0" lvl="0" indent="0" algn="ctr" defTabSz="914400" rtl="0" eaLnBrk="1" fontAlgn="auto" latinLnBrk="0" hangingPunct="1">
-              <a:lnSpc>
-                <a:spcPct val="100000"/>
-              </a:lnSpc>
-              <a:spcBef>
-                <a:spcPts val="0"/>
-              </a:spcBef>
-              <a:spcAft>
-                <a:spcPts val="0"/>
-              </a:spcAft>
-              <a:buClrTx/>
-              <a:buSzTx/>
-              <a:buFontTx/>
-              <a:buNone/>
-              <a:tabLst/>
-              <a:defRPr/>
-            </a:pPr>
-            <a:endParaRPr kumimoji="0" lang="en-US" sz="1800" b="0" i="0" u="none" strike="noStrike" kern="1200" cap="none" spc="0" normalizeH="0" baseline="0" noProof="0">
-              <a:ln>
-                <a:noFill/>
-              </a:ln>
-              <a:solidFill>
-                <a:prstClr val="white"/>
-              </a:solidFill>
-              <a:effectLst/>
-              <a:uLnTx/>
-              <a:uFillTx/>
-              <a:latin typeface="Calibri" panose="020F0502020204030204"/>
-              <a:ea typeface="+mn-ea"/>
-              <a:cs typeface="+mn-cs"/>
-            </a:endParaRPr>
-          </a:p>
-        </p:txBody>
-      </p:sp>
-      <p:sp>
-        <p:nvSpPr>
-          <p:cNvPr id="2" name="Title 1">
-            <a:extLst>
-              <a:ext uri="{FF2B5EF4-FFF2-40B4-BE49-F238E27FC236}">
-                <a16:creationId xmlns:a16="http://schemas.microsoft.com/office/drawing/2014/main" id="{779B875B-E71B-3CB7-E058-12970A798610}"/>
-              </a:ext>
-            </a:extLst>
-          </p:cNvPr>
-          <p:cNvSpPr>
-            <a:spLocks noGrp="1"/>
-          </p:cNvSpPr>
-          <p:nvPr>
-            <p:ph type="title"/>
-          </p:nvPr>
-        </p:nvSpPr>
-        <p:spPr>
-          <a:xfrm>
-            <a:off x="1046746" y="586822"/>
-            <a:ext cx="3560252" cy="1645920"/>
-          </a:xfrm>
-        </p:spPr>
-        <p:txBody>
-          <a:bodyPr vert="horz" lIns="91440" tIns="45720" rIns="91440" bIns="45720" rtlCol="0" anchor="ctr">
-            <a:normAutofit/>
-          </a:bodyPr>
-          <a:lstStyle/>
-          <a:p>
-            <a:r>
-              <a:rPr lang="en-US" sz="3200" kern="1200">
-                <a:solidFill>
-                  <a:schemeClr val="tx1"/>
-                </a:solidFill>
-                <a:latin typeface="+mj-lt"/>
-                <a:ea typeface="+mj-ea"/>
-                <a:cs typeface="+mj-cs"/>
-              </a:rPr>
-              <a:t>Architecture</a:t>
-            </a:r>
-          </a:p>
-        </p:txBody>
-      </p:sp>
-      <p:sp>
-        <p:nvSpPr>
-          <p:cNvPr id="34" name="Rectangle 33">
-            <a:extLst>
-              <a:ext uri="{FF2B5EF4-FFF2-40B4-BE49-F238E27FC236}">
-                <a16:creationId xmlns:a16="http://schemas.microsoft.com/office/drawing/2014/main" id="{441CF7D6-A660-431A-B0BB-140A0D5556B6}"/>
-              </a:ext>
-              <a:ext uri="{C183D7F6-B498-43B3-948B-1728B52AA6E4}">
-                <adec:decorative xmlns:adec="http://schemas.microsoft.com/office/drawing/2017/decorative" val="1"/>
-              </a:ext>
-            </a:extLst>
-          </p:cNvPr>
-          <p:cNvSpPr>
-            <a:spLocks noGrp="1" noRot="1" noChangeAspect="1" noMove="1" noResize="1" noEditPoints="1" noAdjustHandles="1" noChangeArrowheads="1" noChangeShapeType="1" noTextEdit="1"/>
-          </p:cNvSpPr>
-          <p:nvPr>
-            <p:extLst>
-              <p:ext uri="{386F3935-93C4-4BCD-93E2-E3B085C9AB24}">
-                <p16:designElem xmlns:p16="http://schemas.microsoft.com/office/powerpoint/2015/main" val="1"/>
-              </p:ext>
-            </p:extLst>
-          </p:nvPr>
-        </p:nvSpPr>
-        <p:spPr>
-          <a:xfrm>
-            <a:off x="490408" y="1057739"/>
-            <a:ext cx="128016" cy="704088"/>
+          <a:xfrm rot="16200000">
+            <a:off x="3433973" y="-827233"/>
+            <a:ext cx="1715478" cy="8583421"/>
           </a:xfrm>
           <a:prstGeom prst="rect">
             <a:avLst/>
           </a:prstGeom>
           <a:solidFill>
-            <a:schemeClr val="accent2"/>
+            <a:schemeClr val="accent4"/>
           </a:solidFill>
           <a:ln>
             <a:noFill/>
@@ -16662,21 +23042,16 @@
           <a:lstStyle/>
           <a:p>
             <a:pPr algn="ctr"/>
-            <a:endParaRPr lang="en-US" dirty="0">
-              <a:solidFill>
-                <a:prstClr val="white"/>
-              </a:solidFill>
-              <a:latin typeface="Calibri" panose="020F0502020204030204"/>
-            </a:endParaRPr>
+            <a:endParaRPr lang="en-US" dirty="0"/>
           </a:p>
         </p:txBody>
       </p:sp>
       <p:sp>
         <p:nvSpPr>
-          <p:cNvPr id="36" name="Rectangle 35">
+          <p:cNvPr id="13" name="Rectangle 12">
             <a:extLst>
               <a:ext uri="{FF2B5EF4-FFF2-40B4-BE49-F238E27FC236}">
-                <a16:creationId xmlns:a16="http://schemas.microsoft.com/office/drawing/2014/main" id="{0570A85B-3810-4F95-97B0-CBF4CCDB381C}"/>
+                <a16:creationId xmlns:a16="http://schemas.microsoft.com/office/drawing/2014/main" id="{04357C93-F0CB-4A1C-8F77-4E9063789819}"/>
               </a:ext>
               <a:ext uri="{C183D7F6-B498-43B3-948B-1728B52AA6E4}">
                 <adec:decorative xmlns:adec="http://schemas.microsoft.com/office/drawing/2017/decorative" val="1"/>
@@ -16695,20 +23070,26 @@
           </p:nvPr>
         </p:nvSpPr>
         <p:spPr>
-          <a:xfrm rot="5400000">
-            <a:off x="4243541" y="1400638"/>
-            <a:ext cx="1463040" cy="18288"/>
+          <a:xfrm>
+            <a:off x="302085" y="664308"/>
+            <a:ext cx="8082632" cy="5600340"/>
           </a:xfrm>
           <a:prstGeom prst="rect">
             <a:avLst/>
           </a:prstGeom>
           <a:solidFill>
-            <a:srgbClr val="D5D5D5"/>
+            <a:schemeClr val="bg1"/>
           </a:solidFill>
-          <a:ln w="3175">
+          <a:ln>
             <a:noFill/>
           </a:ln>
-          <a:effectLst/>
+          <a:effectLst>
+            <a:outerShdw blurRad="139700" dist="127000" dir="5400000" algn="t" rotWithShape="0">
+              <a:prstClr val="black">
+                <a:alpha val="15000"/>
+              </a:prstClr>
+            </a:outerShdw>
+          </a:effectLst>
         </p:spPr>
         <p:style>
           <a:lnRef idx="2">
@@ -16731,162 +23112,16 @@
           <a:lstStyle/>
           <a:p>
             <a:pPr algn="ctr"/>
-            <a:endParaRPr lang="en-US">
-              <a:solidFill>
-                <a:prstClr val="white"/>
-              </a:solidFill>
-              <a:latin typeface="Calibri" panose="020F0502020204030204"/>
-            </a:endParaRPr>
-          </a:p>
-        </p:txBody>
-      </p:sp>
-      <p:sp>
-        <p:nvSpPr>
-          <p:cNvPr id="7" name="TextBox 6">
-            <a:extLst>
-              <a:ext uri="{FF2B5EF4-FFF2-40B4-BE49-F238E27FC236}">
-                <a16:creationId xmlns:a16="http://schemas.microsoft.com/office/drawing/2014/main" id="{9AC1426B-56A4-1370-B1FF-94DECCC4AB25}"/>
-              </a:ext>
-            </a:extLst>
-          </p:cNvPr>
-          <p:cNvSpPr txBox="1"/>
-          <p:nvPr/>
-        </p:nvSpPr>
-        <p:spPr>
-          <a:xfrm>
-            <a:off x="5351164" y="673946"/>
-            <a:ext cx="6002636" cy="1645920"/>
-          </a:xfrm>
-          <a:prstGeom prst="rect">
-            <a:avLst/>
-          </a:prstGeom>
-        </p:spPr>
-        <p:txBody>
-          <a:bodyPr vert="horz" lIns="91440" tIns="45720" rIns="91440" bIns="45720" rtlCol="0" anchor="ctr">
-            <a:normAutofit/>
-          </a:bodyPr>
-          <a:lstStyle/>
-          <a:p>
-            <a:pPr marL="285750" indent="-228600">
-              <a:lnSpc>
-                <a:spcPct val="90000"/>
-              </a:lnSpc>
-              <a:spcAft>
-                <a:spcPts val="600"/>
-              </a:spcAft>
-              <a:buFont typeface="Arial" panose="020B0604020202020204" pitchFamily="34" charset="0"/>
-              <a:buChar char="•"/>
-            </a:pPr>
-            <a:r>
-              <a:rPr lang="en-IN" sz="1400" b="1" dirty="0">
-                <a:highlight>
-                  <a:srgbClr val="FFFFFF"/>
-                </a:highlight>
-              </a:rPr>
-              <a:t>Flexible Model Deployment: </a:t>
-            </a:r>
-            <a:r>
-              <a:rPr lang="en-IN" sz="1400" dirty="0">
-                <a:highlight>
-                  <a:srgbClr val="FFFFFF"/>
-                </a:highlight>
-              </a:rPr>
-              <a:t>Enables seamless integration of the train delay prediction model into the production backend service.</a:t>
-            </a:r>
-          </a:p>
-          <a:p>
-            <a:pPr marL="285750" indent="-228600">
-              <a:lnSpc>
-                <a:spcPct val="90000"/>
-              </a:lnSpc>
-              <a:spcAft>
-                <a:spcPts val="600"/>
-              </a:spcAft>
-              <a:buFont typeface="Arial" panose="020B0604020202020204" pitchFamily="34" charset="0"/>
-              <a:buChar char="•"/>
-            </a:pPr>
-            <a:r>
-              <a:rPr lang="en-IN" sz="1400" b="1" dirty="0">
-                <a:highlight>
-                  <a:srgbClr val="FFFFFF"/>
-                </a:highlight>
-              </a:rPr>
-              <a:t>Data Processing Pipeline: </a:t>
-            </a:r>
-            <a:r>
-              <a:rPr lang="en-IN" sz="1400" dirty="0">
-                <a:highlight>
-                  <a:srgbClr val="FFFFFF"/>
-                </a:highlight>
-              </a:rPr>
-              <a:t>The system employs a structured data processing pipeline, starting with data retrieval from </a:t>
-            </a:r>
-            <a:r>
-              <a:rPr lang="en-IN" sz="1400" dirty="0" err="1">
-                <a:highlight>
-                  <a:srgbClr val="FFFFFF"/>
-                </a:highlight>
-              </a:rPr>
-              <a:t>Trafikverket.se's</a:t>
-            </a:r>
-            <a:r>
-              <a:rPr lang="en-IN" sz="1400" dirty="0">
-                <a:highlight>
-                  <a:srgbClr val="FFFFFF"/>
-                </a:highlight>
-              </a:rPr>
-              <a:t> REST API. </a:t>
-            </a:r>
-          </a:p>
-          <a:p>
-            <a:pPr marL="285750" indent="-228600">
-              <a:lnSpc>
-                <a:spcPct val="90000"/>
-              </a:lnSpc>
-              <a:spcAft>
-                <a:spcPts val="600"/>
-              </a:spcAft>
-              <a:buFont typeface="Arial" panose="020B0604020202020204" pitchFamily="34" charset="0"/>
-              <a:buChar char="•"/>
-            </a:pPr>
-            <a:r>
-              <a:rPr lang="en-IN" sz="1400" b="1" dirty="0">
-                <a:highlight>
-                  <a:srgbClr val="FFFFFF"/>
-                </a:highlight>
-              </a:rPr>
-              <a:t>Model Selection and Deployment: </a:t>
-            </a:r>
-            <a:r>
-              <a:rPr lang="en-IN" sz="1400" dirty="0">
-                <a:highlight>
-                  <a:srgbClr val="FFFFFF"/>
-                </a:highlight>
-              </a:rPr>
-              <a:t>A Random Forest classifier from the Scikit-learn Python package is chosen as the binary classification model.</a:t>
-            </a:r>
-          </a:p>
-          <a:p>
-            <a:pPr marL="285750" indent="-228600">
-              <a:lnSpc>
-                <a:spcPct val="90000"/>
-              </a:lnSpc>
-              <a:spcAft>
-                <a:spcPts val="600"/>
-              </a:spcAft>
-              <a:buFont typeface="Arial" panose="020B0604020202020204" pitchFamily="34" charset="0"/>
-              <a:buChar char="•"/>
-            </a:pPr>
-            <a:endParaRPr lang="en-US" sz="1400" dirty="0"/>
+            <a:endParaRPr lang="en-US"/>
           </a:p>
         </p:txBody>
       </p:sp>
       <p:pic>
         <p:nvPicPr>
-          <p:cNvPr id="5" name="Content Placeholder 4" descr="A diagram of a model&#10;&#10;Description automatically generated">
+          <p:cNvPr id="4" name="Picture 3" descr="A diagram of a model&#10;&#10;Description automatically generated">
             <a:extLst>
               <a:ext uri="{FF2B5EF4-FFF2-40B4-BE49-F238E27FC236}">
-                <a16:creationId xmlns:a16="http://schemas.microsoft.com/office/drawing/2014/main" id="{2EBE1FE7-54FB-9E58-A603-6E13AE7EA7BB}"/>
+                <a16:creationId xmlns:a16="http://schemas.microsoft.com/office/drawing/2014/main" id="{B60E2375-8F3A-5797-D2A5-AA2073BE4986}"/>
               </a:ext>
             </a:extLst>
           </p:cNvPr>
@@ -16903,18 +23138,81 @@
         </p:blipFill>
         <p:spPr>
           <a:xfrm>
-            <a:off x="1463869" y="2734056"/>
-            <a:ext cx="9352653" cy="3483864"/>
+            <a:off x="545238" y="2037921"/>
+            <a:ext cx="7608304" cy="2853113"/>
           </a:xfrm>
           <a:prstGeom prst="rect">
             <a:avLst/>
           </a:prstGeom>
         </p:spPr>
       </p:pic>
+      <p:sp>
+        <p:nvSpPr>
+          <p:cNvPr id="15" name="Rectangle 14">
+            <a:extLst>
+              <a:ext uri="{FF2B5EF4-FFF2-40B4-BE49-F238E27FC236}">
+                <a16:creationId xmlns:a16="http://schemas.microsoft.com/office/drawing/2014/main" id="{90F533E9-6690-41A8-A372-4C6C622D028D}"/>
+              </a:ext>
+              <a:ext uri="{C183D7F6-B498-43B3-948B-1728B52AA6E4}">
+                <adec:decorative xmlns:adec="http://schemas.microsoft.com/office/drawing/2017/decorative" val="1"/>
+              </a:ext>
+            </a:extLst>
+          </p:cNvPr>
+          <p:cNvSpPr>
+            <a:spLocks noGrp="1" noRot="1" noChangeAspect="1" noMove="1" noResize="1" noEditPoints="1" noAdjustHandles="1" noChangeArrowheads="1" noChangeShapeType="1" noTextEdit="1"/>
+          </p:cNvSpPr>
+          <p:nvPr>
+            <p:extLst>
+              <p:ext uri="{386F3935-93C4-4BCD-93E2-E3B085C9AB24}">
+                <p16:designElem xmlns:p16="http://schemas.microsoft.com/office/powerpoint/2015/main" val="1"/>
+              </p:ext>
+            </p:extLst>
+          </p:nvPr>
+        </p:nvSpPr>
+        <p:spPr>
+          <a:xfrm rot="5400000">
+            <a:off x="7950447" y="3392097"/>
+            <a:ext cx="1719072" cy="152382"/>
+          </a:xfrm>
+          <a:prstGeom prst="rect">
+            <a:avLst/>
+          </a:prstGeom>
+          <a:solidFill>
+            <a:schemeClr val="accent4"/>
+          </a:solidFill>
+          <a:ln>
+            <a:noFill/>
+          </a:ln>
+        </p:spPr>
+        <p:style>
+          <a:lnRef idx="2">
+            <a:schemeClr val="accent1">
+              <a:shade val="50000"/>
+            </a:schemeClr>
+          </a:lnRef>
+          <a:fillRef idx="1">
+            <a:schemeClr val="accent1"/>
+          </a:fillRef>
+          <a:effectRef idx="0">
+            <a:schemeClr val="accent1"/>
+          </a:effectRef>
+          <a:fontRef idx="minor">
+            <a:schemeClr val="lt1"/>
+          </a:fontRef>
+        </p:style>
+        <p:txBody>
+          <a:bodyPr rtlCol="0" anchor="ctr"/>
+          <a:lstStyle/>
+          <a:p>
+            <a:pPr algn="ctr"/>
+            <a:endParaRPr lang="en-US"/>
+          </a:p>
+        </p:txBody>
+      </p:sp>
     </p:spTree>
     <p:extLst>
       <p:ext uri="{BB962C8B-B14F-4D97-AF65-F5344CB8AC3E}">
-        <p14:creationId xmlns:p14="http://schemas.microsoft.com/office/powerpoint/2010/main" val="3652032374"/>
+        <p14:creationId xmlns:p14="http://schemas.microsoft.com/office/powerpoint/2010/main" val="2201483674"/>
       </p:ext>
     </p:extLst>
   </p:cSld>
@@ -16951,10 +23249,10 @@
       </p:grpSpPr>
       <p:sp useBgFill="1">
         <p:nvSpPr>
-          <p:cNvPr id="52" name="Rectangle 51">
+          <p:cNvPr id="13" name="Rectangle 12">
             <a:extLst>
               <a:ext uri="{FF2B5EF4-FFF2-40B4-BE49-F238E27FC236}">
-                <a16:creationId xmlns:a16="http://schemas.microsoft.com/office/drawing/2014/main" id="{2550BE34-C2B8-49B8-8519-67A8CAD51AE9}"/>
+                <a16:creationId xmlns:a16="http://schemas.microsoft.com/office/drawing/2014/main" id="{BA79A7CF-01AF-4178-9369-94E0C90EB046}"/>
               </a:ext>
               <a:ext uri="{C183D7F6-B498-43B3-948B-1728B52AA6E4}">
                 <adec:decorative xmlns:adec="http://schemas.microsoft.com/office/drawing/2017/decorative" val="1"/>
@@ -16975,7 +23273,7 @@
         <p:spPr>
           <a:xfrm>
             <a:off x="0" y="0"/>
-            <a:ext cx="12192000" cy="6858000"/>
+            <a:ext cx="12191999" cy="6857365"/>
           </a:xfrm>
           <a:prstGeom prst="rect">
             <a:avLst/>
@@ -17009,12 +23307,54 @@
           </a:p>
         </p:txBody>
       </p:sp>
-      <p:sp useBgFill="1">
+      <p:sp>
         <p:nvSpPr>
-          <p:cNvPr id="54" name="Rectangle 53">
+          <p:cNvPr id="2" name="Title 1">
             <a:extLst>
               <a:ext uri="{FF2B5EF4-FFF2-40B4-BE49-F238E27FC236}">
-                <a16:creationId xmlns:a16="http://schemas.microsoft.com/office/drawing/2014/main" id="{A7457DD9-5A45-400A-AB4B-4B4EDECA25F1}"/>
+                <a16:creationId xmlns:a16="http://schemas.microsoft.com/office/drawing/2014/main" id="{DC5948AF-9D6D-B7D8-090E-3444F7072969}"/>
+              </a:ext>
+            </a:extLst>
+          </p:cNvPr>
+          <p:cNvSpPr>
+            <a:spLocks noGrp="1"/>
+          </p:cNvSpPr>
+          <p:nvPr>
+            <p:ph type="title"/>
+          </p:nvPr>
+        </p:nvSpPr>
+        <p:spPr>
+          <a:xfrm>
+            <a:off x="9267909" y="2023110"/>
+            <a:ext cx="2469624" cy="2846070"/>
+          </a:xfrm>
+        </p:spPr>
+        <p:txBody>
+          <a:bodyPr vert="horz" lIns="91440" tIns="45720" rIns="91440" bIns="45720" rtlCol="0" anchor="ctr">
+            <a:normAutofit/>
+          </a:bodyPr>
+          <a:lstStyle/>
+          <a:p>
+            <a:r>
+              <a:rPr lang="en-US" sz="3700" kern="1200">
+                <a:solidFill>
+                  <a:schemeClr val="tx1"/>
+                </a:solidFill>
+                <a:latin typeface="+mj-lt"/>
+                <a:ea typeface="+mj-ea"/>
+                <a:cs typeface="+mj-cs"/>
+              </a:rPr>
+              <a:t>Data Engineering</a:t>
+            </a:r>
+          </a:p>
+        </p:txBody>
+      </p:sp>
+      <p:sp>
+        <p:nvSpPr>
+          <p:cNvPr id="15" name="Rectangle 14">
+            <a:extLst>
+              <a:ext uri="{FF2B5EF4-FFF2-40B4-BE49-F238E27FC236}">
+                <a16:creationId xmlns:a16="http://schemas.microsoft.com/office/drawing/2014/main" id="{99413ED5-9ED4-4772-BCE4-2BCAE6B12E35}"/>
               </a:ext>
               <a:ext uri="{C183D7F6-B498-43B3-948B-1728B52AA6E4}">
                 <adec:decorative xmlns:adec="http://schemas.microsoft.com/office/drawing/2017/decorative" val="1"/>
@@ -17033,156 +23373,15 @@
           </p:nvPr>
         </p:nvSpPr>
         <p:spPr>
-          <a:xfrm>
-            <a:off x="554416" y="365125"/>
-            <a:ext cx="11167447" cy="2089317"/>
-          </a:xfrm>
-          <a:prstGeom prst="rect">
-            <a:avLst/>
-          </a:prstGeom>
-          <a:ln w="12700">
-            <a:solidFill>
-              <a:srgbClr val="DEDEDE"/>
-            </a:solidFill>
-          </a:ln>
-          <a:effectLst>
-            <a:outerShdw blurRad="50800" dist="38100" dir="2700000" algn="tl" rotWithShape="0">
-              <a:schemeClr val="bg2">
-                <a:lumMod val="85000"/>
-                <a:alpha val="50000"/>
-              </a:schemeClr>
-            </a:outerShdw>
-          </a:effectLst>
-        </p:spPr>
-        <p:style>
-          <a:lnRef idx="2">
-            <a:schemeClr val="accent1">
-              <a:shade val="50000"/>
-            </a:schemeClr>
-          </a:lnRef>
-          <a:fillRef idx="1">
-            <a:schemeClr val="accent1"/>
-          </a:fillRef>
-          <a:effectRef idx="0">
-            <a:schemeClr val="accent1"/>
-          </a:effectRef>
-          <a:fontRef idx="minor">
-            <a:schemeClr val="lt1"/>
-          </a:fontRef>
-        </p:style>
-        <p:txBody>
-          <a:bodyPr rtlCol="0" anchor="ctr"/>
-          <a:lstStyle/>
-          <a:p>
-            <a:pPr marL="0" marR="0" lvl="0" indent="0" algn="ctr" defTabSz="914400" rtl="0" eaLnBrk="1" fontAlgn="auto" latinLnBrk="0" hangingPunct="1">
-              <a:lnSpc>
-                <a:spcPct val="100000"/>
-              </a:lnSpc>
-              <a:spcBef>
-                <a:spcPts val="0"/>
-              </a:spcBef>
-              <a:spcAft>
-                <a:spcPts val="0"/>
-              </a:spcAft>
-              <a:buClrTx/>
-              <a:buSzTx/>
-              <a:buFontTx/>
-              <a:buNone/>
-              <a:tabLst/>
-              <a:defRPr/>
-            </a:pPr>
-            <a:endParaRPr kumimoji="0" lang="en-US" sz="1800" b="0" i="0" u="none" strike="noStrike" kern="1200" cap="none" spc="0" normalizeH="0" baseline="0" noProof="0">
-              <a:ln>
-                <a:noFill/>
-              </a:ln>
-              <a:solidFill>
-                <a:prstClr val="white"/>
-              </a:solidFill>
-              <a:effectLst/>
-              <a:uLnTx/>
-              <a:uFillTx/>
-              <a:latin typeface="Calibri" panose="020F0502020204030204"/>
-              <a:ea typeface="+mn-ea"/>
-              <a:cs typeface="+mn-cs"/>
-            </a:endParaRPr>
-          </a:p>
-        </p:txBody>
-      </p:sp>
-      <p:sp>
-        <p:nvSpPr>
-          <p:cNvPr id="2" name="Title 1">
-            <a:extLst>
-              <a:ext uri="{FF2B5EF4-FFF2-40B4-BE49-F238E27FC236}">
-                <a16:creationId xmlns:a16="http://schemas.microsoft.com/office/drawing/2014/main" id="{D636F68D-7F6B-561B-13AA-8D8F3FC3E009}"/>
-              </a:ext>
-            </a:extLst>
-          </p:cNvPr>
-          <p:cNvSpPr>
-            <a:spLocks noGrp="1"/>
-          </p:cNvSpPr>
-          <p:nvPr>
-            <p:ph type="title"/>
-          </p:nvPr>
-        </p:nvSpPr>
-        <p:spPr>
-          <a:xfrm>
-            <a:off x="1046746" y="586822"/>
-            <a:ext cx="3560252" cy="1645920"/>
-          </a:xfrm>
-        </p:spPr>
-        <p:txBody>
-          <a:bodyPr vert="horz" lIns="91440" tIns="45720" rIns="91440" bIns="45720" rtlCol="0" anchor="ctr">
-            <a:normAutofit/>
-          </a:bodyPr>
-          <a:lstStyle/>
-          <a:p>
-            <a:r>
-              <a:rPr lang="en-US" sz="3200" kern="1200">
-                <a:solidFill>
-                  <a:schemeClr val="tx1"/>
-                </a:solidFill>
-                <a:latin typeface="+mj-lt"/>
-                <a:ea typeface="+mj-ea"/>
-                <a:cs typeface="+mj-cs"/>
-              </a:rPr>
-              <a:t>Data Engineering</a:t>
-            </a:r>
-          </a:p>
-        </p:txBody>
-      </p:sp>
-      <p:sp>
-        <p:nvSpPr>
-          <p:cNvPr id="56" name="Rectangle 55">
-            <a:extLst>
-              <a:ext uri="{FF2B5EF4-FFF2-40B4-BE49-F238E27FC236}">
-                <a16:creationId xmlns:a16="http://schemas.microsoft.com/office/drawing/2014/main" id="{441CF7D6-A660-431A-B0BB-140A0D5556B6}"/>
-              </a:ext>
-              <a:ext uri="{C183D7F6-B498-43B3-948B-1728B52AA6E4}">
-                <adec:decorative xmlns:adec="http://schemas.microsoft.com/office/drawing/2017/decorative" val="1"/>
-              </a:ext>
-            </a:extLst>
-          </p:cNvPr>
-          <p:cNvSpPr>
-            <a:spLocks noGrp="1" noRot="1" noChangeAspect="1" noMove="1" noResize="1" noEditPoints="1" noAdjustHandles="1" noChangeArrowheads="1" noChangeShapeType="1" noTextEdit="1"/>
-          </p:cNvSpPr>
-          <p:nvPr>
-            <p:extLst>
-              <p:ext uri="{386F3935-93C4-4BCD-93E2-E3B085C9AB24}">
-                <p16:designElem xmlns:p16="http://schemas.microsoft.com/office/powerpoint/2015/main" val="1"/>
-              </p:ext>
-            </p:extLst>
-          </p:nvPr>
-        </p:nvSpPr>
-        <p:spPr>
-          <a:xfrm>
-            <a:off x="490408" y="1057739"/>
-            <a:ext cx="128016" cy="704088"/>
+          <a:xfrm rot="16200000">
+            <a:off x="3433973" y="-827233"/>
+            <a:ext cx="1715478" cy="8583421"/>
           </a:xfrm>
           <a:prstGeom prst="rect">
             <a:avLst/>
           </a:prstGeom>
           <a:solidFill>
-            <a:schemeClr val="accent2"/>
+            <a:schemeClr val="accent4"/>
           </a:solidFill>
           <a:ln>
             <a:noFill/>
@@ -17209,21 +23408,16 @@
           <a:lstStyle/>
           <a:p>
             <a:pPr algn="ctr"/>
-            <a:endParaRPr lang="en-US" dirty="0">
-              <a:solidFill>
-                <a:prstClr val="white"/>
-              </a:solidFill>
-              <a:latin typeface="Calibri" panose="020F0502020204030204"/>
-            </a:endParaRPr>
+            <a:endParaRPr lang="en-US" dirty="0"/>
           </a:p>
         </p:txBody>
       </p:sp>
       <p:sp>
         <p:nvSpPr>
-          <p:cNvPr id="58" name="Rectangle 57">
+          <p:cNvPr id="17" name="Rectangle 16">
             <a:extLst>
               <a:ext uri="{FF2B5EF4-FFF2-40B4-BE49-F238E27FC236}">
-                <a16:creationId xmlns:a16="http://schemas.microsoft.com/office/drawing/2014/main" id="{0570A85B-3810-4F95-97B0-CBF4CCDB381C}"/>
+                <a16:creationId xmlns:a16="http://schemas.microsoft.com/office/drawing/2014/main" id="{04357C93-F0CB-4A1C-8F77-4E9063789819}"/>
               </a:ext>
               <a:ext uri="{C183D7F6-B498-43B3-948B-1728B52AA6E4}">
                 <adec:decorative xmlns:adec="http://schemas.microsoft.com/office/drawing/2017/decorative" val="1"/>
@@ -17242,20 +23436,26 @@
           </p:nvPr>
         </p:nvSpPr>
         <p:spPr>
-          <a:xfrm rot="5400000">
-            <a:off x="4243541" y="1400638"/>
-            <a:ext cx="1463040" cy="18288"/>
+          <a:xfrm>
+            <a:off x="302085" y="664308"/>
+            <a:ext cx="8082632" cy="5600340"/>
           </a:xfrm>
           <a:prstGeom prst="rect">
             <a:avLst/>
           </a:prstGeom>
           <a:solidFill>
-            <a:srgbClr val="D5D5D5"/>
+            <a:schemeClr val="bg1"/>
           </a:solidFill>
-          <a:ln w="3175">
+          <a:ln>
             <a:noFill/>
           </a:ln>
-          <a:effectLst/>
+          <a:effectLst>
+            <a:outerShdw blurRad="139700" dist="127000" dir="5400000" algn="t" rotWithShape="0">
+              <a:prstClr val="black">
+                <a:alpha val="15000"/>
+              </a:prstClr>
+            </a:outerShdw>
+          </a:effectLst>
         </p:spPr>
         <p:style>
           <a:lnRef idx="2">
@@ -17278,150 +23478,16 @@
           <a:lstStyle/>
           <a:p>
             <a:pPr algn="ctr"/>
-            <a:endParaRPr lang="en-US">
-              <a:solidFill>
-                <a:prstClr val="white"/>
-              </a:solidFill>
-              <a:latin typeface="Calibri" panose="020F0502020204030204"/>
-            </a:endParaRPr>
-          </a:p>
-        </p:txBody>
-      </p:sp>
-      <p:sp>
-        <p:nvSpPr>
-          <p:cNvPr id="6" name="TextBox 5">
-            <a:extLst>
-              <a:ext uri="{FF2B5EF4-FFF2-40B4-BE49-F238E27FC236}">
-                <a16:creationId xmlns:a16="http://schemas.microsoft.com/office/drawing/2014/main" id="{D2F7F3F0-7E14-3A26-6CC5-28E37F078CA7}"/>
-              </a:ext>
-            </a:extLst>
-          </p:cNvPr>
-          <p:cNvSpPr txBox="1"/>
-          <p:nvPr/>
-        </p:nvSpPr>
-        <p:spPr>
-          <a:xfrm>
-            <a:off x="5179702" y="586822"/>
-            <a:ext cx="6341312" cy="1645920"/>
-          </a:xfrm>
-          <a:prstGeom prst="rect">
-            <a:avLst/>
-          </a:prstGeom>
-        </p:spPr>
-        <p:txBody>
-          <a:bodyPr vert="horz" lIns="91440" tIns="45720" rIns="91440" bIns="45720" rtlCol="0" anchor="ctr">
-            <a:noAutofit/>
-          </a:bodyPr>
-          <a:lstStyle/>
-          <a:p>
-            <a:pPr marL="285750" indent="-228600">
-              <a:lnSpc>
-                <a:spcPct val="90000"/>
-              </a:lnSpc>
-              <a:spcAft>
-                <a:spcPts val="600"/>
-              </a:spcAft>
-              <a:buFont typeface="Arial" panose="020B0604020202020204" pitchFamily="34" charset="0"/>
-              <a:buChar char="•"/>
-            </a:pPr>
-            <a:r>
-              <a:rPr lang="en-US" sz="1400" b="1" i="0" dirty="0">
-                <a:effectLst/>
-                <a:highlight>
-                  <a:srgbClr val="FFFFFF"/>
-                </a:highlight>
-              </a:rPr>
-              <a:t>Data Retrieval and Pre-processing</a:t>
-            </a:r>
-            <a:r>
-              <a:rPr lang="en-US" sz="1400" b="0" i="0" dirty="0">
-                <a:effectLst/>
-                <a:highlight>
-                  <a:srgbClr val="FFFFFF"/>
-                </a:highlight>
-              </a:rPr>
-              <a:t>: The TRV REST API facilitates train announcements retrieval, </a:t>
-            </a:r>
-            <a:r>
-              <a:rPr lang="en-US" sz="1400" dirty="0">
-                <a:highlight>
-                  <a:srgbClr val="FFFFFF"/>
-                </a:highlight>
-              </a:rPr>
-              <a:t>requiring</a:t>
-            </a:r>
-            <a:r>
-              <a:rPr lang="en-US" sz="1400" b="0" i="0" dirty="0">
-                <a:effectLst/>
-                <a:highlight>
-                  <a:srgbClr val="FFFFFF"/>
-                </a:highlight>
-              </a:rPr>
-              <a:t> an API key obtained through registration.</a:t>
-            </a:r>
-          </a:p>
-          <a:p>
-            <a:pPr marL="285750" indent="-228600">
-              <a:lnSpc>
-                <a:spcPct val="90000"/>
-              </a:lnSpc>
-              <a:spcAft>
-                <a:spcPts val="600"/>
-              </a:spcAft>
-              <a:buFont typeface="Arial" panose="020B0604020202020204" pitchFamily="34" charset="0"/>
-              <a:buChar char="•"/>
-            </a:pPr>
-            <a:r>
-              <a:rPr lang="en-US" sz="1400" b="1" i="0" dirty="0">
-                <a:effectLst/>
-                <a:highlight>
-                  <a:srgbClr val="FFFFFF"/>
-                </a:highlight>
-              </a:rPr>
-              <a:t>Model Training and Evaluation</a:t>
-            </a:r>
-            <a:r>
-              <a:rPr lang="en-US" sz="1400" b="0" i="0" dirty="0">
-                <a:effectLst/>
-                <a:highlight>
-                  <a:srgbClr val="FFFFFF"/>
-                </a:highlight>
-              </a:rPr>
-              <a:t>: The preprocessed dataset is split into training and testing sets (75% and 25% respectively). </a:t>
-            </a:r>
-          </a:p>
-          <a:p>
-            <a:pPr marL="285750" indent="-228600">
-              <a:lnSpc>
-                <a:spcPct val="90000"/>
-              </a:lnSpc>
-              <a:spcAft>
-                <a:spcPts val="600"/>
-              </a:spcAft>
-              <a:buFont typeface="Arial" panose="020B0604020202020204" pitchFamily="34" charset="0"/>
-              <a:buChar char="•"/>
-            </a:pPr>
-            <a:r>
-              <a:rPr lang="en-US" sz="1400" b="1" dirty="0">
-                <a:effectLst/>
-              </a:rPr>
-              <a:t>Model Deployment and Maintenance</a:t>
-            </a:r>
-            <a:r>
-              <a:rPr lang="en-US" sz="1400" dirty="0">
-                <a:effectLst/>
-              </a:rPr>
-              <a:t>: Separation of the train delay prediction backend service from the data engineering allows for model weights to be stored in the file system, ensuring flexibility and efficiency in model deployment and maintenance.</a:t>
-            </a:r>
+            <a:endParaRPr lang="en-US"/>
           </a:p>
         </p:txBody>
       </p:sp>
       <p:pic>
         <p:nvPicPr>
-          <p:cNvPr id="5" name="Picture 4" descr="A diagram of a process&#10;&#10;Description automatically generated">
+          <p:cNvPr id="8" name="Picture 7">
             <a:extLst>
               <a:ext uri="{FF2B5EF4-FFF2-40B4-BE49-F238E27FC236}">
-                <a16:creationId xmlns:a16="http://schemas.microsoft.com/office/drawing/2014/main" id="{31505AC6-8BBE-C25A-8542-2CD487D59B4B}"/>
+                <a16:creationId xmlns:a16="http://schemas.microsoft.com/office/drawing/2014/main" id="{F3A0EDF7-DD5C-37E3-3684-0A2F0616036D}"/>
               </a:ext>
             </a:extLst>
           </p:cNvPr>
@@ -17438,18 +23504,81 @@
         </p:blipFill>
         <p:spPr>
           <a:xfrm>
-            <a:off x="1463869" y="2734056"/>
-            <a:ext cx="9352653" cy="3483864"/>
+            <a:off x="545238" y="2047431"/>
+            <a:ext cx="7608304" cy="2834093"/>
           </a:xfrm>
           <a:prstGeom prst="rect">
             <a:avLst/>
           </a:prstGeom>
         </p:spPr>
       </p:pic>
+      <p:sp>
+        <p:nvSpPr>
+          <p:cNvPr id="19" name="Rectangle 18">
+            <a:extLst>
+              <a:ext uri="{FF2B5EF4-FFF2-40B4-BE49-F238E27FC236}">
+                <a16:creationId xmlns:a16="http://schemas.microsoft.com/office/drawing/2014/main" id="{90F533E9-6690-41A8-A372-4C6C622D028D}"/>
+              </a:ext>
+              <a:ext uri="{C183D7F6-B498-43B3-948B-1728B52AA6E4}">
+                <adec:decorative xmlns:adec="http://schemas.microsoft.com/office/drawing/2017/decorative" val="1"/>
+              </a:ext>
+            </a:extLst>
+          </p:cNvPr>
+          <p:cNvSpPr>
+            <a:spLocks noGrp="1" noRot="1" noChangeAspect="1" noMove="1" noResize="1" noEditPoints="1" noAdjustHandles="1" noChangeArrowheads="1" noChangeShapeType="1" noTextEdit="1"/>
+          </p:cNvSpPr>
+          <p:nvPr>
+            <p:extLst>
+              <p:ext uri="{386F3935-93C4-4BCD-93E2-E3B085C9AB24}">
+                <p16:designElem xmlns:p16="http://schemas.microsoft.com/office/powerpoint/2015/main" val="1"/>
+              </p:ext>
+            </p:extLst>
+          </p:nvPr>
+        </p:nvSpPr>
+        <p:spPr>
+          <a:xfrm rot="5400000">
+            <a:off x="7950447" y="3392097"/>
+            <a:ext cx="1719072" cy="152382"/>
+          </a:xfrm>
+          <a:prstGeom prst="rect">
+            <a:avLst/>
+          </a:prstGeom>
+          <a:solidFill>
+            <a:schemeClr val="accent4"/>
+          </a:solidFill>
+          <a:ln>
+            <a:noFill/>
+          </a:ln>
+        </p:spPr>
+        <p:style>
+          <a:lnRef idx="2">
+            <a:schemeClr val="accent1">
+              <a:shade val="50000"/>
+            </a:schemeClr>
+          </a:lnRef>
+          <a:fillRef idx="1">
+            <a:schemeClr val="accent1"/>
+          </a:fillRef>
+          <a:effectRef idx="0">
+            <a:schemeClr val="accent1"/>
+          </a:effectRef>
+          <a:fontRef idx="minor">
+            <a:schemeClr val="lt1"/>
+          </a:fontRef>
+        </p:style>
+        <p:txBody>
+          <a:bodyPr rtlCol="0" anchor="ctr"/>
+          <a:lstStyle/>
+          <a:p>
+            <a:pPr algn="ctr"/>
+            <a:endParaRPr lang="en-US"/>
+          </a:p>
+        </p:txBody>
+      </p:sp>
     </p:spTree>
     <p:extLst>
       <p:ext uri="{BB962C8B-B14F-4D97-AF65-F5344CB8AC3E}">
-        <p14:creationId xmlns:p14="http://schemas.microsoft.com/office/powerpoint/2010/main" val="2532252996"/>
+        <p14:creationId xmlns:p14="http://schemas.microsoft.com/office/powerpoint/2010/main" val="3814274761"/>
       </p:ext>
     </p:extLst>
   </p:cSld>

--- a/documentation/ML_Project.pptx
+++ b/documentation/ML_Project.pptx
@@ -21,7 +21,7 @@
     <p:sldId id="273" r:id="rId12"/>
     <p:sldId id="272" r:id="rId13"/>
     <p:sldId id="269" r:id="rId14"/>
-    <p:sldId id="274" r:id="rId15"/>
+    <p:sldId id="290" r:id="rId15"/>
     <p:sldId id="282" r:id="rId16"/>
     <p:sldId id="281" r:id="rId17"/>
     <p:sldId id="275" r:id="rId18"/>
@@ -9947,7 +9947,7 @@
           <a:p>
             <a:fld id="{086D58AC-F0ED-8D4E-A1FB-4B6CBDAB4F21}" type="datetimeFigureOut">
               <a:rPr lang="en-US" smtClean="0"/>
-              <a:t>5/17/24</a:t>
+              <a:t>5/18/24</a:t>
             </a:fld>
             <a:endParaRPr lang="en-US"/>
           </a:p>
@@ -10616,90 +10616,6 @@
           <a:p>
             <a:fld id="{A35993ED-6964-0141-AD02-C33670BEA198}" type="slidenum">
               <a:rPr lang="en-US" smtClean="0"/>
-              <a:t>14</a:t>
-            </a:fld>
-            <a:endParaRPr lang="en-US"/>
-          </a:p>
-        </p:txBody>
-      </p:sp>
-    </p:spTree>
-    <p:extLst>
-      <p:ext uri="{BB962C8B-B14F-4D97-AF65-F5344CB8AC3E}">
-        <p14:creationId xmlns:p14="http://schemas.microsoft.com/office/powerpoint/2010/main" val="281989311"/>
-      </p:ext>
-    </p:extLst>
-  </p:cSld>
-  <p:clrMapOvr>
-    <a:masterClrMapping/>
-  </p:clrMapOvr>
-</p:notes>
-</file>
-
-<file path=ppt/notesSlides/notesSlide6.xml><?xml version="1.0" encoding="utf-8"?>
-<p:notes xmlns:a="http://schemas.openxmlformats.org/drawingml/2006/main" xmlns:r="http://schemas.openxmlformats.org/officeDocument/2006/relationships" xmlns:p="http://schemas.openxmlformats.org/presentationml/2006/main">
-  <p:cSld>
-    <p:spTree>
-      <p:nvGrpSpPr>
-        <p:cNvPr id="1" name=""/>
-        <p:cNvGrpSpPr/>
-        <p:nvPr/>
-      </p:nvGrpSpPr>
-      <p:grpSpPr>
-        <a:xfrm>
-          <a:off x="0" y="0"/>
-          <a:ext cx="0" cy="0"/>
-          <a:chOff x="0" y="0"/>
-          <a:chExt cx="0" cy="0"/>
-        </a:xfrm>
-      </p:grpSpPr>
-      <p:sp>
-        <p:nvSpPr>
-          <p:cNvPr id="2" name="Slide Image Placeholder 1"/>
-          <p:cNvSpPr>
-            <a:spLocks noGrp="1" noRot="1" noChangeAspect="1"/>
-          </p:cNvSpPr>
-          <p:nvPr>
-            <p:ph type="sldImg"/>
-          </p:nvPr>
-        </p:nvSpPr>
-        <p:spPr/>
-      </p:sp>
-      <p:sp>
-        <p:nvSpPr>
-          <p:cNvPr id="3" name="Notes Placeholder 2"/>
-          <p:cNvSpPr>
-            <a:spLocks noGrp="1"/>
-          </p:cNvSpPr>
-          <p:nvPr>
-            <p:ph type="body" idx="1"/>
-          </p:nvPr>
-        </p:nvSpPr>
-        <p:spPr/>
-        <p:txBody>
-          <a:bodyPr/>
-          <a:lstStyle/>
-          <a:p>
-            <a:endParaRPr lang="en-US" dirty="0"/>
-          </a:p>
-        </p:txBody>
-      </p:sp>
-      <p:sp>
-        <p:nvSpPr>
-          <p:cNvPr id="4" name="Slide Number Placeholder 3"/>
-          <p:cNvSpPr>
-            <a:spLocks noGrp="1"/>
-          </p:cNvSpPr>
-          <p:nvPr>
-            <p:ph type="sldNum" sz="quarter" idx="5"/>
-          </p:nvPr>
-        </p:nvSpPr>
-        <p:spPr/>
-        <p:txBody>
-          <a:bodyPr/>
-          <a:lstStyle/>
-          <a:p>
-            <a:fld id="{A35993ED-6964-0141-AD02-C33670BEA198}" type="slidenum">
-              <a:rPr lang="en-US" smtClean="0"/>
               <a:t>17</a:t>
             </a:fld>
             <a:endParaRPr lang="en-US"/>
@@ -10719,7 +10635,7 @@
 </p:notes>
 </file>
 
-<file path=ppt/notesSlides/notesSlide7.xml><?xml version="1.0" encoding="utf-8"?>
+<file path=ppt/notesSlides/notesSlide6.xml><?xml version="1.0" encoding="utf-8"?>
 <p:notes xmlns:a="http://schemas.openxmlformats.org/drawingml/2006/main" xmlns:r="http://schemas.openxmlformats.org/officeDocument/2006/relationships" xmlns:p="http://schemas.openxmlformats.org/presentationml/2006/main">
   <p:cSld>
     <p:spTree>
@@ -10952,7 +10868,7 @@
           <a:p>
             <a:fld id="{A1368BEB-7B4F-3B4C-9C80-C5E0D90F89D2}" type="datetimeFigureOut">
               <a:rPr lang="en-US" smtClean="0"/>
-              <a:t>5/17/24</a:t>
+              <a:t>5/18/24</a:t>
             </a:fld>
             <a:endParaRPr lang="en-US"/>
           </a:p>
@@ -11152,7 +11068,7 @@
           <a:p>
             <a:fld id="{A1368BEB-7B4F-3B4C-9C80-C5E0D90F89D2}" type="datetimeFigureOut">
               <a:rPr lang="en-US" smtClean="0"/>
-              <a:t>5/17/24</a:t>
+              <a:t>5/18/24</a:t>
             </a:fld>
             <a:endParaRPr lang="en-US"/>
           </a:p>
@@ -11362,7 +11278,7 @@
           <a:p>
             <a:fld id="{A1368BEB-7B4F-3B4C-9C80-C5E0D90F89D2}" type="datetimeFigureOut">
               <a:rPr lang="en-US" smtClean="0"/>
-              <a:t>5/17/24</a:t>
+              <a:t>5/18/24</a:t>
             </a:fld>
             <a:endParaRPr lang="en-US"/>
           </a:p>
@@ -11562,7 +11478,7 @@
           <a:p>
             <a:fld id="{A1368BEB-7B4F-3B4C-9C80-C5E0D90F89D2}" type="datetimeFigureOut">
               <a:rPr lang="en-US" smtClean="0"/>
-              <a:t>5/17/24</a:t>
+              <a:t>5/18/24</a:t>
             </a:fld>
             <a:endParaRPr lang="en-US"/>
           </a:p>
@@ -11838,7 +11754,7 @@
           <a:p>
             <a:fld id="{A1368BEB-7B4F-3B4C-9C80-C5E0D90F89D2}" type="datetimeFigureOut">
               <a:rPr lang="en-US" smtClean="0"/>
-              <a:t>5/17/24</a:t>
+              <a:t>5/18/24</a:t>
             </a:fld>
             <a:endParaRPr lang="en-US"/>
           </a:p>
@@ -12106,7 +12022,7 @@
           <a:p>
             <a:fld id="{A1368BEB-7B4F-3B4C-9C80-C5E0D90F89D2}" type="datetimeFigureOut">
               <a:rPr lang="en-US" smtClean="0"/>
-              <a:t>5/17/24</a:t>
+              <a:t>5/18/24</a:t>
             </a:fld>
             <a:endParaRPr lang="en-US"/>
           </a:p>
@@ -12521,7 +12437,7 @@
           <a:p>
             <a:fld id="{A1368BEB-7B4F-3B4C-9C80-C5E0D90F89D2}" type="datetimeFigureOut">
               <a:rPr lang="en-US" smtClean="0"/>
-              <a:t>5/17/24</a:t>
+              <a:t>5/18/24</a:t>
             </a:fld>
             <a:endParaRPr lang="en-US"/>
           </a:p>
@@ -12663,7 +12579,7 @@
           <a:p>
             <a:fld id="{A1368BEB-7B4F-3B4C-9C80-C5E0D90F89D2}" type="datetimeFigureOut">
               <a:rPr lang="en-US" smtClean="0"/>
-              <a:t>5/17/24</a:t>
+              <a:t>5/18/24</a:t>
             </a:fld>
             <a:endParaRPr lang="en-US"/>
           </a:p>
@@ -12776,7 +12692,7 @@
           <a:p>
             <a:fld id="{A1368BEB-7B4F-3B4C-9C80-C5E0D90F89D2}" type="datetimeFigureOut">
               <a:rPr lang="en-US" smtClean="0"/>
-              <a:t>5/17/24</a:t>
+              <a:t>5/18/24</a:t>
             </a:fld>
             <a:endParaRPr lang="en-US"/>
           </a:p>
@@ -13089,7 +13005,7 @@
           <a:p>
             <a:fld id="{A1368BEB-7B4F-3B4C-9C80-C5E0D90F89D2}" type="datetimeFigureOut">
               <a:rPr lang="en-US" smtClean="0"/>
-              <a:t>5/17/24</a:t>
+              <a:t>5/18/24</a:t>
             </a:fld>
             <a:endParaRPr lang="en-US"/>
           </a:p>
@@ -13378,7 +13294,7 @@
           <a:p>
             <a:fld id="{A1368BEB-7B4F-3B4C-9C80-C5E0D90F89D2}" type="datetimeFigureOut">
               <a:rPr lang="en-US" smtClean="0"/>
-              <a:t>5/17/24</a:t>
+              <a:t>5/18/24</a:t>
             </a:fld>
             <a:endParaRPr lang="en-US"/>
           </a:p>
@@ -13621,7 +13537,7 @@
           <a:p>
             <a:fld id="{A1368BEB-7B4F-3B4C-9C80-C5E0D90F89D2}" type="datetimeFigureOut">
               <a:rPr lang="en-US" smtClean="0"/>
-              <a:t>5/17/24</a:t>
+              <a:t>5/18/24</a:t>
             </a:fld>
             <a:endParaRPr lang="en-US"/>
           </a:p>
@@ -14698,36 +14614,6 @@
           </a:p>
         </p:txBody>
       </p:sp>
-      <p:pic>
-        <p:nvPicPr>
-          <p:cNvPr id="5" name="Picture 4" descr="A diagram of a program&#10;&#10;Description automatically generated">
-            <a:extLst>
-              <a:ext uri="{FF2B5EF4-FFF2-40B4-BE49-F238E27FC236}">
-                <a16:creationId xmlns:a16="http://schemas.microsoft.com/office/drawing/2014/main" id="{BD95E127-676A-FEFA-58FC-CE3C21F5BE58}"/>
-              </a:ext>
-            </a:extLst>
-          </p:cNvPr>
-          <p:cNvPicPr>
-            <a:picLocks noChangeAspect="1"/>
-          </p:cNvPicPr>
-          <p:nvPr/>
-        </p:nvPicPr>
-        <p:blipFill>
-          <a:blip r:embed="rId2"/>
-          <a:stretch>
-            <a:fillRect/>
-          </a:stretch>
-        </p:blipFill>
-        <p:spPr>
-          <a:xfrm>
-            <a:off x="545238" y="2009390"/>
-            <a:ext cx="7608304" cy="2910175"/>
-          </a:xfrm>
-          <a:prstGeom prst="rect">
-            <a:avLst/>
-          </a:prstGeom>
-        </p:spPr>
-      </p:pic>
       <p:sp>
         <p:nvSpPr>
           <p:cNvPr id="16" name="Rectangle 15">
@@ -14791,6 +14677,36 @@
           </a:p>
         </p:txBody>
       </p:sp>
+      <p:pic>
+        <p:nvPicPr>
+          <p:cNvPr id="3" name="Picture 2">
+            <a:extLst>
+              <a:ext uri="{FF2B5EF4-FFF2-40B4-BE49-F238E27FC236}">
+                <a16:creationId xmlns:a16="http://schemas.microsoft.com/office/drawing/2014/main" id="{A0F64CD4-8CCA-D97D-CE47-7F8DCB343202}"/>
+              </a:ext>
+            </a:extLst>
+          </p:cNvPr>
+          <p:cNvPicPr>
+            <a:picLocks noChangeAspect="1"/>
+          </p:cNvPicPr>
+          <p:nvPr/>
+        </p:nvPicPr>
+        <p:blipFill>
+          <a:blip r:embed="rId2"/>
+          <a:stretch>
+            <a:fillRect/>
+          </a:stretch>
+        </p:blipFill>
+        <p:spPr>
+          <a:xfrm>
+            <a:off x="583664" y="2016926"/>
+            <a:ext cx="7401213" cy="2824147"/>
+          </a:xfrm>
+          <a:prstGeom prst="rect">
+            <a:avLst/>
+          </a:prstGeom>
+        </p:spPr>
+      </p:pic>
     </p:spTree>
     <p:extLst>
       <p:ext uri="{BB962C8B-B14F-4D97-AF65-F5344CB8AC3E}">
@@ -16403,10 +16319,10 @@
       </p:grpSpPr>
       <p:sp useBgFill="1">
         <p:nvSpPr>
-          <p:cNvPr id="12" name="Rectangle 11">
+          <p:cNvPr id="9" name="Rectangle 8">
             <a:extLst>
               <a:ext uri="{FF2B5EF4-FFF2-40B4-BE49-F238E27FC236}">
-                <a16:creationId xmlns:a16="http://schemas.microsoft.com/office/drawing/2014/main" id="{2550BE34-C2B8-49B8-8519-67A8CAD51AE9}"/>
+                <a16:creationId xmlns:a16="http://schemas.microsoft.com/office/drawing/2014/main" id="{BA79A7CF-01AF-4178-9369-94E0C90EB046}"/>
               </a:ext>
               <a:ext uri="{C183D7F6-B498-43B3-948B-1728B52AA6E4}">
                 <adec:decorative xmlns:adec="http://schemas.microsoft.com/office/drawing/2017/decorative" val="1"/>
@@ -16427,7 +16343,7 @@
         <p:spPr>
           <a:xfrm>
             <a:off x="0" y="0"/>
-            <a:ext cx="12192000" cy="6858000"/>
+            <a:ext cx="12191999" cy="6857365"/>
           </a:xfrm>
           <a:prstGeom prst="rect">
             <a:avLst/>
@@ -16461,12 +16377,54 @@
           </a:p>
         </p:txBody>
       </p:sp>
-      <p:sp useBgFill="1">
+      <p:sp>
         <p:nvSpPr>
-          <p:cNvPr id="14" name="Rectangle 13">
+          <p:cNvPr id="2" name="Title 1">
             <a:extLst>
               <a:ext uri="{FF2B5EF4-FFF2-40B4-BE49-F238E27FC236}">
-                <a16:creationId xmlns:a16="http://schemas.microsoft.com/office/drawing/2014/main" id="{A7457DD9-5A45-400A-AB4B-4B4EDECA25F1}"/>
+                <a16:creationId xmlns:a16="http://schemas.microsoft.com/office/drawing/2014/main" id="{45D0C646-AA31-D352-E4D3-DDEE9D07E71E}"/>
+              </a:ext>
+            </a:extLst>
+          </p:cNvPr>
+          <p:cNvSpPr>
+            <a:spLocks noGrp="1"/>
+          </p:cNvSpPr>
+          <p:nvPr>
+            <p:ph type="title"/>
+          </p:nvPr>
+        </p:nvSpPr>
+        <p:spPr>
+          <a:xfrm>
+            <a:off x="9267909" y="2023110"/>
+            <a:ext cx="2469624" cy="2846070"/>
+          </a:xfrm>
+        </p:spPr>
+        <p:txBody>
+          <a:bodyPr vert="horz" lIns="91440" tIns="45720" rIns="91440" bIns="45720" rtlCol="0" anchor="ctr">
+            <a:normAutofit/>
+          </a:bodyPr>
+          <a:lstStyle/>
+          <a:p>
+            <a:r>
+              <a:rPr lang="en-US" sz="3700" kern="1200">
+                <a:solidFill>
+                  <a:schemeClr val="tx1"/>
+                </a:solidFill>
+                <a:latin typeface="+mj-lt"/>
+                <a:ea typeface="+mj-ea"/>
+                <a:cs typeface="+mj-cs"/>
+              </a:rPr>
+              <a:t>Build pipeline</a:t>
+            </a:r>
+          </a:p>
+        </p:txBody>
+      </p:sp>
+      <p:sp>
+        <p:nvSpPr>
+          <p:cNvPr id="11" name="Rectangle 10">
+            <a:extLst>
+              <a:ext uri="{FF2B5EF4-FFF2-40B4-BE49-F238E27FC236}">
+                <a16:creationId xmlns:a16="http://schemas.microsoft.com/office/drawing/2014/main" id="{99413ED5-9ED4-4772-BCE4-2BCAE6B12E35}"/>
               </a:ext>
               <a:ext uri="{C183D7F6-B498-43B3-948B-1728B52AA6E4}">
                 <adec:decorative xmlns:adec="http://schemas.microsoft.com/office/drawing/2017/decorative" val="1"/>
@@ -16485,149 +16443,15 @@
           </p:nvPr>
         </p:nvSpPr>
         <p:spPr>
-          <a:xfrm>
-            <a:off x="554416" y="365125"/>
-            <a:ext cx="11167447" cy="2089317"/>
-          </a:xfrm>
-          <a:prstGeom prst="rect">
-            <a:avLst/>
-          </a:prstGeom>
-          <a:ln w="12700">
-            <a:solidFill>
-              <a:srgbClr val="DEDEDE"/>
-            </a:solidFill>
-          </a:ln>
-          <a:effectLst>
-            <a:outerShdw blurRad="50800" dist="38100" dir="2700000" algn="tl" rotWithShape="0">
-              <a:schemeClr val="bg2">
-                <a:lumMod val="85000"/>
-                <a:alpha val="50000"/>
-              </a:schemeClr>
-            </a:outerShdw>
-          </a:effectLst>
-        </p:spPr>
-        <p:style>
-          <a:lnRef idx="2">
-            <a:schemeClr val="accent1">
-              <a:shade val="50000"/>
-            </a:schemeClr>
-          </a:lnRef>
-          <a:fillRef idx="1">
-            <a:schemeClr val="accent1"/>
-          </a:fillRef>
-          <a:effectRef idx="0">
-            <a:schemeClr val="accent1"/>
-          </a:effectRef>
-          <a:fontRef idx="minor">
-            <a:schemeClr val="lt1"/>
-          </a:fontRef>
-        </p:style>
-        <p:txBody>
-          <a:bodyPr rtlCol="0" anchor="ctr"/>
-          <a:lstStyle/>
-          <a:p>
-            <a:pPr marL="0" marR="0" lvl="0" indent="0" algn="ctr" defTabSz="914400" rtl="0" eaLnBrk="1" fontAlgn="auto" latinLnBrk="0" hangingPunct="1">
-              <a:lnSpc>
-                <a:spcPct val="100000"/>
-              </a:lnSpc>
-              <a:spcBef>
-                <a:spcPts val="0"/>
-              </a:spcBef>
-              <a:spcAft>
-                <a:spcPts val="0"/>
-              </a:spcAft>
-              <a:buClrTx/>
-              <a:buSzTx/>
-              <a:buFontTx/>
-              <a:buNone/>
-              <a:tabLst/>
-              <a:defRPr/>
-            </a:pPr>
-            <a:endParaRPr kumimoji="0" lang="en-US" sz="1800" b="0" i="0" u="none" strike="noStrike" kern="1200" cap="none" spc="0" normalizeH="0" baseline="0" noProof="0">
-              <a:ln>
-                <a:noFill/>
-              </a:ln>
-              <a:solidFill>
-                <a:prstClr val="white"/>
-              </a:solidFill>
-              <a:effectLst/>
-              <a:uLnTx/>
-              <a:uFillTx/>
-              <a:latin typeface="Calibri" panose="020F0502020204030204"/>
-              <a:ea typeface="+mn-ea"/>
-              <a:cs typeface="+mn-cs"/>
-            </a:endParaRPr>
-          </a:p>
-        </p:txBody>
-      </p:sp>
-      <p:sp>
-        <p:nvSpPr>
-          <p:cNvPr id="2" name="Title 1">
-            <a:extLst>
-              <a:ext uri="{FF2B5EF4-FFF2-40B4-BE49-F238E27FC236}">
-                <a16:creationId xmlns:a16="http://schemas.microsoft.com/office/drawing/2014/main" id="{55A31A47-4CE7-968A-2D67-A37818CDBD4C}"/>
-              </a:ext>
-            </a:extLst>
-          </p:cNvPr>
-          <p:cNvSpPr>
-            <a:spLocks noGrp="1"/>
-          </p:cNvSpPr>
-          <p:nvPr>
-            <p:ph type="title"/>
-          </p:nvPr>
-        </p:nvSpPr>
-        <p:spPr>
-          <a:xfrm>
-            <a:off x="1046746" y="586822"/>
-            <a:ext cx="3827730" cy="1645920"/>
-          </a:xfrm>
-        </p:spPr>
-        <p:txBody>
-          <a:bodyPr>
-            <a:normAutofit/>
-          </a:bodyPr>
-          <a:lstStyle/>
-          <a:p>
-            <a:r>
-              <a:rPr lang="en-US" sz="3200" dirty="0"/>
-              <a:t>Build pipeline</a:t>
-            </a:r>
-          </a:p>
-        </p:txBody>
-      </p:sp>
-      <p:sp>
-        <p:nvSpPr>
-          <p:cNvPr id="16" name="Rectangle 15">
-            <a:extLst>
-              <a:ext uri="{FF2B5EF4-FFF2-40B4-BE49-F238E27FC236}">
-                <a16:creationId xmlns:a16="http://schemas.microsoft.com/office/drawing/2014/main" id="{441CF7D6-A660-431A-B0BB-140A0D5556B6}"/>
-              </a:ext>
-              <a:ext uri="{C183D7F6-B498-43B3-948B-1728B52AA6E4}">
-                <adec:decorative xmlns:adec="http://schemas.microsoft.com/office/drawing/2017/decorative" val="1"/>
-              </a:ext>
-            </a:extLst>
-          </p:cNvPr>
-          <p:cNvSpPr>
-            <a:spLocks noGrp="1" noRot="1" noChangeAspect="1" noMove="1" noResize="1" noEditPoints="1" noAdjustHandles="1" noChangeArrowheads="1" noChangeShapeType="1" noTextEdit="1"/>
-          </p:cNvSpPr>
-          <p:nvPr>
-            <p:extLst>
-              <p:ext uri="{386F3935-93C4-4BCD-93E2-E3B085C9AB24}">
-                <p16:designElem xmlns:p16="http://schemas.microsoft.com/office/powerpoint/2015/main" val="1"/>
-              </p:ext>
-            </p:extLst>
-          </p:nvPr>
-        </p:nvSpPr>
-        <p:spPr>
-          <a:xfrm>
-            <a:off x="490408" y="1057739"/>
-            <a:ext cx="128016" cy="704088"/>
+          <a:xfrm rot="16200000">
+            <a:off x="3433973" y="-827233"/>
+            <a:ext cx="1715478" cy="8583421"/>
           </a:xfrm>
           <a:prstGeom prst="rect">
             <a:avLst/>
           </a:prstGeom>
           <a:solidFill>
-            <a:schemeClr val="accent2"/>
+            <a:schemeClr val="accent4"/>
           </a:solidFill>
           <a:ln>
             <a:noFill/>
@@ -16654,21 +16478,16 @@
           <a:lstStyle/>
           <a:p>
             <a:pPr algn="ctr"/>
-            <a:endParaRPr lang="en-US" dirty="0">
-              <a:solidFill>
-                <a:prstClr val="white"/>
-              </a:solidFill>
-              <a:latin typeface="Calibri" panose="020F0502020204030204"/>
-            </a:endParaRPr>
+            <a:endParaRPr lang="en-US" dirty="0"/>
           </a:p>
         </p:txBody>
       </p:sp>
       <p:sp>
         <p:nvSpPr>
-          <p:cNvPr id="18" name="Rectangle 17">
+          <p:cNvPr id="13" name="Rectangle 12">
             <a:extLst>
               <a:ext uri="{FF2B5EF4-FFF2-40B4-BE49-F238E27FC236}">
-                <a16:creationId xmlns:a16="http://schemas.microsoft.com/office/drawing/2014/main" id="{0570A85B-3810-4F95-97B0-CBF4CCDB381C}"/>
+                <a16:creationId xmlns:a16="http://schemas.microsoft.com/office/drawing/2014/main" id="{04357C93-F0CB-4A1C-8F77-4E9063789819}"/>
               </a:ext>
               <a:ext uri="{C183D7F6-B498-43B3-948B-1728B52AA6E4}">
                 <adec:decorative xmlns:adec="http://schemas.microsoft.com/office/drawing/2017/decorative" val="1"/>
@@ -16687,20 +16506,26 @@
           </p:nvPr>
         </p:nvSpPr>
         <p:spPr>
-          <a:xfrm rot="5400000">
-            <a:off x="4243541" y="1400638"/>
-            <a:ext cx="1463040" cy="18288"/>
+          <a:xfrm>
+            <a:off x="302085" y="664308"/>
+            <a:ext cx="8082632" cy="5600340"/>
           </a:xfrm>
           <a:prstGeom prst="rect">
             <a:avLst/>
           </a:prstGeom>
           <a:solidFill>
-            <a:srgbClr val="D5D5D5"/>
+            <a:schemeClr val="bg1"/>
           </a:solidFill>
-          <a:ln w="3175">
+          <a:ln>
             <a:noFill/>
           </a:ln>
-          <a:effectLst/>
+          <a:effectLst>
+            <a:outerShdw blurRad="139700" dist="127000" dir="5400000" algn="t" rotWithShape="0">
+              <a:prstClr val="black">
+                <a:alpha val="15000"/>
+              </a:prstClr>
+            </a:outerShdw>
+          </a:effectLst>
         </p:spPr>
         <p:style>
           <a:lnRef idx="2">
@@ -16723,92 +16548,16 @@
           <a:lstStyle/>
           <a:p>
             <a:pPr algn="ctr"/>
-            <a:endParaRPr lang="en-US">
-              <a:solidFill>
-                <a:prstClr val="white"/>
-              </a:solidFill>
-              <a:latin typeface="Calibri" panose="020F0502020204030204"/>
-            </a:endParaRPr>
-          </a:p>
-        </p:txBody>
-      </p:sp>
-      <p:sp>
-        <p:nvSpPr>
-          <p:cNvPr id="3" name="TextBox 2">
-            <a:extLst>
-              <a:ext uri="{FF2B5EF4-FFF2-40B4-BE49-F238E27FC236}">
-                <a16:creationId xmlns:a16="http://schemas.microsoft.com/office/drawing/2014/main" id="{7F1CD93A-8E86-94BB-9F28-B13744EB7CAB}"/>
-              </a:ext>
-            </a:extLst>
-          </p:cNvPr>
-          <p:cNvSpPr txBox="1"/>
-          <p:nvPr/>
-        </p:nvSpPr>
-        <p:spPr>
-          <a:xfrm>
-            <a:off x="5108429" y="586822"/>
-            <a:ext cx="6510867" cy="1477328"/>
-          </a:xfrm>
-          <a:prstGeom prst="rect">
-            <a:avLst/>
-          </a:prstGeom>
-          <a:noFill/>
-        </p:spPr>
-        <p:txBody>
-          <a:bodyPr wrap="square" rtlCol="0">
-            <a:spAutoFit/>
-          </a:bodyPr>
-          <a:lstStyle/>
-          <a:p>
-            <a:pPr marL="285750" indent="-285750">
-              <a:buFont typeface="Arial" panose="020B0604020202020204" pitchFamily="34" charset="0"/>
-              <a:buChar char="•"/>
-            </a:pPr>
-            <a:r>
-              <a:rPr lang="en-US" sz="1800" dirty="0">
-                <a:effectLst/>
-                <a:latin typeface="Aptos" panose="020B0004020202020204" pitchFamily="34" charset="0"/>
-                <a:ea typeface="Aptos" panose="020B0004020202020204" pitchFamily="34" charset="0"/>
-                <a:cs typeface="Times New Roman" panose="02020603050405020304" pitchFamily="18" charset="0"/>
-              </a:rPr>
-              <a:t>To automate the build and deployment of data engineering and train delay prediction system, Jenkins tool was installed on local Docker. </a:t>
-            </a:r>
-          </a:p>
-          <a:p>
-            <a:pPr marL="285750" indent="-285750">
-              <a:buFont typeface="Arial" panose="020B0604020202020204" pitchFamily="34" charset="0"/>
-              <a:buChar char="•"/>
-            </a:pPr>
-            <a:r>
-              <a:rPr lang="en-US" sz="1800" dirty="0">
-                <a:effectLst/>
-                <a:latin typeface="Aptos" panose="020B0004020202020204" pitchFamily="34" charset="0"/>
-                <a:ea typeface="Aptos" panose="020B0004020202020204" pitchFamily="34" charset="0"/>
-                <a:cs typeface="Times New Roman" panose="02020603050405020304" pitchFamily="18" charset="0"/>
-              </a:rPr>
-              <a:t>Unfortunately, the pipeline doesn’t work as expected and it wasn’t possible to fix the Docker related issue</a:t>
-            </a:r>
-            <a:r>
-              <a:rPr lang="en-IN" dirty="0">
-                <a:effectLst/>
-              </a:rPr>
-              <a:t> </a:t>
-            </a:r>
-            <a:endParaRPr lang="en-US" sz="1800" dirty="0">
-              <a:effectLst/>
-              <a:latin typeface="Aptos" panose="020B0004020202020204" pitchFamily="34" charset="0"/>
-              <a:ea typeface="Aptos" panose="020B0004020202020204" pitchFamily="34" charset="0"/>
-              <a:cs typeface="Times New Roman" panose="02020603050405020304" pitchFamily="18" charset="0"/>
-            </a:endParaRPr>
+            <a:endParaRPr lang="en-US"/>
           </a:p>
         </p:txBody>
       </p:sp>
       <p:pic>
         <p:nvPicPr>
-          <p:cNvPr id="8" name="Picture 7" descr="A screenshot of a computer&#10;&#10;Description automatically generated">
+          <p:cNvPr id="4" name="Picture 3">
             <a:extLst>
               <a:ext uri="{FF2B5EF4-FFF2-40B4-BE49-F238E27FC236}">
-                <a16:creationId xmlns:a16="http://schemas.microsoft.com/office/drawing/2014/main" id="{9FAE7D46-D958-B54B-437A-C191EB7CDA14}"/>
+                <a16:creationId xmlns:a16="http://schemas.microsoft.com/office/drawing/2014/main" id="{F8D6598E-E3B7-F0DC-7C27-5B18BA03FC73}"/>
               </a:ext>
             </a:extLst>
           </p:cNvPr>
@@ -16818,39 +16567,88 @@
           <p:nvPr/>
         </p:nvPicPr>
         <p:blipFill>
-          <a:blip r:embed="rId3"/>
+          <a:blip r:embed="rId2"/>
           <a:stretch>
             <a:fillRect/>
           </a:stretch>
         </p:blipFill>
         <p:spPr>
           <a:xfrm>
-            <a:off x="1998921" y="2752998"/>
-            <a:ext cx="8455307" cy="3009849"/>
+            <a:off x="545238" y="2266171"/>
+            <a:ext cx="7608304" cy="2396614"/>
           </a:xfrm>
           <a:prstGeom prst="rect">
             <a:avLst/>
           </a:prstGeom>
-          <a:ln w="12700" cap="sq">
-            <a:solidFill>
-              <a:srgbClr val="000000"/>
-            </a:solidFill>
-            <a:prstDash val="solid"/>
-            <a:miter lim="800000"/>
-          </a:ln>
-          <a:effectLst>
-            <a:outerShdw blurRad="50800" dist="38100" dir="2700000" algn="tl" rotWithShape="0">
-              <a:srgbClr val="000000">
-                <a:alpha val="43000"/>
-              </a:srgbClr>
-            </a:outerShdw>
-          </a:effectLst>
         </p:spPr>
       </p:pic>
+      <p:sp>
+        <p:nvSpPr>
+          <p:cNvPr id="15" name="Rectangle 14">
+            <a:extLst>
+              <a:ext uri="{FF2B5EF4-FFF2-40B4-BE49-F238E27FC236}">
+                <a16:creationId xmlns:a16="http://schemas.microsoft.com/office/drawing/2014/main" id="{90F533E9-6690-41A8-A372-4C6C622D028D}"/>
+              </a:ext>
+              <a:ext uri="{C183D7F6-B498-43B3-948B-1728B52AA6E4}">
+                <adec:decorative xmlns:adec="http://schemas.microsoft.com/office/drawing/2017/decorative" val="1"/>
+              </a:ext>
+            </a:extLst>
+          </p:cNvPr>
+          <p:cNvSpPr>
+            <a:spLocks noGrp="1" noRot="1" noChangeAspect="1" noMove="1" noResize="1" noEditPoints="1" noAdjustHandles="1" noChangeArrowheads="1" noChangeShapeType="1" noTextEdit="1"/>
+          </p:cNvSpPr>
+          <p:nvPr>
+            <p:extLst>
+              <p:ext uri="{386F3935-93C4-4BCD-93E2-E3B085C9AB24}">
+                <p16:designElem xmlns:p16="http://schemas.microsoft.com/office/powerpoint/2015/main" val="1"/>
+              </p:ext>
+            </p:extLst>
+          </p:nvPr>
+        </p:nvSpPr>
+        <p:spPr>
+          <a:xfrm rot="5400000">
+            <a:off x="7950447" y="3392097"/>
+            <a:ext cx="1719072" cy="152382"/>
+          </a:xfrm>
+          <a:prstGeom prst="rect">
+            <a:avLst/>
+          </a:prstGeom>
+          <a:solidFill>
+            <a:schemeClr val="accent4"/>
+          </a:solidFill>
+          <a:ln>
+            <a:noFill/>
+          </a:ln>
+        </p:spPr>
+        <p:style>
+          <a:lnRef idx="2">
+            <a:schemeClr val="accent1">
+              <a:shade val="50000"/>
+            </a:schemeClr>
+          </a:lnRef>
+          <a:fillRef idx="1">
+            <a:schemeClr val="accent1"/>
+          </a:fillRef>
+          <a:effectRef idx="0">
+            <a:schemeClr val="accent1"/>
+          </a:effectRef>
+          <a:fontRef idx="minor">
+            <a:schemeClr val="lt1"/>
+          </a:fontRef>
+        </p:style>
+        <p:txBody>
+          <a:bodyPr rtlCol="0" anchor="ctr"/>
+          <a:lstStyle/>
+          <a:p>
+            <a:pPr algn="ctr"/>
+            <a:endParaRPr lang="en-US"/>
+          </a:p>
+        </p:txBody>
+      </p:sp>
     </p:spTree>
     <p:extLst>
       <p:ext uri="{BB962C8B-B14F-4D97-AF65-F5344CB8AC3E}">
-        <p14:creationId xmlns:p14="http://schemas.microsoft.com/office/powerpoint/2010/main" val="1332831130"/>
+        <p14:creationId xmlns:p14="http://schemas.microsoft.com/office/powerpoint/2010/main" val="2312442374"/>
       </p:ext>
     </p:extLst>
   </p:cSld>
@@ -20807,7 +20605,7 @@
         </p:spPr>
         <p:txBody>
           <a:bodyPr vert="horz" lIns="91440" tIns="45720" rIns="91440" bIns="45720" rtlCol="0">
-            <a:normAutofit/>
+            <a:normAutofit lnSpcReduction="10000"/>
           </a:bodyPr>
           <a:lstStyle>
             <a:lvl1pPr marL="228600" indent="-228600" algn="l" defTabSz="914400" rtl="0" eaLnBrk="1" latinLnBrk="0" hangingPunct="1">
@@ -20985,10 +20783,45 @@
           </a:p>
           <a:p>
             <a:pPr marL="0" indent="0">
-              <a:buFont typeface="Arial" panose="020B0604020202020204" pitchFamily="34" charset="0"/>
               <a:buNone/>
             </a:pPr>
-            <a:endParaRPr lang="en-US" sz="1600" dirty="0"/>
+            <a:r>
+              <a:rPr lang="en-US" sz="1400" dirty="0"/>
+              <a:t>Category manager sourcing</a:t>
+            </a:r>
+          </a:p>
+          <a:p>
+            <a:pPr marL="0" indent="0">
+              <a:buNone/>
+            </a:pPr>
+            <a:r>
+              <a:rPr lang="en-US" sz="1400" dirty="0"/>
+              <a:t>Roles:</a:t>
+            </a:r>
+          </a:p>
+          <a:p>
+            <a:r>
+              <a:rPr lang="en-US" sz="1400" dirty="0"/>
+              <a:t>Requirements Engineer</a:t>
+            </a:r>
+          </a:p>
+          <a:p>
+            <a:r>
+              <a:rPr lang="en-US" sz="1400" dirty="0"/>
+              <a:t>Data Scientist</a:t>
+            </a:r>
+          </a:p>
+          <a:p>
+            <a:r>
+              <a:rPr lang="en-US" sz="1400" dirty="0"/>
+              <a:t>Developer</a:t>
+            </a:r>
+          </a:p>
+          <a:p>
+            <a:r>
+              <a:rPr lang="en-US" sz="1400" dirty="0"/>
+              <a:t>Subject Matter Expert </a:t>
+            </a:r>
           </a:p>
           <a:p>
             <a:pPr marL="0" indent="0">
@@ -21058,7 +20891,7 @@
         </p:spPr>
         <p:txBody>
           <a:bodyPr vert="horz" lIns="91440" tIns="45720" rIns="91440" bIns="45720" rtlCol="0">
-            <a:normAutofit/>
+            <a:normAutofit lnSpcReduction="10000"/>
           </a:bodyPr>
           <a:lstStyle>
             <a:lvl1pPr marL="228600" indent="-228600" algn="l" defTabSz="914400" rtl="0" eaLnBrk="1" latinLnBrk="0" hangingPunct="1">
@@ -21243,7 +21076,44 @@
               <a:buFont typeface="Arial" panose="020B0604020202020204" pitchFamily="34" charset="0"/>
               <a:buNone/>
             </a:pPr>
-            <a:endParaRPr lang="en-US" sz="1600" dirty="0"/>
+            <a:r>
+              <a:rPr lang="en-US" sz="1400" dirty="0"/>
+              <a:t>Software Engineer</a:t>
+            </a:r>
+          </a:p>
+          <a:p>
+            <a:pPr marL="0" indent="0">
+              <a:buFont typeface="Arial" panose="020B0604020202020204" pitchFamily="34" charset="0"/>
+              <a:buNone/>
+            </a:pPr>
+            <a:r>
+              <a:rPr lang="en-US" sz="1400" dirty="0"/>
+              <a:t>Role:</a:t>
+            </a:r>
+          </a:p>
+          <a:p>
+            <a:r>
+              <a:rPr lang="en-US" sz="1400" dirty="0"/>
+              <a:t>Solution Architect</a:t>
+            </a:r>
+          </a:p>
+          <a:p>
+            <a:r>
+              <a:rPr lang="en-US" sz="1400" dirty="0"/>
+              <a:t>Developer</a:t>
+            </a:r>
+          </a:p>
+          <a:p>
+            <a:r>
+              <a:rPr lang="en-US" sz="1400" dirty="0"/>
+              <a:t>Requirements Engineer</a:t>
+            </a:r>
+          </a:p>
+          <a:p>
+            <a:r>
+              <a:rPr lang="en-US" sz="1400" dirty="0"/>
+              <a:t>Quality Assurance Engineer </a:t>
+            </a:r>
           </a:p>
           <a:p>
             <a:pPr marL="0" indent="0">
@@ -21263,10 +21133,10 @@
       </p:sp>
       <p:pic>
         <p:nvPicPr>
-          <p:cNvPr id="6" name="Picture 5" descr="A person with blonde hair&#10;&#10;Description automatically generated">
+          <p:cNvPr id="3" name="Picture 2">
             <a:extLst>
               <a:ext uri="{FF2B5EF4-FFF2-40B4-BE49-F238E27FC236}">
-                <a16:creationId xmlns:a16="http://schemas.microsoft.com/office/drawing/2014/main" id="{CAF6891A-57CB-E7B2-552E-BE9AAD42442B}"/>
+                <a16:creationId xmlns:a16="http://schemas.microsoft.com/office/drawing/2014/main" id="{18BD7DA9-3476-EFD2-86AC-78FA420708B1}"/>
               </a:ext>
             </a:extLst>
           </p:cNvPr>
@@ -21276,21 +21146,15 @@
           <p:nvPr/>
         </p:nvPicPr>
         <p:blipFill>
-          <a:blip r:embed="rId3">
-            <a:extLst>
-              <a:ext uri="{837473B0-CC2E-450A-ABE3-18F120FF3D39}">
-                <a1611:picAttrSrcUrl xmlns:a1611="http://schemas.microsoft.com/office/drawing/2016/11/main" r:id="rId4"/>
-              </a:ext>
-            </a:extLst>
-          </a:blip>
+          <a:blip r:embed="rId3"/>
           <a:stretch>
             <a:fillRect/>
           </a:stretch>
         </p:blipFill>
         <p:spPr>
           <a:xfrm>
-            <a:off x="5291545" y="2347414"/>
-            <a:ext cx="1605862" cy="1605862"/>
+            <a:off x="5144876" y="2364714"/>
+            <a:ext cx="1605582" cy="1588562"/>
           </a:xfrm>
           <a:prstGeom prst="rect">
             <a:avLst/>
@@ -21299,38 +21163,49 @@
       </p:pic>
       <p:pic>
         <p:nvPicPr>
-          <p:cNvPr id="9" name="Picture 8" descr="A person with blonde hair&#10;&#10;Description automatically generated">
+          <p:cNvPr id="1026" name="Picture 2" descr="Profile photo of Suhasini Aswath">
             <a:extLst>
               <a:ext uri="{FF2B5EF4-FFF2-40B4-BE49-F238E27FC236}">
-                <a16:creationId xmlns:a16="http://schemas.microsoft.com/office/drawing/2014/main" id="{2F24F256-A141-CBF1-67EC-1191FC3BD8EC}"/>
+                <a16:creationId xmlns:a16="http://schemas.microsoft.com/office/drawing/2014/main" id="{6B1E4D9F-8E90-08B5-DD7C-742190AD8F45}"/>
               </a:ext>
             </a:extLst>
           </p:cNvPr>
           <p:cNvPicPr>
-            <a:picLocks noChangeAspect="1"/>
+            <a:picLocks noChangeAspect="1" noChangeArrowheads="1"/>
           </p:cNvPicPr>
           <p:nvPr/>
         </p:nvPicPr>
         <p:blipFill>
-          <a:blip r:embed="rId3">
+          <a:blip r:embed="rId4">
             <a:extLst>
-              <a:ext uri="{837473B0-CC2E-450A-ABE3-18F120FF3D39}">
-                <a1611:picAttrSrcUrl xmlns:a1611="http://schemas.microsoft.com/office/drawing/2016/11/main" r:id="rId4"/>
+              <a:ext uri="{28A0092B-C50C-407E-A947-70E740481C1C}">
+                <a14:useLocalDpi xmlns:a14="http://schemas.microsoft.com/office/drawing/2010/main" val="0"/>
               </a:ext>
             </a:extLst>
           </a:blip>
+          <a:srcRect/>
           <a:stretch>
             <a:fillRect/>
           </a:stretch>
         </p:blipFill>
-        <p:spPr>
+        <p:spPr bwMode="auto">
           <a:xfrm>
-            <a:off x="9244584" y="2347414"/>
-            <a:ext cx="1605862" cy="1605862"/>
+            <a:off x="9160424" y="2347694"/>
+            <a:ext cx="1605582" cy="1605582"/>
           </a:xfrm>
           <a:prstGeom prst="rect">
             <a:avLst/>
           </a:prstGeom>
+          <a:noFill/>
+          <a:extLst>
+            <a:ext uri="{909E8E84-426E-40DD-AFC4-6F175D3DCCD1}">
+              <a14:hiddenFill xmlns:a14="http://schemas.microsoft.com/office/drawing/2010/main">
+                <a:solidFill>
+                  <a:srgbClr val="FFFFFF"/>
+                </a:solidFill>
+              </a14:hiddenFill>
+            </a:ext>
+          </a:extLst>
         </p:spPr>
       </p:pic>
     </p:spTree>

--- a/documentation/ML_Project.pptx
+++ b/documentation/ML_Project.pptx
@@ -14679,10 +14679,10 @@
       </p:sp>
       <p:pic>
         <p:nvPicPr>
-          <p:cNvPr id="3" name="Picture 2">
+          <p:cNvPr id="5" name="Picture 4">
             <a:extLst>
               <a:ext uri="{FF2B5EF4-FFF2-40B4-BE49-F238E27FC236}">
-                <a16:creationId xmlns:a16="http://schemas.microsoft.com/office/drawing/2014/main" id="{A0F64CD4-8CCA-D97D-CE47-7F8DCB343202}"/>
+                <a16:creationId xmlns:a16="http://schemas.microsoft.com/office/drawing/2014/main" id="{DB9D2C14-0773-9C34-CFF4-5BDC1BC10DAB}"/>
               </a:ext>
             </a:extLst>
           </p:cNvPr>
@@ -14699,8 +14699,8 @@
         </p:blipFill>
         <p:spPr>
           <a:xfrm>
-            <a:off x="583664" y="2016926"/>
-            <a:ext cx="7401213" cy="2824147"/>
+            <a:off x="964018" y="2158904"/>
+            <a:ext cx="6655388" cy="2539556"/>
           </a:xfrm>
           <a:prstGeom prst="rect">
             <a:avLst/>
@@ -22542,36 +22542,6 @@
           </a:p>
         </p:txBody>
       </p:sp>
-      <p:pic>
-        <p:nvPicPr>
-          <p:cNvPr id="5" name="Picture 4" descr="A diagram of software components&#10;&#10;Description automatically generated">
-            <a:extLst>
-              <a:ext uri="{FF2B5EF4-FFF2-40B4-BE49-F238E27FC236}">
-                <a16:creationId xmlns:a16="http://schemas.microsoft.com/office/drawing/2014/main" id="{27D3CEDD-1F33-3AE7-4765-84D591550D20}"/>
-              </a:ext>
-            </a:extLst>
-          </p:cNvPr>
-          <p:cNvPicPr>
-            <a:picLocks noChangeAspect="1"/>
-          </p:cNvPicPr>
-          <p:nvPr/>
-        </p:nvPicPr>
-        <p:blipFill>
-          <a:blip r:embed="rId2"/>
-          <a:stretch>
-            <a:fillRect/>
-          </a:stretch>
-        </p:blipFill>
-        <p:spPr>
-          <a:xfrm>
-            <a:off x="5922492" y="1078015"/>
-            <a:ext cx="5536001" cy="4627313"/>
-          </a:xfrm>
-          <a:prstGeom prst="rect">
-            <a:avLst/>
-          </a:prstGeom>
-        </p:spPr>
-      </p:pic>
       <p:sp>
         <p:nvSpPr>
           <p:cNvPr id="32" name="Rectangle 31">
@@ -22635,6 +22605,36 @@
           </a:p>
         </p:txBody>
       </p:sp>
+      <p:pic>
+        <p:nvPicPr>
+          <p:cNvPr id="3" name="Picture 2">
+            <a:extLst>
+              <a:ext uri="{FF2B5EF4-FFF2-40B4-BE49-F238E27FC236}">
+                <a16:creationId xmlns:a16="http://schemas.microsoft.com/office/drawing/2014/main" id="{280F4D0F-191C-3535-0770-F5E78DAB93DD}"/>
+              </a:ext>
+            </a:extLst>
+          </p:cNvPr>
+          <p:cNvPicPr>
+            <a:picLocks noChangeAspect="1"/>
+          </p:cNvPicPr>
+          <p:nvPr/>
+        </p:nvPicPr>
+        <p:blipFill>
+          <a:blip r:embed="rId2"/>
+          <a:stretch>
+            <a:fillRect/>
+          </a:stretch>
+        </p:blipFill>
+        <p:spPr>
+          <a:xfrm>
+            <a:off x="7012568" y="2088521"/>
+            <a:ext cx="3442711" cy="2868926"/>
+          </a:xfrm>
+          <a:prstGeom prst="rect">
+            <a:avLst/>
+          </a:prstGeom>
+        </p:spPr>
+      </p:pic>
     </p:spTree>
     <p:extLst>
       <p:ext uri="{BB962C8B-B14F-4D97-AF65-F5344CB8AC3E}">
@@ -22991,36 +22991,6 @@
           </a:p>
         </p:txBody>
       </p:sp>
-      <p:pic>
-        <p:nvPicPr>
-          <p:cNvPr id="4" name="Picture 3" descr="A diagram of a model&#10;&#10;Description automatically generated">
-            <a:extLst>
-              <a:ext uri="{FF2B5EF4-FFF2-40B4-BE49-F238E27FC236}">
-                <a16:creationId xmlns:a16="http://schemas.microsoft.com/office/drawing/2014/main" id="{B60E2375-8F3A-5797-D2A5-AA2073BE4986}"/>
-              </a:ext>
-            </a:extLst>
-          </p:cNvPr>
-          <p:cNvPicPr>
-            <a:picLocks noChangeAspect="1"/>
-          </p:cNvPicPr>
-          <p:nvPr/>
-        </p:nvPicPr>
-        <p:blipFill>
-          <a:blip r:embed="rId2"/>
-          <a:stretch>
-            <a:fillRect/>
-          </a:stretch>
-        </p:blipFill>
-        <p:spPr>
-          <a:xfrm>
-            <a:off x="545238" y="2037921"/>
-            <a:ext cx="7608304" cy="2853113"/>
-          </a:xfrm>
-          <a:prstGeom prst="rect">
-            <a:avLst/>
-          </a:prstGeom>
-        </p:spPr>
-      </p:pic>
       <p:sp>
         <p:nvSpPr>
           <p:cNvPr id="15" name="Rectangle 14">
@@ -23084,6 +23054,36 @@
           </a:p>
         </p:txBody>
       </p:sp>
+      <p:pic>
+        <p:nvPicPr>
+          <p:cNvPr id="3" name="Picture 2">
+            <a:extLst>
+              <a:ext uri="{FF2B5EF4-FFF2-40B4-BE49-F238E27FC236}">
+                <a16:creationId xmlns:a16="http://schemas.microsoft.com/office/drawing/2014/main" id="{80C76BA1-A5E3-7A51-B12D-012AD8F0823D}"/>
+              </a:ext>
+            </a:extLst>
+          </p:cNvPr>
+          <p:cNvPicPr>
+            <a:picLocks noChangeAspect="1"/>
+          </p:cNvPicPr>
+          <p:nvPr/>
+        </p:nvPicPr>
+        <p:blipFill>
+          <a:blip r:embed="rId2"/>
+          <a:stretch>
+            <a:fillRect/>
+          </a:stretch>
+        </p:blipFill>
+        <p:spPr>
+          <a:xfrm>
+            <a:off x="818262" y="2144395"/>
+            <a:ext cx="6946900" cy="2603500"/>
+          </a:xfrm>
+          <a:prstGeom prst="rect">
+            <a:avLst/>
+          </a:prstGeom>
+        </p:spPr>
+      </p:pic>
     </p:spTree>
     <p:extLst>
       <p:ext uri="{BB962C8B-B14F-4D97-AF65-F5344CB8AC3E}">
@@ -23357,36 +23357,6 @@
           </a:p>
         </p:txBody>
       </p:sp>
-      <p:pic>
-        <p:nvPicPr>
-          <p:cNvPr id="8" name="Picture 7">
-            <a:extLst>
-              <a:ext uri="{FF2B5EF4-FFF2-40B4-BE49-F238E27FC236}">
-                <a16:creationId xmlns:a16="http://schemas.microsoft.com/office/drawing/2014/main" id="{F3A0EDF7-DD5C-37E3-3684-0A2F0616036D}"/>
-              </a:ext>
-            </a:extLst>
-          </p:cNvPr>
-          <p:cNvPicPr>
-            <a:picLocks noChangeAspect="1"/>
-          </p:cNvPicPr>
-          <p:nvPr/>
-        </p:nvPicPr>
-        <p:blipFill>
-          <a:blip r:embed="rId2"/>
-          <a:stretch>
-            <a:fillRect/>
-          </a:stretch>
-        </p:blipFill>
-        <p:spPr>
-          <a:xfrm>
-            <a:off x="545238" y="2047431"/>
-            <a:ext cx="7608304" cy="2834093"/>
-          </a:xfrm>
-          <a:prstGeom prst="rect">
-            <a:avLst/>
-          </a:prstGeom>
-        </p:spPr>
-      </p:pic>
       <p:sp>
         <p:nvSpPr>
           <p:cNvPr id="19" name="Rectangle 18">
@@ -23450,6 +23420,36 @@
           </a:p>
         </p:txBody>
       </p:sp>
+      <p:pic>
+        <p:nvPicPr>
+          <p:cNvPr id="3" name="Picture 2">
+            <a:extLst>
+              <a:ext uri="{FF2B5EF4-FFF2-40B4-BE49-F238E27FC236}">
+                <a16:creationId xmlns:a16="http://schemas.microsoft.com/office/drawing/2014/main" id="{3B8CFA9F-695B-7326-59F6-80294007173E}"/>
+              </a:ext>
+            </a:extLst>
+          </p:cNvPr>
+          <p:cNvPicPr>
+            <a:picLocks noChangeAspect="1"/>
+          </p:cNvPicPr>
+          <p:nvPr/>
+        </p:nvPicPr>
+        <p:blipFill>
+          <a:blip r:embed="rId2"/>
+          <a:stretch>
+            <a:fillRect/>
+          </a:stretch>
+        </p:blipFill>
+        <p:spPr>
+          <a:xfrm>
+            <a:off x="1129412" y="2253932"/>
+            <a:ext cx="6324600" cy="2349500"/>
+          </a:xfrm>
+          <a:prstGeom prst="rect">
+            <a:avLst/>
+          </a:prstGeom>
+        </p:spPr>
+      </p:pic>
     </p:spTree>
     <p:extLst>
       <p:ext uri="{BB962C8B-B14F-4D97-AF65-F5344CB8AC3E}">
